--- a/Report/Presentation.pptx
+++ b/Report/Presentation.pptx
@@ -6,7 +6,7 @@
     <p:sldMasterId id="2147483673" r:id="rId2"/>
   </p:sldMasterIdLst>
   <p:notesMasterIdLst>
-    <p:notesMasterId r:id="rId14"/>
+    <p:notesMasterId r:id="rId16"/>
   </p:notesMasterIdLst>
   <p:sldIdLst>
     <p:sldId id="256" r:id="rId3"/>
@@ -17,9 +17,11 @@
     <p:sldId id="401" r:id="rId8"/>
     <p:sldId id="408" r:id="rId9"/>
     <p:sldId id="410" r:id="rId10"/>
-    <p:sldId id="404" r:id="rId11"/>
-    <p:sldId id="405" r:id="rId12"/>
-    <p:sldId id="319" r:id="rId13"/>
+    <p:sldId id="414" r:id="rId11"/>
+    <p:sldId id="413" r:id="rId12"/>
+    <p:sldId id="404" r:id="rId13"/>
+    <p:sldId id="405" r:id="rId14"/>
+    <p:sldId id="319" r:id="rId15"/>
   </p:sldIdLst>
   <p:sldSz cx="9144000" cy="6858000" type="screen4x3"/>
   <p:notesSz cx="6858000" cy="9144000"/>
@@ -289,7 +291,7 @@
               <a:pPr>
                 <a:defRPr/>
               </a:pPr>
-              <a:t>6/28/2016</a:t>
+              <a:t>6/29/2016</a:t>
             </a:fld>
             <a:endParaRPr lang="en-US"/>
           </a:p>
@@ -966,6 +968,574 @@
     </p:spTree>
     <p:extLst>
       <p:ext uri="{BB962C8B-B14F-4D97-AF65-F5344CB8AC3E}">
+        <p14:creationId xmlns:p14="http://schemas.microsoft.com/office/powerpoint/2010/main" val="1447825561"/>
+      </p:ext>
+    </p:extLst>
+  </p:cSld>
+  <p:clrMapOvr>
+    <a:masterClrMapping/>
+  </p:clrMapOvr>
+</p:notes>
+</file>
+
+<file path=ppt/notesSlides/notesSlide11.xml><?xml version="1.0" encoding="utf-8"?>
+<p:notes xmlns:a="http://schemas.openxmlformats.org/drawingml/2006/main" xmlns:r="http://schemas.openxmlformats.org/officeDocument/2006/relationships" xmlns:p="http://schemas.openxmlformats.org/presentationml/2006/main">
+  <p:cSld>
+    <p:spTree>
+      <p:nvGrpSpPr>
+        <p:cNvPr id="1" name=""/>
+        <p:cNvGrpSpPr/>
+        <p:nvPr/>
+      </p:nvGrpSpPr>
+      <p:grpSpPr>
+        <a:xfrm>
+          <a:off x="0" y="0"/>
+          <a:ext cx="0" cy="0"/>
+          <a:chOff x="0" y="0"/>
+          <a:chExt cx="0" cy="0"/>
+        </a:xfrm>
+      </p:grpSpPr>
+      <p:sp>
+        <p:nvSpPr>
+          <p:cNvPr id="40962" name="Slide Image Placeholder 1"/>
+          <p:cNvSpPr>
+            <a:spLocks noGrp="1" noRot="1" noChangeAspect="1" noTextEdit="1"/>
+          </p:cNvSpPr>
+          <p:nvPr>
+            <p:ph type="sldImg"/>
+          </p:nvPr>
+        </p:nvSpPr>
+        <p:spPr bwMode="auto">
+          <a:noFill/>
+          <a:ln>
+            <a:solidFill>
+              <a:srgbClr val="000000"/>
+            </a:solidFill>
+            <a:miter lim="800000"/>
+            <a:headEnd/>
+            <a:tailEnd/>
+          </a:ln>
+          <a:extLst>
+            <a:ext uri="{909E8E84-426E-40DD-AFC4-6F175D3DCCD1}">
+              <a14:hiddenFill xmlns:a14="http://schemas.microsoft.com/office/drawing/2010/main">
+                <a:solidFill>
+                  <a:srgbClr val="FFFFFF"/>
+                </a:solidFill>
+              </a14:hiddenFill>
+            </a:ext>
+          </a:extLst>
+        </p:spPr>
+      </p:sp>
+      <p:sp>
+        <p:nvSpPr>
+          <p:cNvPr id="40963" name="Notes Placeholder 2"/>
+          <p:cNvSpPr>
+            <a:spLocks noGrp="1"/>
+          </p:cNvSpPr>
+          <p:nvPr>
+            <p:ph type="body" idx="1"/>
+          </p:nvPr>
+        </p:nvSpPr>
+        <p:spPr bwMode="auto">
+          <a:noFill/>
+          <a:extLst>
+            <a:ext uri="{909E8E84-426E-40DD-AFC4-6F175D3DCCD1}">
+              <a14:hiddenFill xmlns:a14="http://schemas.microsoft.com/office/drawing/2010/main">
+                <a:solidFill>
+                  <a:srgbClr val="FFFFFF"/>
+                </a:solidFill>
+              </a14:hiddenFill>
+            </a:ext>
+            <a:ext uri="{91240B29-F687-4F45-9708-019B960494DF}">
+              <a14:hiddenLine xmlns:a14="http://schemas.microsoft.com/office/drawing/2010/main" w="9525">
+                <a:solidFill>
+                  <a:srgbClr val="000000"/>
+                </a:solidFill>
+                <a:miter lim="800000"/>
+                <a:headEnd/>
+                <a:tailEnd/>
+              </a14:hiddenLine>
+            </a:ext>
+          </a:extLst>
+        </p:spPr>
+        <p:txBody>
+          <a:bodyPr wrap="square" numCol="1" anchor="t" anchorCtr="0" compatLnSpc="1">
+            <a:prstTxWarp prst="textNoShape">
+              <a:avLst/>
+            </a:prstTxWarp>
+          </a:bodyPr>
+          <a:lstStyle/>
+          <a:p>
+            <a:pPr eaLnBrk="1" hangingPunct="1">
+              <a:spcBef>
+                <a:spcPct val="0"/>
+              </a:spcBef>
+            </a:pPr>
+            <a:endParaRPr lang="en-US" altLang="en-US" dirty="0"/>
+          </a:p>
+        </p:txBody>
+      </p:sp>
+      <p:sp>
+        <p:nvSpPr>
+          <p:cNvPr id="40964" name="Slide Number Placeholder 3"/>
+          <p:cNvSpPr>
+            <a:spLocks noGrp="1"/>
+          </p:cNvSpPr>
+          <p:nvPr>
+            <p:ph type="sldNum" sz="quarter" idx="5"/>
+          </p:nvPr>
+        </p:nvSpPr>
+        <p:spPr bwMode="auto">
+          <a:noFill/>
+          <a:extLst>
+            <a:ext uri="{909E8E84-426E-40DD-AFC4-6F175D3DCCD1}">
+              <a14:hiddenFill xmlns:a14="http://schemas.microsoft.com/office/drawing/2010/main">
+                <a:solidFill>
+                  <a:srgbClr val="FFFFFF"/>
+                </a:solidFill>
+              </a14:hiddenFill>
+            </a:ext>
+            <a:ext uri="{91240B29-F687-4F45-9708-019B960494DF}">
+              <a14:hiddenLine xmlns:a14="http://schemas.microsoft.com/office/drawing/2010/main" w="9525">
+                <a:solidFill>
+                  <a:srgbClr val="000000"/>
+                </a:solidFill>
+                <a:miter lim="800000"/>
+                <a:headEnd/>
+                <a:tailEnd/>
+              </a14:hiddenLine>
+            </a:ext>
+          </a:extLst>
+        </p:spPr>
+        <p:txBody>
+          <a:bodyPr/>
+          <a:lstStyle>
+            <a:lvl1pPr algn="l" rtl="0" eaLnBrk="0" hangingPunct="0">
+              <a:spcBef>
+                <a:spcPct val="30000"/>
+              </a:spcBef>
+              <a:defRPr sz="1200">
+                <a:solidFill>
+                  <a:schemeClr val="tx1"/>
+                </a:solidFill>
+                <a:latin typeface="Calibri" panose="020F0502020204030204" pitchFamily="34" charset="0"/>
+              </a:defRPr>
+            </a:lvl1pPr>
+            <a:lvl2pPr marL="755650" indent="-290513" algn="l" rtl="0" eaLnBrk="0" hangingPunct="0">
+              <a:spcBef>
+                <a:spcPct val="30000"/>
+              </a:spcBef>
+              <a:defRPr sz="1200">
+                <a:solidFill>
+                  <a:schemeClr val="tx1"/>
+                </a:solidFill>
+                <a:latin typeface="Calibri" panose="020F0502020204030204" pitchFamily="34" charset="0"/>
+              </a:defRPr>
+            </a:lvl2pPr>
+            <a:lvl3pPr marL="1163638" indent="-231775" algn="l" rtl="0" eaLnBrk="0" hangingPunct="0">
+              <a:spcBef>
+                <a:spcPct val="30000"/>
+              </a:spcBef>
+              <a:defRPr sz="1200">
+                <a:solidFill>
+                  <a:schemeClr val="tx1"/>
+                </a:solidFill>
+                <a:latin typeface="Calibri" panose="020F0502020204030204" pitchFamily="34" charset="0"/>
+              </a:defRPr>
+            </a:lvl3pPr>
+            <a:lvl4pPr marL="1630363" indent="-231775" algn="l" rtl="0" eaLnBrk="0" hangingPunct="0">
+              <a:spcBef>
+                <a:spcPct val="30000"/>
+              </a:spcBef>
+              <a:defRPr sz="1200">
+                <a:solidFill>
+                  <a:schemeClr val="tx1"/>
+                </a:solidFill>
+                <a:latin typeface="Calibri" panose="020F0502020204030204" pitchFamily="34" charset="0"/>
+              </a:defRPr>
+            </a:lvl4pPr>
+            <a:lvl5pPr marL="2095500" indent="-231775" algn="l" rtl="0" eaLnBrk="0" hangingPunct="0">
+              <a:spcBef>
+                <a:spcPct val="30000"/>
+              </a:spcBef>
+              <a:defRPr sz="1200">
+                <a:solidFill>
+                  <a:schemeClr val="tx1"/>
+                </a:solidFill>
+                <a:latin typeface="Calibri" panose="020F0502020204030204" pitchFamily="34" charset="0"/>
+              </a:defRPr>
+            </a:lvl5pPr>
+            <a:lvl6pPr marL="2552700" indent="-231775" algn="l" rtl="0" eaLnBrk="0" fontAlgn="base" hangingPunct="0">
+              <a:spcBef>
+                <a:spcPct val="30000"/>
+              </a:spcBef>
+              <a:spcAft>
+                <a:spcPct val="0"/>
+              </a:spcAft>
+              <a:defRPr sz="1200">
+                <a:solidFill>
+                  <a:schemeClr val="tx1"/>
+                </a:solidFill>
+                <a:latin typeface="Calibri" panose="020F0502020204030204" pitchFamily="34" charset="0"/>
+              </a:defRPr>
+            </a:lvl6pPr>
+            <a:lvl7pPr marL="3009900" indent="-231775" algn="l" rtl="0" eaLnBrk="0" fontAlgn="base" hangingPunct="0">
+              <a:spcBef>
+                <a:spcPct val="30000"/>
+              </a:spcBef>
+              <a:spcAft>
+                <a:spcPct val="0"/>
+              </a:spcAft>
+              <a:defRPr sz="1200">
+                <a:solidFill>
+                  <a:schemeClr val="tx1"/>
+                </a:solidFill>
+                <a:latin typeface="Calibri" panose="020F0502020204030204" pitchFamily="34" charset="0"/>
+              </a:defRPr>
+            </a:lvl7pPr>
+            <a:lvl8pPr marL="3467100" indent="-231775" algn="l" rtl="0" eaLnBrk="0" fontAlgn="base" hangingPunct="0">
+              <a:spcBef>
+                <a:spcPct val="30000"/>
+              </a:spcBef>
+              <a:spcAft>
+                <a:spcPct val="0"/>
+              </a:spcAft>
+              <a:defRPr sz="1200">
+                <a:solidFill>
+                  <a:schemeClr val="tx1"/>
+                </a:solidFill>
+                <a:latin typeface="Calibri" panose="020F0502020204030204" pitchFamily="34" charset="0"/>
+              </a:defRPr>
+            </a:lvl8pPr>
+            <a:lvl9pPr marL="3924300" indent="-231775" algn="l" rtl="0" eaLnBrk="0" fontAlgn="base" hangingPunct="0">
+              <a:spcBef>
+                <a:spcPct val="30000"/>
+              </a:spcBef>
+              <a:spcAft>
+                <a:spcPct val="0"/>
+              </a:spcAft>
+              <a:defRPr sz="1200">
+                <a:solidFill>
+                  <a:schemeClr val="tx1"/>
+                </a:solidFill>
+                <a:latin typeface="Calibri" panose="020F0502020204030204" pitchFamily="34" charset="0"/>
+              </a:defRPr>
+            </a:lvl9pPr>
+          </a:lstStyle>
+          <a:p>
+            <a:pPr algn="r" eaLnBrk="1" hangingPunct="1">
+              <a:spcBef>
+                <a:spcPct val="0"/>
+              </a:spcBef>
+            </a:pPr>
+            <a:fld id="{A9B0EC19-4D11-4F5D-A414-66FAA80E5D6E}" type="slidenum">
+              <a:rPr lang="en-US" altLang="en-US">
+                <a:solidFill>
+                  <a:srgbClr val="000000"/>
+                </a:solidFill>
+              </a:rPr>
+              <a:pPr algn="r" eaLnBrk="1" hangingPunct="1">
+                <a:spcBef>
+                  <a:spcPct val="0"/>
+                </a:spcBef>
+              </a:pPr>
+              <a:t>11</a:t>
+            </a:fld>
+            <a:endParaRPr lang="en-US" altLang="en-US">
+              <a:solidFill>
+                <a:srgbClr val="000000"/>
+              </a:solidFill>
+            </a:endParaRPr>
+          </a:p>
+        </p:txBody>
+      </p:sp>
+    </p:spTree>
+    <p:extLst>
+      <p:ext uri="{BB962C8B-B14F-4D97-AF65-F5344CB8AC3E}">
+        <p14:creationId xmlns:p14="http://schemas.microsoft.com/office/powerpoint/2010/main" val="4197263872"/>
+      </p:ext>
+    </p:extLst>
+  </p:cSld>
+  <p:clrMapOvr>
+    <a:masterClrMapping/>
+  </p:clrMapOvr>
+</p:notes>
+</file>
+
+<file path=ppt/notesSlides/notesSlide12.xml><?xml version="1.0" encoding="utf-8"?>
+<p:notes xmlns:a="http://schemas.openxmlformats.org/drawingml/2006/main" xmlns:r="http://schemas.openxmlformats.org/officeDocument/2006/relationships" xmlns:p="http://schemas.openxmlformats.org/presentationml/2006/main">
+  <p:cSld>
+    <p:spTree>
+      <p:nvGrpSpPr>
+        <p:cNvPr id="1" name=""/>
+        <p:cNvGrpSpPr/>
+        <p:nvPr/>
+      </p:nvGrpSpPr>
+      <p:grpSpPr>
+        <a:xfrm>
+          <a:off x="0" y="0"/>
+          <a:ext cx="0" cy="0"/>
+          <a:chOff x="0" y="0"/>
+          <a:chExt cx="0" cy="0"/>
+        </a:xfrm>
+      </p:grpSpPr>
+      <p:sp>
+        <p:nvSpPr>
+          <p:cNvPr id="40962" name="Slide Image Placeholder 1"/>
+          <p:cNvSpPr>
+            <a:spLocks noGrp="1" noRot="1" noChangeAspect="1" noTextEdit="1"/>
+          </p:cNvSpPr>
+          <p:nvPr>
+            <p:ph type="sldImg"/>
+          </p:nvPr>
+        </p:nvSpPr>
+        <p:spPr bwMode="auto">
+          <a:noFill/>
+          <a:ln>
+            <a:solidFill>
+              <a:srgbClr val="000000"/>
+            </a:solidFill>
+            <a:miter lim="800000"/>
+            <a:headEnd/>
+            <a:tailEnd/>
+          </a:ln>
+          <a:extLst>
+            <a:ext uri="{909E8E84-426E-40DD-AFC4-6F175D3DCCD1}">
+              <a14:hiddenFill xmlns:a14="http://schemas.microsoft.com/office/drawing/2010/main">
+                <a:solidFill>
+                  <a:srgbClr val="FFFFFF"/>
+                </a:solidFill>
+              </a14:hiddenFill>
+            </a:ext>
+          </a:extLst>
+        </p:spPr>
+      </p:sp>
+      <p:sp>
+        <p:nvSpPr>
+          <p:cNvPr id="40963" name="Notes Placeholder 2"/>
+          <p:cNvSpPr>
+            <a:spLocks noGrp="1"/>
+          </p:cNvSpPr>
+          <p:nvPr>
+            <p:ph type="body" idx="1"/>
+          </p:nvPr>
+        </p:nvSpPr>
+        <p:spPr bwMode="auto">
+          <a:noFill/>
+          <a:extLst>
+            <a:ext uri="{909E8E84-426E-40DD-AFC4-6F175D3DCCD1}">
+              <a14:hiddenFill xmlns:a14="http://schemas.microsoft.com/office/drawing/2010/main">
+                <a:solidFill>
+                  <a:srgbClr val="FFFFFF"/>
+                </a:solidFill>
+              </a14:hiddenFill>
+            </a:ext>
+            <a:ext uri="{91240B29-F687-4F45-9708-019B960494DF}">
+              <a14:hiddenLine xmlns:a14="http://schemas.microsoft.com/office/drawing/2010/main" w="9525">
+                <a:solidFill>
+                  <a:srgbClr val="000000"/>
+                </a:solidFill>
+                <a:miter lim="800000"/>
+                <a:headEnd/>
+                <a:tailEnd/>
+              </a14:hiddenLine>
+            </a:ext>
+          </a:extLst>
+        </p:spPr>
+        <p:txBody>
+          <a:bodyPr wrap="square" numCol="1" anchor="t" anchorCtr="0" compatLnSpc="1">
+            <a:prstTxWarp prst="textNoShape">
+              <a:avLst/>
+            </a:prstTxWarp>
+          </a:bodyPr>
+          <a:lstStyle/>
+          <a:p>
+            <a:pPr eaLnBrk="1" hangingPunct="1">
+              <a:spcBef>
+                <a:spcPct val="0"/>
+              </a:spcBef>
+            </a:pPr>
+            <a:endParaRPr lang="en-US" altLang="en-US" dirty="0"/>
+          </a:p>
+        </p:txBody>
+      </p:sp>
+      <p:sp>
+        <p:nvSpPr>
+          <p:cNvPr id="40964" name="Slide Number Placeholder 3"/>
+          <p:cNvSpPr>
+            <a:spLocks noGrp="1"/>
+          </p:cNvSpPr>
+          <p:nvPr>
+            <p:ph type="sldNum" sz="quarter" idx="5"/>
+          </p:nvPr>
+        </p:nvSpPr>
+        <p:spPr bwMode="auto">
+          <a:noFill/>
+          <a:extLst>
+            <a:ext uri="{909E8E84-426E-40DD-AFC4-6F175D3DCCD1}">
+              <a14:hiddenFill xmlns:a14="http://schemas.microsoft.com/office/drawing/2010/main">
+                <a:solidFill>
+                  <a:srgbClr val="FFFFFF"/>
+                </a:solidFill>
+              </a14:hiddenFill>
+            </a:ext>
+            <a:ext uri="{91240B29-F687-4F45-9708-019B960494DF}">
+              <a14:hiddenLine xmlns:a14="http://schemas.microsoft.com/office/drawing/2010/main" w="9525">
+                <a:solidFill>
+                  <a:srgbClr val="000000"/>
+                </a:solidFill>
+                <a:miter lim="800000"/>
+                <a:headEnd/>
+                <a:tailEnd/>
+              </a14:hiddenLine>
+            </a:ext>
+          </a:extLst>
+        </p:spPr>
+        <p:txBody>
+          <a:bodyPr/>
+          <a:lstStyle>
+            <a:lvl1pPr algn="l" rtl="0" eaLnBrk="0" hangingPunct="0">
+              <a:spcBef>
+                <a:spcPct val="30000"/>
+              </a:spcBef>
+              <a:defRPr sz="1200">
+                <a:solidFill>
+                  <a:schemeClr val="tx1"/>
+                </a:solidFill>
+                <a:latin typeface="Calibri" panose="020F0502020204030204" pitchFamily="34" charset="0"/>
+              </a:defRPr>
+            </a:lvl1pPr>
+            <a:lvl2pPr marL="755650" indent="-290513" algn="l" rtl="0" eaLnBrk="0" hangingPunct="0">
+              <a:spcBef>
+                <a:spcPct val="30000"/>
+              </a:spcBef>
+              <a:defRPr sz="1200">
+                <a:solidFill>
+                  <a:schemeClr val="tx1"/>
+                </a:solidFill>
+                <a:latin typeface="Calibri" panose="020F0502020204030204" pitchFamily="34" charset="0"/>
+              </a:defRPr>
+            </a:lvl2pPr>
+            <a:lvl3pPr marL="1163638" indent="-231775" algn="l" rtl="0" eaLnBrk="0" hangingPunct="0">
+              <a:spcBef>
+                <a:spcPct val="30000"/>
+              </a:spcBef>
+              <a:defRPr sz="1200">
+                <a:solidFill>
+                  <a:schemeClr val="tx1"/>
+                </a:solidFill>
+                <a:latin typeface="Calibri" panose="020F0502020204030204" pitchFamily="34" charset="0"/>
+              </a:defRPr>
+            </a:lvl3pPr>
+            <a:lvl4pPr marL="1630363" indent="-231775" algn="l" rtl="0" eaLnBrk="0" hangingPunct="0">
+              <a:spcBef>
+                <a:spcPct val="30000"/>
+              </a:spcBef>
+              <a:defRPr sz="1200">
+                <a:solidFill>
+                  <a:schemeClr val="tx1"/>
+                </a:solidFill>
+                <a:latin typeface="Calibri" panose="020F0502020204030204" pitchFamily="34" charset="0"/>
+              </a:defRPr>
+            </a:lvl4pPr>
+            <a:lvl5pPr marL="2095500" indent="-231775" algn="l" rtl="0" eaLnBrk="0" hangingPunct="0">
+              <a:spcBef>
+                <a:spcPct val="30000"/>
+              </a:spcBef>
+              <a:defRPr sz="1200">
+                <a:solidFill>
+                  <a:schemeClr val="tx1"/>
+                </a:solidFill>
+                <a:latin typeface="Calibri" panose="020F0502020204030204" pitchFamily="34" charset="0"/>
+              </a:defRPr>
+            </a:lvl5pPr>
+            <a:lvl6pPr marL="2552700" indent="-231775" algn="l" rtl="0" eaLnBrk="0" fontAlgn="base" hangingPunct="0">
+              <a:spcBef>
+                <a:spcPct val="30000"/>
+              </a:spcBef>
+              <a:spcAft>
+                <a:spcPct val="0"/>
+              </a:spcAft>
+              <a:defRPr sz="1200">
+                <a:solidFill>
+                  <a:schemeClr val="tx1"/>
+                </a:solidFill>
+                <a:latin typeface="Calibri" panose="020F0502020204030204" pitchFamily="34" charset="0"/>
+              </a:defRPr>
+            </a:lvl6pPr>
+            <a:lvl7pPr marL="3009900" indent="-231775" algn="l" rtl="0" eaLnBrk="0" fontAlgn="base" hangingPunct="0">
+              <a:spcBef>
+                <a:spcPct val="30000"/>
+              </a:spcBef>
+              <a:spcAft>
+                <a:spcPct val="0"/>
+              </a:spcAft>
+              <a:defRPr sz="1200">
+                <a:solidFill>
+                  <a:schemeClr val="tx1"/>
+                </a:solidFill>
+                <a:latin typeface="Calibri" panose="020F0502020204030204" pitchFamily="34" charset="0"/>
+              </a:defRPr>
+            </a:lvl7pPr>
+            <a:lvl8pPr marL="3467100" indent="-231775" algn="l" rtl="0" eaLnBrk="0" fontAlgn="base" hangingPunct="0">
+              <a:spcBef>
+                <a:spcPct val="30000"/>
+              </a:spcBef>
+              <a:spcAft>
+                <a:spcPct val="0"/>
+              </a:spcAft>
+              <a:defRPr sz="1200">
+                <a:solidFill>
+                  <a:schemeClr val="tx1"/>
+                </a:solidFill>
+                <a:latin typeface="Calibri" panose="020F0502020204030204" pitchFamily="34" charset="0"/>
+              </a:defRPr>
+            </a:lvl8pPr>
+            <a:lvl9pPr marL="3924300" indent="-231775" algn="l" rtl="0" eaLnBrk="0" fontAlgn="base" hangingPunct="0">
+              <a:spcBef>
+                <a:spcPct val="30000"/>
+              </a:spcBef>
+              <a:spcAft>
+                <a:spcPct val="0"/>
+              </a:spcAft>
+              <a:defRPr sz="1200">
+                <a:solidFill>
+                  <a:schemeClr val="tx1"/>
+                </a:solidFill>
+                <a:latin typeface="Calibri" panose="020F0502020204030204" pitchFamily="34" charset="0"/>
+              </a:defRPr>
+            </a:lvl9pPr>
+          </a:lstStyle>
+          <a:p>
+            <a:pPr algn="r" eaLnBrk="1" hangingPunct="1">
+              <a:spcBef>
+                <a:spcPct val="0"/>
+              </a:spcBef>
+            </a:pPr>
+            <a:fld id="{A9B0EC19-4D11-4F5D-A414-66FAA80E5D6E}" type="slidenum">
+              <a:rPr lang="en-US" altLang="en-US">
+                <a:solidFill>
+                  <a:srgbClr val="000000"/>
+                </a:solidFill>
+              </a:rPr>
+              <a:pPr algn="r" eaLnBrk="1" hangingPunct="1">
+                <a:spcBef>
+                  <a:spcPct val="0"/>
+                </a:spcBef>
+              </a:pPr>
+              <a:t>12</a:t>
+            </a:fld>
+            <a:endParaRPr lang="en-US" altLang="en-US">
+              <a:solidFill>
+                <a:srgbClr val="000000"/>
+              </a:solidFill>
+            </a:endParaRPr>
+          </a:p>
+        </p:txBody>
+      </p:sp>
+    </p:spTree>
+    <p:extLst>
+      <p:ext uri="{BB962C8B-B14F-4D97-AF65-F5344CB8AC3E}">
         <p14:creationId xmlns:p14="http://schemas.microsoft.com/office/powerpoint/2010/main" val="2610704459"/>
       </p:ext>
     </p:extLst>
@@ -976,7 +1546,7 @@
 </p:notes>
 </file>
 
-<file path=ppt/notesSlides/notesSlide11.xml><?xml version="1.0" encoding="utf-8"?>
+<file path=ppt/notesSlides/notesSlide13.xml><?xml version="1.0" encoding="utf-8"?>
 <p:notes xmlns:a="http://schemas.openxmlformats.org/drawingml/2006/main" xmlns:r="http://schemas.openxmlformats.org/officeDocument/2006/relationships" xmlns:p="http://schemas.openxmlformats.org/presentationml/2006/main">
   <p:cSld>
     <p:spTree>
@@ -1233,7 +1803,7 @@
                   <a:spcPct val="0"/>
                 </a:spcBef>
               </a:pPr>
-              <a:t>11</a:t>
+              <a:t>13</a:t>
             </a:fld>
             <a:endParaRPr lang="en-US" altLang="en-US"/>
           </a:p>
@@ -3514,7 +4084,7 @@
     </p:spTree>
     <p:extLst>
       <p:ext uri="{BB962C8B-B14F-4D97-AF65-F5344CB8AC3E}">
-        <p14:creationId xmlns:p14="http://schemas.microsoft.com/office/powerpoint/2010/main" val="4197263872"/>
+        <p14:creationId xmlns:p14="http://schemas.microsoft.com/office/powerpoint/2010/main" val="1828259669"/>
       </p:ext>
     </p:extLst>
   </p:cSld>
@@ -3713,7 +4283,7 @@
               <a:pPr>
                 <a:defRPr/>
               </a:pPr>
-              <a:t>6/28/2016</a:t>
+              <a:t>6/29/2016</a:t>
             </a:fld>
             <a:endParaRPr lang="en-US"/>
           </a:p>
@@ -3903,7 +4473,7 @@
               <a:pPr>
                 <a:defRPr/>
               </a:pPr>
-              <a:t>6/28/2016</a:t>
+              <a:t>6/29/2016</a:t>
             </a:fld>
             <a:endParaRPr lang="en-US"/>
           </a:p>
@@ -4103,7 +4673,7 @@
               <a:pPr>
                 <a:defRPr/>
               </a:pPr>
-              <a:t>6/28/2016</a:t>
+              <a:t>6/29/2016</a:t>
             </a:fld>
             <a:endParaRPr lang="en-US"/>
           </a:p>
@@ -4365,7 +4935,7 @@
               <a:pPr>
                 <a:defRPr/>
               </a:pPr>
-              <a:t>6/28/2016</a:t>
+              <a:t>6/29/2016</a:t>
             </a:fld>
             <a:endParaRPr lang="en-US"/>
           </a:p>
@@ -4555,7 +5125,7 @@
               <a:pPr>
                 <a:defRPr/>
               </a:pPr>
-              <a:t>6/28/2016</a:t>
+              <a:t>6/29/2016</a:t>
             </a:fld>
             <a:endParaRPr lang="en-US"/>
           </a:p>
@@ -4822,7 +5392,7 @@
               <a:pPr>
                 <a:defRPr/>
               </a:pPr>
-              <a:t>6/28/2016</a:t>
+              <a:t>6/29/2016</a:t>
             </a:fld>
             <a:endParaRPr lang="en-US"/>
           </a:p>
@@ -5129,7 +5699,7 @@
               <a:pPr>
                 <a:defRPr/>
               </a:pPr>
-              <a:t>6/28/2016</a:t>
+              <a:t>6/29/2016</a:t>
             </a:fld>
             <a:endParaRPr lang="en-US"/>
           </a:p>
@@ -5570,7 +6140,7 @@
               <a:pPr>
                 <a:defRPr/>
               </a:pPr>
-              <a:t>6/28/2016</a:t>
+              <a:t>6/29/2016</a:t>
             </a:fld>
             <a:endParaRPr lang="en-US"/>
           </a:p>
@@ -5709,7 +6279,7 @@
               <a:pPr>
                 <a:defRPr/>
               </a:pPr>
-              <a:t>6/28/2016</a:t>
+              <a:t>6/29/2016</a:t>
             </a:fld>
             <a:endParaRPr lang="en-US"/>
           </a:p>
@@ -5826,7 +6396,7 @@
               <a:pPr>
                 <a:defRPr/>
               </a:pPr>
-              <a:t>6/28/2016</a:t>
+              <a:t>6/29/2016</a:t>
             </a:fld>
             <a:endParaRPr lang="en-US"/>
           </a:p>
@@ -6123,7 +6693,7 @@
               <a:pPr>
                 <a:defRPr/>
               </a:pPr>
-              <a:t>6/28/2016</a:t>
+              <a:t>6/29/2016</a:t>
             </a:fld>
             <a:endParaRPr lang="en-US"/>
           </a:p>
@@ -6313,7 +6883,7 @@
               <a:pPr>
                 <a:defRPr/>
               </a:pPr>
-              <a:t>6/28/2016</a:t>
+              <a:t>6/29/2016</a:t>
             </a:fld>
             <a:endParaRPr lang="en-US"/>
           </a:p>
@@ -6590,7 +7160,7 @@
               <a:pPr>
                 <a:defRPr/>
               </a:pPr>
-              <a:t>6/28/2016</a:t>
+              <a:t>6/29/2016</a:t>
             </a:fld>
             <a:endParaRPr lang="en-US"/>
           </a:p>
@@ -6780,7 +7350,7 @@
               <a:pPr>
                 <a:defRPr/>
               </a:pPr>
-              <a:t>6/28/2016</a:t>
+              <a:t>6/29/2016</a:t>
             </a:fld>
             <a:endParaRPr lang="en-US"/>
           </a:p>
@@ -6980,7 +7550,7 @@
               <a:pPr>
                 <a:defRPr/>
               </a:pPr>
-              <a:t>6/28/2016</a:t>
+              <a:t>6/29/2016</a:t>
             </a:fld>
             <a:endParaRPr lang="en-US"/>
           </a:p>
@@ -9187,7 +9757,7 @@
               <a:pPr>
                 <a:defRPr/>
               </a:pPr>
-              <a:t>6/28/2016</a:t>
+              <a:t>6/29/2016</a:t>
             </a:fld>
             <a:endParaRPr lang="en-US"/>
           </a:p>
@@ -9494,7 +10064,7 @@
               <a:pPr>
                 <a:defRPr/>
               </a:pPr>
-              <a:t>6/28/2016</a:t>
+              <a:t>6/29/2016</a:t>
             </a:fld>
             <a:endParaRPr lang="en-US"/>
           </a:p>
@@ -9935,7 +10505,7 @@
               <a:pPr>
                 <a:defRPr/>
               </a:pPr>
-              <a:t>6/28/2016</a:t>
+              <a:t>6/29/2016</a:t>
             </a:fld>
             <a:endParaRPr lang="en-US"/>
           </a:p>
@@ -10074,7 +10644,7 @@
               <a:pPr>
                 <a:defRPr/>
               </a:pPr>
-              <a:t>6/28/2016</a:t>
+              <a:t>6/29/2016</a:t>
             </a:fld>
             <a:endParaRPr lang="en-US"/>
           </a:p>
@@ -10191,7 +10761,7 @@
               <a:pPr>
                 <a:defRPr/>
               </a:pPr>
-              <a:t>6/28/2016</a:t>
+              <a:t>6/29/2016</a:t>
             </a:fld>
             <a:endParaRPr lang="en-US"/>
           </a:p>
@@ -10488,7 +11058,7 @@
               <a:pPr>
                 <a:defRPr/>
               </a:pPr>
-              <a:t>6/28/2016</a:t>
+              <a:t>6/29/2016</a:t>
             </a:fld>
             <a:endParaRPr lang="en-US"/>
           </a:p>
@@ -10765,7 +11335,7 @@
               <a:pPr>
                 <a:defRPr/>
               </a:pPr>
-              <a:t>6/28/2016</a:t>
+              <a:t>6/29/2016</a:t>
             </a:fld>
             <a:endParaRPr lang="en-US"/>
           </a:p>
@@ -11056,7 +11626,7 @@
               <a:pPr>
                 <a:defRPr/>
               </a:pPr>
-              <a:t>6/28/2016</a:t>
+              <a:t>6/29/2016</a:t>
             </a:fld>
             <a:endParaRPr lang="en-US"/>
           </a:p>
@@ -11770,7 +12340,7 @@
               <a:pPr>
                 <a:defRPr/>
               </a:pPr>
-              <a:t>6/28/2016</a:t>
+              <a:t>6/29/2016</a:t>
             </a:fld>
             <a:endParaRPr lang="en-US"/>
           </a:p>
@@ -12779,7 +13349,7 @@
               <a:buNone/>
             </a:pPr>
             <a:r>
-              <a:rPr lang="en-US" altLang="en-US" sz="2800" b="1" dirty="0">
+              <a:rPr lang="en-US" altLang="en-US" sz="2800" b="1" dirty="0" smtClean="0">
                 <a:solidFill>
                   <a:srgbClr val="FFFFFF"/>
                 </a:solidFill>
@@ -12787,8 +13357,16 @@
                 <a:ea typeface="Tahoma" panose="020B0604030504040204" pitchFamily="34" charset="0"/>
                 <a:cs typeface="Tahoma" panose="020B0604030504040204" pitchFamily="34" charset="0"/>
               </a:rPr>
-              <a:t>Future tasks</a:t>
+              <a:t>Results</a:t>
             </a:r>
+            <a:endParaRPr lang="en-US" altLang="en-US" sz="2800" b="1" dirty="0">
+              <a:solidFill>
+                <a:srgbClr val="FFFFFF"/>
+              </a:solidFill>
+              <a:latin typeface="Tahoma" panose="020B0604030504040204" pitchFamily="34" charset="0"/>
+              <a:ea typeface="Tahoma" panose="020B0604030504040204" pitchFamily="34" charset="0"/>
+              <a:cs typeface="Tahoma" panose="020B0604030504040204" pitchFamily="34" charset="0"/>
+            </a:endParaRPr>
           </a:p>
         </p:txBody>
       </p:sp>
@@ -12993,6 +13571,2103 @@
       </p:pic>
       <p:sp>
         <p:nvSpPr>
+          <p:cNvPr id="3" name="Right Arrow 2"/>
+          <p:cNvSpPr/>
+          <p:nvPr/>
+        </p:nvSpPr>
+        <p:spPr>
+          <a:xfrm>
+            <a:off x="5258470" y="2802786"/>
+            <a:ext cx="1315020" cy="720080"/>
+          </a:xfrm>
+          <a:prstGeom prst="rightArrow">
+            <a:avLst/>
+          </a:prstGeom>
+        </p:spPr>
+        <p:style>
+          <a:lnRef idx="2">
+            <a:schemeClr val="accent1">
+              <a:shade val="50000"/>
+            </a:schemeClr>
+          </a:lnRef>
+          <a:fillRef idx="1">
+            <a:schemeClr val="accent1"/>
+          </a:fillRef>
+          <a:effectRef idx="0">
+            <a:schemeClr val="accent1"/>
+          </a:effectRef>
+          <a:fontRef idx="minor">
+            <a:schemeClr val="lt1"/>
+          </a:fontRef>
+        </p:style>
+        <p:txBody>
+          <a:bodyPr rtlCol="1" anchor="ctr"/>
+          <a:lstStyle/>
+          <a:p>
+            <a:pPr algn="ctr"/>
+            <a:endParaRPr lang="he-IL"/>
+          </a:p>
+        </p:txBody>
+      </p:sp>
+      <p:sp>
+        <p:nvSpPr>
+          <p:cNvPr id="4" name="TextBox 3"/>
+          <p:cNvSpPr txBox="1"/>
+          <p:nvPr/>
+        </p:nvSpPr>
+        <p:spPr>
+          <a:xfrm>
+            <a:off x="6826436" y="2982225"/>
+            <a:ext cx="2089961" cy="369332"/>
+          </a:xfrm>
+          <a:prstGeom prst="rect">
+            <a:avLst/>
+          </a:prstGeom>
+          <a:gradFill>
+            <a:gsLst>
+              <a:gs pos="0">
+                <a:schemeClr val="accent1">
+                  <a:lumMod val="5000"/>
+                  <a:lumOff val="95000"/>
+                </a:schemeClr>
+              </a:gs>
+              <a:gs pos="74000">
+                <a:schemeClr val="accent1">
+                  <a:lumMod val="45000"/>
+                  <a:lumOff val="55000"/>
+                </a:schemeClr>
+              </a:gs>
+              <a:gs pos="83000">
+                <a:schemeClr val="accent1">
+                  <a:lumMod val="45000"/>
+                  <a:lumOff val="55000"/>
+                </a:schemeClr>
+              </a:gs>
+              <a:gs pos="100000">
+                <a:schemeClr val="accent1">
+                  <a:lumMod val="30000"/>
+                  <a:lumOff val="70000"/>
+                </a:schemeClr>
+              </a:gs>
+            </a:gsLst>
+            <a:lin ang="5400000" scaled="1"/>
+          </a:gradFill>
+        </p:spPr>
+        <p:txBody>
+          <a:bodyPr wrap="square" rtlCol="1">
+            <a:spAutoFit/>
+          </a:bodyPr>
+          <a:lstStyle/>
+          <a:p>
+            <a:pPr algn="ctr" rtl="0"/>
+            <a:r>
+              <a:rPr lang="en-US" b="1" dirty="0" smtClean="0">
+                <a:solidFill>
+                  <a:schemeClr val="accent5">
+                    <a:lumMod val="75000"/>
+                  </a:schemeClr>
+                </a:solidFill>
+                <a:latin typeface="Tahoma" panose="020B0604030504040204" pitchFamily="34" charset="0"/>
+                <a:ea typeface="Tahoma" panose="020B0604030504040204" pitchFamily="34" charset="0"/>
+                <a:cs typeface="Tahoma" panose="020B0604030504040204" pitchFamily="34" charset="0"/>
+              </a:rPr>
+              <a:t>Yeah - Usher</a:t>
+            </a:r>
+          </a:p>
+        </p:txBody>
+      </p:sp>
+      <p:graphicFrame>
+        <p:nvGraphicFramePr>
+          <p:cNvPr id="5" name="Table 4"/>
+          <p:cNvGraphicFramePr>
+            <a:graphicFrameLocks noGrp="1"/>
+          </p:cNvGraphicFramePr>
+          <p:nvPr>
+            <p:extLst>
+              <p:ext uri="{D42A27DB-BD31-4B8C-83A1-F6EECF244321}">
+                <p14:modId xmlns:p14="http://schemas.microsoft.com/office/powerpoint/2010/main" val="2958676932"/>
+              </p:ext>
+            </p:extLst>
+          </p:nvPr>
+        </p:nvGraphicFramePr>
+        <p:xfrm>
+          <a:off x="784247" y="1408090"/>
+          <a:ext cx="3960440" cy="3696315"/>
+        </p:xfrm>
+        <a:graphic>
+          <a:graphicData uri="http://schemas.openxmlformats.org/drawingml/2006/table">
+            <a:tbl>
+              <a:tblPr rtl="1">
+                <a:tableStyleId>{3C2FFA5D-87B4-456A-9821-1D502468CF0F}</a:tableStyleId>
+              </a:tblPr>
+              <a:tblGrid>
+                <a:gridCol w="3960440"/>
+              </a:tblGrid>
+              <a:tr h="566955">
+                <a:tc>
+                  <a:txBody>
+                    <a:bodyPr/>
+                    <a:lstStyle/>
+                    <a:p>
+                      <a:pPr algn="l" rtl="0" fontAlgn="b"/>
+                      <a:r>
+                        <a:rPr lang="en-US" sz="1800" b="1" u="none" strike="noStrike" dirty="0" err="1">
+                          <a:solidFill>
+                            <a:srgbClr val="0070C0"/>
+                          </a:solidFill>
+                          <a:effectLst/>
+                          <a:latin typeface="Tahoma" panose="020B0604030504040204" pitchFamily="34" charset="0"/>
+                          <a:ea typeface="Tahoma" panose="020B0604030504040204" pitchFamily="34" charset="0"/>
+                          <a:cs typeface="Tahoma" panose="020B0604030504040204" pitchFamily="34" charset="0"/>
+                        </a:rPr>
+                        <a:t>Beyonce</a:t>
+                      </a:r>
+                      <a:r>
+                        <a:rPr lang="en-US" sz="1800" b="1" u="none" strike="noStrike" dirty="0">
+                          <a:solidFill>
+                            <a:srgbClr val="0070C0"/>
+                          </a:solidFill>
+                          <a:effectLst/>
+                          <a:latin typeface="Tahoma" panose="020B0604030504040204" pitchFamily="34" charset="0"/>
+                          <a:ea typeface="Tahoma" panose="020B0604030504040204" pitchFamily="34" charset="0"/>
+                          <a:cs typeface="Tahoma" panose="020B0604030504040204" pitchFamily="34" charset="0"/>
+                        </a:rPr>
+                        <a:t> Knowles ft. Jay-Z - Crazy In </a:t>
+                      </a:r>
+                      <a:r>
+                        <a:rPr lang="en-US" sz="1800" b="1" u="none" strike="noStrike" dirty="0" smtClean="0">
+                          <a:solidFill>
+                            <a:srgbClr val="0070C0"/>
+                          </a:solidFill>
+                          <a:effectLst/>
+                          <a:latin typeface="Tahoma" panose="020B0604030504040204" pitchFamily="34" charset="0"/>
+                          <a:ea typeface="Tahoma" panose="020B0604030504040204" pitchFamily="34" charset="0"/>
+                          <a:cs typeface="Tahoma" panose="020B0604030504040204" pitchFamily="34" charset="0"/>
+                        </a:rPr>
+                        <a:t>Love</a:t>
+                      </a:r>
+                      <a:endParaRPr lang="en-US" sz="1800" b="1" i="0" u="none" strike="noStrike" dirty="0">
+                        <a:solidFill>
+                          <a:srgbClr val="0070C0"/>
+                        </a:solidFill>
+                        <a:effectLst/>
+                        <a:latin typeface="Tahoma" panose="020B0604030504040204" pitchFamily="34" charset="0"/>
+                        <a:ea typeface="Tahoma" panose="020B0604030504040204" pitchFamily="34" charset="0"/>
+                        <a:cs typeface="Tahoma" panose="020B0604030504040204" pitchFamily="34" charset="0"/>
+                      </a:endParaRPr>
+                    </a:p>
+                  </a:txBody>
+                  <a:tcPr marL="7620" marR="7620" marT="7620" marB="0" anchor="b"/>
+                </a:tc>
+              </a:tr>
+              <a:tr h="287838">
+                <a:tc>
+                  <a:txBody>
+                    <a:bodyPr/>
+                    <a:lstStyle/>
+                    <a:p>
+                      <a:pPr algn="l" rtl="0" fontAlgn="b"/>
+                      <a:r>
+                        <a:rPr lang="en-US" sz="1800" b="1" u="none" strike="noStrike" dirty="0" err="1" smtClean="0">
+                          <a:solidFill>
+                            <a:srgbClr val="0070C0"/>
+                          </a:solidFill>
+                          <a:effectLst/>
+                          <a:latin typeface="Tahoma" panose="020B0604030504040204" pitchFamily="34" charset="0"/>
+                          <a:ea typeface="Tahoma" panose="020B0604030504040204" pitchFamily="34" charset="0"/>
+                          <a:cs typeface="Tahoma" panose="020B0604030504040204" pitchFamily="34" charset="0"/>
+                        </a:rPr>
+                        <a:t>Hermetico</a:t>
+                      </a:r>
+                      <a:r>
+                        <a:rPr lang="en-US" sz="1800" b="1" u="none" strike="noStrike" dirty="0" smtClean="0">
+                          <a:solidFill>
+                            <a:srgbClr val="0070C0"/>
+                          </a:solidFill>
+                          <a:effectLst/>
+                          <a:latin typeface="Tahoma" panose="020B0604030504040204" pitchFamily="34" charset="0"/>
+                          <a:ea typeface="Tahoma" panose="020B0604030504040204" pitchFamily="34" charset="0"/>
+                          <a:cs typeface="Tahoma" panose="020B0604030504040204" pitchFamily="34" charset="0"/>
+                        </a:rPr>
+                        <a:t> </a:t>
+                      </a:r>
+                      <a:r>
+                        <a:rPr lang="en-US" sz="1800" b="1" u="none" strike="noStrike" dirty="0">
+                          <a:solidFill>
+                            <a:srgbClr val="0070C0"/>
+                          </a:solidFill>
+                          <a:effectLst/>
+                          <a:latin typeface="Tahoma" panose="020B0604030504040204" pitchFamily="34" charset="0"/>
+                          <a:ea typeface="Tahoma" panose="020B0604030504040204" pitchFamily="34" charset="0"/>
+                          <a:cs typeface="Tahoma" panose="020B0604030504040204" pitchFamily="34" charset="0"/>
+                        </a:rPr>
+                        <a:t>- Balkan Beat Box</a:t>
+                      </a:r>
+                      <a:endParaRPr lang="en-US" sz="1800" b="1" i="0" u="none" strike="noStrike" dirty="0">
+                        <a:solidFill>
+                          <a:srgbClr val="0070C0"/>
+                        </a:solidFill>
+                        <a:effectLst/>
+                        <a:latin typeface="Tahoma" panose="020B0604030504040204" pitchFamily="34" charset="0"/>
+                        <a:ea typeface="Tahoma" panose="020B0604030504040204" pitchFamily="34" charset="0"/>
+                        <a:cs typeface="Tahoma" panose="020B0604030504040204" pitchFamily="34" charset="0"/>
+                      </a:endParaRPr>
+                    </a:p>
+                  </a:txBody>
+                  <a:tcPr marL="7620" marR="7620" marT="7620" marB="0" anchor="b"/>
+                </a:tc>
+              </a:tr>
+              <a:tr h="287838">
+                <a:tc>
+                  <a:txBody>
+                    <a:bodyPr/>
+                    <a:lstStyle/>
+                    <a:p>
+                      <a:pPr algn="l" rtl="0" fontAlgn="b"/>
+                      <a:r>
+                        <a:rPr lang="en-US" sz="1800" b="1" u="none" strike="noStrike" dirty="0" err="1" smtClean="0">
+                          <a:solidFill>
+                            <a:srgbClr val="0070C0"/>
+                          </a:solidFill>
+                          <a:effectLst/>
+                          <a:latin typeface="Tahoma" panose="020B0604030504040204" pitchFamily="34" charset="0"/>
+                          <a:ea typeface="Tahoma" panose="020B0604030504040204" pitchFamily="34" charset="0"/>
+                          <a:cs typeface="Tahoma" panose="020B0604030504040204" pitchFamily="34" charset="0"/>
+                        </a:rPr>
+                        <a:t>Gasolina</a:t>
+                      </a:r>
+                      <a:r>
+                        <a:rPr lang="en-US" sz="1800" b="1" u="none" strike="noStrike" dirty="0" smtClean="0">
+                          <a:solidFill>
+                            <a:srgbClr val="0070C0"/>
+                          </a:solidFill>
+                          <a:effectLst/>
+                          <a:latin typeface="Tahoma" panose="020B0604030504040204" pitchFamily="34" charset="0"/>
+                          <a:ea typeface="Tahoma" panose="020B0604030504040204" pitchFamily="34" charset="0"/>
+                          <a:cs typeface="Tahoma" panose="020B0604030504040204" pitchFamily="34" charset="0"/>
+                        </a:rPr>
+                        <a:t> </a:t>
+                      </a:r>
+                      <a:r>
+                        <a:rPr lang="en-US" sz="1800" b="1" u="none" strike="noStrike" dirty="0">
+                          <a:solidFill>
+                            <a:srgbClr val="0070C0"/>
+                          </a:solidFill>
+                          <a:effectLst/>
+                          <a:latin typeface="Tahoma" panose="020B0604030504040204" pitchFamily="34" charset="0"/>
+                          <a:ea typeface="Tahoma" panose="020B0604030504040204" pitchFamily="34" charset="0"/>
+                          <a:cs typeface="Tahoma" panose="020B0604030504040204" pitchFamily="34" charset="0"/>
+                        </a:rPr>
+                        <a:t>- Daddy Yankee</a:t>
+                      </a:r>
+                      <a:endParaRPr lang="en-US" sz="1800" b="1" i="0" u="none" strike="noStrike" dirty="0">
+                        <a:solidFill>
+                          <a:srgbClr val="0070C0"/>
+                        </a:solidFill>
+                        <a:effectLst/>
+                        <a:latin typeface="Tahoma" panose="020B0604030504040204" pitchFamily="34" charset="0"/>
+                        <a:ea typeface="Tahoma" panose="020B0604030504040204" pitchFamily="34" charset="0"/>
+                        <a:cs typeface="Tahoma" panose="020B0604030504040204" pitchFamily="34" charset="0"/>
+                      </a:endParaRPr>
+                    </a:p>
+                  </a:txBody>
+                  <a:tcPr marL="7620" marR="7620" marT="7620" marB="0" anchor="b"/>
+                </a:tc>
+              </a:tr>
+              <a:tr h="287838">
+                <a:tc>
+                  <a:txBody>
+                    <a:bodyPr/>
+                    <a:lstStyle/>
+                    <a:p>
+                      <a:pPr algn="l" rtl="0" fontAlgn="b"/>
+                      <a:r>
+                        <a:rPr lang="en-US" sz="1800" b="1" u="none" strike="noStrike">
+                          <a:solidFill>
+                            <a:srgbClr val="0070C0"/>
+                          </a:solidFill>
+                          <a:effectLst/>
+                          <a:latin typeface="Tahoma" panose="020B0604030504040204" pitchFamily="34" charset="0"/>
+                          <a:ea typeface="Tahoma" panose="020B0604030504040204" pitchFamily="34" charset="0"/>
+                          <a:cs typeface="Tahoma" panose="020B0604030504040204" pitchFamily="34" charset="0"/>
+                        </a:rPr>
+                        <a:t>El Tiki - Flaco Flow &amp; Melanina, Big Mancilla</a:t>
+                      </a:r>
+                      <a:endParaRPr lang="en-US" sz="1800" b="1" i="0" u="none" strike="noStrike">
+                        <a:solidFill>
+                          <a:srgbClr val="0070C0"/>
+                        </a:solidFill>
+                        <a:effectLst/>
+                        <a:latin typeface="Tahoma" panose="020B0604030504040204" pitchFamily="34" charset="0"/>
+                        <a:ea typeface="Tahoma" panose="020B0604030504040204" pitchFamily="34" charset="0"/>
+                        <a:cs typeface="Tahoma" panose="020B0604030504040204" pitchFamily="34" charset="0"/>
+                      </a:endParaRPr>
+                    </a:p>
+                  </a:txBody>
+                  <a:tcPr marL="7620" marR="7620" marT="7620" marB="0" anchor="b"/>
+                </a:tc>
+              </a:tr>
+              <a:tr h="566955">
+                <a:tc>
+                  <a:txBody>
+                    <a:bodyPr/>
+                    <a:lstStyle/>
+                    <a:p>
+                      <a:pPr algn="l" rtl="0" fontAlgn="b"/>
+                      <a:r>
+                        <a:rPr lang="es-ES" sz="1800" b="1" u="none" strike="noStrike" dirty="0" smtClean="0">
+                          <a:solidFill>
+                            <a:srgbClr val="0070C0"/>
+                          </a:solidFill>
+                          <a:effectLst/>
+                          <a:latin typeface="Tahoma" panose="020B0604030504040204" pitchFamily="34" charset="0"/>
+                          <a:ea typeface="Tahoma" panose="020B0604030504040204" pitchFamily="34" charset="0"/>
+                          <a:cs typeface="Tahoma" panose="020B0604030504040204" pitchFamily="34" charset="0"/>
+                        </a:rPr>
+                        <a:t>Bailando - </a:t>
+                      </a:r>
+                      <a:r>
+                        <a:rPr lang="es-ES" sz="1800" b="1" u="none" strike="noStrike" dirty="0">
+                          <a:solidFill>
+                            <a:srgbClr val="0070C0"/>
+                          </a:solidFill>
+                          <a:effectLst/>
+                          <a:latin typeface="Tahoma" panose="020B0604030504040204" pitchFamily="34" charset="0"/>
+                          <a:ea typeface="Tahoma" panose="020B0604030504040204" pitchFamily="34" charset="0"/>
+                          <a:cs typeface="Tahoma" panose="020B0604030504040204" pitchFamily="34" charset="0"/>
+                        </a:rPr>
+                        <a:t>Enrique Iglesias </a:t>
+                      </a:r>
+                      <a:r>
+                        <a:rPr lang="es-ES" sz="1800" b="1" u="none" strike="noStrike" dirty="0" err="1">
+                          <a:solidFill>
+                            <a:srgbClr val="0070C0"/>
+                          </a:solidFill>
+                          <a:effectLst/>
+                          <a:latin typeface="Tahoma" panose="020B0604030504040204" pitchFamily="34" charset="0"/>
+                          <a:ea typeface="Tahoma" panose="020B0604030504040204" pitchFamily="34" charset="0"/>
+                          <a:cs typeface="Tahoma" panose="020B0604030504040204" pitchFamily="34" charset="0"/>
+                        </a:rPr>
+                        <a:t>feat</a:t>
+                      </a:r>
+                      <a:r>
+                        <a:rPr lang="es-ES" sz="1800" b="1" u="none" strike="noStrike" dirty="0">
+                          <a:solidFill>
+                            <a:srgbClr val="0070C0"/>
+                          </a:solidFill>
+                          <a:effectLst/>
+                          <a:latin typeface="Tahoma" panose="020B0604030504040204" pitchFamily="34" charset="0"/>
+                          <a:ea typeface="Tahoma" panose="020B0604030504040204" pitchFamily="34" charset="0"/>
+                          <a:cs typeface="Tahoma" panose="020B0604030504040204" pitchFamily="34" charset="0"/>
+                        </a:rPr>
+                        <a:t>. Sean Paul</a:t>
+                      </a:r>
+                      <a:endParaRPr lang="es-ES" sz="1800" b="1" i="0" u="none" strike="noStrike" dirty="0">
+                        <a:solidFill>
+                          <a:srgbClr val="0070C0"/>
+                        </a:solidFill>
+                        <a:effectLst/>
+                        <a:latin typeface="Tahoma" panose="020B0604030504040204" pitchFamily="34" charset="0"/>
+                        <a:ea typeface="Tahoma" panose="020B0604030504040204" pitchFamily="34" charset="0"/>
+                        <a:cs typeface="Tahoma" panose="020B0604030504040204" pitchFamily="34" charset="0"/>
+                      </a:endParaRPr>
+                    </a:p>
+                  </a:txBody>
+                  <a:tcPr marL="7620" marR="7620" marT="7620" marB="0" anchor="b"/>
+                </a:tc>
+              </a:tr>
+              <a:tr h="566955">
+                <a:tc>
+                  <a:txBody>
+                    <a:bodyPr/>
+                    <a:lstStyle/>
+                    <a:p>
+                      <a:pPr algn="l" rtl="0" fontAlgn="b"/>
+                      <a:r>
+                        <a:rPr lang="en-US" sz="1800" b="1" u="none" strike="noStrike" dirty="0">
+                          <a:solidFill>
+                            <a:srgbClr val="0070C0"/>
+                          </a:solidFill>
+                          <a:effectLst/>
+                          <a:latin typeface="Tahoma" panose="020B0604030504040204" pitchFamily="34" charset="0"/>
+                          <a:ea typeface="Tahoma" panose="020B0604030504040204" pitchFamily="34" charset="0"/>
+                          <a:cs typeface="Tahoma" panose="020B0604030504040204" pitchFamily="34" charset="0"/>
+                        </a:rPr>
+                        <a:t>The Monster </a:t>
+                      </a:r>
+                      <a:r>
+                        <a:rPr lang="en-US" sz="1800" b="1" u="none" strike="noStrike" dirty="0" smtClean="0">
+                          <a:solidFill>
+                            <a:srgbClr val="0070C0"/>
+                          </a:solidFill>
+                          <a:effectLst/>
+                          <a:latin typeface="Tahoma" panose="020B0604030504040204" pitchFamily="34" charset="0"/>
+                          <a:ea typeface="Tahoma" panose="020B0604030504040204" pitchFamily="34" charset="0"/>
+                          <a:cs typeface="Tahoma" panose="020B0604030504040204" pitchFamily="34" charset="0"/>
+                        </a:rPr>
+                        <a:t>- </a:t>
+                      </a:r>
+                      <a:r>
+                        <a:rPr lang="en-US" sz="1800" b="1" u="none" strike="noStrike" dirty="0">
+                          <a:solidFill>
+                            <a:srgbClr val="0070C0"/>
+                          </a:solidFill>
+                          <a:effectLst/>
+                          <a:latin typeface="Tahoma" panose="020B0604030504040204" pitchFamily="34" charset="0"/>
+                          <a:ea typeface="Tahoma" panose="020B0604030504040204" pitchFamily="34" charset="0"/>
+                          <a:cs typeface="Tahoma" panose="020B0604030504040204" pitchFamily="34" charset="0"/>
+                        </a:rPr>
+                        <a:t>Rihanna Vs. Specialist</a:t>
+                      </a:r>
+                      <a:endParaRPr lang="en-US" sz="1800" b="1" i="0" u="none" strike="noStrike" dirty="0">
+                        <a:solidFill>
+                          <a:srgbClr val="0070C0"/>
+                        </a:solidFill>
+                        <a:effectLst/>
+                        <a:latin typeface="Tahoma" panose="020B0604030504040204" pitchFamily="34" charset="0"/>
+                        <a:ea typeface="Tahoma" panose="020B0604030504040204" pitchFamily="34" charset="0"/>
+                        <a:cs typeface="Tahoma" panose="020B0604030504040204" pitchFamily="34" charset="0"/>
+                      </a:endParaRPr>
+                    </a:p>
+                  </a:txBody>
+                  <a:tcPr marL="7620" marR="7620" marT="7620" marB="0" anchor="b"/>
+                </a:tc>
+              </a:tr>
+              <a:tr h="287838">
+                <a:tc>
+                  <a:txBody>
+                    <a:bodyPr/>
+                    <a:lstStyle/>
+                    <a:p>
+                      <a:pPr algn="l" rtl="0" fontAlgn="b"/>
+                      <a:r>
+                        <a:rPr lang="en-US" sz="1800" b="1" u="none" strike="noStrike">
+                          <a:solidFill>
+                            <a:srgbClr val="0070C0"/>
+                          </a:solidFill>
+                          <a:effectLst/>
+                          <a:latin typeface="Tahoma" panose="020B0604030504040204" pitchFamily="34" charset="0"/>
+                          <a:ea typeface="Tahoma" panose="020B0604030504040204" pitchFamily="34" charset="0"/>
+                          <a:cs typeface="Tahoma" panose="020B0604030504040204" pitchFamily="34" charset="0"/>
+                        </a:rPr>
+                        <a:t>Limbo - Daddy Yankee</a:t>
+                      </a:r>
+                      <a:endParaRPr lang="en-US" sz="1800" b="1" i="0" u="none" strike="noStrike">
+                        <a:solidFill>
+                          <a:srgbClr val="0070C0"/>
+                        </a:solidFill>
+                        <a:effectLst/>
+                        <a:latin typeface="Tahoma" panose="020B0604030504040204" pitchFamily="34" charset="0"/>
+                        <a:ea typeface="Tahoma" panose="020B0604030504040204" pitchFamily="34" charset="0"/>
+                        <a:cs typeface="Tahoma" panose="020B0604030504040204" pitchFamily="34" charset="0"/>
+                      </a:endParaRPr>
+                    </a:p>
+                  </a:txBody>
+                  <a:tcPr marL="7620" marR="7620" marT="7620" marB="0" anchor="b"/>
+                </a:tc>
+              </a:tr>
+              <a:tr h="287838">
+                <a:tc>
+                  <a:txBody>
+                    <a:bodyPr/>
+                    <a:lstStyle/>
+                    <a:p>
+                      <a:pPr algn="l" rtl="0" fontAlgn="b"/>
+                      <a:r>
+                        <a:rPr lang="en-US" sz="1800" b="1" u="none" strike="noStrike">
+                          <a:solidFill>
+                            <a:srgbClr val="0070C0"/>
+                          </a:solidFill>
+                          <a:effectLst/>
+                          <a:latin typeface="Tahoma" panose="020B0604030504040204" pitchFamily="34" charset="0"/>
+                          <a:ea typeface="Tahoma" panose="020B0604030504040204" pitchFamily="34" charset="0"/>
+                          <a:cs typeface="Tahoma" panose="020B0604030504040204" pitchFamily="34" charset="0"/>
+                        </a:rPr>
+                        <a:t>Timber - Pitbull Feat. Ke$ha</a:t>
+                      </a:r>
+                      <a:endParaRPr lang="en-US" sz="1800" b="1" i="0" u="none" strike="noStrike">
+                        <a:solidFill>
+                          <a:srgbClr val="0070C0"/>
+                        </a:solidFill>
+                        <a:effectLst/>
+                        <a:latin typeface="Tahoma" panose="020B0604030504040204" pitchFamily="34" charset="0"/>
+                        <a:ea typeface="Tahoma" panose="020B0604030504040204" pitchFamily="34" charset="0"/>
+                        <a:cs typeface="Tahoma" panose="020B0604030504040204" pitchFamily="34" charset="0"/>
+                      </a:endParaRPr>
+                    </a:p>
+                  </a:txBody>
+                  <a:tcPr marL="7620" marR="7620" marT="7620" marB="0" anchor="b"/>
+                </a:tc>
+              </a:tr>
+              <a:tr h="287838">
+                <a:tc>
+                  <a:txBody>
+                    <a:bodyPr/>
+                    <a:lstStyle/>
+                    <a:p>
+                      <a:pPr algn="l" rtl="0" fontAlgn="b"/>
+                      <a:r>
+                        <a:rPr lang="en-US" sz="1800" b="1" u="none" strike="noStrike" dirty="0">
+                          <a:solidFill>
+                            <a:srgbClr val="0070C0"/>
+                          </a:solidFill>
+                          <a:effectLst/>
+                          <a:latin typeface="Tahoma" panose="020B0604030504040204" pitchFamily="34" charset="0"/>
+                          <a:ea typeface="Tahoma" panose="020B0604030504040204" pitchFamily="34" charset="0"/>
+                          <a:cs typeface="Tahoma" panose="020B0604030504040204" pitchFamily="34" charset="0"/>
+                        </a:rPr>
+                        <a:t>Starships </a:t>
+                      </a:r>
+                      <a:r>
+                        <a:rPr lang="en-US" sz="1800" b="1" u="none" strike="noStrike" dirty="0" smtClean="0">
+                          <a:solidFill>
+                            <a:srgbClr val="0070C0"/>
+                          </a:solidFill>
+                          <a:effectLst/>
+                          <a:latin typeface="Tahoma" panose="020B0604030504040204" pitchFamily="34" charset="0"/>
+                          <a:ea typeface="Tahoma" panose="020B0604030504040204" pitchFamily="34" charset="0"/>
+                          <a:cs typeface="Tahoma" panose="020B0604030504040204" pitchFamily="34" charset="0"/>
+                        </a:rPr>
+                        <a:t>- </a:t>
+                      </a:r>
+                      <a:r>
+                        <a:rPr lang="en-US" sz="1800" b="1" u="none" strike="noStrike" dirty="0">
+                          <a:solidFill>
+                            <a:srgbClr val="0070C0"/>
+                          </a:solidFill>
+                          <a:effectLst/>
+                          <a:latin typeface="Tahoma" panose="020B0604030504040204" pitchFamily="34" charset="0"/>
+                          <a:ea typeface="Tahoma" panose="020B0604030504040204" pitchFamily="34" charset="0"/>
+                          <a:cs typeface="Tahoma" panose="020B0604030504040204" pitchFamily="34" charset="0"/>
+                        </a:rPr>
+                        <a:t>Nicki </a:t>
+                      </a:r>
+                      <a:r>
+                        <a:rPr lang="en-US" sz="1800" b="1" u="none" strike="noStrike" dirty="0" err="1">
+                          <a:solidFill>
+                            <a:srgbClr val="0070C0"/>
+                          </a:solidFill>
+                          <a:effectLst/>
+                          <a:latin typeface="Tahoma" panose="020B0604030504040204" pitchFamily="34" charset="0"/>
+                          <a:ea typeface="Tahoma" panose="020B0604030504040204" pitchFamily="34" charset="0"/>
+                          <a:cs typeface="Tahoma" panose="020B0604030504040204" pitchFamily="34" charset="0"/>
+                        </a:rPr>
+                        <a:t>Minaj</a:t>
+                      </a:r>
+                      <a:endParaRPr lang="en-US" sz="1800" b="1" i="0" u="none" strike="noStrike" dirty="0">
+                        <a:solidFill>
+                          <a:srgbClr val="0070C0"/>
+                        </a:solidFill>
+                        <a:effectLst/>
+                        <a:latin typeface="Tahoma" panose="020B0604030504040204" pitchFamily="34" charset="0"/>
+                        <a:ea typeface="Tahoma" panose="020B0604030504040204" pitchFamily="34" charset="0"/>
+                        <a:cs typeface="Tahoma" panose="020B0604030504040204" pitchFamily="34" charset="0"/>
+                      </a:endParaRPr>
+                    </a:p>
+                  </a:txBody>
+                  <a:tcPr marL="7620" marR="7620" marT="7620" marB="0" anchor="b"/>
+                </a:tc>
+              </a:tr>
+            </a:tbl>
+          </a:graphicData>
+        </a:graphic>
+      </p:graphicFrame>
+    </p:spTree>
+    <p:extLst>
+      <p:ext uri="{BB962C8B-B14F-4D97-AF65-F5344CB8AC3E}">
+        <p14:creationId xmlns:p14="http://schemas.microsoft.com/office/powerpoint/2010/main" val="2377408959"/>
+      </p:ext>
+    </p:extLst>
+  </p:cSld>
+  <p:clrMapOvr>
+    <a:masterClrMapping/>
+  </p:clrMapOvr>
+  <p:transition spd="slow"/>
+  <p:timing>
+    <p:tnLst>
+      <p:par>
+        <p:cTn id="1" dur="indefinite" restart="never" nodeType="tmRoot">
+          <p:childTnLst>
+            <p:seq concurrent="1" nextAc="seek">
+              <p:cTn id="2" dur="indefinite" nodeType="mainSeq">
+                <p:childTnLst>
+                  <p:par>
+                    <p:cTn id="3" fill="hold">
+                      <p:stCondLst>
+                        <p:cond delay="indefinite"/>
+                      </p:stCondLst>
+                      <p:childTnLst>
+                        <p:par>
+                          <p:cTn id="4" fill="hold">
+                            <p:stCondLst>
+                              <p:cond delay="0"/>
+                            </p:stCondLst>
+                            <p:childTnLst>
+                              <p:par>
+                                <p:cTn id="5" presetID="10" presetClass="entr" presetSubtype="0" fill="hold" nodeType="clickEffect">
+                                  <p:stCondLst>
+                                    <p:cond delay="0"/>
+                                  </p:stCondLst>
+                                  <p:childTnLst>
+                                    <p:set>
+                                      <p:cBhvr>
+                                        <p:cTn id="6" dur="1" fill="hold">
+                                          <p:stCondLst>
+                                            <p:cond delay="0"/>
+                                          </p:stCondLst>
+                                        </p:cTn>
+                                        <p:tgtEl>
+                                          <p:spTgt spid="5"/>
+                                        </p:tgtEl>
+                                        <p:attrNameLst>
+                                          <p:attrName>style.visibility</p:attrName>
+                                        </p:attrNameLst>
+                                      </p:cBhvr>
+                                      <p:to>
+                                        <p:strVal val="visible"/>
+                                      </p:to>
+                                    </p:set>
+                                    <p:animEffect transition="in" filter="fade">
+                                      <p:cBhvr>
+                                        <p:cTn id="7" dur="500"/>
+                                        <p:tgtEl>
+                                          <p:spTgt spid="5"/>
+                                        </p:tgtEl>
+                                      </p:cBhvr>
+                                    </p:animEffect>
+                                  </p:childTnLst>
+                                </p:cTn>
+                              </p:par>
+                            </p:childTnLst>
+                          </p:cTn>
+                        </p:par>
+                      </p:childTnLst>
+                    </p:cTn>
+                  </p:par>
+                  <p:par>
+                    <p:cTn id="8" fill="hold">
+                      <p:stCondLst>
+                        <p:cond delay="indefinite"/>
+                      </p:stCondLst>
+                      <p:childTnLst>
+                        <p:par>
+                          <p:cTn id="9" fill="hold">
+                            <p:stCondLst>
+                              <p:cond delay="0"/>
+                            </p:stCondLst>
+                            <p:childTnLst>
+                              <p:par>
+                                <p:cTn id="10" presetID="1" presetClass="entr" presetSubtype="0" fill="hold" grpId="0" nodeType="clickEffect">
+                                  <p:stCondLst>
+                                    <p:cond delay="0"/>
+                                  </p:stCondLst>
+                                  <p:childTnLst>
+                                    <p:set>
+                                      <p:cBhvr>
+                                        <p:cTn id="11" dur="1" fill="hold">
+                                          <p:stCondLst>
+                                            <p:cond delay="0"/>
+                                          </p:stCondLst>
+                                        </p:cTn>
+                                        <p:tgtEl>
+                                          <p:spTgt spid="3"/>
+                                        </p:tgtEl>
+                                        <p:attrNameLst>
+                                          <p:attrName>style.visibility</p:attrName>
+                                        </p:attrNameLst>
+                                      </p:cBhvr>
+                                      <p:to>
+                                        <p:strVal val="visible"/>
+                                      </p:to>
+                                    </p:set>
+                                  </p:childTnLst>
+                                </p:cTn>
+                              </p:par>
+                            </p:childTnLst>
+                          </p:cTn>
+                        </p:par>
+                      </p:childTnLst>
+                    </p:cTn>
+                  </p:par>
+                  <p:par>
+                    <p:cTn id="12" fill="hold">
+                      <p:stCondLst>
+                        <p:cond delay="indefinite"/>
+                      </p:stCondLst>
+                      <p:childTnLst>
+                        <p:par>
+                          <p:cTn id="13" fill="hold">
+                            <p:stCondLst>
+                              <p:cond delay="0"/>
+                            </p:stCondLst>
+                            <p:childTnLst>
+                              <p:par>
+                                <p:cTn id="14" presetID="10" presetClass="entr" presetSubtype="0" fill="hold" grpId="0" nodeType="clickEffect">
+                                  <p:stCondLst>
+                                    <p:cond delay="0"/>
+                                  </p:stCondLst>
+                                  <p:childTnLst>
+                                    <p:set>
+                                      <p:cBhvr>
+                                        <p:cTn id="15" dur="1" fill="hold">
+                                          <p:stCondLst>
+                                            <p:cond delay="0"/>
+                                          </p:stCondLst>
+                                        </p:cTn>
+                                        <p:tgtEl>
+                                          <p:spTgt spid="4"/>
+                                        </p:tgtEl>
+                                        <p:attrNameLst>
+                                          <p:attrName>style.visibility</p:attrName>
+                                        </p:attrNameLst>
+                                      </p:cBhvr>
+                                      <p:to>
+                                        <p:strVal val="visible"/>
+                                      </p:to>
+                                    </p:set>
+                                    <p:animEffect transition="in" filter="fade">
+                                      <p:cBhvr>
+                                        <p:cTn id="16" dur="500"/>
+                                        <p:tgtEl>
+                                          <p:spTgt spid="4"/>
+                                        </p:tgtEl>
+                                      </p:cBhvr>
+                                    </p:animEffect>
+                                  </p:childTnLst>
+                                </p:cTn>
+                              </p:par>
+                            </p:childTnLst>
+                          </p:cTn>
+                        </p:par>
+                      </p:childTnLst>
+                    </p:cTn>
+                  </p:par>
+                </p:childTnLst>
+              </p:cTn>
+              <p:prevCondLst>
+                <p:cond evt="onPrev" delay="0">
+                  <p:tgtEl>
+                    <p:sldTgt/>
+                  </p:tgtEl>
+                </p:cond>
+              </p:prevCondLst>
+              <p:nextCondLst>
+                <p:cond evt="onNext" delay="0">
+                  <p:tgtEl>
+                    <p:sldTgt/>
+                  </p:tgtEl>
+                </p:cond>
+              </p:nextCondLst>
+            </p:seq>
+          </p:childTnLst>
+        </p:cTn>
+      </p:par>
+    </p:tnLst>
+    <p:bldLst>
+      <p:bldP spid="3" grpId="0" animBg="1"/>
+      <p:bldP spid="4" grpId="0" animBg="1"/>
+    </p:bldLst>
+  </p:timing>
+</p:sld>
+</file>
+
+<file path=ppt/slides/slide11.xml><?xml version="1.0" encoding="utf-8"?>
+<p:sld xmlns:a="http://schemas.openxmlformats.org/drawingml/2006/main" xmlns:r="http://schemas.openxmlformats.org/officeDocument/2006/relationships" xmlns:p="http://schemas.openxmlformats.org/presentationml/2006/main">
+  <p:cSld>
+    <p:spTree>
+      <p:nvGrpSpPr>
+        <p:cNvPr id="1" name=""/>
+        <p:cNvGrpSpPr/>
+        <p:nvPr/>
+      </p:nvGrpSpPr>
+      <p:grpSpPr>
+        <a:xfrm>
+          <a:off x="0" y="0"/>
+          <a:ext cx="0" cy="0"/>
+          <a:chOff x="0" y="0"/>
+          <a:chExt cx="0" cy="0"/>
+        </a:xfrm>
+      </p:grpSpPr>
+      <p:sp>
+        <p:nvSpPr>
+          <p:cNvPr id="74" name="Rectangle 73"/>
+          <p:cNvSpPr/>
+          <p:nvPr/>
+        </p:nvSpPr>
+        <p:spPr>
+          <a:xfrm>
+            <a:off x="0" y="0"/>
+            <a:ext cx="8718550" cy="620713"/>
+          </a:xfrm>
+          <a:prstGeom prst="rect">
+            <a:avLst/>
+          </a:prstGeom>
+          <a:solidFill>
+            <a:srgbClr val="DDB405"/>
+          </a:solidFill>
+          <a:ln>
+            <a:noFill/>
+          </a:ln>
+        </p:spPr>
+        <p:style>
+          <a:lnRef idx="2">
+            <a:schemeClr val="accent1">
+              <a:shade val="50000"/>
+            </a:schemeClr>
+          </a:lnRef>
+          <a:fillRef idx="1">
+            <a:schemeClr val="accent1"/>
+          </a:fillRef>
+          <a:effectRef idx="0">
+            <a:schemeClr val="accent1"/>
+          </a:effectRef>
+          <a:fontRef idx="minor">
+            <a:schemeClr val="lt1"/>
+          </a:fontRef>
+        </p:style>
+        <p:txBody>
+          <a:bodyPr anchor="ctr"/>
+          <a:lstStyle/>
+          <a:p>
+            <a:pPr algn="ctr" rtl="0" fontAlgn="auto">
+              <a:spcBef>
+                <a:spcPts val="0"/>
+              </a:spcBef>
+              <a:spcAft>
+                <a:spcPts val="0"/>
+              </a:spcAft>
+              <a:defRPr/>
+            </a:pPr>
+            <a:endParaRPr lang="en-US">
+              <a:solidFill>
+                <a:prstClr val="white"/>
+              </a:solidFill>
+            </a:endParaRPr>
+          </a:p>
+        </p:txBody>
+      </p:sp>
+      <p:sp>
+        <p:nvSpPr>
+          <p:cNvPr id="20485" name="TextBox 36"/>
+          <p:cNvSpPr txBox="1">
+            <a:spLocks noChangeArrowheads="1"/>
+          </p:cNvSpPr>
+          <p:nvPr/>
+        </p:nvSpPr>
+        <p:spPr bwMode="auto">
+          <a:xfrm>
+            <a:off x="116479" y="-1"/>
+            <a:ext cx="7754938" cy="523220"/>
+          </a:xfrm>
+          <a:prstGeom prst="rect">
+            <a:avLst/>
+          </a:prstGeom>
+          <a:noFill/>
+          <a:ln>
+            <a:noFill/>
+          </a:ln>
+          <a:extLst>
+            <a:ext uri="{909E8E84-426E-40DD-AFC4-6F175D3DCCD1}">
+              <a14:hiddenFill xmlns:a14="http://schemas.microsoft.com/office/drawing/2010/main">
+                <a:solidFill>
+                  <a:srgbClr val="FFFFFF"/>
+                </a:solidFill>
+              </a14:hiddenFill>
+            </a:ext>
+            <a:ext uri="{91240B29-F687-4F45-9708-019B960494DF}">
+              <a14:hiddenLine xmlns:a14="http://schemas.microsoft.com/office/drawing/2010/main" w="9525">
+                <a:solidFill>
+                  <a:srgbClr val="000000"/>
+                </a:solidFill>
+                <a:miter lim="800000"/>
+                <a:headEnd/>
+                <a:tailEnd/>
+              </a14:hiddenLine>
+            </a:ext>
+          </a:extLst>
+        </p:spPr>
+        <p:txBody>
+          <a:bodyPr>
+            <a:spAutoFit/>
+          </a:bodyPr>
+          <a:lstStyle>
+            <a:lvl1pPr algn="l" rtl="0" eaLnBrk="0" hangingPunct="0">
+              <a:spcBef>
+                <a:spcPct val="20000"/>
+              </a:spcBef>
+              <a:buFont typeface="Arial" panose="020B0604020202020204" pitchFamily="34" charset="0"/>
+              <a:buChar char="•"/>
+              <a:defRPr sz="3200">
+                <a:solidFill>
+                  <a:schemeClr val="tx1"/>
+                </a:solidFill>
+                <a:latin typeface="Calibri" panose="020F0502020204030204" pitchFamily="34" charset="0"/>
+              </a:defRPr>
+            </a:lvl1pPr>
+            <a:lvl2pPr marL="742950" indent="-285750" algn="l" rtl="0" eaLnBrk="0" hangingPunct="0">
+              <a:spcBef>
+                <a:spcPct val="20000"/>
+              </a:spcBef>
+              <a:buFont typeface="Arial" panose="020B0604020202020204" pitchFamily="34" charset="0"/>
+              <a:buChar char="–"/>
+              <a:defRPr sz="2800">
+                <a:solidFill>
+                  <a:schemeClr val="tx1"/>
+                </a:solidFill>
+                <a:latin typeface="Calibri" panose="020F0502020204030204" pitchFamily="34" charset="0"/>
+              </a:defRPr>
+            </a:lvl2pPr>
+            <a:lvl3pPr marL="1143000" indent="-228600" algn="l" rtl="0" eaLnBrk="0" hangingPunct="0">
+              <a:spcBef>
+                <a:spcPct val="20000"/>
+              </a:spcBef>
+              <a:buFont typeface="Arial" panose="020B0604020202020204" pitchFamily="34" charset="0"/>
+              <a:buChar char="•"/>
+              <a:defRPr sz="2400">
+                <a:solidFill>
+                  <a:schemeClr val="tx1"/>
+                </a:solidFill>
+                <a:latin typeface="Calibri" panose="020F0502020204030204" pitchFamily="34" charset="0"/>
+              </a:defRPr>
+            </a:lvl3pPr>
+            <a:lvl4pPr marL="1600200" indent="-228600" algn="l" rtl="0" eaLnBrk="0" hangingPunct="0">
+              <a:spcBef>
+                <a:spcPct val="20000"/>
+              </a:spcBef>
+              <a:buFont typeface="Arial" panose="020B0604020202020204" pitchFamily="34" charset="0"/>
+              <a:buChar char="–"/>
+              <a:defRPr sz="2000">
+                <a:solidFill>
+                  <a:schemeClr val="tx1"/>
+                </a:solidFill>
+                <a:latin typeface="Calibri" panose="020F0502020204030204" pitchFamily="34" charset="0"/>
+              </a:defRPr>
+            </a:lvl4pPr>
+            <a:lvl5pPr marL="2057400" indent="-228600" algn="l" rtl="0" eaLnBrk="0" hangingPunct="0">
+              <a:spcBef>
+                <a:spcPct val="20000"/>
+              </a:spcBef>
+              <a:buFont typeface="Arial" panose="020B0604020202020204" pitchFamily="34" charset="0"/>
+              <a:buChar char="»"/>
+              <a:defRPr sz="2000">
+                <a:solidFill>
+                  <a:schemeClr val="tx1"/>
+                </a:solidFill>
+                <a:latin typeface="Calibri" panose="020F0502020204030204" pitchFamily="34" charset="0"/>
+              </a:defRPr>
+            </a:lvl5pPr>
+            <a:lvl6pPr marL="2514600" indent="-228600" algn="l" rtl="0" eaLnBrk="0" fontAlgn="base" hangingPunct="0">
+              <a:spcBef>
+                <a:spcPct val="20000"/>
+              </a:spcBef>
+              <a:spcAft>
+                <a:spcPct val="0"/>
+              </a:spcAft>
+              <a:buFont typeface="Arial" panose="020B0604020202020204" pitchFamily="34" charset="0"/>
+              <a:buChar char="»"/>
+              <a:defRPr sz="2000">
+                <a:solidFill>
+                  <a:schemeClr val="tx1"/>
+                </a:solidFill>
+                <a:latin typeface="Calibri" panose="020F0502020204030204" pitchFamily="34" charset="0"/>
+              </a:defRPr>
+            </a:lvl6pPr>
+            <a:lvl7pPr marL="2971800" indent="-228600" algn="l" rtl="0" eaLnBrk="0" fontAlgn="base" hangingPunct="0">
+              <a:spcBef>
+                <a:spcPct val="20000"/>
+              </a:spcBef>
+              <a:spcAft>
+                <a:spcPct val="0"/>
+              </a:spcAft>
+              <a:buFont typeface="Arial" panose="020B0604020202020204" pitchFamily="34" charset="0"/>
+              <a:buChar char="»"/>
+              <a:defRPr sz="2000">
+                <a:solidFill>
+                  <a:schemeClr val="tx1"/>
+                </a:solidFill>
+                <a:latin typeface="Calibri" panose="020F0502020204030204" pitchFamily="34" charset="0"/>
+              </a:defRPr>
+            </a:lvl7pPr>
+            <a:lvl8pPr marL="3429000" indent="-228600" algn="l" rtl="0" eaLnBrk="0" fontAlgn="base" hangingPunct="0">
+              <a:spcBef>
+                <a:spcPct val="20000"/>
+              </a:spcBef>
+              <a:spcAft>
+                <a:spcPct val="0"/>
+              </a:spcAft>
+              <a:buFont typeface="Arial" panose="020B0604020202020204" pitchFamily="34" charset="0"/>
+              <a:buChar char="»"/>
+              <a:defRPr sz="2000">
+                <a:solidFill>
+                  <a:schemeClr val="tx1"/>
+                </a:solidFill>
+                <a:latin typeface="Calibri" panose="020F0502020204030204" pitchFamily="34" charset="0"/>
+              </a:defRPr>
+            </a:lvl8pPr>
+            <a:lvl9pPr marL="3886200" indent="-228600" algn="l" rtl="0" eaLnBrk="0" fontAlgn="base" hangingPunct="0">
+              <a:spcBef>
+                <a:spcPct val="20000"/>
+              </a:spcBef>
+              <a:spcAft>
+                <a:spcPct val="0"/>
+              </a:spcAft>
+              <a:buFont typeface="Arial" panose="020B0604020202020204" pitchFamily="34" charset="0"/>
+              <a:buChar char="»"/>
+              <a:defRPr sz="2000">
+                <a:solidFill>
+                  <a:schemeClr val="tx1"/>
+                </a:solidFill>
+                <a:latin typeface="Calibri" panose="020F0502020204030204" pitchFamily="34" charset="0"/>
+              </a:defRPr>
+            </a:lvl9pPr>
+          </a:lstStyle>
+          <a:p>
+            <a:pPr eaLnBrk="1" hangingPunct="1">
+              <a:spcBef>
+                <a:spcPct val="0"/>
+              </a:spcBef>
+              <a:buFontTx/>
+              <a:buNone/>
+            </a:pPr>
+            <a:r>
+              <a:rPr lang="en-US" altLang="en-US" sz="2800" b="1" dirty="0">
+                <a:solidFill>
+                  <a:srgbClr val="FFFFFF"/>
+                </a:solidFill>
+                <a:latin typeface="Tahoma" panose="020B0604030504040204" pitchFamily="34" charset="0"/>
+                <a:ea typeface="Tahoma" panose="020B0604030504040204" pitchFamily="34" charset="0"/>
+                <a:cs typeface="Tahoma" panose="020B0604030504040204" pitchFamily="34" charset="0"/>
+              </a:rPr>
+              <a:t>Main Difficulties</a:t>
+            </a:r>
+          </a:p>
+        </p:txBody>
+      </p:sp>
+      <p:cxnSp>
+        <p:nvCxnSpPr>
+          <p:cNvPr id="20" name="Straight Connector 19"/>
+          <p:cNvCxnSpPr/>
+          <p:nvPr/>
+        </p:nvCxnSpPr>
+        <p:spPr>
+          <a:xfrm>
+            <a:off x="2644775" y="6672263"/>
+            <a:ext cx="5976938" cy="0"/>
+          </a:xfrm>
+          <a:prstGeom prst="line">
+            <a:avLst/>
+          </a:prstGeom>
+          <a:ln w="12700">
+            <a:solidFill>
+              <a:schemeClr val="bg1"/>
+            </a:solidFill>
+          </a:ln>
+        </p:spPr>
+        <p:style>
+          <a:lnRef idx="1">
+            <a:schemeClr val="accent1"/>
+          </a:lnRef>
+          <a:fillRef idx="0">
+            <a:schemeClr val="accent1"/>
+          </a:fillRef>
+          <a:effectRef idx="0">
+            <a:schemeClr val="accent1"/>
+          </a:effectRef>
+          <a:fontRef idx="minor">
+            <a:schemeClr val="tx1"/>
+          </a:fontRef>
+        </p:style>
+      </p:cxnSp>
+      <p:cxnSp>
+        <p:nvCxnSpPr>
+          <p:cNvPr id="21" name="Straight Connector 20"/>
+          <p:cNvCxnSpPr/>
+          <p:nvPr/>
+        </p:nvCxnSpPr>
+        <p:spPr>
+          <a:xfrm>
+            <a:off x="144463" y="6672263"/>
+            <a:ext cx="8855075" cy="0"/>
+          </a:xfrm>
+          <a:prstGeom prst="line">
+            <a:avLst/>
+          </a:prstGeom>
+          <a:ln w="12700">
+            <a:solidFill>
+              <a:schemeClr val="bg1">
+                <a:lumMod val="85000"/>
+              </a:schemeClr>
+            </a:solidFill>
+          </a:ln>
+        </p:spPr>
+        <p:style>
+          <a:lnRef idx="1">
+            <a:schemeClr val="accent1"/>
+          </a:lnRef>
+          <a:fillRef idx="0">
+            <a:schemeClr val="accent1"/>
+          </a:fillRef>
+          <a:effectRef idx="0">
+            <a:schemeClr val="accent1"/>
+          </a:effectRef>
+          <a:fontRef idx="minor">
+            <a:schemeClr val="tx1"/>
+          </a:fontRef>
+        </p:style>
+      </p:cxnSp>
+      <p:sp>
+        <p:nvSpPr>
+          <p:cNvPr id="51" name="Oval 50"/>
+          <p:cNvSpPr>
+            <a:spLocks noChangeAspect="1"/>
+          </p:cNvSpPr>
+          <p:nvPr/>
+        </p:nvSpPr>
+        <p:spPr>
+          <a:xfrm>
+            <a:off x="8678862" y="6495121"/>
+            <a:ext cx="286679" cy="286679"/>
+          </a:xfrm>
+          <a:prstGeom prst="ellipse">
+            <a:avLst/>
+          </a:prstGeom>
+          <a:solidFill>
+            <a:srgbClr val="DDB405"/>
+          </a:solidFill>
+          <a:ln w="28575">
+            <a:solidFill>
+              <a:schemeClr val="bg1"/>
+            </a:solidFill>
+          </a:ln>
+        </p:spPr>
+        <p:style>
+          <a:lnRef idx="2">
+            <a:schemeClr val="accent1">
+              <a:shade val="50000"/>
+            </a:schemeClr>
+          </a:lnRef>
+          <a:fillRef idx="1">
+            <a:schemeClr val="accent1"/>
+          </a:fillRef>
+          <a:effectRef idx="0">
+            <a:schemeClr val="accent1"/>
+          </a:effectRef>
+          <a:fontRef idx="minor">
+            <a:schemeClr val="lt1"/>
+          </a:fontRef>
+        </p:style>
+        <p:txBody>
+          <a:bodyPr lIns="0" rIns="0" anchor="ctr"/>
+          <a:lstStyle/>
+          <a:p>
+            <a:pPr algn="ctr" rtl="0" fontAlgn="auto">
+              <a:spcBef>
+                <a:spcPts val="0"/>
+              </a:spcBef>
+              <a:spcAft>
+                <a:spcPts val="0"/>
+              </a:spcAft>
+              <a:defRPr/>
+            </a:pPr>
+            <a:r>
+              <a:rPr lang="en-US" sz="800" b="1" dirty="0">
+                <a:solidFill>
+                  <a:prstClr val="white"/>
+                </a:solidFill>
+                <a:latin typeface="Arial" pitchFamily="34" charset="0"/>
+              </a:rPr>
+              <a:t>4</a:t>
+            </a:r>
+            <a:endParaRPr lang="en-US" sz="800" b="1" dirty="0">
+              <a:solidFill>
+                <a:prstClr val="white"/>
+              </a:solidFill>
+              <a:latin typeface="Arial" pitchFamily="34" charset="0"/>
+              <a:cs typeface="Arial" pitchFamily="34" charset="0"/>
+            </a:endParaRPr>
+          </a:p>
+        </p:txBody>
+      </p:sp>
+      <p:pic>
+        <p:nvPicPr>
+          <p:cNvPr id="20490" name="Picture 2" descr="D:\Clients\Ben Gurion University\Presentation.Template\Images\Briefcase.png"/>
+          <p:cNvPicPr>
+            <a:picLocks noChangeAspect="1" noChangeArrowheads="1"/>
+          </p:cNvPicPr>
+          <p:nvPr/>
+        </p:nvPicPr>
+        <p:blipFill>
+          <a:blip r:embed="rId3">
+            <a:extLst>
+              <a:ext uri="{28A0092B-C50C-407E-A947-70E740481C1C}">
+                <a14:useLocalDpi xmlns:a14="http://schemas.microsoft.com/office/drawing/2010/main" val="0"/>
+              </a:ext>
+            </a:extLst>
+          </a:blip>
+          <a:srcRect/>
+          <a:stretch>
+            <a:fillRect/>
+          </a:stretch>
+        </p:blipFill>
+        <p:spPr bwMode="auto">
+          <a:xfrm>
+            <a:off x="1979613" y="979488"/>
+            <a:ext cx="542925" cy="433387"/>
+          </a:xfrm>
+          <a:prstGeom prst="rect">
+            <a:avLst/>
+          </a:prstGeom>
+          <a:noFill/>
+          <a:ln>
+            <a:noFill/>
+          </a:ln>
+          <a:extLst>
+            <a:ext uri="{909E8E84-426E-40DD-AFC4-6F175D3DCCD1}">
+              <a14:hiddenFill xmlns:a14="http://schemas.microsoft.com/office/drawing/2010/main">
+                <a:solidFill>
+                  <a:srgbClr val="FFFFFF"/>
+                </a:solidFill>
+              </a14:hiddenFill>
+            </a:ext>
+            <a:ext uri="{91240B29-F687-4F45-9708-019B960494DF}">
+              <a14:hiddenLine xmlns:a14="http://schemas.microsoft.com/office/drawing/2010/main" w="9525">
+                <a:solidFill>
+                  <a:srgbClr val="000000"/>
+                </a:solidFill>
+                <a:miter lim="800000"/>
+                <a:headEnd/>
+                <a:tailEnd/>
+              </a14:hiddenLine>
+            </a:ext>
+          </a:extLst>
+        </p:spPr>
+      </p:pic>
+      <p:sp>
+        <p:nvSpPr>
+          <p:cNvPr id="20491" name="TextBox 29"/>
+          <p:cNvSpPr txBox="1">
+            <a:spLocks noChangeArrowheads="1"/>
+          </p:cNvSpPr>
+          <p:nvPr/>
+        </p:nvSpPr>
+        <p:spPr bwMode="auto">
+          <a:xfrm>
+            <a:off x="160518" y="1124744"/>
+            <a:ext cx="8461195" cy="3650230"/>
+          </a:xfrm>
+          <a:prstGeom prst="rect">
+            <a:avLst/>
+          </a:prstGeom>
+          <a:noFill/>
+          <a:ln>
+            <a:noFill/>
+          </a:ln>
+          <a:extLst>
+            <a:ext uri="{909E8E84-426E-40DD-AFC4-6F175D3DCCD1}">
+              <a14:hiddenFill xmlns:a14="http://schemas.microsoft.com/office/drawing/2010/main">
+                <a:solidFill>
+                  <a:srgbClr val="FFFFFF"/>
+                </a:solidFill>
+              </a14:hiddenFill>
+            </a:ext>
+            <a:ext uri="{91240B29-F687-4F45-9708-019B960494DF}">
+              <a14:hiddenLine xmlns:a14="http://schemas.microsoft.com/office/drawing/2010/main" w="9525">
+                <a:solidFill>
+                  <a:srgbClr val="000000"/>
+                </a:solidFill>
+                <a:miter lim="800000"/>
+                <a:headEnd/>
+                <a:tailEnd/>
+              </a14:hiddenLine>
+            </a:ext>
+          </a:extLst>
+        </p:spPr>
+        <p:txBody>
+          <a:bodyPr wrap="square">
+            <a:spAutoFit/>
+          </a:bodyPr>
+          <a:lstStyle>
+            <a:lvl1pPr marL="287338" indent="-287338" algn="l" rtl="0" eaLnBrk="0" hangingPunct="0">
+              <a:defRPr>
+                <a:solidFill>
+                  <a:schemeClr val="tx1"/>
+                </a:solidFill>
+                <a:latin typeface="Calibri" panose="020F0502020204030204" pitchFamily="34" charset="0"/>
+                <a:cs typeface="Arial" panose="020B0604020202020204" pitchFamily="34" charset="0"/>
+              </a:defRPr>
+            </a:lvl1pPr>
+            <a:lvl2pPr marL="742950" indent="-285750" algn="l" rtl="0" eaLnBrk="0" hangingPunct="0">
+              <a:defRPr>
+                <a:solidFill>
+                  <a:schemeClr val="tx1"/>
+                </a:solidFill>
+                <a:latin typeface="Calibri" panose="020F0502020204030204" pitchFamily="34" charset="0"/>
+                <a:cs typeface="Arial" panose="020B0604020202020204" pitchFamily="34" charset="0"/>
+              </a:defRPr>
+            </a:lvl2pPr>
+            <a:lvl3pPr marL="1143000" indent="-228600" algn="l" rtl="0" eaLnBrk="0" hangingPunct="0">
+              <a:defRPr>
+                <a:solidFill>
+                  <a:schemeClr val="tx1"/>
+                </a:solidFill>
+                <a:latin typeface="Calibri" panose="020F0502020204030204" pitchFamily="34" charset="0"/>
+                <a:cs typeface="Arial" panose="020B0604020202020204" pitchFamily="34" charset="0"/>
+              </a:defRPr>
+            </a:lvl3pPr>
+            <a:lvl4pPr marL="1600200" indent="-228600" algn="l" rtl="0" eaLnBrk="0" hangingPunct="0">
+              <a:defRPr>
+                <a:solidFill>
+                  <a:schemeClr val="tx1"/>
+                </a:solidFill>
+                <a:latin typeface="Calibri" panose="020F0502020204030204" pitchFamily="34" charset="0"/>
+                <a:cs typeface="Arial" panose="020B0604020202020204" pitchFamily="34" charset="0"/>
+              </a:defRPr>
+            </a:lvl4pPr>
+            <a:lvl5pPr marL="2057400" indent="-228600" algn="l" rtl="0" eaLnBrk="0" hangingPunct="0">
+              <a:defRPr>
+                <a:solidFill>
+                  <a:schemeClr val="tx1"/>
+                </a:solidFill>
+                <a:latin typeface="Calibri" panose="020F0502020204030204" pitchFamily="34" charset="0"/>
+                <a:cs typeface="Arial" panose="020B0604020202020204" pitchFamily="34" charset="0"/>
+              </a:defRPr>
+            </a:lvl5pPr>
+            <a:lvl6pPr marL="2514600" indent="-228600" algn="l" rtl="0" eaLnBrk="0" fontAlgn="base" hangingPunct="0">
+              <a:spcBef>
+                <a:spcPct val="0"/>
+              </a:spcBef>
+              <a:spcAft>
+                <a:spcPct val="0"/>
+              </a:spcAft>
+              <a:defRPr>
+                <a:solidFill>
+                  <a:schemeClr val="tx1"/>
+                </a:solidFill>
+                <a:latin typeface="Calibri" panose="020F0502020204030204" pitchFamily="34" charset="0"/>
+                <a:cs typeface="Arial" panose="020B0604020202020204" pitchFamily="34" charset="0"/>
+              </a:defRPr>
+            </a:lvl6pPr>
+            <a:lvl7pPr marL="2971800" indent="-228600" algn="l" rtl="0" eaLnBrk="0" fontAlgn="base" hangingPunct="0">
+              <a:spcBef>
+                <a:spcPct val="0"/>
+              </a:spcBef>
+              <a:spcAft>
+                <a:spcPct val="0"/>
+              </a:spcAft>
+              <a:defRPr>
+                <a:solidFill>
+                  <a:schemeClr val="tx1"/>
+                </a:solidFill>
+                <a:latin typeface="Calibri" panose="020F0502020204030204" pitchFamily="34" charset="0"/>
+                <a:cs typeface="Arial" panose="020B0604020202020204" pitchFamily="34" charset="0"/>
+              </a:defRPr>
+            </a:lvl7pPr>
+            <a:lvl8pPr marL="3429000" indent="-228600" algn="l" rtl="0" eaLnBrk="0" fontAlgn="base" hangingPunct="0">
+              <a:spcBef>
+                <a:spcPct val="0"/>
+              </a:spcBef>
+              <a:spcAft>
+                <a:spcPct val="0"/>
+              </a:spcAft>
+              <a:defRPr>
+                <a:solidFill>
+                  <a:schemeClr val="tx1"/>
+                </a:solidFill>
+                <a:latin typeface="Calibri" panose="020F0502020204030204" pitchFamily="34" charset="0"/>
+                <a:cs typeface="Arial" panose="020B0604020202020204" pitchFamily="34" charset="0"/>
+              </a:defRPr>
+            </a:lvl8pPr>
+            <a:lvl9pPr marL="3886200" indent="-228600" algn="l" rtl="0" eaLnBrk="0" fontAlgn="base" hangingPunct="0">
+              <a:spcBef>
+                <a:spcPct val="0"/>
+              </a:spcBef>
+              <a:spcAft>
+                <a:spcPct val="0"/>
+              </a:spcAft>
+              <a:defRPr>
+                <a:solidFill>
+                  <a:schemeClr val="tx1"/>
+                </a:solidFill>
+                <a:latin typeface="Calibri" panose="020F0502020204030204" pitchFamily="34" charset="0"/>
+                <a:cs typeface="Arial" panose="020B0604020202020204" pitchFamily="34" charset="0"/>
+              </a:defRPr>
+            </a:lvl9pPr>
+          </a:lstStyle>
+          <a:p>
+            <a:pPr>
+              <a:lnSpc>
+                <a:spcPct val="90000"/>
+              </a:lnSpc>
+              <a:spcBef>
+                <a:spcPts val="2400"/>
+              </a:spcBef>
+              <a:buClr>
+                <a:srgbClr val="E5BA05"/>
+              </a:buClr>
+              <a:buSzPct val="100000"/>
+              <a:buFont typeface="Wingdings 2" panose="05020102010507070707" pitchFamily="18" charset="2"/>
+              <a:buChar char=""/>
+            </a:pPr>
+            <a:r>
+              <a:rPr lang="en-US" altLang="he-IL" sz="2400" dirty="0" smtClean="0">
+                <a:solidFill>
+                  <a:srgbClr val="595959"/>
+                </a:solidFill>
+                <a:latin typeface="Tahoma" panose="020B0604030504040204" pitchFamily="34" charset="0"/>
+                <a:ea typeface="Tahoma" panose="020B0604030504040204" pitchFamily="34" charset="0"/>
+                <a:cs typeface="Tahoma" panose="020B0604030504040204" pitchFamily="34" charset="0"/>
+              </a:rPr>
+              <a:t>Very </a:t>
+            </a:r>
+            <a:r>
+              <a:rPr lang="en-US" altLang="he-IL" sz="2400" dirty="0">
+                <a:solidFill>
+                  <a:srgbClr val="595959"/>
+                </a:solidFill>
+                <a:latin typeface="Tahoma" panose="020B0604030504040204" pitchFamily="34" charset="0"/>
+                <a:ea typeface="Tahoma" panose="020B0604030504040204" pitchFamily="34" charset="0"/>
+                <a:cs typeface="Tahoma" panose="020B0604030504040204" pitchFamily="34" charset="0"/>
+              </a:rPr>
+              <a:t>large music collection – </a:t>
+            </a:r>
+            <a:r>
+              <a:rPr lang="en-US" altLang="he-IL" sz="2400" dirty="0" smtClean="0">
+                <a:solidFill>
+                  <a:srgbClr val="595959"/>
+                </a:solidFill>
+                <a:latin typeface="Tahoma" panose="020B0604030504040204" pitchFamily="34" charset="0"/>
+                <a:ea typeface="Tahoma" panose="020B0604030504040204" pitchFamily="34" charset="0"/>
+                <a:cs typeface="Tahoma" panose="020B0604030504040204" pitchFamily="34" charset="0"/>
+              </a:rPr>
+              <a:t>contains some irrelevant songs</a:t>
+            </a:r>
+            <a:endParaRPr lang="en-US" altLang="he-IL" sz="2400" dirty="0">
+              <a:solidFill>
+                <a:srgbClr val="595959"/>
+              </a:solidFill>
+              <a:latin typeface="Tahoma" panose="020B0604030504040204" pitchFamily="34" charset="0"/>
+              <a:ea typeface="Tahoma" panose="020B0604030504040204" pitchFamily="34" charset="0"/>
+              <a:cs typeface="Tahoma" panose="020B0604030504040204" pitchFamily="34" charset="0"/>
+            </a:endParaRPr>
+          </a:p>
+          <a:p>
+            <a:pPr>
+              <a:lnSpc>
+                <a:spcPct val="90000"/>
+              </a:lnSpc>
+              <a:spcBef>
+                <a:spcPts val="2400"/>
+              </a:spcBef>
+              <a:buClr>
+                <a:srgbClr val="E5BA05"/>
+              </a:buClr>
+              <a:buSzPct val="100000"/>
+              <a:buFont typeface="Wingdings 2" panose="05020102010507070707" pitchFamily="18" charset="2"/>
+              <a:buChar char=""/>
+            </a:pPr>
+            <a:r>
+              <a:rPr lang="en-US" altLang="he-IL" sz="2400" dirty="0">
+                <a:solidFill>
+                  <a:srgbClr val="595959"/>
+                </a:solidFill>
+                <a:latin typeface="Tahoma" panose="020B0604030504040204" pitchFamily="34" charset="0"/>
+                <a:ea typeface="Tahoma" panose="020B0604030504040204" pitchFamily="34" charset="0"/>
+                <a:cs typeface="Tahoma" panose="020B0604030504040204" pitchFamily="34" charset="0"/>
+              </a:rPr>
+              <a:t>Testing the algorithm</a:t>
+            </a:r>
+          </a:p>
+          <a:p>
+            <a:pPr>
+              <a:lnSpc>
+                <a:spcPct val="90000"/>
+              </a:lnSpc>
+              <a:spcBef>
+                <a:spcPts val="2400"/>
+              </a:spcBef>
+              <a:buClr>
+                <a:srgbClr val="E5BA05"/>
+              </a:buClr>
+              <a:buSzPct val="100000"/>
+              <a:buFont typeface="Wingdings 2" panose="05020102010507070707" pitchFamily="18" charset="2"/>
+              <a:buChar char=""/>
+            </a:pPr>
+            <a:r>
+              <a:rPr lang="en-US" altLang="he-IL" sz="2400" dirty="0">
+                <a:solidFill>
+                  <a:srgbClr val="595959"/>
+                </a:solidFill>
+                <a:latin typeface="Tahoma" panose="020B0604030504040204" pitchFamily="34" charset="0"/>
+                <a:ea typeface="Tahoma" panose="020B0604030504040204" pitchFamily="34" charset="0"/>
+                <a:cs typeface="Tahoma" panose="020B0604030504040204" pitchFamily="34" charset="0"/>
+              </a:rPr>
+              <a:t>Songs with missing </a:t>
+            </a:r>
+            <a:r>
+              <a:rPr lang="en-US" altLang="he-IL" sz="2400" dirty="0" smtClean="0">
+                <a:solidFill>
+                  <a:srgbClr val="595959"/>
+                </a:solidFill>
+                <a:latin typeface="Tahoma" panose="020B0604030504040204" pitchFamily="34" charset="0"/>
+                <a:ea typeface="Tahoma" panose="020B0604030504040204" pitchFamily="34" charset="0"/>
+                <a:cs typeface="Tahoma" panose="020B0604030504040204" pitchFamily="34" charset="0"/>
+              </a:rPr>
+              <a:t>attributes</a:t>
+            </a:r>
+          </a:p>
+          <a:p>
+            <a:pPr>
+              <a:lnSpc>
+                <a:spcPct val="90000"/>
+              </a:lnSpc>
+              <a:spcBef>
+                <a:spcPts val="2400"/>
+              </a:spcBef>
+              <a:buClr>
+                <a:srgbClr val="E5BA05"/>
+              </a:buClr>
+              <a:buSzPct val="100000"/>
+              <a:buFont typeface="Wingdings 2" panose="05020102010507070707" pitchFamily="18" charset="2"/>
+              <a:buChar char=""/>
+            </a:pPr>
+            <a:r>
+              <a:rPr lang="en-US" altLang="he-IL" sz="2400" dirty="0" smtClean="0">
+                <a:solidFill>
+                  <a:srgbClr val="595959"/>
+                </a:solidFill>
+                <a:latin typeface="Tahoma" panose="020B0604030504040204" pitchFamily="34" charset="0"/>
+                <a:ea typeface="Tahoma" panose="020B0604030504040204" pitchFamily="34" charset="0"/>
+                <a:cs typeface="Tahoma" panose="020B0604030504040204" pitchFamily="34" charset="0"/>
+              </a:rPr>
+              <a:t>Comparing the algorithm to another recommendation algorithms (that aren’t content based)</a:t>
+            </a:r>
+            <a:endParaRPr lang="en-US" altLang="he-IL" sz="2400" dirty="0">
+              <a:solidFill>
+                <a:srgbClr val="595959"/>
+              </a:solidFill>
+              <a:latin typeface="Tahoma" panose="020B0604030504040204" pitchFamily="34" charset="0"/>
+              <a:ea typeface="Tahoma" panose="020B0604030504040204" pitchFamily="34" charset="0"/>
+              <a:cs typeface="Tahoma" panose="020B0604030504040204" pitchFamily="34" charset="0"/>
+            </a:endParaRPr>
+          </a:p>
+          <a:p>
+            <a:pPr marL="0" indent="0">
+              <a:lnSpc>
+                <a:spcPct val="90000"/>
+              </a:lnSpc>
+              <a:spcBef>
+                <a:spcPts val="2400"/>
+              </a:spcBef>
+              <a:buClr>
+                <a:srgbClr val="E5BA05"/>
+              </a:buClr>
+              <a:buSzPct val="100000"/>
+            </a:pPr>
+            <a:endParaRPr lang="en-US" altLang="he-IL" sz="2400" dirty="0">
+              <a:solidFill>
+                <a:srgbClr val="595959"/>
+              </a:solidFill>
+              <a:latin typeface="Tahoma" panose="020B0604030504040204" pitchFamily="34" charset="0"/>
+              <a:ea typeface="Tahoma" panose="020B0604030504040204" pitchFamily="34" charset="0"/>
+              <a:cs typeface="Tahoma" panose="020B0604030504040204" pitchFamily="34" charset="0"/>
+            </a:endParaRPr>
+          </a:p>
+        </p:txBody>
+      </p:sp>
+    </p:spTree>
+    <p:extLst>
+      <p:ext uri="{BB962C8B-B14F-4D97-AF65-F5344CB8AC3E}">
+        <p14:creationId xmlns:p14="http://schemas.microsoft.com/office/powerpoint/2010/main" val="197574597"/>
+      </p:ext>
+    </p:extLst>
+  </p:cSld>
+  <p:clrMapOvr>
+    <a:masterClrMapping/>
+  </p:clrMapOvr>
+  <p:transition spd="slow"/>
+  <p:timing>
+    <p:tnLst>
+      <p:par>
+        <p:cTn id="1" dur="indefinite" restart="never" nodeType="tmRoot"/>
+      </p:par>
+    </p:tnLst>
+  </p:timing>
+</p:sld>
+</file>
+
+<file path=ppt/slides/slide12.xml><?xml version="1.0" encoding="utf-8"?>
+<p:sld xmlns:a="http://schemas.openxmlformats.org/drawingml/2006/main" xmlns:r="http://schemas.openxmlformats.org/officeDocument/2006/relationships" xmlns:p="http://schemas.openxmlformats.org/presentationml/2006/main">
+  <p:cSld>
+    <p:spTree>
+      <p:nvGrpSpPr>
+        <p:cNvPr id="1" name=""/>
+        <p:cNvGrpSpPr/>
+        <p:nvPr/>
+      </p:nvGrpSpPr>
+      <p:grpSpPr>
+        <a:xfrm>
+          <a:off x="0" y="0"/>
+          <a:ext cx="0" cy="0"/>
+          <a:chOff x="0" y="0"/>
+          <a:chExt cx="0" cy="0"/>
+        </a:xfrm>
+      </p:grpSpPr>
+      <p:sp>
+        <p:nvSpPr>
+          <p:cNvPr id="74" name="Rectangle 73"/>
+          <p:cNvSpPr/>
+          <p:nvPr/>
+        </p:nvSpPr>
+        <p:spPr>
+          <a:xfrm>
+            <a:off x="0" y="0"/>
+            <a:ext cx="8718550" cy="620713"/>
+          </a:xfrm>
+          <a:prstGeom prst="rect">
+            <a:avLst/>
+          </a:prstGeom>
+          <a:solidFill>
+            <a:srgbClr val="DDB405"/>
+          </a:solidFill>
+          <a:ln>
+            <a:noFill/>
+          </a:ln>
+        </p:spPr>
+        <p:style>
+          <a:lnRef idx="2">
+            <a:schemeClr val="accent1">
+              <a:shade val="50000"/>
+            </a:schemeClr>
+          </a:lnRef>
+          <a:fillRef idx="1">
+            <a:schemeClr val="accent1"/>
+          </a:fillRef>
+          <a:effectRef idx="0">
+            <a:schemeClr val="accent1"/>
+          </a:effectRef>
+          <a:fontRef idx="minor">
+            <a:schemeClr val="lt1"/>
+          </a:fontRef>
+        </p:style>
+        <p:txBody>
+          <a:bodyPr anchor="ctr"/>
+          <a:lstStyle/>
+          <a:p>
+            <a:pPr algn="ctr" rtl="0" fontAlgn="auto">
+              <a:spcBef>
+                <a:spcPts val="0"/>
+              </a:spcBef>
+              <a:spcAft>
+                <a:spcPts val="0"/>
+              </a:spcAft>
+              <a:defRPr/>
+            </a:pPr>
+            <a:endParaRPr lang="en-US">
+              <a:solidFill>
+                <a:prstClr val="white"/>
+              </a:solidFill>
+            </a:endParaRPr>
+          </a:p>
+        </p:txBody>
+      </p:sp>
+      <p:sp>
+        <p:nvSpPr>
+          <p:cNvPr id="20485" name="TextBox 36"/>
+          <p:cNvSpPr txBox="1">
+            <a:spLocks noChangeArrowheads="1"/>
+          </p:cNvSpPr>
+          <p:nvPr/>
+        </p:nvSpPr>
+        <p:spPr bwMode="auto">
+          <a:xfrm>
+            <a:off x="116479" y="-1"/>
+            <a:ext cx="7754938" cy="523220"/>
+          </a:xfrm>
+          <a:prstGeom prst="rect">
+            <a:avLst/>
+          </a:prstGeom>
+          <a:noFill/>
+          <a:ln>
+            <a:noFill/>
+          </a:ln>
+          <a:extLst>
+            <a:ext uri="{909E8E84-426E-40DD-AFC4-6F175D3DCCD1}">
+              <a14:hiddenFill xmlns:a14="http://schemas.microsoft.com/office/drawing/2010/main">
+                <a:solidFill>
+                  <a:srgbClr val="FFFFFF"/>
+                </a:solidFill>
+              </a14:hiddenFill>
+            </a:ext>
+            <a:ext uri="{91240B29-F687-4F45-9708-019B960494DF}">
+              <a14:hiddenLine xmlns:a14="http://schemas.microsoft.com/office/drawing/2010/main" w="9525">
+                <a:solidFill>
+                  <a:srgbClr val="000000"/>
+                </a:solidFill>
+                <a:miter lim="800000"/>
+                <a:headEnd/>
+                <a:tailEnd/>
+              </a14:hiddenLine>
+            </a:ext>
+          </a:extLst>
+        </p:spPr>
+        <p:txBody>
+          <a:bodyPr>
+            <a:spAutoFit/>
+          </a:bodyPr>
+          <a:lstStyle>
+            <a:lvl1pPr algn="l" rtl="0" eaLnBrk="0" hangingPunct="0">
+              <a:spcBef>
+                <a:spcPct val="20000"/>
+              </a:spcBef>
+              <a:buFont typeface="Arial" panose="020B0604020202020204" pitchFamily="34" charset="0"/>
+              <a:buChar char="•"/>
+              <a:defRPr sz="3200">
+                <a:solidFill>
+                  <a:schemeClr val="tx1"/>
+                </a:solidFill>
+                <a:latin typeface="Calibri" panose="020F0502020204030204" pitchFamily="34" charset="0"/>
+              </a:defRPr>
+            </a:lvl1pPr>
+            <a:lvl2pPr marL="742950" indent="-285750" algn="l" rtl="0" eaLnBrk="0" hangingPunct="0">
+              <a:spcBef>
+                <a:spcPct val="20000"/>
+              </a:spcBef>
+              <a:buFont typeface="Arial" panose="020B0604020202020204" pitchFamily="34" charset="0"/>
+              <a:buChar char="–"/>
+              <a:defRPr sz="2800">
+                <a:solidFill>
+                  <a:schemeClr val="tx1"/>
+                </a:solidFill>
+                <a:latin typeface="Calibri" panose="020F0502020204030204" pitchFamily="34" charset="0"/>
+              </a:defRPr>
+            </a:lvl2pPr>
+            <a:lvl3pPr marL="1143000" indent="-228600" algn="l" rtl="0" eaLnBrk="0" hangingPunct="0">
+              <a:spcBef>
+                <a:spcPct val="20000"/>
+              </a:spcBef>
+              <a:buFont typeface="Arial" panose="020B0604020202020204" pitchFamily="34" charset="0"/>
+              <a:buChar char="•"/>
+              <a:defRPr sz="2400">
+                <a:solidFill>
+                  <a:schemeClr val="tx1"/>
+                </a:solidFill>
+                <a:latin typeface="Calibri" panose="020F0502020204030204" pitchFamily="34" charset="0"/>
+              </a:defRPr>
+            </a:lvl3pPr>
+            <a:lvl4pPr marL="1600200" indent="-228600" algn="l" rtl="0" eaLnBrk="0" hangingPunct="0">
+              <a:spcBef>
+                <a:spcPct val="20000"/>
+              </a:spcBef>
+              <a:buFont typeface="Arial" panose="020B0604020202020204" pitchFamily="34" charset="0"/>
+              <a:buChar char="–"/>
+              <a:defRPr sz="2000">
+                <a:solidFill>
+                  <a:schemeClr val="tx1"/>
+                </a:solidFill>
+                <a:latin typeface="Calibri" panose="020F0502020204030204" pitchFamily="34" charset="0"/>
+              </a:defRPr>
+            </a:lvl4pPr>
+            <a:lvl5pPr marL="2057400" indent="-228600" algn="l" rtl="0" eaLnBrk="0" hangingPunct="0">
+              <a:spcBef>
+                <a:spcPct val="20000"/>
+              </a:spcBef>
+              <a:buFont typeface="Arial" panose="020B0604020202020204" pitchFamily="34" charset="0"/>
+              <a:buChar char="»"/>
+              <a:defRPr sz="2000">
+                <a:solidFill>
+                  <a:schemeClr val="tx1"/>
+                </a:solidFill>
+                <a:latin typeface="Calibri" panose="020F0502020204030204" pitchFamily="34" charset="0"/>
+              </a:defRPr>
+            </a:lvl5pPr>
+            <a:lvl6pPr marL="2514600" indent="-228600" algn="l" rtl="0" eaLnBrk="0" fontAlgn="base" hangingPunct="0">
+              <a:spcBef>
+                <a:spcPct val="20000"/>
+              </a:spcBef>
+              <a:spcAft>
+                <a:spcPct val="0"/>
+              </a:spcAft>
+              <a:buFont typeface="Arial" panose="020B0604020202020204" pitchFamily="34" charset="0"/>
+              <a:buChar char="»"/>
+              <a:defRPr sz="2000">
+                <a:solidFill>
+                  <a:schemeClr val="tx1"/>
+                </a:solidFill>
+                <a:latin typeface="Calibri" panose="020F0502020204030204" pitchFamily="34" charset="0"/>
+              </a:defRPr>
+            </a:lvl6pPr>
+            <a:lvl7pPr marL="2971800" indent="-228600" algn="l" rtl="0" eaLnBrk="0" fontAlgn="base" hangingPunct="0">
+              <a:spcBef>
+                <a:spcPct val="20000"/>
+              </a:spcBef>
+              <a:spcAft>
+                <a:spcPct val="0"/>
+              </a:spcAft>
+              <a:buFont typeface="Arial" panose="020B0604020202020204" pitchFamily="34" charset="0"/>
+              <a:buChar char="»"/>
+              <a:defRPr sz="2000">
+                <a:solidFill>
+                  <a:schemeClr val="tx1"/>
+                </a:solidFill>
+                <a:latin typeface="Calibri" panose="020F0502020204030204" pitchFamily="34" charset="0"/>
+              </a:defRPr>
+            </a:lvl7pPr>
+            <a:lvl8pPr marL="3429000" indent="-228600" algn="l" rtl="0" eaLnBrk="0" fontAlgn="base" hangingPunct="0">
+              <a:spcBef>
+                <a:spcPct val="20000"/>
+              </a:spcBef>
+              <a:spcAft>
+                <a:spcPct val="0"/>
+              </a:spcAft>
+              <a:buFont typeface="Arial" panose="020B0604020202020204" pitchFamily="34" charset="0"/>
+              <a:buChar char="»"/>
+              <a:defRPr sz="2000">
+                <a:solidFill>
+                  <a:schemeClr val="tx1"/>
+                </a:solidFill>
+                <a:latin typeface="Calibri" panose="020F0502020204030204" pitchFamily="34" charset="0"/>
+              </a:defRPr>
+            </a:lvl8pPr>
+            <a:lvl9pPr marL="3886200" indent="-228600" algn="l" rtl="0" eaLnBrk="0" fontAlgn="base" hangingPunct="0">
+              <a:spcBef>
+                <a:spcPct val="20000"/>
+              </a:spcBef>
+              <a:spcAft>
+                <a:spcPct val="0"/>
+              </a:spcAft>
+              <a:buFont typeface="Arial" panose="020B0604020202020204" pitchFamily="34" charset="0"/>
+              <a:buChar char="»"/>
+              <a:defRPr sz="2000">
+                <a:solidFill>
+                  <a:schemeClr val="tx1"/>
+                </a:solidFill>
+                <a:latin typeface="Calibri" panose="020F0502020204030204" pitchFamily="34" charset="0"/>
+              </a:defRPr>
+            </a:lvl9pPr>
+          </a:lstStyle>
+          <a:p>
+            <a:pPr eaLnBrk="1" hangingPunct="1">
+              <a:spcBef>
+                <a:spcPct val="0"/>
+              </a:spcBef>
+              <a:buFontTx/>
+              <a:buNone/>
+            </a:pPr>
+            <a:r>
+              <a:rPr lang="en-US" altLang="en-US" sz="2800" b="1" dirty="0">
+                <a:solidFill>
+                  <a:srgbClr val="FFFFFF"/>
+                </a:solidFill>
+                <a:latin typeface="Tahoma" panose="020B0604030504040204" pitchFamily="34" charset="0"/>
+                <a:ea typeface="Tahoma" panose="020B0604030504040204" pitchFamily="34" charset="0"/>
+                <a:cs typeface="Tahoma" panose="020B0604030504040204" pitchFamily="34" charset="0"/>
+              </a:rPr>
+              <a:t>Future tasks</a:t>
+            </a:r>
+          </a:p>
+        </p:txBody>
+      </p:sp>
+      <p:cxnSp>
+        <p:nvCxnSpPr>
+          <p:cNvPr id="20" name="Straight Connector 19"/>
+          <p:cNvCxnSpPr/>
+          <p:nvPr/>
+        </p:nvCxnSpPr>
+        <p:spPr>
+          <a:xfrm>
+            <a:off x="2644775" y="6672263"/>
+            <a:ext cx="5976938" cy="0"/>
+          </a:xfrm>
+          <a:prstGeom prst="line">
+            <a:avLst/>
+          </a:prstGeom>
+          <a:ln w="12700">
+            <a:solidFill>
+              <a:schemeClr val="bg1"/>
+            </a:solidFill>
+          </a:ln>
+        </p:spPr>
+        <p:style>
+          <a:lnRef idx="1">
+            <a:schemeClr val="accent1"/>
+          </a:lnRef>
+          <a:fillRef idx="0">
+            <a:schemeClr val="accent1"/>
+          </a:fillRef>
+          <a:effectRef idx="0">
+            <a:schemeClr val="accent1"/>
+          </a:effectRef>
+          <a:fontRef idx="minor">
+            <a:schemeClr val="tx1"/>
+          </a:fontRef>
+        </p:style>
+      </p:cxnSp>
+      <p:cxnSp>
+        <p:nvCxnSpPr>
+          <p:cNvPr id="21" name="Straight Connector 20"/>
+          <p:cNvCxnSpPr/>
+          <p:nvPr/>
+        </p:nvCxnSpPr>
+        <p:spPr>
+          <a:xfrm>
+            <a:off x="144463" y="6672263"/>
+            <a:ext cx="8855075" cy="0"/>
+          </a:xfrm>
+          <a:prstGeom prst="line">
+            <a:avLst/>
+          </a:prstGeom>
+          <a:ln w="12700">
+            <a:solidFill>
+              <a:schemeClr val="bg1">
+                <a:lumMod val="85000"/>
+              </a:schemeClr>
+            </a:solidFill>
+          </a:ln>
+        </p:spPr>
+        <p:style>
+          <a:lnRef idx="1">
+            <a:schemeClr val="accent1"/>
+          </a:lnRef>
+          <a:fillRef idx="0">
+            <a:schemeClr val="accent1"/>
+          </a:fillRef>
+          <a:effectRef idx="0">
+            <a:schemeClr val="accent1"/>
+          </a:effectRef>
+          <a:fontRef idx="minor">
+            <a:schemeClr val="tx1"/>
+          </a:fontRef>
+        </p:style>
+      </p:cxnSp>
+      <p:sp>
+        <p:nvSpPr>
+          <p:cNvPr id="51" name="Oval 50"/>
+          <p:cNvSpPr>
+            <a:spLocks noChangeAspect="1"/>
+          </p:cNvSpPr>
+          <p:nvPr/>
+        </p:nvSpPr>
+        <p:spPr>
+          <a:xfrm>
+            <a:off x="8678862" y="6495121"/>
+            <a:ext cx="286679" cy="286679"/>
+          </a:xfrm>
+          <a:prstGeom prst="ellipse">
+            <a:avLst/>
+          </a:prstGeom>
+          <a:solidFill>
+            <a:srgbClr val="DDB405"/>
+          </a:solidFill>
+          <a:ln w="28575">
+            <a:solidFill>
+              <a:schemeClr val="bg1"/>
+            </a:solidFill>
+          </a:ln>
+        </p:spPr>
+        <p:style>
+          <a:lnRef idx="2">
+            <a:schemeClr val="accent1">
+              <a:shade val="50000"/>
+            </a:schemeClr>
+          </a:lnRef>
+          <a:fillRef idx="1">
+            <a:schemeClr val="accent1"/>
+          </a:fillRef>
+          <a:effectRef idx="0">
+            <a:schemeClr val="accent1"/>
+          </a:effectRef>
+          <a:fontRef idx="minor">
+            <a:schemeClr val="lt1"/>
+          </a:fontRef>
+        </p:style>
+        <p:txBody>
+          <a:bodyPr lIns="0" rIns="0" anchor="ctr"/>
+          <a:lstStyle/>
+          <a:p>
+            <a:pPr algn="ctr" rtl="0" fontAlgn="auto">
+              <a:spcBef>
+                <a:spcPts val="0"/>
+              </a:spcBef>
+              <a:spcAft>
+                <a:spcPts val="0"/>
+              </a:spcAft>
+              <a:defRPr/>
+            </a:pPr>
+            <a:r>
+              <a:rPr lang="en-US" sz="800" b="1" dirty="0">
+                <a:solidFill>
+                  <a:prstClr val="white"/>
+                </a:solidFill>
+                <a:latin typeface="Arial" pitchFamily="34" charset="0"/>
+              </a:rPr>
+              <a:t>4</a:t>
+            </a:r>
+            <a:endParaRPr lang="en-US" sz="800" b="1" dirty="0">
+              <a:solidFill>
+                <a:prstClr val="white"/>
+              </a:solidFill>
+              <a:latin typeface="Arial" pitchFamily="34" charset="0"/>
+              <a:cs typeface="Arial" pitchFamily="34" charset="0"/>
+            </a:endParaRPr>
+          </a:p>
+        </p:txBody>
+      </p:sp>
+      <p:pic>
+        <p:nvPicPr>
+          <p:cNvPr id="20490" name="Picture 2" descr="D:\Clients\Ben Gurion University\Presentation.Template\Images\Briefcase.png"/>
+          <p:cNvPicPr>
+            <a:picLocks noChangeAspect="1" noChangeArrowheads="1"/>
+          </p:cNvPicPr>
+          <p:nvPr/>
+        </p:nvPicPr>
+        <p:blipFill>
+          <a:blip r:embed="rId3">
+            <a:extLst>
+              <a:ext uri="{28A0092B-C50C-407E-A947-70E740481C1C}">
+                <a14:useLocalDpi xmlns:a14="http://schemas.microsoft.com/office/drawing/2010/main" val="0"/>
+              </a:ext>
+            </a:extLst>
+          </a:blip>
+          <a:srcRect/>
+          <a:stretch>
+            <a:fillRect/>
+          </a:stretch>
+        </p:blipFill>
+        <p:spPr bwMode="auto">
+          <a:xfrm>
+            <a:off x="1979613" y="979488"/>
+            <a:ext cx="542925" cy="433387"/>
+          </a:xfrm>
+          <a:prstGeom prst="rect">
+            <a:avLst/>
+          </a:prstGeom>
+          <a:noFill/>
+          <a:ln>
+            <a:noFill/>
+          </a:ln>
+          <a:extLst>
+            <a:ext uri="{909E8E84-426E-40DD-AFC4-6F175D3DCCD1}">
+              <a14:hiddenFill xmlns:a14="http://schemas.microsoft.com/office/drawing/2010/main">
+                <a:solidFill>
+                  <a:srgbClr val="FFFFFF"/>
+                </a:solidFill>
+              </a14:hiddenFill>
+            </a:ext>
+            <a:ext uri="{91240B29-F687-4F45-9708-019B960494DF}">
+              <a14:hiddenLine xmlns:a14="http://schemas.microsoft.com/office/drawing/2010/main" w="9525">
+                <a:solidFill>
+                  <a:srgbClr val="000000"/>
+                </a:solidFill>
+                <a:miter lim="800000"/>
+                <a:headEnd/>
+                <a:tailEnd/>
+              </a14:hiddenLine>
+            </a:ext>
+          </a:extLst>
+        </p:spPr>
+      </p:pic>
+      <p:sp>
+        <p:nvSpPr>
           <p:cNvPr id="20491" name="TextBox 29"/>
           <p:cNvSpPr txBox="1">
             <a:spLocks noChangeArrowheads="1"/>
@@ -13358,7 +16033,7 @@
 </p:sld>
 </file>
 
-<file path=ppt/slides/slide11.xml><?xml version="1.0" encoding="utf-8"?>
+<file path=ppt/slides/slide13.xml><?xml version="1.0" encoding="utf-8"?>
 <p:sld xmlns:a="http://schemas.openxmlformats.org/drawingml/2006/main" xmlns:r="http://schemas.openxmlformats.org/officeDocument/2006/relationships" xmlns:p="http://schemas.openxmlformats.org/presentationml/2006/main">
   <p:cSld>
     <p:spTree>
@@ -21819,18 +24494,7 @@
                 <a:ea typeface="Tahoma" panose="020B0604030504040204" pitchFamily="34" charset="0"/>
                 <a:cs typeface="Tahoma" panose="020B0604030504040204" pitchFamily="34" charset="0"/>
               </a:rPr>
-              <a:t>C</a:t>
-            </a:r>
-            <a:r>
-              <a:rPr lang="en-US" altLang="he-IL" sz="2400" dirty="0">
-                <a:solidFill>
-                  <a:srgbClr val="595959"/>
-                </a:solidFill>
-                <a:latin typeface="Tahoma" panose="020B0604030504040204" pitchFamily="34" charset="0"/>
-                <a:ea typeface="Tahoma" panose="020B0604030504040204" pitchFamily="34" charset="0"/>
-                <a:cs typeface="Tahoma" panose="020B0604030504040204" pitchFamily="34" charset="0"/>
-              </a:rPr>
-              <a:t>ompute</a:t>
+              <a:t>Compute</a:t>
             </a:r>
             <a:r>
               <a:rPr lang="en-US" altLang="he-IL" sz="2400" b="1" dirty="0" smtClean="0">
@@ -23596,7 +26260,7 @@
               <a:buNone/>
             </a:pPr>
             <a:r>
-              <a:rPr lang="en-US" altLang="en-US" sz="2800" b="1" dirty="0">
+              <a:rPr lang="en-US" altLang="en-US" sz="2800" b="1" dirty="0" smtClean="0">
                 <a:solidFill>
                   <a:srgbClr val="FFFFFF"/>
                 </a:solidFill>
@@ -23604,8 +26268,16 @@
                 <a:ea typeface="Tahoma" panose="020B0604030504040204" pitchFamily="34" charset="0"/>
                 <a:cs typeface="Tahoma" panose="020B0604030504040204" pitchFamily="34" charset="0"/>
               </a:rPr>
-              <a:t>Main Difficulties</a:t>
+              <a:t>Results</a:t>
             </a:r>
+            <a:endParaRPr lang="en-US" altLang="en-US" sz="2800" b="1" dirty="0">
+              <a:solidFill>
+                <a:srgbClr val="FFFFFF"/>
+              </a:solidFill>
+              <a:latin typeface="Tahoma" panose="020B0604030504040204" pitchFamily="34" charset="0"/>
+              <a:ea typeface="Tahoma" panose="020B0604030504040204" pitchFamily="34" charset="0"/>
+              <a:cs typeface="Tahoma" panose="020B0604030504040204" pitchFamily="34" charset="0"/>
+            </a:endParaRPr>
           </a:p>
         </p:txBody>
       </p:sp>
@@ -23810,340 +26482,402 @@
       </p:pic>
       <p:sp>
         <p:nvSpPr>
-          <p:cNvPr id="20491" name="TextBox 29"/>
-          <p:cNvSpPr txBox="1">
-            <a:spLocks noChangeArrowheads="1"/>
-          </p:cNvSpPr>
+          <p:cNvPr id="3" name="Right Arrow 2"/>
+          <p:cNvSpPr/>
           <p:nvPr/>
         </p:nvSpPr>
-        <p:spPr bwMode="auto">
+        <p:spPr>
           <a:xfrm>
-            <a:off x="160518" y="1124744"/>
-            <a:ext cx="8461195" cy="3650230"/>
+            <a:off x="5258470" y="2802786"/>
+            <a:ext cx="1315020" cy="720080"/>
+          </a:xfrm>
+          <a:prstGeom prst="rightArrow">
+            <a:avLst/>
+          </a:prstGeom>
+        </p:spPr>
+        <p:style>
+          <a:lnRef idx="2">
+            <a:schemeClr val="accent1">
+              <a:shade val="50000"/>
+            </a:schemeClr>
+          </a:lnRef>
+          <a:fillRef idx="1">
+            <a:schemeClr val="accent1"/>
+          </a:fillRef>
+          <a:effectRef idx="0">
+            <a:schemeClr val="accent1"/>
+          </a:effectRef>
+          <a:fontRef idx="minor">
+            <a:schemeClr val="lt1"/>
+          </a:fontRef>
+        </p:style>
+        <p:txBody>
+          <a:bodyPr rtlCol="1" anchor="ctr"/>
+          <a:lstStyle/>
+          <a:p>
+            <a:pPr algn="ctr"/>
+            <a:endParaRPr lang="he-IL"/>
+          </a:p>
+        </p:txBody>
+      </p:sp>
+      <p:sp>
+        <p:nvSpPr>
+          <p:cNvPr id="4" name="TextBox 3"/>
+          <p:cNvSpPr txBox="1"/>
+          <p:nvPr/>
+        </p:nvSpPr>
+        <p:spPr>
+          <a:xfrm>
+            <a:off x="6732240" y="2721694"/>
+            <a:ext cx="2089961" cy="923330"/>
           </a:xfrm>
           <a:prstGeom prst="rect">
             <a:avLst/>
           </a:prstGeom>
-          <a:noFill/>
-          <a:ln>
-            <a:noFill/>
-          </a:ln>
-          <a:extLst>
-            <a:ext uri="{909E8E84-426E-40DD-AFC4-6F175D3DCCD1}">
-              <a14:hiddenFill xmlns:a14="http://schemas.microsoft.com/office/drawing/2010/main">
-                <a:solidFill>
-                  <a:srgbClr val="FFFFFF"/>
-                </a:solidFill>
-              </a14:hiddenFill>
-            </a:ext>
-            <a:ext uri="{91240B29-F687-4F45-9708-019B960494DF}">
-              <a14:hiddenLine xmlns:a14="http://schemas.microsoft.com/office/drawing/2010/main" w="9525">
-                <a:solidFill>
-                  <a:srgbClr val="000000"/>
-                </a:solidFill>
-                <a:miter lim="800000"/>
-                <a:headEnd/>
-                <a:tailEnd/>
-              </a14:hiddenLine>
-            </a:ext>
-          </a:extLst>
+          <a:gradFill>
+            <a:gsLst>
+              <a:gs pos="0">
+                <a:schemeClr val="accent1">
+                  <a:lumMod val="5000"/>
+                  <a:lumOff val="95000"/>
+                </a:schemeClr>
+              </a:gs>
+              <a:gs pos="74000">
+                <a:schemeClr val="accent1">
+                  <a:lumMod val="45000"/>
+                  <a:lumOff val="55000"/>
+                </a:schemeClr>
+              </a:gs>
+              <a:gs pos="83000">
+                <a:schemeClr val="accent1">
+                  <a:lumMod val="45000"/>
+                  <a:lumOff val="55000"/>
+                </a:schemeClr>
+              </a:gs>
+              <a:gs pos="100000">
+                <a:schemeClr val="accent1">
+                  <a:lumMod val="30000"/>
+                  <a:lumOff val="70000"/>
+                </a:schemeClr>
+              </a:gs>
+            </a:gsLst>
+            <a:lin ang="5400000" scaled="1"/>
+          </a:gradFill>
         </p:spPr>
         <p:txBody>
-          <a:bodyPr wrap="square">
+          <a:bodyPr wrap="square" rtlCol="1">
             <a:spAutoFit/>
           </a:bodyPr>
-          <a:lstStyle>
-            <a:lvl1pPr marL="287338" indent="-287338" algn="l" rtl="0" eaLnBrk="0" hangingPunct="0">
-              <a:defRPr>
-                <a:solidFill>
-                  <a:schemeClr val="tx1"/>
-                </a:solidFill>
-                <a:latin typeface="Calibri" panose="020F0502020204030204" pitchFamily="34" charset="0"/>
-                <a:cs typeface="Arial" panose="020B0604020202020204" pitchFamily="34" charset="0"/>
-              </a:defRPr>
-            </a:lvl1pPr>
-            <a:lvl2pPr marL="742950" indent="-285750" algn="l" rtl="0" eaLnBrk="0" hangingPunct="0">
-              <a:defRPr>
-                <a:solidFill>
-                  <a:schemeClr val="tx1"/>
-                </a:solidFill>
-                <a:latin typeface="Calibri" panose="020F0502020204030204" pitchFamily="34" charset="0"/>
-                <a:cs typeface="Arial" panose="020B0604020202020204" pitchFamily="34" charset="0"/>
-              </a:defRPr>
-            </a:lvl2pPr>
-            <a:lvl3pPr marL="1143000" indent="-228600" algn="l" rtl="0" eaLnBrk="0" hangingPunct="0">
-              <a:defRPr>
-                <a:solidFill>
-                  <a:schemeClr val="tx1"/>
-                </a:solidFill>
-                <a:latin typeface="Calibri" panose="020F0502020204030204" pitchFamily="34" charset="0"/>
-                <a:cs typeface="Arial" panose="020B0604020202020204" pitchFamily="34" charset="0"/>
-              </a:defRPr>
-            </a:lvl3pPr>
-            <a:lvl4pPr marL="1600200" indent="-228600" algn="l" rtl="0" eaLnBrk="0" hangingPunct="0">
-              <a:defRPr>
-                <a:solidFill>
-                  <a:schemeClr val="tx1"/>
-                </a:solidFill>
-                <a:latin typeface="Calibri" panose="020F0502020204030204" pitchFamily="34" charset="0"/>
-                <a:cs typeface="Arial" panose="020B0604020202020204" pitchFamily="34" charset="0"/>
-              </a:defRPr>
-            </a:lvl4pPr>
-            <a:lvl5pPr marL="2057400" indent="-228600" algn="l" rtl="0" eaLnBrk="0" hangingPunct="0">
-              <a:defRPr>
-                <a:solidFill>
-                  <a:schemeClr val="tx1"/>
-                </a:solidFill>
-                <a:latin typeface="Calibri" panose="020F0502020204030204" pitchFamily="34" charset="0"/>
-                <a:cs typeface="Arial" panose="020B0604020202020204" pitchFamily="34" charset="0"/>
-              </a:defRPr>
-            </a:lvl5pPr>
-            <a:lvl6pPr marL="2514600" indent="-228600" algn="l" rtl="0" eaLnBrk="0" fontAlgn="base" hangingPunct="0">
-              <a:spcBef>
-                <a:spcPct val="0"/>
-              </a:spcBef>
-              <a:spcAft>
-                <a:spcPct val="0"/>
-              </a:spcAft>
-              <a:defRPr>
-                <a:solidFill>
-                  <a:schemeClr val="tx1"/>
-                </a:solidFill>
-                <a:latin typeface="Calibri" panose="020F0502020204030204" pitchFamily="34" charset="0"/>
-                <a:cs typeface="Arial" panose="020B0604020202020204" pitchFamily="34" charset="0"/>
-              </a:defRPr>
-            </a:lvl6pPr>
-            <a:lvl7pPr marL="2971800" indent="-228600" algn="l" rtl="0" eaLnBrk="0" fontAlgn="base" hangingPunct="0">
-              <a:spcBef>
-                <a:spcPct val="0"/>
-              </a:spcBef>
-              <a:spcAft>
-                <a:spcPct val="0"/>
-              </a:spcAft>
-              <a:defRPr>
-                <a:solidFill>
-                  <a:schemeClr val="tx1"/>
-                </a:solidFill>
-                <a:latin typeface="Calibri" panose="020F0502020204030204" pitchFamily="34" charset="0"/>
-                <a:cs typeface="Arial" panose="020B0604020202020204" pitchFamily="34" charset="0"/>
-              </a:defRPr>
-            </a:lvl7pPr>
-            <a:lvl8pPr marL="3429000" indent="-228600" algn="l" rtl="0" eaLnBrk="0" fontAlgn="base" hangingPunct="0">
-              <a:spcBef>
-                <a:spcPct val="0"/>
-              </a:spcBef>
-              <a:spcAft>
-                <a:spcPct val="0"/>
-              </a:spcAft>
-              <a:defRPr>
-                <a:solidFill>
-                  <a:schemeClr val="tx1"/>
-                </a:solidFill>
-                <a:latin typeface="Calibri" panose="020F0502020204030204" pitchFamily="34" charset="0"/>
-                <a:cs typeface="Arial" panose="020B0604020202020204" pitchFamily="34" charset="0"/>
-              </a:defRPr>
-            </a:lvl8pPr>
-            <a:lvl9pPr marL="3886200" indent="-228600" algn="l" rtl="0" eaLnBrk="0" fontAlgn="base" hangingPunct="0">
-              <a:spcBef>
-                <a:spcPct val="0"/>
-              </a:spcBef>
-              <a:spcAft>
-                <a:spcPct val="0"/>
-              </a:spcAft>
-              <a:defRPr>
-                <a:solidFill>
-                  <a:schemeClr val="tx1"/>
-                </a:solidFill>
-                <a:latin typeface="Calibri" panose="020F0502020204030204" pitchFamily="34" charset="0"/>
-                <a:cs typeface="Arial" panose="020B0604020202020204" pitchFamily="34" charset="0"/>
-              </a:defRPr>
-            </a:lvl9pPr>
-          </a:lstStyle>
-          <a:p>
-            <a:pPr>
-              <a:lnSpc>
-                <a:spcPct val="90000"/>
-              </a:lnSpc>
-              <a:spcBef>
-                <a:spcPts val="2400"/>
-              </a:spcBef>
-              <a:buClr>
-                <a:srgbClr val="E5BA05"/>
-              </a:buClr>
-              <a:buSzPct val="100000"/>
-              <a:buFont typeface="Wingdings 2" panose="05020102010507070707" pitchFamily="18" charset="2"/>
-              <a:buChar char=""/>
-            </a:pPr>
+          <a:lstStyle/>
+          <a:p>
+            <a:pPr algn="ctr" rtl="0"/>
             <a:r>
-              <a:rPr lang="en-US" altLang="he-IL" sz="2400" dirty="0" smtClean="0">
-                <a:solidFill>
-                  <a:srgbClr val="595959"/>
+              <a:rPr lang="en-US" b="1" dirty="0">
+                <a:solidFill>
+                  <a:schemeClr val="accent5">
+                    <a:lumMod val="75000"/>
+                  </a:schemeClr>
                 </a:solidFill>
                 <a:latin typeface="Tahoma" panose="020B0604030504040204" pitchFamily="34" charset="0"/>
                 <a:ea typeface="Tahoma" panose="020B0604030504040204" pitchFamily="34" charset="0"/>
                 <a:cs typeface="Tahoma" panose="020B0604030504040204" pitchFamily="34" charset="0"/>
               </a:rPr>
-              <a:t>Very </a:t>
+              <a:t>Fancy - Iggy Azalea </a:t>
             </a:r>
             <a:r>
-              <a:rPr lang="en-US" altLang="he-IL" sz="2400" dirty="0">
-                <a:solidFill>
-                  <a:srgbClr val="595959"/>
+              <a:rPr lang="en-US" b="1" dirty="0" smtClean="0">
+                <a:solidFill>
+                  <a:schemeClr val="accent5">
+                    <a:lumMod val="75000"/>
+                  </a:schemeClr>
                 </a:solidFill>
                 <a:latin typeface="Tahoma" panose="020B0604030504040204" pitchFamily="34" charset="0"/>
                 <a:ea typeface="Tahoma" panose="020B0604030504040204" pitchFamily="34" charset="0"/>
                 <a:cs typeface="Tahoma" panose="020B0604030504040204" pitchFamily="34" charset="0"/>
               </a:rPr>
-              <a:t>large music collection – </a:t>
+              <a:t>Feat. Charli XCX</a:t>
             </a:r>
-            <a:r>
-              <a:rPr lang="en-US" altLang="he-IL" sz="2400" dirty="0" smtClean="0">
-                <a:solidFill>
-                  <a:srgbClr val="595959"/>
-                </a:solidFill>
-                <a:latin typeface="Tahoma" panose="020B0604030504040204" pitchFamily="34" charset="0"/>
-                <a:ea typeface="Tahoma" panose="020B0604030504040204" pitchFamily="34" charset="0"/>
-                <a:cs typeface="Tahoma" panose="020B0604030504040204" pitchFamily="34" charset="0"/>
-              </a:rPr>
-              <a:t>contains some irrelevant songs</a:t>
-            </a:r>
-            <a:endParaRPr lang="en-US" altLang="he-IL" sz="2400" dirty="0">
-              <a:solidFill>
-                <a:srgbClr val="595959"/>
-              </a:solidFill>
-              <a:latin typeface="Tahoma" panose="020B0604030504040204" pitchFamily="34" charset="0"/>
-              <a:ea typeface="Tahoma" panose="020B0604030504040204" pitchFamily="34" charset="0"/>
-              <a:cs typeface="Tahoma" panose="020B0604030504040204" pitchFamily="34" charset="0"/>
-            </a:endParaRPr>
-          </a:p>
-          <a:p>
-            <a:pPr>
-              <a:lnSpc>
-                <a:spcPct val="90000"/>
-              </a:lnSpc>
-              <a:spcBef>
-                <a:spcPts val="2400"/>
-              </a:spcBef>
-              <a:buClr>
-                <a:srgbClr val="E5BA05"/>
-              </a:buClr>
-              <a:buSzPct val="100000"/>
-              <a:buFont typeface="Wingdings 2" panose="05020102010507070707" pitchFamily="18" charset="2"/>
-              <a:buChar char=""/>
-            </a:pPr>
-            <a:r>
-              <a:rPr lang="en-US" altLang="he-IL" sz="2400" dirty="0">
-                <a:solidFill>
-                  <a:srgbClr val="595959"/>
-                </a:solidFill>
-                <a:latin typeface="Tahoma" panose="020B0604030504040204" pitchFamily="34" charset="0"/>
-                <a:ea typeface="Tahoma" panose="020B0604030504040204" pitchFamily="34" charset="0"/>
-                <a:cs typeface="Tahoma" panose="020B0604030504040204" pitchFamily="34" charset="0"/>
-              </a:rPr>
-              <a:t>Testing the algorithm</a:t>
-            </a:r>
-          </a:p>
-          <a:p>
-            <a:pPr>
-              <a:lnSpc>
-                <a:spcPct val="90000"/>
-              </a:lnSpc>
-              <a:spcBef>
-                <a:spcPts val="2400"/>
-              </a:spcBef>
-              <a:buClr>
-                <a:srgbClr val="E5BA05"/>
-              </a:buClr>
-              <a:buSzPct val="100000"/>
-              <a:buFont typeface="Wingdings 2" panose="05020102010507070707" pitchFamily="18" charset="2"/>
-              <a:buChar char=""/>
-            </a:pPr>
-            <a:r>
-              <a:rPr lang="en-US" altLang="he-IL" sz="2400" dirty="0">
-                <a:solidFill>
-                  <a:srgbClr val="595959"/>
-                </a:solidFill>
-                <a:latin typeface="Tahoma" panose="020B0604030504040204" pitchFamily="34" charset="0"/>
-                <a:ea typeface="Tahoma" panose="020B0604030504040204" pitchFamily="34" charset="0"/>
-                <a:cs typeface="Tahoma" panose="020B0604030504040204" pitchFamily="34" charset="0"/>
-              </a:rPr>
-              <a:t>Songs with missing </a:t>
-            </a:r>
-            <a:r>
-              <a:rPr lang="en-US" altLang="he-IL" sz="2400" dirty="0" smtClean="0">
-                <a:solidFill>
-                  <a:srgbClr val="595959"/>
-                </a:solidFill>
-                <a:latin typeface="Tahoma" panose="020B0604030504040204" pitchFamily="34" charset="0"/>
-                <a:ea typeface="Tahoma" panose="020B0604030504040204" pitchFamily="34" charset="0"/>
-                <a:cs typeface="Tahoma" panose="020B0604030504040204" pitchFamily="34" charset="0"/>
-              </a:rPr>
-              <a:t>attributes</a:t>
-            </a:r>
-          </a:p>
-          <a:p>
-            <a:pPr>
-              <a:lnSpc>
-                <a:spcPct val="90000"/>
-              </a:lnSpc>
-              <a:spcBef>
-                <a:spcPts val="2400"/>
-              </a:spcBef>
-              <a:buClr>
-                <a:srgbClr val="E5BA05"/>
-              </a:buClr>
-              <a:buSzPct val="100000"/>
-              <a:buFont typeface="Wingdings 2" panose="05020102010507070707" pitchFamily="18" charset="2"/>
-              <a:buChar char=""/>
-            </a:pPr>
-            <a:r>
-              <a:rPr lang="en-US" altLang="he-IL" sz="2400" dirty="0" smtClean="0">
-                <a:solidFill>
-                  <a:srgbClr val="595959"/>
-                </a:solidFill>
-                <a:latin typeface="Tahoma" panose="020B0604030504040204" pitchFamily="34" charset="0"/>
-                <a:ea typeface="Tahoma" panose="020B0604030504040204" pitchFamily="34" charset="0"/>
-                <a:cs typeface="Tahoma" panose="020B0604030504040204" pitchFamily="34" charset="0"/>
-              </a:rPr>
-              <a:t>Comparing the algorithm to another recommendation algorithms (that aren’t content based)</a:t>
-            </a:r>
-            <a:endParaRPr lang="en-US" altLang="he-IL" sz="2400" dirty="0">
-              <a:solidFill>
-                <a:srgbClr val="595959"/>
-              </a:solidFill>
-              <a:latin typeface="Tahoma" panose="020B0604030504040204" pitchFamily="34" charset="0"/>
-              <a:ea typeface="Tahoma" panose="020B0604030504040204" pitchFamily="34" charset="0"/>
-              <a:cs typeface="Tahoma" panose="020B0604030504040204" pitchFamily="34" charset="0"/>
-            </a:endParaRPr>
-          </a:p>
-          <a:p>
-            <a:pPr marL="0" indent="0">
-              <a:lnSpc>
-                <a:spcPct val="90000"/>
-              </a:lnSpc>
-              <a:spcBef>
-                <a:spcPts val="2400"/>
-              </a:spcBef>
-              <a:buClr>
-                <a:srgbClr val="E5BA05"/>
-              </a:buClr>
-              <a:buSzPct val="100000"/>
-            </a:pPr>
-            <a:endParaRPr lang="en-US" altLang="he-IL" sz="2400" dirty="0">
-              <a:solidFill>
-                <a:srgbClr val="595959"/>
-              </a:solidFill>
-              <a:latin typeface="Tahoma" panose="020B0604030504040204" pitchFamily="34" charset="0"/>
-              <a:ea typeface="Tahoma" panose="020B0604030504040204" pitchFamily="34" charset="0"/>
-              <a:cs typeface="Tahoma" panose="020B0604030504040204" pitchFamily="34" charset="0"/>
-            </a:endParaRPr>
           </a:p>
         </p:txBody>
       </p:sp>
+      <p:graphicFrame>
+        <p:nvGraphicFramePr>
+          <p:cNvPr id="11" name="Table 10"/>
+          <p:cNvGraphicFramePr>
+            <a:graphicFrameLocks noGrp="1"/>
+          </p:cNvGraphicFramePr>
+          <p:nvPr>
+            <p:extLst>
+              <p:ext uri="{D42A27DB-BD31-4B8C-83A1-F6EECF244321}">
+                <p14:modId xmlns:p14="http://schemas.microsoft.com/office/powerpoint/2010/main" val="2221441804"/>
+              </p:ext>
+            </p:extLst>
+          </p:nvPr>
+        </p:nvGraphicFramePr>
+        <p:xfrm>
+          <a:off x="628551" y="2570009"/>
+          <a:ext cx="4032448" cy="1472560"/>
+        </p:xfrm>
+        <a:graphic>
+          <a:graphicData uri="http://schemas.openxmlformats.org/drawingml/2006/table">
+            <a:tbl>
+              <a:tblPr rtl="1">
+                <a:tableStyleId>{3C2FFA5D-87B4-456A-9821-1D502468CF0F}</a:tableStyleId>
+              </a:tblPr>
+              <a:tblGrid>
+                <a:gridCol w="4032448"/>
+              </a:tblGrid>
+              <a:tr h="360040">
+                <a:tc>
+                  <a:txBody>
+                    <a:bodyPr/>
+                    <a:lstStyle/>
+                    <a:p>
+                      <a:pPr algn="l" rtl="0" fontAlgn="b"/>
+                      <a:r>
+                        <a:rPr lang="fr-FR" sz="1800" b="1" u="none" strike="noStrike" dirty="0" err="1">
+                          <a:solidFill>
+                            <a:srgbClr val="0070C0"/>
+                          </a:solidFill>
+                          <a:effectLst/>
+                          <a:latin typeface="Tahoma" panose="020B0604030504040204" pitchFamily="34" charset="0"/>
+                          <a:ea typeface="Tahoma" panose="020B0604030504040204" pitchFamily="34" charset="0"/>
+                          <a:cs typeface="Tahoma" panose="020B0604030504040204" pitchFamily="34" charset="0"/>
+                        </a:rPr>
+                        <a:t>Billionaire</a:t>
+                      </a:r>
+                      <a:r>
+                        <a:rPr lang="fr-FR" sz="1800" b="1" u="none" strike="noStrike" dirty="0">
+                          <a:solidFill>
+                            <a:srgbClr val="0070C0"/>
+                          </a:solidFill>
+                          <a:effectLst/>
+                          <a:latin typeface="Tahoma" panose="020B0604030504040204" pitchFamily="34" charset="0"/>
+                          <a:ea typeface="Tahoma" panose="020B0604030504040204" pitchFamily="34" charset="0"/>
+                          <a:cs typeface="Tahoma" panose="020B0604030504040204" pitchFamily="34" charset="0"/>
+                        </a:rPr>
+                        <a:t> - </a:t>
+                      </a:r>
+                      <a:r>
+                        <a:rPr lang="fr-FR" sz="1800" b="1" u="none" strike="noStrike" dirty="0" err="1">
+                          <a:solidFill>
+                            <a:srgbClr val="0070C0"/>
+                          </a:solidFill>
+                          <a:effectLst/>
+                          <a:latin typeface="Tahoma" panose="020B0604030504040204" pitchFamily="34" charset="0"/>
+                          <a:ea typeface="Tahoma" panose="020B0604030504040204" pitchFamily="34" charset="0"/>
+                          <a:cs typeface="Tahoma" panose="020B0604030504040204" pitchFamily="34" charset="0"/>
+                        </a:rPr>
+                        <a:t>Travie</a:t>
+                      </a:r>
+                      <a:r>
+                        <a:rPr lang="fr-FR" sz="1800" b="1" u="none" strike="noStrike" dirty="0">
+                          <a:solidFill>
+                            <a:srgbClr val="0070C0"/>
+                          </a:solidFill>
+                          <a:effectLst/>
+                          <a:latin typeface="Tahoma" panose="020B0604030504040204" pitchFamily="34" charset="0"/>
+                          <a:ea typeface="Tahoma" panose="020B0604030504040204" pitchFamily="34" charset="0"/>
+                          <a:cs typeface="Tahoma" panose="020B0604030504040204" pitchFamily="34" charset="0"/>
+                        </a:rPr>
+                        <a:t> </a:t>
+                      </a:r>
+                      <a:r>
+                        <a:rPr lang="fr-FR" sz="1800" b="1" u="none" strike="noStrike" dirty="0" err="1">
+                          <a:solidFill>
+                            <a:srgbClr val="0070C0"/>
+                          </a:solidFill>
+                          <a:effectLst/>
+                          <a:latin typeface="Tahoma" panose="020B0604030504040204" pitchFamily="34" charset="0"/>
+                          <a:ea typeface="Tahoma" panose="020B0604030504040204" pitchFamily="34" charset="0"/>
+                          <a:cs typeface="Tahoma" panose="020B0604030504040204" pitchFamily="34" charset="0"/>
+                        </a:rPr>
+                        <a:t>McCoy</a:t>
+                      </a:r>
+                      <a:r>
+                        <a:rPr lang="fr-FR" sz="1800" b="1" u="none" strike="noStrike" dirty="0">
+                          <a:solidFill>
+                            <a:srgbClr val="0070C0"/>
+                          </a:solidFill>
+                          <a:effectLst/>
+                          <a:latin typeface="Tahoma" panose="020B0604030504040204" pitchFamily="34" charset="0"/>
+                          <a:ea typeface="Tahoma" panose="020B0604030504040204" pitchFamily="34" charset="0"/>
+                          <a:cs typeface="Tahoma" panose="020B0604030504040204" pitchFamily="34" charset="0"/>
+                        </a:rPr>
+                        <a:t> </a:t>
+                      </a:r>
+                      <a:r>
+                        <a:rPr lang="fr-FR" sz="1800" b="1" u="none" strike="noStrike" dirty="0" err="1">
+                          <a:solidFill>
+                            <a:srgbClr val="0070C0"/>
+                          </a:solidFill>
+                          <a:effectLst/>
+                          <a:latin typeface="Tahoma" panose="020B0604030504040204" pitchFamily="34" charset="0"/>
+                          <a:ea typeface="Tahoma" panose="020B0604030504040204" pitchFamily="34" charset="0"/>
+                          <a:cs typeface="Tahoma" panose="020B0604030504040204" pitchFamily="34" charset="0"/>
+                        </a:rPr>
+                        <a:t>feat</a:t>
+                      </a:r>
+                      <a:r>
+                        <a:rPr lang="fr-FR" sz="1800" b="1" u="none" strike="noStrike" dirty="0">
+                          <a:solidFill>
+                            <a:srgbClr val="0070C0"/>
+                          </a:solidFill>
+                          <a:effectLst/>
+                          <a:latin typeface="Tahoma" panose="020B0604030504040204" pitchFamily="34" charset="0"/>
+                          <a:ea typeface="Tahoma" panose="020B0604030504040204" pitchFamily="34" charset="0"/>
+                          <a:cs typeface="Tahoma" panose="020B0604030504040204" pitchFamily="34" charset="0"/>
+                        </a:rPr>
+                        <a:t>. Bruno Mars</a:t>
+                      </a:r>
+                      <a:endParaRPr lang="fr-FR" sz="1800" b="1" i="0" u="none" strike="noStrike" dirty="0">
+                        <a:solidFill>
+                          <a:srgbClr val="0070C0"/>
+                        </a:solidFill>
+                        <a:effectLst/>
+                        <a:latin typeface="Tahoma" panose="020B0604030504040204" pitchFamily="34" charset="0"/>
+                        <a:ea typeface="Tahoma" panose="020B0604030504040204" pitchFamily="34" charset="0"/>
+                        <a:cs typeface="Tahoma" panose="020B0604030504040204" pitchFamily="34" charset="0"/>
+                      </a:endParaRPr>
+                    </a:p>
+                  </a:txBody>
+                  <a:tcPr marL="7620" marR="7620" marT="7620" marB="0" anchor="b"/>
+                </a:tc>
+              </a:tr>
+              <a:tr h="360040">
+                <a:tc>
+                  <a:txBody>
+                    <a:bodyPr/>
+                    <a:lstStyle/>
+                    <a:p>
+                      <a:pPr algn="l" rtl="0" fontAlgn="b"/>
+                      <a:r>
+                        <a:rPr lang="en-US" sz="1800" b="1" u="none" strike="noStrike" dirty="0">
+                          <a:solidFill>
+                            <a:srgbClr val="0070C0"/>
+                          </a:solidFill>
+                          <a:effectLst/>
+                          <a:latin typeface="Tahoma" panose="020B0604030504040204" pitchFamily="34" charset="0"/>
+                          <a:ea typeface="Tahoma" panose="020B0604030504040204" pitchFamily="34" charset="0"/>
+                          <a:cs typeface="Tahoma" panose="020B0604030504040204" pitchFamily="34" charset="0"/>
+                        </a:rPr>
+                        <a:t>Price Tag </a:t>
+                      </a:r>
+                      <a:r>
+                        <a:rPr lang="en-US" sz="1800" b="1" u="none" strike="noStrike" dirty="0" smtClean="0">
+                          <a:solidFill>
+                            <a:srgbClr val="0070C0"/>
+                          </a:solidFill>
+                          <a:effectLst/>
+                          <a:latin typeface="Tahoma" panose="020B0604030504040204" pitchFamily="34" charset="0"/>
+                          <a:ea typeface="Tahoma" panose="020B0604030504040204" pitchFamily="34" charset="0"/>
+                          <a:cs typeface="Tahoma" panose="020B0604030504040204" pitchFamily="34" charset="0"/>
+                        </a:rPr>
+                        <a:t>- </a:t>
+                      </a:r>
+                      <a:r>
+                        <a:rPr lang="en-US" sz="1800" b="1" u="none" strike="noStrike" dirty="0">
+                          <a:solidFill>
+                            <a:srgbClr val="0070C0"/>
+                          </a:solidFill>
+                          <a:effectLst/>
+                          <a:latin typeface="Tahoma" panose="020B0604030504040204" pitchFamily="34" charset="0"/>
+                          <a:ea typeface="Tahoma" panose="020B0604030504040204" pitchFamily="34" charset="0"/>
+                          <a:cs typeface="Tahoma" panose="020B0604030504040204" pitchFamily="34" charset="0"/>
+                        </a:rPr>
+                        <a:t>Jessie J Feat. </a:t>
+                      </a:r>
+                      <a:r>
+                        <a:rPr lang="en-US" sz="1800" b="1" u="none" strike="noStrike" dirty="0" err="1">
+                          <a:solidFill>
+                            <a:srgbClr val="0070C0"/>
+                          </a:solidFill>
+                          <a:effectLst/>
+                          <a:latin typeface="Tahoma" panose="020B0604030504040204" pitchFamily="34" charset="0"/>
+                          <a:ea typeface="Tahoma" panose="020B0604030504040204" pitchFamily="34" charset="0"/>
+                          <a:cs typeface="Tahoma" panose="020B0604030504040204" pitchFamily="34" charset="0"/>
+                        </a:rPr>
+                        <a:t>B.o.B</a:t>
+                      </a:r>
+                      <a:endParaRPr lang="en-US" sz="1800" b="1" i="0" u="none" strike="noStrike" dirty="0">
+                        <a:solidFill>
+                          <a:srgbClr val="0070C0"/>
+                        </a:solidFill>
+                        <a:effectLst/>
+                        <a:latin typeface="Tahoma" panose="020B0604030504040204" pitchFamily="34" charset="0"/>
+                        <a:ea typeface="Tahoma" panose="020B0604030504040204" pitchFamily="34" charset="0"/>
+                        <a:cs typeface="Tahoma" panose="020B0604030504040204" pitchFamily="34" charset="0"/>
+                      </a:endParaRPr>
+                    </a:p>
+                  </a:txBody>
+                  <a:tcPr marL="7620" marR="7620" marT="7620" marB="0" anchor="b"/>
+                </a:tc>
+              </a:tr>
+              <a:tr h="290622">
+                <a:tc>
+                  <a:txBody>
+                    <a:bodyPr/>
+                    <a:lstStyle/>
+                    <a:p>
+                      <a:pPr algn="l" rtl="0" fontAlgn="b"/>
+                      <a:r>
+                        <a:rPr lang="en-US" sz="1800" b="1" u="none" strike="noStrike" dirty="0">
+                          <a:solidFill>
+                            <a:srgbClr val="0070C0"/>
+                          </a:solidFill>
+                          <a:effectLst/>
+                          <a:latin typeface="Tahoma" panose="020B0604030504040204" pitchFamily="34" charset="0"/>
+                          <a:ea typeface="Tahoma" panose="020B0604030504040204" pitchFamily="34" charset="0"/>
+                          <a:cs typeface="Tahoma" panose="020B0604030504040204" pitchFamily="34" charset="0"/>
+                        </a:rPr>
+                        <a:t>Baby Boy - </a:t>
+                      </a:r>
+                      <a:r>
+                        <a:rPr lang="en-US" sz="1800" b="1" u="none" strike="noStrike" dirty="0" err="1">
+                          <a:solidFill>
+                            <a:srgbClr val="0070C0"/>
+                          </a:solidFill>
+                          <a:effectLst/>
+                          <a:latin typeface="Tahoma" panose="020B0604030504040204" pitchFamily="34" charset="0"/>
+                          <a:ea typeface="Tahoma" panose="020B0604030504040204" pitchFamily="34" charset="0"/>
+                          <a:cs typeface="Tahoma" panose="020B0604030504040204" pitchFamily="34" charset="0"/>
+                        </a:rPr>
+                        <a:t>Beyonce</a:t>
+                      </a:r>
+                      <a:r>
+                        <a:rPr lang="en-US" sz="1800" b="1" u="none" strike="noStrike" dirty="0">
+                          <a:solidFill>
+                            <a:srgbClr val="0070C0"/>
+                          </a:solidFill>
+                          <a:effectLst/>
+                          <a:latin typeface="Tahoma" panose="020B0604030504040204" pitchFamily="34" charset="0"/>
+                          <a:ea typeface="Tahoma" panose="020B0604030504040204" pitchFamily="34" charset="0"/>
+                          <a:cs typeface="Tahoma" panose="020B0604030504040204" pitchFamily="34" charset="0"/>
+                        </a:rPr>
+                        <a:t> Feat. Sean Paul</a:t>
+                      </a:r>
+                      <a:endParaRPr lang="en-US" sz="1800" b="1" i="0" u="none" strike="noStrike" dirty="0">
+                        <a:solidFill>
+                          <a:srgbClr val="0070C0"/>
+                        </a:solidFill>
+                        <a:effectLst/>
+                        <a:latin typeface="Tahoma" panose="020B0604030504040204" pitchFamily="34" charset="0"/>
+                        <a:ea typeface="Tahoma" panose="020B0604030504040204" pitchFamily="34" charset="0"/>
+                        <a:cs typeface="Tahoma" panose="020B0604030504040204" pitchFamily="34" charset="0"/>
+                      </a:endParaRPr>
+                    </a:p>
+                  </a:txBody>
+                  <a:tcPr marL="7620" marR="7620" marT="7620" marB="0" anchor="b"/>
+                </a:tc>
+              </a:tr>
+            </a:tbl>
+          </a:graphicData>
+        </a:graphic>
+      </p:graphicFrame>
     </p:spTree>
     <p:extLst>
       <p:ext uri="{BB962C8B-B14F-4D97-AF65-F5344CB8AC3E}">
-        <p14:creationId xmlns:p14="http://schemas.microsoft.com/office/powerpoint/2010/main" val="197574597"/>
+        <p14:creationId xmlns:p14="http://schemas.microsoft.com/office/powerpoint/2010/main" val="685198620"/>
       </p:ext>
     </p:extLst>
   </p:cSld>
@@ -24154,9 +26888,133 @@
   <p:timing>
     <p:tnLst>
       <p:par>
-        <p:cTn id="1" dur="indefinite" restart="never" nodeType="tmRoot"/>
+        <p:cTn id="1" dur="indefinite" restart="never" nodeType="tmRoot">
+          <p:childTnLst>
+            <p:seq concurrent="1" nextAc="seek">
+              <p:cTn id="2" dur="indefinite" nodeType="mainSeq">
+                <p:childTnLst>
+                  <p:par>
+                    <p:cTn id="3" fill="hold">
+                      <p:stCondLst>
+                        <p:cond delay="indefinite"/>
+                      </p:stCondLst>
+                      <p:childTnLst>
+                        <p:par>
+                          <p:cTn id="4" fill="hold">
+                            <p:stCondLst>
+                              <p:cond delay="0"/>
+                            </p:stCondLst>
+                            <p:childTnLst>
+                              <p:par>
+                                <p:cTn id="5" presetID="1" presetClass="entr" presetSubtype="0" fill="hold" nodeType="clickEffect">
+                                  <p:stCondLst>
+                                    <p:cond delay="0"/>
+                                  </p:stCondLst>
+                                  <p:childTnLst>
+                                    <p:set>
+                                      <p:cBhvr>
+                                        <p:cTn id="6" dur="1" fill="hold">
+                                          <p:stCondLst>
+                                            <p:cond delay="0"/>
+                                          </p:stCondLst>
+                                        </p:cTn>
+                                        <p:tgtEl>
+                                          <p:spTgt spid="11"/>
+                                        </p:tgtEl>
+                                        <p:attrNameLst>
+                                          <p:attrName>style.visibility</p:attrName>
+                                        </p:attrNameLst>
+                                      </p:cBhvr>
+                                      <p:to>
+                                        <p:strVal val="visible"/>
+                                      </p:to>
+                                    </p:set>
+                                  </p:childTnLst>
+                                </p:cTn>
+                              </p:par>
+                            </p:childTnLst>
+                          </p:cTn>
+                        </p:par>
+                      </p:childTnLst>
+                    </p:cTn>
+                  </p:par>
+                  <p:par>
+                    <p:cTn id="7" fill="hold">
+                      <p:stCondLst>
+                        <p:cond delay="indefinite"/>
+                      </p:stCondLst>
+                      <p:childTnLst>
+                        <p:par>
+                          <p:cTn id="8" fill="hold">
+                            <p:stCondLst>
+                              <p:cond delay="0"/>
+                            </p:stCondLst>
+                            <p:childTnLst>
+                              <p:par>
+                                <p:cTn id="9" presetID="10" presetClass="entr" presetSubtype="0" fill="hold" grpId="0" nodeType="clickEffect">
+                                  <p:stCondLst>
+                                    <p:cond delay="0"/>
+                                  </p:stCondLst>
+                                  <p:childTnLst>
+                                    <p:set>
+                                      <p:cBhvr>
+                                        <p:cTn id="10" dur="1" fill="hold">
+                                          <p:stCondLst>
+                                            <p:cond delay="0"/>
+                                          </p:stCondLst>
+                                        </p:cTn>
+                                        <p:tgtEl>
+                                          <p:spTgt spid="4"/>
+                                        </p:tgtEl>
+                                        <p:attrNameLst>
+                                          <p:attrName>style.visibility</p:attrName>
+                                        </p:attrNameLst>
+                                      </p:cBhvr>
+                                      <p:to>
+                                        <p:strVal val="visible"/>
+                                      </p:to>
+                                    </p:set>
+                                    <p:animEffect transition="in" filter="fade">
+                                      <p:cBhvr>
+                                        <p:cTn id="11" dur="500"/>
+                                        <p:tgtEl>
+                                          <p:spTgt spid="4"/>
+                                        </p:tgtEl>
+                                      </p:cBhvr>
+                                    </p:animEffect>
+                                  </p:childTnLst>
+                                </p:cTn>
+                              </p:par>
+                            </p:childTnLst>
+                          </p:cTn>
+                        </p:par>
+                      </p:childTnLst>
+                    </p:cTn>
+                  </p:par>
+                </p:childTnLst>
+              </p:cTn>
+              <p:prevCondLst>
+                <p:cond evt="onPrev" delay="0">
+                  <p:tgtEl>
+                    <p:sldTgt/>
+                  </p:tgtEl>
+                </p:cond>
+              </p:prevCondLst>
+              <p:nextCondLst>
+                <p:cond evt="onNext" delay="0">
+                  <p:tgtEl>
+                    <p:sldTgt/>
+                  </p:tgtEl>
+                </p:cond>
+              </p:nextCondLst>
+            </p:seq>
+          </p:childTnLst>
+        </p:cTn>
       </p:par>
     </p:tnLst>
+    <p:bldLst>
+      <p:bldP spid="4" grpId="0" animBg="1"/>
+    </p:bldLst>
   </p:timing>
 </p:sld>
 </file>

--- a/Report/Presentation.pptx
+++ b/Report/Presentation.pptx
@@ -6,7 +6,7 @@
     <p:sldMasterId id="2147483673" r:id="rId2"/>
   </p:sldMasterIdLst>
   <p:notesMasterIdLst>
-    <p:notesMasterId r:id="rId16"/>
+    <p:notesMasterId r:id="rId18"/>
   </p:notesMasterIdLst>
   <p:sldIdLst>
     <p:sldId id="256" r:id="rId3"/>
@@ -18,10 +18,12 @@
     <p:sldId id="408" r:id="rId9"/>
     <p:sldId id="410" r:id="rId10"/>
     <p:sldId id="414" r:id="rId11"/>
-    <p:sldId id="413" r:id="rId12"/>
-    <p:sldId id="404" r:id="rId13"/>
-    <p:sldId id="405" r:id="rId14"/>
-    <p:sldId id="319" r:id="rId15"/>
+    <p:sldId id="415" r:id="rId12"/>
+    <p:sldId id="416" r:id="rId13"/>
+    <p:sldId id="417" r:id="rId14"/>
+    <p:sldId id="404" r:id="rId15"/>
+    <p:sldId id="405" r:id="rId16"/>
+    <p:sldId id="319" r:id="rId17"/>
   </p:sldIdLst>
   <p:sldSz cx="9144000" cy="6858000" type="screen4x3"/>
   <p:notesSz cx="6858000" cy="9144000"/>
@@ -968,7 +970,7 @@
     </p:spTree>
     <p:extLst>
       <p:ext uri="{BB962C8B-B14F-4D97-AF65-F5344CB8AC3E}">
-        <p14:creationId xmlns:p14="http://schemas.microsoft.com/office/powerpoint/2010/main" val="1447825561"/>
+        <p14:creationId xmlns:p14="http://schemas.microsoft.com/office/powerpoint/2010/main" val="3996841593"/>
       </p:ext>
     </p:extLst>
   </p:cSld>
@@ -1252,7 +1254,7 @@
     </p:spTree>
     <p:extLst>
       <p:ext uri="{BB962C8B-B14F-4D97-AF65-F5344CB8AC3E}">
-        <p14:creationId xmlns:p14="http://schemas.microsoft.com/office/powerpoint/2010/main" val="4197263872"/>
+        <p14:creationId xmlns:p14="http://schemas.microsoft.com/office/powerpoint/2010/main" val="1679499485"/>
       </p:ext>
     </p:extLst>
   </p:cSld>
@@ -1536,6 +1538,574 @@
     </p:spTree>
     <p:extLst>
       <p:ext uri="{BB962C8B-B14F-4D97-AF65-F5344CB8AC3E}">
+        <p14:creationId xmlns:p14="http://schemas.microsoft.com/office/powerpoint/2010/main" val="642056096"/>
+      </p:ext>
+    </p:extLst>
+  </p:cSld>
+  <p:clrMapOvr>
+    <a:masterClrMapping/>
+  </p:clrMapOvr>
+</p:notes>
+</file>
+
+<file path=ppt/notesSlides/notesSlide13.xml><?xml version="1.0" encoding="utf-8"?>
+<p:notes xmlns:a="http://schemas.openxmlformats.org/drawingml/2006/main" xmlns:r="http://schemas.openxmlformats.org/officeDocument/2006/relationships" xmlns:p="http://schemas.openxmlformats.org/presentationml/2006/main">
+  <p:cSld>
+    <p:spTree>
+      <p:nvGrpSpPr>
+        <p:cNvPr id="1" name=""/>
+        <p:cNvGrpSpPr/>
+        <p:nvPr/>
+      </p:nvGrpSpPr>
+      <p:grpSpPr>
+        <a:xfrm>
+          <a:off x="0" y="0"/>
+          <a:ext cx="0" cy="0"/>
+          <a:chOff x="0" y="0"/>
+          <a:chExt cx="0" cy="0"/>
+        </a:xfrm>
+      </p:grpSpPr>
+      <p:sp>
+        <p:nvSpPr>
+          <p:cNvPr id="40962" name="Slide Image Placeholder 1"/>
+          <p:cNvSpPr>
+            <a:spLocks noGrp="1" noRot="1" noChangeAspect="1" noTextEdit="1"/>
+          </p:cNvSpPr>
+          <p:nvPr>
+            <p:ph type="sldImg"/>
+          </p:nvPr>
+        </p:nvSpPr>
+        <p:spPr bwMode="auto">
+          <a:noFill/>
+          <a:ln>
+            <a:solidFill>
+              <a:srgbClr val="000000"/>
+            </a:solidFill>
+            <a:miter lim="800000"/>
+            <a:headEnd/>
+            <a:tailEnd/>
+          </a:ln>
+          <a:extLst>
+            <a:ext uri="{909E8E84-426E-40DD-AFC4-6F175D3DCCD1}">
+              <a14:hiddenFill xmlns:a14="http://schemas.microsoft.com/office/drawing/2010/main">
+                <a:solidFill>
+                  <a:srgbClr val="FFFFFF"/>
+                </a:solidFill>
+              </a14:hiddenFill>
+            </a:ext>
+          </a:extLst>
+        </p:spPr>
+      </p:sp>
+      <p:sp>
+        <p:nvSpPr>
+          <p:cNvPr id="40963" name="Notes Placeholder 2"/>
+          <p:cNvSpPr>
+            <a:spLocks noGrp="1"/>
+          </p:cNvSpPr>
+          <p:nvPr>
+            <p:ph type="body" idx="1"/>
+          </p:nvPr>
+        </p:nvSpPr>
+        <p:spPr bwMode="auto">
+          <a:noFill/>
+          <a:extLst>
+            <a:ext uri="{909E8E84-426E-40DD-AFC4-6F175D3DCCD1}">
+              <a14:hiddenFill xmlns:a14="http://schemas.microsoft.com/office/drawing/2010/main">
+                <a:solidFill>
+                  <a:srgbClr val="FFFFFF"/>
+                </a:solidFill>
+              </a14:hiddenFill>
+            </a:ext>
+            <a:ext uri="{91240B29-F687-4F45-9708-019B960494DF}">
+              <a14:hiddenLine xmlns:a14="http://schemas.microsoft.com/office/drawing/2010/main" w="9525">
+                <a:solidFill>
+                  <a:srgbClr val="000000"/>
+                </a:solidFill>
+                <a:miter lim="800000"/>
+                <a:headEnd/>
+                <a:tailEnd/>
+              </a14:hiddenLine>
+            </a:ext>
+          </a:extLst>
+        </p:spPr>
+        <p:txBody>
+          <a:bodyPr wrap="square" numCol="1" anchor="t" anchorCtr="0" compatLnSpc="1">
+            <a:prstTxWarp prst="textNoShape">
+              <a:avLst/>
+            </a:prstTxWarp>
+          </a:bodyPr>
+          <a:lstStyle/>
+          <a:p>
+            <a:pPr eaLnBrk="1" hangingPunct="1">
+              <a:spcBef>
+                <a:spcPct val="0"/>
+              </a:spcBef>
+            </a:pPr>
+            <a:endParaRPr lang="en-US" altLang="en-US" dirty="0"/>
+          </a:p>
+        </p:txBody>
+      </p:sp>
+      <p:sp>
+        <p:nvSpPr>
+          <p:cNvPr id="40964" name="Slide Number Placeholder 3"/>
+          <p:cNvSpPr>
+            <a:spLocks noGrp="1"/>
+          </p:cNvSpPr>
+          <p:nvPr>
+            <p:ph type="sldNum" sz="quarter" idx="5"/>
+          </p:nvPr>
+        </p:nvSpPr>
+        <p:spPr bwMode="auto">
+          <a:noFill/>
+          <a:extLst>
+            <a:ext uri="{909E8E84-426E-40DD-AFC4-6F175D3DCCD1}">
+              <a14:hiddenFill xmlns:a14="http://schemas.microsoft.com/office/drawing/2010/main">
+                <a:solidFill>
+                  <a:srgbClr val="FFFFFF"/>
+                </a:solidFill>
+              </a14:hiddenFill>
+            </a:ext>
+            <a:ext uri="{91240B29-F687-4F45-9708-019B960494DF}">
+              <a14:hiddenLine xmlns:a14="http://schemas.microsoft.com/office/drawing/2010/main" w="9525">
+                <a:solidFill>
+                  <a:srgbClr val="000000"/>
+                </a:solidFill>
+                <a:miter lim="800000"/>
+                <a:headEnd/>
+                <a:tailEnd/>
+              </a14:hiddenLine>
+            </a:ext>
+          </a:extLst>
+        </p:spPr>
+        <p:txBody>
+          <a:bodyPr/>
+          <a:lstStyle>
+            <a:lvl1pPr algn="l" rtl="0" eaLnBrk="0" hangingPunct="0">
+              <a:spcBef>
+                <a:spcPct val="30000"/>
+              </a:spcBef>
+              <a:defRPr sz="1200">
+                <a:solidFill>
+                  <a:schemeClr val="tx1"/>
+                </a:solidFill>
+                <a:latin typeface="Calibri" panose="020F0502020204030204" pitchFamily="34" charset="0"/>
+              </a:defRPr>
+            </a:lvl1pPr>
+            <a:lvl2pPr marL="755650" indent="-290513" algn="l" rtl="0" eaLnBrk="0" hangingPunct="0">
+              <a:spcBef>
+                <a:spcPct val="30000"/>
+              </a:spcBef>
+              <a:defRPr sz="1200">
+                <a:solidFill>
+                  <a:schemeClr val="tx1"/>
+                </a:solidFill>
+                <a:latin typeface="Calibri" panose="020F0502020204030204" pitchFamily="34" charset="0"/>
+              </a:defRPr>
+            </a:lvl2pPr>
+            <a:lvl3pPr marL="1163638" indent="-231775" algn="l" rtl="0" eaLnBrk="0" hangingPunct="0">
+              <a:spcBef>
+                <a:spcPct val="30000"/>
+              </a:spcBef>
+              <a:defRPr sz="1200">
+                <a:solidFill>
+                  <a:schemeClr val="tx1"/>
+                </a:solidFill>
+                <a:latin typeface="Calibri" panose="020F0502020204030204" pitchFamily="34" charset="0"/>
+              </a:defRPr>
+            </a:lvl3pPr>
+            <a:lvl4pPr marL="1630363" indent="-231775" algn="l" rtl="0" eaLnBrk="0" hangingPunct="0">
+              <a:spcBef>
+                <a:spcPct val="30000"/>
+              </a:spcBef>
+              <a:defRPr sz="1200">
+                <a:solidFill>
+                  <a:schemeClr val="tx1"/>
+                </a:solidFill>
+                <a:latin typeface="Calibri" panose="020F0502020204030204" pitchFamily="34" charset="0"/>
+              </a:defRPr>
+            </a:lvl4pPr>
+            <a:lvl5pPr marL="2095500" indent="-231775" algn="l" rtl="0" eaLnBrk="0" hangingPunct="0">
+              <a:spcBef>
+                <a:spcPct val="30000"/>
+              </a:spcBef>
+              <a:defRPr sz="1200">
+                <a:solidFill>
+                  <a:schemeClr val="tx1"/>
+                </a:solidFill>
+                <a:latin typeface="Calibri" panose="020F0502020204030204" pitchFamily="34" charset="0"/>
+              </a:defRPr>
+            </a:lvl5pPr>
+            <a:lvl6pPr marL="2552700" indent="-231775" algn="l" rtl="0" eaLnBrk="0" fontAlgn="base" hangingPunct="0">
+              <a:spcBef>
+                <a:spcPct val="30000"/>
+              </a:spcBef>
+              <a:spcAft>
+                <a:spcPct val="0"/>
+              </a:spcAft>
+              <a:defRPr sz="1200">
+                <a:solidFill>
+                  <a:schemeClr val="tx1"/>
+                </a:solidFill>
+                <a:latin typeface="Calibri" panose="020F0502020204030204" pitchFamily="34" charset="0"/>
+              </a:defRPr>
+            </a:lvl6pPr>
+            <a:lvl7pPr marL="3009900" indent="-231775" algn="l" rtl="0" eaLnBrk="0" fontAlgn="base" hangingPunct="0">
+              <a:spcBef>
+                <a:spcPct val="30000"/>
+              </a:spcBef>
+              <a:spcAft>
+                <a:spcPct val="0"/>
+              </a:spcAft>
+              <a:defRPr sz="1200">
+                <a:solidFill>
+                  <a:schemeClr val="tx1"/>
+                </a:solidFill>
+                <a:latin typeface="Calibri" panose="020F0502020204030204" pitchFamily="34" charset="0"/>
+              </a:defRPr>
+            </a:lvl7pPr>
+            <a:lvl8pPr marL="3467100" indent="-231775" algn="l" rtl="0" eaLnBrk="0" fontAlgn="base" hangingPunct="0">
+              <a:spcBef>
+                <a:spcPct val="30000"/>
+              </a:spcBef>
+              <a:spcAft>
+                <a:spcPct val="0"/>
+              </a:spcAft>
+              <a:defRPr sz="1200">
+                <a:solidFill>
+                  <a:schemeClr val="tx1"/>
+                </a:solidFill>
+                <a:latin typeface="Calibri" panose="020F0502020204030204" pitchFamily="34" charset="0"/>
+              </a:defRPr>
+            </a:lvl8pPr>
+            <a:lvl9pPr marL="3924300" indent="-231775" algn="l" rtl="0" eaLnBrk="0" fontAlgn="base" hangingPunct="0">
+              <a:spcBef>
+                <a:spcPct val="30000"/>
+              </a:spcBef>
+              <a:spcAft>
+                <a:spcPct val="0"/>
+              </a:spcAft>
+              <a:defRPr sz="1200">
+                <a:solidFill>
+                  <a:schemeClr val="tx1"/>
+                </a:solidFill>
+                <a:latin typeface="Calibri" panose="020F0502020204030204" pitchFamily="34" charset="0"/>
+              </a:defRPr>
+            </a:lvl9pPr>
+          </a:lstStyle>
+          <a:p>
+            <a:pPr algn="r" eaLnBrk="1" hangingPunct="1">
+              <a:spcBef>
+                <a:spcPct val="0"/>
+              </a:spcBef>
+            </a:pPr>
+            <a:fld id="{A9B0EC19-4D11-4F5D-A414-66FAA80E5D6E}" type="slidenum">
+              <a:rPr lang="en-US" altLang="en-US">
+                <a:solidFill>
+                  <a:srgbClr val="000000"/>
+                </a:solidFill>
+              </a:rPr>
+              <a:pPr algn="r" eaLnBrk="1" hangingPunct="1">
+                <a:spcBef>
+                  <a:spcPct val="0"/>
+                </a:spcBef>
+              </a:pPr>
+              <a:t>13</a:t>
+            </a:fld>
+            <a:endParaRPr lang="en-US" altLang="en-US">
+              <a:solidFill>
+                <a:srgbClr val="000000"/>
+              </a:solidFill>
+            </a:endParaRPr>
+          </a:p>
+        </p:txBody>
+      </p:sp>
+    </p:spTree>
+    <p:extLst>
+      <p:ext uri="{BB962C8B-B14F-4D97-AF65-F5344CB8AC3E}">
+        <p14:creationId xmlns:p14="http://schemas.microsoft.com/office/powerpoint/2010/main" val="4197263872"/>
+      </p:ext>
+    </p:extLst>
+  </p:cSld>
+  <p:clrMapOvr>
+    <a:masterClrMapping/>
+  </p:clrMapOvr>
+</p:notes>
+</file>
+
+<file path=ppt/notesSlides/notesSlide14.xml><?xml version="1.0" encoding="utf-8"?>
+<p:notes xmlns:a="http://schemas.openxmlformats.org/drawingml/2006/main" xmlns:r="http://schemas.openxmlformats.org/officeDocument/2006/relationships" xmlns:p="http://schemas.openxmlformats.org/presentationml/2006/main">
+  <p:cSld>
+    <p:spTree>
+      <p:nvGrpSpPr>
+        <p:cNvPr id="1" name=""/>
+        <p:cNvGrpSpPr/>
+        <p:nvPr/>
+      </p:nvGrpSpPr>
+      <p:grpSpPr>
+        <a:xfrm>
+          <a:off x="0" y="0"/>
+          <a:ext cx="0" cy="0"/>
+          <a:chOff x="0" y="0"/>
+          <a:chExt cx="0" cy="0"/>
+        </a:xfrm>
+      </p:grpSpPr>
+      <p:sp>
+        <p:nvSpPr>
+          <p:cNvPr id="40962" name="Slide Image Placeholder 1"/>
+          <p:cNvSpPr>
+            <a:spLocks noGrp="1" noRot="1" noChangeAspect="1" noTextEdit="1"/>
+          </p:cNvSpPr>
+          <p:nvPr>
+            <p:ph type="sldImg"/>
+          </p:nvPr>
+        </p:nvSpPr>
+        <p:spPr bwMode="auto">
+          <a:noFill/>
+          <a:ln>
+            <a:solidFill>
+              <a:srgbClr val="000000"/>
+            </a:solidFill>
+            <a:miter lim="800000"/>
+            <a:headEnd/>
+            <a:tailEnd/>
+          </a:ln>
+          <a:extLst>
+            <a:ext uri="{909E8E84-426E-40DD-AFC4-6F175D3DCCD1}">
+              <a14:hiddenFill xmlns:a14="http://schemas.microsoft.com/office/drawing/2010/main">
+                <a:solidFill>
+                  <a:srgbClr val="FFFFFF"/>
+                </a:solidFill>
+              </a14:hiddenFill>
+            </a:ext>
+          </a:extLst>
+        </p:spPr>
+      </p:sp>
+      <p:sp>
+        <p:nvSpPr>
+          <p:cNvPr id="40963" name="Notes Placeholder 2"/>
+          <p:cNvSpPr>
+            <a:spLocks noGrp="1"/>
+          </p:cNvSpPr>
+          <p:nvPr>
+            <p:ph type="body" idx="1"/>
+          </p:nvPr>
+        </p:nvSpPr>
+        <p:spPr bwMode="auto">
+          <a:noFill/>
+          <a:extLst>
+            <a:ext uri="{909E8E84-426E-40DD-AFC4-6F175D3DCCD1}">
+              <a14:hiddenFill xmlns:a14="http://schemas.microsoft.com/office/drawing/2010/main">
+                <a:solidFill>
+                  <a:srgbClr val="FFFFFF"/>
+                </a:solidFill>
+              </a14:hiddenFill>
+            </a:ext>
+            <a:ext uri="{91240B29-F687-4F45-9708-019B960494DF}">
+              <a14:hiddenLine xmlns:a14="http://schemas.microsoft.com/office/drawing/2010/main" w="9525">
+                <a:solidFill>
+                  <a:srgbClr val="000000"/>
+                </a:solidFill>
+                <a:miter lim="800000"/>
+                <a:headEnd/>
+                <a:tailEnd/>
+              </a14:hiddenLine>
+            </a:ext>
+          </a:extLst>
+        </p:spPr>
+        <p:txBody>
+          <a:bodyPr wrap="square" numCol="1" anchor="t" anchorCtr="0" compatLnSpc="1">
+            <a:prstTxWarp prst="textNoShape">
+              <a:avLst/>
+            </a:prstTxWarp>
+          </a:bodyPr>
+          <a:lstStyle/>
+          <a:p>
+            <a:pPr eaLnBrk="1" hangingPunct="1">
+              <a:spcBef>
+                <a:spcPct val="0"/>
+              </a:spcBef>
+            </a:pPr>
+            <a:endParaRPr lang="en-US" altLang="en-US" dirty="0"/>
+          </a:p>
+        </p:txBody>
+      </p:sp>
+      <p:sp>
+        <p:nvSpPr>
+          <p:cNvPr id="40964" name="Slide Number Placeholder 3"/>
+          <p:cNvSpPr>
+            <a:spLocks noGrp="1"/>
+          </p:cNvSpPr>
+          <p:nvPr>
+            <p:ph type="sldNum" sz="quarter" idx="5"/>
+          </p:nvPr>
+        </p:nvSpPr>
+        <p:spPr bwMode="auto">
+          <a:noFill/>
+          <a:extLst>
+            <a:ext uri="{909E8E84-426E-40DD-AFC4-6F175D3DCCD1}">
+              <a14:hiddenFill xmlns:a14="http://schemas.microsoft.com/office/drawing/2010/main">
+                <a:solidFill>
+                  <a:srgbClr val="FFFFFF"/>
+                </a:solidFill>
+              </a14:hiddenFill>
+            </a:ext>
+            <a:ext uri="{91240B29-F687-4F45-9708-019B960494DF}">
+              <a14:hiddenLine xmlns:a14="http://schemas.microsoft.com/office/drawing/2010/main" w="9525">
+                <a:solidFill>
+                  <a:srgbClr val="000000"/>
+                </a:solidFill>
+                <a:miter lim="800000"/>
+                <a:headEnd/>
+                <a:tailEnd/>
+              </a14:hiddenLine>
+            </a:ext>
+          </a:extLst>
+        </p:spPr>
+        <p:txBody>
+          <a:bodyPr/>
+          <a:lstStyle>
+            <a:lvl1pPr algn="l" rtl="0" eaLnBrk="0" hangingPunct="0">
+              <a:spcBef>
+                <a:spcPct val="30000"/>
+              </a:spcBef>
+              <a:defRPr sz="1200">
+                <a:solidFill>
+                  <a:schemeClr val="tx1"/>
+                </a:solidFill>
+                <a:latin typeface="Calibri" panose="020F0502020204030204" pitchFamily="34" charset="0"/>
+              </a:defRPr>
+            </a:lvl1pPr>
+            <a:lvl2pPr marL="755650" indent="-290513" algn="l" rtl="0" eaLnBrk="0" hangingPunct="0">
+              <a:spcBef>
+                <a:spcPct val="30000"/>
+              </a:spcBef>
+              <a:defRPr sz="1200">
+                <a:solidFill>
+                  <a:schemeClr val="tx1"/>
+                </a:solidFill>
+                <a:latin typeface="Calibri" panose="020F0502020204030204" pitchFamily="34" charset="0"/>
+              </a:defRPr>
+            </a:lvl2pPr>
+            <a:lvl3pPr marL="1163638" indent="-231775" algn="l" rtl="0" eaLnBrk="0" hangingPunct="0">
+              <a:spcBef>
+                <a:spcPct val="30000"/>
+              </a:spcBef>
+              <a:defRPr sz="1200">
+                <a:solidFill>
+                  <a:schemeClr val="tx1"/>
+                </a:solidFill>
+                <a:latin typeface="Calibri" panose="020F0502020204030204" pitchFamily="34" charset="0"/>
+              </a:defRPr>
+            </a:lvl3pPr>
+            <a:lvl4pPr marL="1630363" indent="-231775" algn="l" rtl="0" eaLnBrk="0" hangingPunct="0">
+              <a:spcBef>
+                <a:spcPct val="30000"/>
+              </a:spcBef>
+              <a:defRPr sz="1200">
+                <a:solidFill>
+                  <a:schemeClr val="tx1"/>
+                </a:solidFill>
+                <a:latin typeface="Calibri" panose="020F0502020204030204" pitchFamily="34" charset="0"/>
+              </a:defRPr>
+            </a:lvl4pPr>
+            <a:lvl5pPr marL="2095500" indent="-231775" algn="l" rtl="0" eaLnBrk="0" hangingPunct="0">
+              <a:spcBef>
+                <a:spcPct val="30000"/>
+              </a:spcBef>
+              <a:defRPr sz="1200">
+                <a:solidFill>
+                  <a:schemeClr val="tx1"/>
+                </a:solidFill>
+                <a:latin typeface="Calibri" panose="020F0502020204030204" pitchFamily="34" charset="0"/>
+              </a:defRPr>
+            </a:lvl5pPr>
+            <a:lvl6pPr marL="2552700" indent="-231775" algn="l" rtl="0" eaLnBrk="0" fontAlgn="base" hangingPunct="0">
+              <a:spcBef>
+                <a:spcPct val="30000"/>
+              </a:spcBef>
+              <a:spcAft>
+                <a:spcPct val="0"/>
+              </a:spcAft>
+              <a:defRPr sz="1200">
+                <a:solidFill>
+                  <a:schemeClr val="tx1"/>
+                </a:solidFill>
+                <a:latin typeface="Calibri" panose="020F0502020204030204" pitchFamily="34" charset="0"/>
+              </a:defRPr>
+            </a:lvl6pPr>
+            <a:lvl7pPr marL="3009900" indent="-231775" algn="l" rtl="0" eaLnBrk="0" fontAlgn="base" hangingPunct="0">
+              <a:spcBef>
+                <a:spcPct val="30000"/>
+              </a:spcBef>
+              <a:spcAft>
+                <a:spcPct val="0"/>
+              </a:spcAft>
+              <a:defRPr sz="1200">
+                <a:solidFill>
+                  <a:schemeClr val="tx1"/>
+                </a:solidFill>
+                <a:latin typeface="Calibri" panose="020F0502020204030204" pitchFamily="34" charset="0"/>
+              </a:defRPr>
+            </a:lvl7pPr>
+            <a:lvl8pPr marL="3467100" indent="-231775" algn="l" rtl="0" eaLnBrk="0" fontAlgn="base" hangingPunct="0">
+              <a:spcBef>
+                <a:spcPct val="30000"/>
+              </a:spcBef>
+              <a:spcAft>
+                <a:spcPct val="0"/>
+              </a:spcAft>
+              <a:defRPr sz="1200">
+                <a:solidFill>
+                  <a:schemeClr val="tx1"/>
+                </a:solidFill>
+                <a:latin typeface="Calibri" panose="020F0502020204030204" pitchFamily="34" charset="0"/>
+              </a:defRPr>
+            </a:lvl8pPr>
+            <a:lvl9pPr marL="3924300" indent="-231775" algn="l" rtl="0" eaLnBrk="0" fontAlgn="base" hangingPunct="0">
+              <a:spcBef>
+                <a:spcPct val="30000"/>
+              </a:spcBef>
+              <a:spcAft>
+                <a:spcPct val="0"/>
+              </a:spcAft>
+              <a:defRPr sz="1200">
+                <a:solidFill>
+                  <a:schemeClr val="tx1"/>
+                </a:solidFill>
+                <a:latin typeface="Calibri" panose="020F0502020204030204" pitchFamily="34" charset="0"/>
+              </a:defRPr>
+            </a:lvl9pPr>
+          </a:lstStyle>
+          <a:p>
+            <a:pPr algn="r" eaLnBrk="1" hangingPunct="1">
+              <a:spcBef>
+                <a:spcPct val="0"/>
+              </a:spcBef>
+            </a:pPr>
+            <a:fld id="{A9B0EC19-4D11-4F5D-A414-66FAA80E5D6E}" type="slidenum">
+              <a:rPr lang="en-US" altLang="en-US">
+                <a:solidFill>
+                  <a:srgbClr val="000000"/>
+                </a:solidFill>
+              </a:rPr>
+              <a:pPr algn="r" eaLnBrk="1" hangingPunct="1">
+                <a:spcBef>
+                  <a:spcPct val="0"/>
+                </a:spcBef>
+              </a:pPr>
+              <a:t>14</a:t>
+            </a:fld>
+            <a:endParaRPr lang="en-US" altLang="en-US">
+              <a:solidFill>
+                <a:srgbClr val="000000"/>
+              </a:solidFill>
+            </a:endParaRPr>
+          </a:p>
+        </p:txBody>
+      </p:sp>
+    </p:spTree>
+    <p:extLst>
+      <p:ext uri="{BB962C8B-B14F-4D97-AF65-F5344CB8AC3E}">
         <p14:creationId xmlns:p14="http://schemas.microsoft.com/office/powerpoint/2010/main" val="2610704459"/>
       </p:ext>
     </p:extLst>
@@ -1546,7 +2116,7 @@
 </p:notes>
 </file>
 
-<file path=ppt/notesSlides/notesSlide13.xml><?xml version="1.0" encoding="utf-8"?>
+<file path=ppt/notesSlides/notesSlide15.xml><?xml version="1.0" encoding="utf-8"?>
 <p:notes xmlns:a="http://schemas.openxmlformats.org/drawingml/2006/main" xmlns:r="http://schemas.openxmlformats.org/officeDocument/2006/relationships" xmlns:p="http://schemas.openxmlformats.org/presentationml/2006/main">
   <p:cSld>
     <p:spTree>
@@ -1803,7 +2373,7 @@
                   <a:spcPct val="0"/>
                 </a:spcBef>
               </a:pPr>
-              <a:t>13</a:t>
+              <a:t>15</a:t>
             </a:fld>
             <a:endParaRPr lang="en-US" altLang="en-US"/>
           </a:p>
@@ -13080,6 +13650,14 @@
   <p:clrMapOvr>
     <a:masterClrMapping/>
   </p:clrMapOvr>
+  <mc:AlternateContent xmlns:mc="http://schemas.openxmlformats.org/markup-compatibility/2006">
+    <mc:Choice xmlns:p14="http://schemas.microsoft.com/office/powerpoint/2010/main" Requires="p14">
+      <p:transition spd="slow" p14:dur="2000" advTm="600"/>
+    </mc:Choice>
+    <mc:Fallback>
+      <p:transition spd="slow" advTm="600"/>
+    </mc:Fallback>
+  </mc:AlternateContent>
   <p:timing>
     <p:tnLst>
       <p:par>
@@ -13577,7 +14155,7 @@
         </p:nvSpPr>
         <p:spPr>
           <a:xfrm>
-            <a:off x="5258470" y="2802786"/>
+            <a:off x="5220072" y="2852936"/>
             <a:ext cx="1315020" cy="720080"/>
           </a:xfrm>
           <a:prstGeom prst="rightArrow">
@@ -13617,8 +14195,8 @@
         </p:nvSpPr>
         <p:spPr>
           <a:xfrm>
-            <a:off x="6826436" y="2982225"/>
-            <a:ext cx="2089961" cy="369332"/>
+            <a:off x="6732240" y="2721694"/>
+            <a:ext cx="2089961" cy="923330"/>
           </a:xfrm>
           <a:prstGeom prst="rect">
             <a:avLst/>
@@ -13661,7 +14239,7 @@
           <a:p>
             <a:pPr algn="ctr" rtl="0"/>
             <a:r>
-              <a:rPr lang="en-US" b="1" dirty="0" smtClean="0">
+              <a:rPr lang="en-US" b="1" dirty="0">
                 <a:solidFill>
                   <a:schemeClr val="accent5">
                     <a:lumMod val="75000"/>
@@ -13671,28 +14249,41 @@
                 <a:ea typeface="Tahoma" panose="020B0604030504040204" pitchFamily="34" charset="0"/>
                 <a:cs typeface="Tahoma" panose="020B0604030504040204" pitchFamily="34" charset="0"/>
               </a:rPr>
-              <a:t>Yeah - Usher</a:t>
+              <a:t>Fancy - Iggy Azalea </a:t>
+            </a:r>
+            <a:r>
+              <a:rPr lang="en-US" b="1" dirty="0" smtClean="0">
+                <a:solidFill>
+                  <a:schemeClr val="accent5">
+                    <a:lumMod val="75000"/>
+                  </a:schemeClr>
+                </a:solidFill>
+                <a:latin typeface="Tahoma" panose="020B0604030504040204" pitchFamily="34" charset="0"/>
+                <a:ea typeface="Tahoma" panose="020B0604030504040204" pitchFamily="34" charset="0"/>
+                <a:cs typeface="Tahoma" panose="020B0604030504040204" pitchFamily="34" charset="0"/>
+              </a:rPr>
+              <a:t>Feat. Charli XCX</a:t>
             </a:r>
           </a:p>
         </p:txBody>
       </p:sp>
       <p:graphicFrame>
         <p:nvGraphicFramePr>
-          <p:cNvPr id="5" name="Table 4"/>
+          <p:cNvPr id="11" name="Table 10"/>
           <p:cNvGraphicFramePr>
             <a:graphicFrameLocks noGrp="1"/>
           </p:cNvGraphicFramePr>
           <p:nvPr>
             <p:extLst>
               <p:ext uri="{D42A27DB-BD31-4B8C-83A1-F6EECF244321}">
-                <p14:modId xmlns:p14="http://schemas.microsoft.com/office/powerpoint/2010/main" val="2958676932"/>
+                <p14:modId xmlns:p14="http://schemas.microsoft.com/office/powerpoint/2010/main" val="1448195351"/>
               </p:ext>
             </p:extLst>
           </p:nvPr>
         </p:nvGraphicFramePr>
         <p:xfrm>
-          <a:off x="784247" y="1408090"/>
-          <a:ext cx="3960440" cy="3696315"/>
+          <a:off x="628550" y="2348969"/>
+          <a:ext cx="3943450" cy="2225040"/>
         </p:xfrm>
         <a:graphic>
           <a:graphicData uri="http://schemas.openxmlformats.org/drawingml/2006/table">
@@ -13701,9 +14292,10 @@
                 <a:tableStyleId>{3C2FFA5D-87B4-456A-9821-1D502468CF0F}</a:tableStyleId>
               </a:tblPr>
               <a:tblGrid>
-                <a:gridCol w="3960440"/>
+                <a:gridCol w="3366984"/>
+                <a:gridCol w="576466"/>
               </a:tblGrid>
-              <a:tr h="566955">
+              <a:tr h="360040">
                 <a:tc>
                   <a:txBody>
                     <a:bodyPr/>
@@ -13711,7 +14303,7 @@
                     <a:p>
                       <a:pPr algn="l" rtl="0" fontAlgn="b"/>
                       <a:r>
-                        <a:rPr lang="en-US" sz="1800" b="1" u="none" strike="noStrike" dirty="0" err="1">
+                        <a:rPr lang="fr-FR" sz="1800" b="1" u="none" strike="noStrike" dirty="0" err="1">
                           <a:solidFill>
                             <a:srgbClr val="0070C0"/>
                           </a:solidFill>
@@ -13720,10 +14312,10 @@
                           <a:ea typeface="Tahoma" panose="020B0604030504040204" pitchFamily="34" charset="0"/>
                           <a:cs typeface="Tahoma" panose="020B0604030504040204" pitchFamily="34" charset="0"/>
                         </a:rPr>
-                        <a:t>Beyonce</a:t>
+                        <a:t>Billionaire</a:t>
                       </a:r>
                       <a:r>
-                        <a:rPr lang="en-US" sz="1800" b="1" u="none" strike="noStrike" dirty="0">
+                        <a:rPr lang="fr-FR" sz="1800" b="1" u="none" strike="noStrike" dirty="0">
                           <a:solidFill>
                             <a:srgbClr val="0070C0"/>
                           </a:solidFill>
@@ -13732,10 +14324,10 @@
                           <a:ea typeface="Tahoma" panose="020B0604030504040204" pitchFamily="34" charset="0"/>
                           <a:cs typeface="Tahoma" panose="020B0604030504040204" pitchFamily="34" charset="0"/>
                         </a:rPr>
-                        <a:t> Knowles ft. Jay-Z - Crazy In </a:t>
+                        <a:t> - </a:t>
                       </a:r>
                       <a:r>
-                        <a:rPr lang="en-US" sz="1800" b="1" u="none" strike="noStrike" dirty="0" smtClean="0">
+                        <a:rPr lang="fr-FR" sz="1800" b="1" u="none" strike="noStrike" dirty="0" err="1">
                           <a:solidFill>
                             <a:srgbClr val="0070C0"/>
                           </a:solidFill>
@@ -13744,9 +14336,100 @@
                           <a:ea typeface="Tahoma" panose="020B0604030504040204" pitchFamily="34" charset="0"/>
                           <a:cs typeface="Tahoma" panose="020B0604030504040204" pitchFamily="34" charset="0"/>
                         </a:rPr>
-                        <a:t>Love</a:t>
+                        <a:t>Travie</a:t>
                       </a:r>
-                      <a:endParaRPr lang="en-US" sz="1800" b="1" i="0" u="none" strike="noStrike" dirty="0">
+                      <a:r>
+                        <a:rPr lang="fr-FR" sz="1800" b="1" u="none" strike="noStrike" dirty="0">
+                          <a:solidFill>
+                            <a:srgbClr val="0070C0"/>
+                          </a:solidFill>
+                          <a:effectLst/>
+                          <a:latin typeface="Tahoma" panose="020B0604030504040204" pitchFamily="34" charset="0"/>
+                          <a:ea typeface="Tahoma" panose="020B0604030504040204" pitchFamily="34" charset="0"/>
+                          <a:cs typeface="Tahoma" panose="020B0604030504040204" pitchFamily="34" charset="0"/>
+                        </a:rPr>
+                        <a:t> </a:t>
+                      </a:r>
+                      <a:r>
+                        <a:rPr lang="fr-FR" sz="1800" b="1" u="none" strike="noStrike" dirty="0" err="1">
+                          <a:solidFill>
+                            <a:srgbClr val="0070C0"/>
+                          </a:solidFill>
+                          <a:effectLst/>
+                          <a:latin typeface="Tahoma" panose="020B0604030504040204" pitchFamily="34" charset="0"/>
+                          <a:ea typeface="Tahoma" panose="020B0604030504040204" pitchFamily="34" charset="0"/>
+                          <a:cs typeface="Tahoma" panose="020B0604030504040204" pitchFamily="34" charset="0"/>
+                        </a:rPr>
+                        <a:t>McCoy</a:t>
+                      </a:r>
+                      <a:r>
+                        <a:rPr lang="fr-FR" sz="1800" b="1" u="none" strike="noStrike" dirty="0">
+                          <a:solidFill>
+                            <a:srgbClr val="0070C0"/>
+                          </a:solidFill>
+                          <a:effectLst/>
+                          <a:latin typeface="Tahoma" panose="020B0604030504040204" pitchFamily="34" charset="0"/>
+                          <a:ea typeface="Tahoma" panose="020B0604030504040204" pitchFamily="34" charset="0"/>
+                          <a:cs typeface="Tahoma" panose="020B0604030504040204" pitchFamily="34" charset="0"/>
+                        </a:rPr>
+                        <a:t> </a:t>
+                      </a:r>
+                      <a:r>
+                        <a:rPr lang="fr-FR" sz="1800" b="1" u="none" strike="noStrike" dirty="0" err="1">
+                          <a:solidFill>
+                            <a:srgbClr val="0070C0"/>
+                          </a:solidFill>
+                          <a:effectLst/>
+                          <a:latin typeface="Tahoma" panose="020B0604030504040204" pitchFamily="34" charset="0"/>
+                          <a:ea typeface="Tahoma" panose="020B0604030504040204" pitchFamily="34" charset="0"/>
+                          <a:cs typeface="Tahoma" panose="020B0604030504040204" pitchFamily="34" charset="0"/>
+                        </a:rPr>
+                        <a:t>feat</a:t>
+                      </a:r>
+                      <a:r>
+                        <a:rPr lang="fr-FR" sz="1800" b="1" u="none" strike="noStrike" dirty="0">
+                          <a:solidFill>
+                            <a:srgbClr val="0070C0"/>
+                          </a:solidFill>
+                          <a:effectLst/>
+                          <a:latin typeface="Tahoma" panose="020B0604030504040204" pitchFamily="34" charset="0"/>
+                          <a:ea typeface="Tahoma" panose="020B0604030504040204" pitchFamily="34" charset="0"/>
+                          <a:cs typeface="Tahoma" panose="020B0604030504040204" pitchFamily="34" charset="0"/>
+                        </a:rPr>
+                        <a:t>. Bruno Mars</a:t>
+                      </a:r>
+                      <a:endParaRPr lang="fr-FR" sz="1800" b="1" i="0" u="none" strike="noStrike" dirty="0">
+                        <a:solidFill>
+                          <a:srgbClr val="0070C0"/>
+                        </a:solidFill>
+                        <a:effectLst/>
+                        <a:latin typeface="Tahoma" panose="020B0604030504040204" pitchFamily="34" charset="0"/>
+                        <a:ea typeface="Tahoma" panose="020B0604030504040204" pitchFamily="34" charset="0"/>
+                        <a:cs typeface="Tahoma" panose="020B0604030504040204" pitchFamily="34" charset="0"/>
+                      </a:endParaRPr>
+                    </a:p>
+                  </a:txBody>
+                  <a:tcPr marL="7620" marR="7620" marT="7620" marB="0" anchor="b"/>
+                </a:tc>
+                <a:tc>
+                  <a:txBody>
+                    <a:bodyPr/>
+                    <a:lstStyle/>
+                    <a:p>
+                      <a:pPr algn="l" rtl="0" fontAlgn="b"/>
+                      <a:r>
+                        <a:rPr lang="fr-FR" sz="1800" b="1" i="0" u="none" strike="noStrike" dirty="0" smtClean="0">
+                          <a:solidFill>
+                            <a:srgbClr val="0070C0"/>
+                          </a:solidFill>
+                          <a:effectLst/>
+                          <a:latin typeface="Tahoma" panose="020B0604030504040204" pitchFamily="34" charset="0"/>
+                          <a:ea typeface="Tahoma" panose="020B0604030504040204" pitchFamily="34" charset="0"/>
+                          <a:cs typeface="Tahoma" panose="020B0604030504040204" pitchFamily="34" charset="0"/>
+                        </a:rPr>
+                        <a:t>1</a:t>
+                      </a:r>
+                      <a:endParaRPr lang="fr-FR" sz="1800" b="1" i="0" u="none" strike="noStrike" dirty="0">
                         <a:solidFill>
                           <a:srgbClr val="0070C0"/>
                         </a:solidFill>
@@ -13760,223 +14443,7 @@
                   <a:tcPr marL="7620" marR="7620" marT="7620" marB="0" anchor="b"/>
                 </a:tc>
               </a:tr>
-              <a:tr h="287838">
-                <a:tc>
-                  <a:txBody>
-                    <a:bodyPr/>
-                    <a:lstStyle/>
-                    <a:p>
-                      <a:pPr algn="l" rtl="0" fontAlgn="b"/>
-                      <a:r>
-                        <a:rPr lang="en-US" sz="1800" b="1" u="none" strike="noStrike" dirty="0" err="1" smtClean="0">
-                          <a:solidFill>
-                            <a:srgbClr val="0070C0"/>
-                          </a:solidFill>
-                          <a:effectLst/>
-                          <a:latin typeface="Tahoma" panose="020B0604030504040204" pitchFamily="34" charset="0"/>
-                          <a:ea typeface="Tahoma" panose="020B0604030504040204" pitchFamily="34" charset="0"/>
-                          <a:cs typeface="Tahoma" panose="020B0604030504040204" pitchFamily="34" charset="0"/>
-                        </a:rPr>
-                        <a:t>Hermetico</a:t>
-                      </a:r>
-                      <a:r>
-                        <a:rPr lang="en-US" sz="1800" b="1" u="none" strike="noStrike" dirty="0" smtClean="0">
-                          <a:solidFill>
-                            <a:srgbClr val="0070C0"/>
-                          </a:solidFill>
-                          <a:effectLst/>
-                          <a:latin typeface="Tahoma" panose="020B0604030504040204" pitchFamily="34" charset="0"/>
-                          <a:ea typeface="Tahoma" panose="020B0604030504040204" pitchFamily="34" charset="0"/>
-                          <a:cs typeface="Tahoma" panose="020B0604030504040204" pitchFamily="34" charset="0"/>
-                        </a:rPr>
-                        <a:t> </a:t>
-                      </a:r>
-                      <a:r>
-                        <a:rPr lang="en-US" sz="1800" b="1" u="none" strike="noStrike" dirty="0">
-                          <a:solidFill>
-                            <a:srgbClr val="0070C0"/>
-                          </a:solidFill>
-                          <a:effectLst/>
-                          <a:latin typeface="Tahoma" panose="020B0604030504040204" pitchFamily="34" charset="0"/>
-                          <a:ea typeface="Tahoma" panose="020B0604030504040204" pitchFamily="34" charset="0"/>
-                          <a:cs typeface="Tahoma" panose="020B0604030504040204" pitchFamily="34" charset="0"/>
-                        </a:rPr>
-                        <a:t>- Balkan Beat Box</a:t>
-                      </a:r>
-                      <a:endParaRPr lang="en-US" sz="1800" b="1" i="0" u="none" strike="noStrike" dirty="0">
-                        <a:solidFill>
-                          <a:srgbClr val="0070C0"/>
-                        </a:solidFill>
-                        <a:effectLst/>
-                        <a:latin typeface="Tahoma" panose="020B0604030504040204" pitchFamily="34" charset="0"/>
-                        <a:ea typeface="Tahoma" panose="020B0604030504040204" pitchFamily="34" charset="0"/>
-                        <a:cs typeface="Tahoma" panose="020B0604030504040204" pitchFamily="34" charset="0"/>
-                      </a:endParaRPr>
-                    </a:p>
-                  </a:txBody>
-                  <a:tcPr marL="7620" marR="7620" marT="7620" marB="0" anchor="b"/>
-                </a:tc>
-              </a:tr>
-              <a:tr h="287838">
-                <a:tc>
-                  <a:txBody>
-                    <a:bodyPr/>
-                    <a:lstStyle/>
-                    <a:p>
-                      <a:pPr algn="l" rtl="0" fontAlgn="b"/>
-                      <a:r>
-                        <a:rPr lang="en-US" sz="1800" b="1" u="none" strike="noStrike" dirty="0" err="1" smtClean="0">
-                          <a:solidFill>
-                            <a:srgbClr val="0070C0"/>
-                          </a:solidFill>
-                          <a:effectLst/>
-                          <a:latin typeface="Tahoma" panose="020B0604030504040204" pitchFamily="34" charset="0"/>
-                          <a:ea typeface="Tahoma" panose="020B0604030504040204" pitchFamily="34" charset="0"/>
-                          <a:cs typeface="Tahoma" panose="020B0604030504040204" pitchFamily="34" charset="0"/>
-                        </a:rPr>
-                        <a:t>Gasolina</a:t>
-                      </a:r>
-                      <a:r>
-                        <a:rPr lang="en-US" sz="1800" b="1" u="none" strike="noStrike" dirty="0" smtClean="0">
-                          <a:solidFill>
-                            <a:srgbClr val="0070C0"/>
-                          </a:solidFill>
-                          <a:effectLst/>
-                          <a:latin typeface="Tahoma" panose="020B0604030504040204" pitchFamily="34" charset="0"/>
-                          <a:ea typeface="Tahoma" panose="020B0604030504040204" pitchFamily="34" charset="0"/>
-                          <a:cs typeface="Tahoma" panose="020B0604030504040204" pitchFamily="34" charset="0"/>
-                        </a:rPr>
-                        <a:t> </a:t>
-                      </a:r>
-                      <a:r>
-                        <a:rPr lang="en-US" sz="1800" b="1" u="none" strike="noStrike" dirty="0">
-                          <a:solidFill>
-                            <a:srgbClr val="0070C0"/>
-                          </a:solidFill>
-                          <a:effectLst/>
-                          <a:latin typeface="Tahoma" panose="020B0604030504040204" pitchFamily="34" charset="0"/>
-                          <a:ea typeface="Tahoma" panose="020B0604030504040204" pitchFamily="34" charset="0"/>
-                          <a:cs typeface="Tahoma" panose="020B0604030504040204" pitchFamily="34" charset="0"/>
-                        </a:rPr>
-                        <a:t>- Daddy Yankee</a:t>
-                      </a:r>
-                      <a:endParaRPr lang="en-US" sz="1800" b="1" i="0" u="none" strike="noStrike" dirty="0">
-                        <a:solidFill>
-                          <a:srgbClr val="0070C0"/>
-                        </a:solidFill>
-                        <a:effectLst/>
-                        <a:latin typeface="Tahoma" panose="020B0604030504040204" pitchFamily="34" charset="0"/>
-                        <a:ea typeface="Tahoma" panose="020B0604030504040204" pitchFamily="34" charset="0"/>
-                        <a:cs typeface="Tahoma" panose="020B0604030504040204" pitchFamily="34" charset="0"/>
-                      </a:endParaRPr>
-                    </a:p>
-                  </a:txBody>
-                  <a:tcPr marL="7620" marR="7620" marT="7620" marB="0" anchor="b"/>
-                </a:tc>
-              </a:tr>
-              <a:tr h="287838">
-                <a:tc>
-                  <a:txBody>
-                    <a:bodyPr/>
-                    <a:lstStyle/>
-                    <a:p>
-                      <a:pPr algn="l" rtl="0" fontAlgn="b"/>
-                      <a:r>
-                        <a:rPr lang="en-US" sz="1800" b="1" u="none" strike="noStrike">
-                          <a:solidFill>
-                            <a:srgbClr val="0070C0"/>
-                          </a:solidFill>
-                          <a:effectLst/>
-                          <a:latin typeface="Tahoma" panose="020B0604030504040204" pitchFamily="34" charset="0"/>
-                          <a:ea typeface="Tahoma" panose="020B0604030504040204" pitchFamily="34" charset="0"/>
-                          <a:cs typeface="Tahoma" panose="020B0604030504040204" pitchFamily="34" charset="0"/>
-                        </a:rPr>
-                        <a:t>El Tiki - Flaco Flow &amp; Melanina, Big Mancilla</a:t>
-                      </a:r>
-                      <a:endParaRPr lang="en-US" sz="1800" b="1" i="0" u="none" strike="noStrike">
-                        <a:solidFill>
-                          <a:srgbClr val="0070C0"/>
-                        </a:solidFill>
-                        <a:effectLst/>
-                        <a:latin typeface="Tahoma" panose="020B0604030504040204" pitchFamily="34" charset="0"/>
-                        <a:ea typeface="Tahoma" panose="020B0604030504040204" pitchFamily="34" charset="0"/>
-                        <a:cs typeface="Tahoma" panose="020B0604030504040204" pitchFamily="34" charset="0"/>
-                      </a:endParaRPr>
-                    </a:p>
-                  </a:txBody>
-                  <a:tcPr marL="7620" marR="7620" marT="7620" marB="0" anchor="b"/>
-                </a:tc>
-              </a:tr>
-              <a:tr h="566955">
-                <a:tc>
-                  <a:txBody>
-                    <a:bodyPr/>
-                    <a:lstStyle/>
-                    <a:p>
-                      <a:pPr algn="l" rtl="0" fontAlgn="b"/>
-                      <a:r>
-                        <a:rPr lang="es-ES" sz="1800" b="1" u="none" strike="noStrike" dirty="0" smtClean="0">
-                          <a:solidFill>
-                            <a:srgbClr val="0070C0"/>
-                          </a:solidFill>
-                          <a:effectLst/>
-                          <a:latin typeface="Tahoma" panose="020B0604030504040204" pitchFamily="34" charset="0"/>
-                          <a:ea typeface="Tahoma" panose="020B0604030504040204" pitchFamily="34" charset="0"/>
-                          <a:cs typeface="Tahoma" panose="020B0604030504040204" pitchFamily="34" charset="0"/>
-                        </a:rPr>
-                        <a:t>Bailando - </a:t>
-                      </a:r>
-                      <a:r>
-                        <a:rPr lang="es-ES" sz="1800" b="1" u="none" strike="noStrike" dirty="0">
-                          <a:solidFill>
-                            <a:srgbClr val="0070C0"/>
-                          </a:solidFill>
-                          <a:effectLst/>
-                          <a:latin typeface="Tahoma" panose="020B0604030504040204" pitchFamily="34" charset="0"/>
-                          <a:ea typeface="Tahoma" panose="020B0604030504040204" pitchFamily="34" charset="0"/>
-                          <a:cs typeface="Tahoma" panose="020B0604030504040204" pitchFamily="34" charset="0"/>
-                        </a:rPr>
-                        <a:t>Enrique Iglesias </a:t>
-                      </a:r>
-                      <a:r>
-                        <a:rPr lang="es-ES" sz="1800" b="1" u="none" strike="noStrike" dirty="0" err="1">
-                          <a:solidFill>
-                            <a:srgbClr val="0070C0"/>
-                          </a:solidFill>
-                          <a:effectLst/>
-                          <a:latin typeface="Tahoma" panose="020B0604030504040204" pitchFamily="34" charset="0"/>
-                          <a:ea typeface="Tahoma" panose="020B0604030504040204" pitchFamily="34" charset="0"/>
-                          <a:cs typeface="Tahoma" panose="020B0604030504040204" pitchFamily="34" charset="0"/>
-                        </a:rPr>
-                        <a:t>feat</a:t>
-                      </a:r>
-                      <a:r>
-                        <a:rPr lang="es-ES" sz="1800" b="1" u="none" strike="noStrike" dirty="0">
-                          <a:solidFill>
-                            <a:srgbClr val="0070C0"/>
-                          </a:solidFill>
-                          <a:effectLst/>
-                          <a:latin typeface="Tahoma" panose="020B0604030504040204" pitchFamily="34" charset="0"/>
-                          <a:ea typeface="Tahoma" panose="020B0604030504040204" pitchFamily="34" charset="0"/>
-                          <a:cs typeface="Tahoma" panose="020B0604030504040204" pitchFamily="34" charset="0"/>
-                        </a:rPr>
-                        <a:t>. Sean Paul</a:t>
-                      </a:r>
-                      <a:endParaRPr lang="es-ES" sz="1800" b="1" i="0" u="none" strike="noStrike" dirty="0">
-                        <a:solidFill>
-                          <a:srgbClr val="0070C0"/>
-                        </a:solidFill>
-                        <a:effectLst/>
-                        <a:latin typeface="Tahoma" panose="020B0604030504040204" pitchFamily="34" charset="0"/>
-                        <a:ea typeface="Tahoma" panose="020B0604030504040204" pitchFamily="34" charset="0"/>
-                        <a:cs typeface="Tahoma" panose="020B0604030504040204" pitchFamily="34" charset="0"/>
-                      </a:endParaRPr>
-                    </a:p>
-                  </a:txBody>
-                  <a:tcPr marL="7620" marR="7620" marT="7620" marB="0" anchor="b"/>
-                </a:tc>
-              </a:tr>
-              <a:tr h="566955">
+              <a:tr h="360040">
                 <a:tc>
                   <a:txBody>
                     <a:bodyPr/>
@@ -13993,7 +14460,7 @@
                           <a:ea typeface="Tahoma" panose="020B0604030504040204" pitchFamily="34" charset="0"/>
                           <a:cs typeface="Tahoma" panose="020B0604030504040204" pitchFamily="34" charset="0"/>
                         </a:rPr>
-                        <a:t>The Monster </a:t>
+                        <a:t>Price Tag </a:t>
                       </a:r>
                       <a:r>
                         <a:rPr lang="en-US" sz="1800" b="1" u="none" strike="noStrike" dirty="0" smtClean="0">
@@ -14017,7 +14484,50 @@
                           <a:ea typeface="Tahoma" panose="020B0604030504040204" pitchFamily="34" charset="0"/>
                           <a:cs typeface="Tahoma" panose="020B0604030504040204" pitchFamily="34" charset="0"/>
                         </a:rPr>
-                        <a:t>Rihanna Vs. Specialist</a:t>
+                        <a:t>Jessie J Feat. </a:t>
+                      </a:r>
+                      <a:r>
+                        <a:rPr lang="en-US" sz="1800" b="1" u="none" strike="noStrike" dirty="0" err="1">
+                          <a:solidFill>
+                            <a:srgbClr val="0070C0"/>
+                          </a:solidFill>
+                          <a:effectLst/>
+                          <a:latin typeface="Tahoma" panose="020B0604030504040204" pitchFamily="34" charset="0"/>
+                          <a:ea typeface="Tahoma" panose="020B0604030504040204" pitchFamily="34" charset="0"/>
+                          <a:cs typeface="Tahoma" panose="020B0604030504040204" pitchFamily="34" charset="0"/>
+                        </a:rPr>
+                        <a:t>B.o.B</a:t>
+                      </a:r>
+                      <a:endParaRPr lang="en-US" sz="1800" b="1" i="0" u="none" strike="noStrike" dirty="0">
+                        <a:solidFill>
+                          <a:srgbClr val="0070C0"/>
+                        </a:solidFill>
+                        <a:effectLst/>
+                        <a:latin typeface="Tahoma" panose="020B0604030504040204" pitchFamily="34" charset="0"/>
+                        <a:ea typeface="Tahoma" panose="020B0604030504040204" pitchFamily="34" charset="0"/>
+                        <a:cs typeface="Tahoma" panose="020B0604030504040204" pitchFamily="34" charset="0"/>
+                      </a:endParaRPr>
+                    </a:p>
+                  </a:txBody>
+                  <a:tcPr marL="7620" marR="7620" marT="7620" marB="0" anchor="b"/>
+                </a:tc>
+                <a:tc>
+                  <a:txBody>
+                    <a:bodyPr/>
+                    <a:lstStyle/>
+                    <a:p>
+                      <a:pPr algn="l" rtl="0" fontAlgn="b"/>
+                      <a:r>
+                        <a:rPr lang="en-US" sz="1800" b="1" i="0" u="none" strike="noStrike" dirty="0" smtClean="0">
+                          <a:solidFill>
+                            <a:srgbClr val="0070C0"/>
+                          </a:solidFill>
+                          <a:effectLst/>
+                          <a:latin typeface="Tahoma" panose="020B0604030504040204" pitchFamily="34" charset="0"/>
+                          <a:ea typeface="Tahoma" panose="020B0604030504040204" pitchFamily="34" charset="0"/>
+                          <a:cs typeface="Tahoma" panose="020B0604030504040204" pitchFamily="34" charset="0"/>
+                        </a:rPr>
+                        <a:t>2</a:t>
                       </a:r>
                       <a:endParaRPr lang="en-US" sz="1800" b="1" i="0" u="none" strike="noStrike" dirty="0">
                         <a:solidFill>
@@ -14033,73 +14543,7 @@
                   <a:tcPr marL="7620" marR="7620" marT="7620" marB="0" anchor="b"/>
                 </a:tc>
               </a:tr>
-              <a:tr h="287838">
-                <a:tc>
-                  <a:txBody>
-                    <a:bodyPr/>
-                    <a:lstStyle/>
-                    <a:p>
-                      <a:pPr algn="l" rtl="0" fontAlgn="b"/>
-                      <a:r>
-                        <a:rPr lang="en-US" sz="1800" b="1" u="none" strike="noStrike">
-                          <a:solidFill>
-                            <a:srgbClr val="0070C0"/>
-                          </a:solidFill>
-                          <a:effectLst/>
-                          <a:latin typeface="Tahoma" panose="020B0604030504040204" pitchFamily="34" charset="0"/>
-                          <a:ea typeface="Tahoma" panose="020B0604030504040204" pitchFamily="34" charset="0"/>
-                          <a:cs typeface="Tahoma" panose="020B0604030504040204" pitchFamily="34" charset="0"/>
-                        </a:rPr>
-                        <a:t>Limbo - Daddy Yankee</a:t>
-                      </a:r>
-                      <a:endParaRPr lang="en-US" sz="1800" b="1" i="0" u="none" strike="noStrike">
-                        <a:solidFill>
-                          <a:srgbClr val="0070C0"/>
-                        </a:solidFill>
-                        <a:effectLst/>
-                        <a:latin typeface="Tahoma" panose="020B0604030504040204" pitchFamily="34" charset="0"/>
-                        <a:ea typeface="Tahoma" panose="020B0604030504040204" pitchFamily="34" charset="0"/>
-                        <a:cs typeface="Tahoma" panose="020B0604030504040204" pitchFamily="34" charset="0"/>
-                      </a:endParaRPr>
-                    </a:p>
-                  </a:txBody>
-                  <a:tcPr marL="7620" marR="7620" marT="7620" marB="0" anchor="b"/>
-                </a:tc>
-              </a:tr>
-              <a:tr h="287838">
-                <a:tc>
-                  <a:txBody>
-                    <a:bodyPr/>
-                    <a:lstStyle/>
-                    <a:p>
-                      <a:pPr algn="l" rtl="0" fontAlgn="b"/>
-                      <a:r>
-                        <a:rPr lang="en-US" sz="1800" b="1" u="none" strike="noStrike">
-                          <a:solidFill>
-                            <a:srgbClr val="0070C0"/>
-                          </a:solidFill>
-                          <a:effectLst/>
-                          <a:latin typeface="Tahoma" panose="020B0604030504040204" pitchFamily="34" charset="0"/>
-                          <a:ea typeface="Tahoma" panose="020B0604030504040204" pitchFamily="34" charset="0"/>
-                          <a:cs typeface="Tahoma" panose="020B0604030504040204" pitchFamily="34" charset="0"/>
-                        </a:rPr>
-                        <a:t>Timber - Pitbull Feat. Ke$ha</a:t>
-                      </a:r>
-                      <a:endParaRPr lang="en-US" sz="1800" b="1" i="0" u="none" strike="noStrike">
-                        <a:solidFill>
-                          <a:srgbClr val="0070C0"/>
-                        </a:solidFill>
-                        <a:effectLst/>
-                        <a:latin typeface="Tahoma" panose="020B0604030504040204" pitchFamily="34" charset="0"/>
-                        <a:ea typeface="Tahoma" panose="020B0604030504040204" pitchFamily="34" charset="0"/>
-                        <a:cs typeface="Tahoma" panose="020B0604030504040204" pitchFamily="34" charset="0"/>
-                      </a:endParaRPr>
-                    </a:p>
-                  </a:txBody>
-                  <a:tcPr marL="7620" marR="7620" marT="7620" marB="0" anchor="b"/>
-                </a:tc>
-              </a:tr>
-              <a:tr h="287838">
+              <a:tr h="290622">
                 <a:tc>
                   <a:txBody>
                     <a:bodyPr/>
@@ -14116,7 +14560,31 @@
                           <a:ea typeface="Tahoma" panose="020B0604030504040204" pitchFamily="34" charset="0"/>
                           <a:cs typeface="Tahoma" panose="020B0604030504040204" pitchFamily="34" charset="0"/>
                         </a:rPr>
-                        <a:t>Starships </a:t>
+                        <a:t>Baby Boy - </a:t>
+                      </a:r>
+                      <a:r>
+                        <a:rPr lang="en-US" sz="1800" b="1" u="none" strike="noStrike" dirty="0" err="1">
+                          <a:solidFill>
+                            <a:srgbClr val="0070C0"/>
+                          </a:solidFill>
+                          <a:effectLst/>
+                          <a:latin typeface="Tahoma" panose="020B0604030504040204" pitchFamily="34" charset="0"/>
+                          <a:ea typeface="Tahoma" panose="020B0604030504040204" pitchFamily="34" charset="0"/>
+                          <a:cs typeface="Tahoma" panose="020B0604030504040204" pitchFamily="34" charset="0"/>
+                        </a:rPr>
+                        <a:t>Beyonce</a:t>
+                      </a:r>
+                      <a:r>
+                        <a:rPr lang="en-US" sz="1800" b="1" u="none" strike="noStrike" dirty="0">
+                          <a:solidFill>
+                            <a:srgbClr val="0070C0"/>
+                          </a:solidFill>
+                          <a:effectLst/>
+                          <a:latin typeface="Tahoma" panose="020B0604030504040204" pitchFamily="34" charset="0"/>
+                          <a:ea typeface="Tahoma" panose="020B0604030504040204" pitchFamily="34" charset="0"/>
+                          <a:cs typeface="Tahoma" panose="020B0604030504040204" pitchFamily="34" charset="0"/>
+                        </a:rPr>
+                        <a:t> Feat. Sean </a:t>
                       </a:r>
                       <a:r>
                         <a:rPr lang="en-US" sz="1800" b="1" u="none" strike="noStrike" dirty="0" smtClean="0">
@@ -14128,10 +14596,20 @@
                           <a:ea typeface="Tahoma" panose="020B0604030504040204" pitchFamily="34" charset="0"/>
                           <a:cs typeface="Tahoma" panose="020B0604030504040204" pitchFamily="34" charset="0"/>
                         </a:rPr>
-                        <a:t>- </a:t>
+                        <a:t>Paul</a:t>
                       </a:r>
+                    </a:p>
+                  </a:txBody>
+                  <a:tcPr marL="7620" marR="7620" marT="7620" marB="0" anchor="b"/>
+                </a:tc>
+                <a:tc>
+                  <a:txBody>
+                    <a:bodyPr/>
+                    <a:lstStyle/>
+                    <a:p>
+                      <a:pPr algn="l" rtl="0" fontAlgn="b"/>
                       <a:r>
-                        <a:rPr lang="en-US" sz="1800" b="1" u="none" strike="noStrike" dirty="0">
+                        <a:rPr lang="en-US" sz="1800" b="1" i="0" u="none" strike="noStrike" dirty="0" smtClean="0">
                           <a:solidFill>
                             <a:srgbClr val="0070C0"/>
                           </a:solidFill>
@@ -14140,10 +14618,808 @@
                           <a:ea typeface="Tahoma" panose="020B0604030504040204" pitchFamily="34" charset="0"/>
                           <a:cs typeface="Tahoma" panose="020B0604030504040204" pitchFamily="34" charset="0"/>
                         </a:rPr>
-                        <a:t>Nicki </a:t>
+                        <a:t>3</a:t>
+                      </a:r>
+                      <a:endParaRPr lang="en-US" sz="1800" b="1" i="0" u="none" strike="noStrike" dirty="0">
+                        <a:solidFill>
+                          <a:srgbClr val="0070C0"/>
+                        </a:solidFill>
+                        <a:effectLst/>
+                        <a:latin typeface="Tahoma" panose="020B0604030504040204" pitchFamily="34" charset="0"/>
+                        <a:ea typeface="Tahoma" panose="020B0604030504040204" pitchFamily="34" charset="0"/>
+                        <a:cs typeface="Tahoma" panose="020B0604030504040204" pitchFamily="34" charset="0"/>
+                      </a:endParaRPr>
+                    </a:p>
+                  </a:txBody>
+                  <a:tcPr marL="7620" marR="7620" marT="7620" marB="0" anchor="b"/>
+                </a:tc>
+              </a:tr>
+              <a:tr h="290622">
+                <a:tc>
+                  <a:txBody>
+                    <a:bodyPr/>
+                    <a:lstStyle/>
+                    <a:p>
+                      <a:pPr marL="0" marR="0" indent="0" algn="l" defTabSz="914400" rtl="0" eaLnBrk="1" fontAlgn="b" latinLnBrk="0" hangingPunct="1">
+                        <a:lnSpc>
+                          <a:spcPct val="100000"/>
+                        </a:lnSpc>
+                        <a:spcBef>
+                          <a:spcPts val="0"/>
+                        </a:spcBef>
+                        <a:spcAft>
+                          <a:spcPts val="0"/>
+                        </a:spcAft>
+                        <a:buClrTx/>
+                        <a:buSzTx/>
+                        <a:buFontTx/>
+                        <a:buNone/>
+                        <a:tabLst/>
+                        <a:defRPr/>
+                      </a:pPr>
+                      <a:r>
+                        <a:rPr lang="en-US" b="1" dirty="0" err="1" smtClean="0">
+                          <a:solidFill>
+                            <a:schemeClr val="accent5">
+                              <a:lumMod val="75000"/>
+                            </a:schemeClr>
+                          </a:solidFill>
+                          <a:latin typeface="Tahoma" panose="020B0604030504040204" pitchFamily="34" charset="0"/>
+                          <a:ea typeface="Tahoma" panose="020B0604030504040204" pitchFamily="34" charset="0"/>
+                          <a:cs typeface="Tahoma" panose="020B0604030504040204" pitchFamily="34" charset="0"/>
+                        </a:rPr>
+                        <a:t>Beyonce</a:t>
                       </a:r>
                       <a:r>
-                        <a:rPr lang="en-US" sz="1800" b="1" u="none" strike="noStrike" dirty="0" err="1">
+                        <a:rPr lang="en-US" b="1" dirty="0" smtClean="0">
+                          <a:solidFill>
+                            <a:schemeClr val="accent5">
+                              <a:lumMod val="75000"/>
+                            </a:schemeClr>
+                          </a:solidFill>
+                          <a:latin typeface="Tahoma" panose="020B0604030504040204" pitchFamily="34" charset="0"/>
+                          <a:ea typeface="Tahoma" panose="020B0604030504040204" pitchFamily="34" charset="0"/>
+                          <a:cs typeface="Tahoma" panose="020B0604030504040204" pitchFamily="34" charset="0"/>
+                        </a:rPr>
+                        <a:t> Knowles ft. Jay-Z - Crazy In Love</a:t>
+                      </a:r>
+                    </a:p>
+                  </a:txBody>
+                  <a:tcPr marL="7620" marR="7620" marT="7620" marB="0" anchor="b"/>
+                </a:tc>
+                <a:tc>
+                  <a:txBody>
+                    <a:bodyPr/>
+                    <a:lstStyle/>
+                    <a:p>
+                      <a:pPr algn="l" rtl="0" fontAlgn="b"/>
+                      <a:r>
+                        <a:rPr lang="en-US" sz="1800" b="1" i="0" u="none" strike="noStrike" dirty="0" smtClean="0">
+                          <a:solidFill>
+                            <a:schemeClr val="accent5">
+                              <a:lumMod val="75000"/>
+                            </a:schemeClr>
+                          </a:solidFill>
+                          <a:effectLst/>
+                          <a:latin typeface="Tahoma" panose="020B0604030504040204" pitchFamily="34" charset="0"/>
+                          <a:ea typeface="Tahoma" panose="020B0604030504040204" pitchFamily="34" charset="0"/>
+                          <a:cs typeface="Tahoma" panose="020B0604030504040204" pitchFamily="34" charset="0"/>
+                        </a:rPr>
+                        <a:t>4</a:t>
+                      </a:r>
+                      <a:endParaRPr lang="en-US" sz="1800" b="1" i="0" u="none" strike="noStrike" dirty="0">
+                        <a:solidFill>
+                          <a:schemeClr val="accent5">
+                            <a:lumMod val="75000"/>
+                          </a:schemeClr>
+                        </a:solidFill>
+                        <a:effectLst/>
+                        <a:latin typeface="Tahoma" panose="020B0604030504040204" pitchFamily="34" charset="0"/>
+                        <a:ea typeface="Tahoma" panose="020B0604030504040204" pitchFamily="34" charset="0"/>
+                        <a:cs typeface="Tahoma" panose="020B0604030504040204" pitchFamily="34" charset="0"/>
+                      </a:endParaRPr>
+                    </a:p>
+                  </a:txBody>
+                  <a:tcPr marL="7620" marR="7620" marT="7620" marB="0" anchor="b"/>
+                </a:tc>
+              </a:tr>
+            </a:tbl>
+          </a:graphicData>
+        </a:graphic>
+      </p:graphicFrame>
+    </p:spTree>
+    <p:extLst>
+      <p:ext uri="{BB962C8B-B14F-4D97-AF65-F5344CB8AC3E}">
+        <p14:creationId xmlns:p14="http://schemas.microsoft.com/office/powerpoint/2010/main" val="1557508939"/>
+      </p:ext>
+    </p:extLst>
+  </p:cSld>
+  <p:clrMapOvr>
+    <a:masterClrMapping/>
+  </p:clrMapOvr>
+  <p:transition spd="slow" advTm="7958"/>
+  <p:timing>
+    <p:tnLst>
+      <p:par>
+        <p:cTn id="1" dur="indefinite" restart="never" nodeType="tmRoot"/>
+      </p:par>
+    </p:tnLst>
+  </p:timing>
+</p:sld>
+</file>
+
+<file path=ppt/slides/slide11.xml><?xml version="1.0" encoding="utf-8"?>
+<p:sld xmlns:a="http://schemas.openxmlformats.org/drawingml/2006/main" xmlns:r="http://schemas.openxmlformats.org/officeDocument/2006/relationships" xmlns:p="http://schemas.openxmlformats.org/presentationml/2006/main">
+  <p:cSld>
+    <p:spTree>
+      <p:nvGrpSpPr>
+        <p:cNvPr id="1" name=""/>
+        <p:cNvGrpSpPr/>
+        <p:nvPr/>
+      </p:nvGrpSpPr>
+      <p:grpSpPr>
+        <a:xfrm>
+          <a:off x="0" y="0"/>
+          <a:ext cx="0" cy="0"/>
+          <a:chOff x="0" y="0"/>
+          <a:chExt cx="0" cy="0"/>
+        </a:xfrm>
+      </p:grpSpPr>
+      <p:sp>
+        <p:nvSpPr>
+          <p:cNvPr id="74" name="Rectangle 73"/>
+          <p:cNvSpPr/>
+          <p:nvPr/>
+        </p:nvSpPr>
+        <p:spPr>
+          <a:xfrm>
+            <a:off x="0" y="0"/>
+            <a:ext cx="8718550" cy="620713"/>
+          </a:xfrm>
+          <a:prstGeom prst="rect">
+            <a:avLst/>
+          </a:prstGeom>
+          <a:solidFill>
+            <a:srgbClr val="DDB405"/>
+          </a:solidFill>
+          <a:ln>
+            <a:noFill/>
+          </a:ln>
+        </p:spPr>
+        <p:style>
+          <a:lnRef idx="2">
+            <a:schemeClr val="accent1">
+              <a:shade val="50000"/>
+            </a:schemeClr>
+          </a:lnRef>
+          <a:fillRef idx="1">
+            <a:schemeClr val="accent1"/>
+          </a:fillRef>
+          <a:effectRef idx="0">
+            <a:schemeClr val="accent1"/>
+          </a:effectRef>
+          <a:fontRef idx="minor">
+            <a:schemeClr val="lt1"/>
+          </a:fontRef>
+        </p:style>
+        <p:txBody>
+          <a:bodyPr anchor="ctr"/>
+          <a:lstStyle/>
+          <a:p>
+            <a:pPr algn="ctr" rtl="0" fontAlgn="auto">
+              <a:spcBef>
+                <a:spcPts val="0"/>
+              </a:spcBef>
+              <a:spcAft>
+                <a:spcPts val="0"/>
+              </a:spcAft>
+              <a:defRPr/>
+            </a:pPr>
+            <a:endParaRPr lang="en-US">
+              <a:solidFill>
+                <a:prstClr val="white"/>
+              </a:solidFill>
+            </a:endParaRPr>
+          </a:p>
+        </p:txBody>
+      </p:sp>
+      <p:sp>
+        <p:nvSpPr>
+          <p:cNvPr id="20485" name="TextBox 36"/>
+          <p:cNvSpPr txBox="1">
+            <a:spLocks noChangeArrowheads="1"/>
+          </p:cNvSpPr>
+          <p:nvPr/>
+        </p:nvSpPr>
+        <p:spPr bwMode="auto">
+          <a:xfrm>
+            <a:off x="116479" y="-1"/>
+            <a:ext cx="7754938" cy="523220"/>
+          </a:xfrm>
+          <a:prstGeom prst="rect">
+            <a:avLst/>
+          </a:prstGeom>
+          <a:noFill/>
+          <a:ln>
+            <a:noFill/>
+          </a:ln>
+          <a:extLst>
+            <a:ext uri="{909E8E84-426E-40DD-AFC4-6F175D3DCCD1}">
+              <a14:hiddenFill xmlns:a14="http://schemas.microsoft.com/office/drawing/2010/main">
+                <a:solidFill>
+                  <a:srgbClr val="FFFFFF"/>
+                </a:solidFill>
+              </a14:hiddenFill>
+            </a:ext>
+            <a:ext uri="{91240B29-F687-4F45-9708-019B960494DF}">
+              <a14:hiddenLine xmlns:a14="http://schemas.microsoft.com/office/drawing/2010/main" w="9525">
+                <a:solidFill>
+                  <a:srgbClr val="000000"/>
+                </a:solidFill>
+                <a:miter lim="800000"/>
+                <a:headEnd/>
+                <a:tailEnd/>
+              </a14:hiddenLine>
+            </a:ext>
+          </a:extLst>
+        </p:spPr>
+        <p:txBody>
+          <a:bodyPr>
+            <a:spAutoFit/>
+          </a:bodyPr>
+          <a:lstStyle>
+            <a:lvl1pPr algn="l" rtl="0" eaLnBrk="0" hangingPunct="0">
+              <a:spcBef>
+                <a:spcPct val="20000"/>
+              </a:spcBef>
+              <a:buFont typeface="Arial" panose="020B0604020202020204" pitchFamily="34" charset="0"/>
+              <a:buChar char="•"/>
+              <a:defRPr sz="3200">
+                <a:solidFill>
+                  <a:schemeClr val="tx1"/>
+                </a:solidFill>
+                <a:latin typeface="Calibri" panose="020F0502020204030204" pitchFamily="34" charset="0"/>
+              </a:defRPr>
+            </a:lvl1pPr>
+            <a:lvl2pPr marL="742950" indent="-285750" algn="l" rtl="0" eaLnBrk="0" hangingPunct="0">
+              <a:spcBef>
+                <a:spcPct val="20000"/>
+              </a:spcBef>
+              <a:buFont typeface="Arial" panose="020B0604020202020204" pitchFamily="34" charset="0"/>
+              <a:buChar char="–"/>
+              <a:defRPr sz="2800">
+                <a:solidFill>
+                  <a:schemeClr val="tx1"/>
+                </a:solidFill>
+                <a:latin typeface="Calibri" panose="020F0502020204030204" pitchFamily="34" charset="0"/>
+              </a:defRPr>
+            </a:lvl2pPr>
+            <a:lvl3pPr marL="1143000" indent="-228600" algn="l" rtl="0" eaLnBrk="0" hangingPunct="0">
+              <a:spcBef>
+                <a:spcPct val="20000"/>
+              </a:spcBef>
+              <a:buFont typeface="Arial" panose="020B0604020202020204" pitchFamily="34" charset="0"/>
+              <a:buChar char="•"/>
+              <a:defRPr sz="2400">
+                <a:solidFill>
+                  <a:schemeClr val="tx1"/>
+                </a:solidFill>
+                <a:latin typeface="Calibri" panose="020F0502020204030204" pitchFamily="34" charset="0"/>
+              </a:defRPr>
+            </a:lvl3pPr>
+            <a:lvl4pPr marL="1600200" indent="-228600" algn="l" rtl="0" eaLnBrk="0" hangingPunct="0">
+              <a:spcBef>
+                <a:spcPct val="20000"/>
+              </a:spcBef>
+              <a:buFont typeface="Arial" panose="020B0604020202020204" pitchFamily="34" charset="0"/>
+              <a:buChar char="–"/>
+              <a:defRPr sz="2000">
+                <a:solidFill>
+                  <a:schemeClr val="tx1"/>
+                </a:solidFill>
+                <a:latin typeface="Calibri" panose="020F0502020204030204" pitchFamily="34" charset="0"/>
+              </a:defRPr>
+            </a:lvl4pPr>
+            <a:lvl5pPr marL="2057400" indent="-228600" algn="l" rtl="0" eaLnBrk="0" hangingPunct="0">
+              <a:spcBef>
+                <a:spcPct val="20000"/>
+              </a:spcBef>
+              <a:buFont typeface="Arial" panose="020B0604020202020204" pitchFamily="34" charset="0"/>
+              <a:buChar char="»"/>
+              <a:defRPr sz="2000">
+                <a:solidFill>
+                  <a:schemeClr val="tx1"/>
+                </a:solidFill>
+                <a:latin typeface="Calibri" panose="020F0502020204030204" pitchFamily="34" charset="0"/>
+              </a:defRPr>
+            </a:lvl5pPr>
+            <a:lvl6pPr marL="2514600" indent="-228600" algn="l" rtl="0" eaLnBrk="0" fontAlgn="base" hangingPunct="0">
+              <a:spcBef>
+                <a:spcPct val="20000"/>
+              </a:spcBef>
+              <a:spcAft>
+                <a:spcPct val="0"/>
+              </a:spcAft>
+              <a:buFont typeface="Arial" panose="020B0604020202020204" pitchFamily="34" charset="0"/>
+              <a:buChar char="»"/>
+              <a:defRPr sz="2000">
+                <a:solidFill>
+                  <a:schemeClr val="tx1"/>
+                </a:solidFill>
+                <a:latin typeface="Calibri" panose="020F0502020204030204" pitchFamily="34" charset="0"/>
+              </a:defRPr>
+            </a:lvl6pPr>
+            <a:lvl7pPr marL="2971800" indent="-228600" algn="l" rtl="0" eaLnBrk="0" fontAlgn="base" hangingPunct="0">
+              <a:spcBef>
+                <a:spcPct val="20000"/>
+              </a:spcBef>
+              <a:spcAft>
+                <a:spcPct val="0"/>
+              </a:spcAft>
+              <a:buFont typeface="Arial" panose="020B0604020202020204" pitchFamily="34" charset="0"/>
+              <a:buChar char="»"/>
+              <a:defRPr sz="2000">
+                <a:solidFill>
+                  <a:schemeClr val="tx1"/>
+                </a:solidFill>
+                <a:latin typeface="Calibri" panose="020F0502020204030204" pitchFamily="34" charset="0"/>
+              </a:defRPr>
+            </a:lvl7pPr>
+            <a:lvl8pPr marL="3429000" indent="-228600" algn="l" rtl="0" eaLnBrk="0" fontAlgn="base" hangingPunct="0">
+              <a:spcBef>
+                <a:spcPct val="20000"/>
+              </a:spcBef>
+              <a:spcAft>
+                <a:spcPct val="0"/>
+              </a:spcAft>
+              <a:buFont typeface="Arial" panose="020B0604020202020204" pitchFamily="34" charset="0"/>
+              <a:buChar char="»"/>
+              <a:defRPr sz="2000">
+                <a:solidFill>
+                  <a:schemeClr val="tx1"/>
+                </a:solidFill>
+                <a:latin typeface="Calibri" panose="020F0502020204030204" pitchFamily="34" charset="0"/>
+              </a:defRPr>
+            </a:lvl8pPr>
+            <a:lvl9pPr marL="3886200" indent="-228600" algn="l" rtl="0" eaLnBrk="0" fontAlgn="base" hangingPunct="0">
+              <a:spcBef>
+                <a:spcPct val="20000"/>
+              </a:spcBef>
+              <a:spcAft>
+                <a:spcPct val="0"/>
+              </a:spcAft>
+              <a:buFont typeface="Arial" panose="020B0604020202020204" pitchFamily="34" charset="0"/>
+              <a:buChar char="»"/>
+              <a:defRPr sz="2000">
+                <a:solidFill>
+                  <a:schemeClr val="tx1"/>
+                </a:solidFill>
+                <a:latin typeface="Calibri" panose="020F0502020204030204" pitchFamily="34" charset="0"/>
+              </a:defRPr>
+            </a:lvl9pPr>
+          </a:lstStyle>
+          <a:p>
+            <a:pPr eaLnBrk="1" hangingPunct="1">
+              <a:spcBef>
+                <a:spcPct val="0"/>
+              </a:spcBef>
+              <a:buFontTx/>
+              <a:buNone/>
+            </a:pPr>
+            <a:r>
+              <a:rPr lang="en-US" altLang="en-US" sz="2800" b="1" dirty="0" smtClean="0">
+                <a:solidFill>
+                  <a:srgbClr val="FFFFFF"/>
+                </a:solidFill>
+                <a:latin typeface="Tahoma" panose="020B0604030504040204" pitchFamily="34" charset="0"/>
+                <a:ea typeface="Tahoma" panose="020B0604030504040204" pitchFamily="34" charset="0"/>
+                <a:cs typeface="Tahoma" panose="020B0604030504040204" pitchFamily="34" charset="0"/>
+              </a:rPr>
+              <a:t>Results</a:t>
+            </a:r>
+            <a:endParaRPr lang="en-US" altLang="en-US" sz="2800" b="1" dirty="0">
+              <a:solidFill>
+                <a:srgbClr val="FFFFFF"/>
+              </a:solidFill>
+              <a:latin typeface="Tahoma" panose="020B0604030504040204" pitchFamily="34" charset="0"/>
+              <a:ea typeface="Tahoma" panose="020B0604030504040204" pitchFamily="34" charset="0"/>
+              <a:cs typeface="Tahoma" panose="020B0604030504040204" pitchFamily="34" charset="0"/>
+            </a:endParaRPr>
+          </a:p>
+        </p:txBody>
+      </p:sp>
+      <p:cxnSp>
+        <p:nvCxnSpPr>
+          <p:cNvPr id="20" name="Straight Connector 19"/>
+          <p:cNvCxnSpPr/>
+          <p:nvPr/>
+        </p:nvCxnSpPr>
+        <p:spPr>
+          <a:xfrm>
+            <a:off x="2644775" y="6672263"/>
+            <a:ext cx="5976938" cy="0"/>
+          </a:xfrm>
+          <a:prstGeom prst="line">
+            <a:avLst/>
+          </a:prstGeom>
+          <a:ln w="12700">
+            <a:solidFill>
+              <a:schemeClr val="bg1"/>
+            </a:solidFill>
+          </a:ln>
+        </p:spPr>
+        <p:style>
+          <a:lnRef idx="1">
+            <a:schemeClr val="accent1"/>
+          </a:lnRef>
+          <a:fillRef idx="0">
+            <a:schemeClr val="accent1"/>
+          </a:fillRef>
+          <a:effectRef idx="0">
+            <a:schemeClr val="accent1"/>
+          </a:effectRef>
+          <a:fontRef idx="minor">
+            <a:schemeClr val="tx1"/>
+          </a:fontRef>
+        </p:style>
+      </p:cxnSp>
+      <p:cxnSp>
+        <p:nvCxnSpPr>
+          <p:cNvPr id="21" name="Straight Connector 20"/>
+          <p:cNvCxnSpPr/>
+          <p:nvPr/>
+        </p:nvCxnSpPr>
+        <p:spPr>
+          <a:xfrm>
+            <a:off x="144463" y="6672263"/>
+            <a:ext cx="8855075" cy="0"/>
+          </a:xfrm>
+          <a:prstGeom prst="line">
+            <a:avLst/>
+          </a:prstGeom>
+          <a:ln w="12700">
+            <a:solidFill>
+              <a:schemeClr val="bg1">
+                <a:lumMod val="85000"/>
+              </a:schemeClr>
+            </a:solidFill>
+          </a:ln>
+        </p:spPr>
+        <p:style>
+          <a:lnRef idx="1">
+            <a:schemeClr val="accent1"/>
+          </a:lnRef>
+          <a:fillRef idx="0">
+            <a:schemeClr val="accent1"/>
+          </a:fillRef>
+          <a:effectRef idx="0">
+            <a:schemeClr val="accent1"/>
+          </a:effectRef>
+          <a:fontRef idx="minor">
+            <a:schemeClr val="tx1"/>
+          </a:fontRef>
+        </p:style>
+      </p:cxnSp>
+      <p:sp>
+        <p:nvSpPr>
+          <p:cNvPr id="51" name="Oval 50"/>
+          <p:cNvSpPr>
+            <a:spLocks noChangeAspect="1"/>
+          </p:cNvSpPr>
+          <p:nvPr/>
+        </p:nvSpPr>
+        <p:spPr>
+          <a:xfrm>
+            <a:off x="8678862" y="6495121"/>
+            <a:ext cx="286679" cy="286679"/>
+          </a:xfrm>
+          <a:prstGeom prst="ellipse">
+            <a:avLst/>
+          </a:prstGeom>
+          <a:solidFill>
+            <a:srgbClr val="DDB405"/>
+          </a:solidFill>
+          <a:ln w="28575">
+            <a:solidFill>
+              <a:schemeClr val="bg1"/>
+            </a:solidFill>
+          </a:ln>
+        </p:spPr>
+        <p:style>
+          <a:lnRef idx="2">
+            <a:schemeClr val="accent1">
+              <a:shade val="50000"/>
+            </a:schemeClr>
+          </a:lnRef>
+          <a:fillRef idx="1">
+            <a:schemeClr val="accent1"/>
+          </a:fillRef>
+          <a:effectRef idx="0">
+            <a:schemeClr val="accent1"/>
+          </a:effectRef>
+          <a:fontRef idx="minor">
+            <a:schemeClr val="lt1"/>
+          </a:fontRef>
+        </p:style>
+        <p:txBody>
+          <a:bodyPr lIns="0" rIns="0" anchor="ctr"/>
+          <a:lstStyle/>
+          <a:p>
+            <a:pPr algn="ctr" rtl="0" fontAlgn="auto">
+              <a:spcBef>
+                <a:spcPts val="0"/>
+              </a:spcBef>
+              <a:spcAft>
+                <a:spcPts val="0"/>
+              </a:spcAft>
+              <a:defRPr/>
+            </a:pPr>
+            <a:r>
+              <a:rPr lang="en-US" sz="800" b="1" dirty="0">
+                <a:solidFill>
+                  <a:prstClr val="white"/>
+                </a:solidFill>
+                <a:latin typeface="Arial" pitchFamily="34" charset="0"/>
+              </a:rPr>
+              <a:t>4</a:t>
+            </a:r>
+            <a:endParaRPr lang="en-US" sz="800" b="1" dirty="0">
+              <a:solidFill>
+                <a:prstClr val="white"/>
+              </a:solidFill>
+              <a:latin typeface="Arial" pitchFamily="34" charset="0"/>
+              <a:cs typeface="Arial" pitchFamily="34" charset="0"/>
+            </a:endParaRPr>
+          </a:p>
+        </p:txBody>
+      </p:sp>
+      <p:pic>
+        <p:nvPicPr>
+          <p:cNvPr id="20490" name="Picture 2" descr="D:\Clients\Ben Gurion University\Presentation.Template\Images\Briefcase.png"/>
+          <p:cNvPicPr>
+            <a:picLocks noChangeAspect="1" noChangeArrowheads="1"/>
+          </p:cNvPicPr>
+          <p:nvPr/>
+        </p:nvPicPr>
+        <p:blipFill>
+          <a:blip r:embed="rId4">
+            <a:extLst>
+              <a:ext uri="{28A0092B-C50C-407E-A947-70E740481C1C}">
+                <a14:useLocalDpi xmlns:a14="http://schemas.microsoft.com/office/drawing/2010/main" val="0"/>
+              </a:ext>
+            </a:extLst>
+          </a:blip>
+          <a:srcRect/>
+          <a:stretch>
+            <a:fillRect/>
+          </a:stretch>
+        </p:blipFill>
+        <p:spPr bwMode="auto">
+          <a:xfrm>
+            <a:off x="1979613" y="979488"/>
+            <a:ext cx="542925" cy="433387"/>
+          </a:xfrm>
+          <a:prstGeom prst="rect">
+            <a:avLst/>
+          </a:prstGeom>
+          <a:noFill/>
+          <a:ln>
+            <a:noFill/>
+          </a:ln>
+          <a:extLst>
+            <a:ext uri="{909E8E84-426E-40DD-AFC4-6F175D3DCCD1}">
+              <a14:hiddenFill xmlns:a14="http://schemas.microsoft.com/office/drawing/2010/main">
+                <a:solidFill>
+                  <a:srgbClr val="FFFFFF"/>
+                </a:solidFill>
+              </a14:hiddenFill>
+            </a:ext>
+            <a:ext uri="{91240B29-F687-4F45-9708-019B960494DF}">
+              <a14:hiddenLine xmlns:a14="http://schemas.microsoft.com/office/drawing/2010/main" w="9525">
+                <a:solidFill>
+                  <a:srgbClr val="000000"/>
+                </a:solidFill>
+                <a:miter lim="800000"/>
+                <a:headEnd/>
+                <a:tailEnd/>
+              </a14:hiddenLine>
+            </a:ext>
+          </a:extLst>
+        </p:spPr>
+      </p:pic>
+      <p:sp>
+        <p:nvSpPr>
+          <p:cNvPr id="3" name="Right Arrow 2"/>
+          <p:cNvSpPr/>
+          <p:nvPr/>
+        </p:nvSpPr>
+        <p:spPr>
+          <a:xfrm>
+            <a:off x="5436096" y="3133158"/>
+            <a:ext cx="1315020" cy="720080"/>
+          </a:xfrm>
+          <a:prstGeom prst="rightArrow">
+            <a:avLst/>
+          </a:prstGeom>
+        </p:spPr>
+        <p:style>
+          <a:lnRef idx="2">
+            <a:schemeClr val="accent1">
+              <a:shade val="50000"/>
+            </a:schemeClr>
+          </a:lnRef>
+          <a:fillRef idx="1">
+            <a:schemeClr val="accent1"/>
+          </a:fillRef>
+          <a:effectRef idx="0">
+            <a:schemeClr val="accent1"/>
+          </a:effectRef>
+          <a:fontRef idx="minor">
+            <a:schemeClr val="lt1"/>
+          </a:fontRef>
+        </p:style>
+        <p:txBody>
+          <a:bodyPr rtlCol="1" anchor="ctr"/>
+          <a:lstStyle/>
+          <a:p>
+            <a:pPr algn="ctr"/>
+            <a:endParaRPr lang="he-IL"/>
+          </a:p>
+        </p:txBody>
+      </p:sp>
+      <p:sp>
+        <p:nvSpPr>
+          <p:cNvPr id="4" name="TextBox 3"/>
+          <p:cNvSpPr txBox="1"/>
+          <p:nvPr/>
+        </p:nvSpPr>
+        <p:spPr>
+          <a:xfrm>
+            <a:off x="6826436" y="2982225"/>
+            <a:ext cx="2089961" cy="1200329"/>
+          </a:xfrm>
+          <a:prstGeom prst="rect">
+            <a:avLst/>
+          </a:prstGeom>
+          <a:gradFill>
+            <a:gsLst>
+              <a:gs pos="0">
+                <a:schemeClr val="accent1">
+                  <a:lumMod val="5000"/>
+                  <a:lumOff val="95000"/>
+                </a:schemeClr>
+              </a:gs>
+              <a:gs pos="74000">
+                <a:schemeClr val="accent1">
+                  <a:lumMod val="45000"/>
+                  <a:lumOff val="55000"/>
+                </a:schemeClr>
+              </a:gs>
+              <a:gs pos="83000">
+                <a:schemeClr val="accent1">
+                  <a:lumMod val="45000"/>
+                  <a:lumOff val="55000"/>
+                </a:schemeClr>
+              </a:gs>
+              <a:gs pos="100000">
+                <a:schemeClr val="accent1">
+                  <a:lumMod val="30000"/>
+                  <a:lumOff val="70000"/>
+                </a:schemeClr>
+              </a:gs>
+            </a:gsLst>
+            <a:lin ang="5400000" scaled="1"/>
+          </a:gradFill>
+        </p:spPr>
+        <p:txBody>
+          <a:bodyPr wrap="square" rtlCol="1">
+            <a:spAutoFit/>
+          </a:bodyPr>
+          <a:lstStyle/>
+          <a:p>
+            <a:pPr algn="ctr" rtl="0"/>
+            <a:r>
+              <a:rPr lang="en-US" b="1" dirty="0" err="1">
+                <a:solidFill>
+                  <a:schemeClr val="accent5">
+                    <a:lumMod val="75000"/>
+                  </a:schemeClr>
+                </a:solidFill>
+                <a:latin typeface="Tahoma" panose="020B0604030504040204" pitchFamily="34" charset="0"/>
+                <a:ea typeface="Tahoma" panose="020B0604030504040204" pitchFamily="34" charset="0"/>
+                <a:cs typeface="Tahoma" panose="020B0604030504040204" pitchFamily="34" charset="0"/>
+              </a:rPr>
+              <a:t>Hachi</a:t>
+            </a:r>
+            <a:r>
+              <a:rPr lang="en-US" b="1" dirty="0">
+                <a:solidFill>
+                  <a:schemeClr val="accent5">
+                    <a:lumMod val="75000"/>
+                  </a:schemeClr>
+                </a:solidFill>
+                <a:latin typeface="Tahoma" panose="020B0604030504040204" pitchFamily="34" charset="0"/>
+                <a:ea typeface="Tahoma" panose="020B0604030504040204" pitchFamily="34" charset="0"/>
+                <a:cs typeface="Tahoma" panose="020B0604030504040204" pitchFamily="34" charset="0"/>
+              </a:rPr>
+              <a:t> Israeli Remix </a:t>
+            </a:r>
+            <a:r>
+              <a:rPr lang="en-US" b="1" dirty="0" smtClean="0">
+                <a:solidFill>
+                  <a:schemeClr val="accent5">
+                    <a:lumMod val="75000"/>
+                  </a:schemeClr>
+                </a:solidFill>
+                <a:latin typeface="Tahoma" panose="020B0604030504040204" pitchFamily="34" charset="0"/>
+                <a:ea typeface="Tahoma" panose="020B0604030504040204" pitchFamily="34" charset="0"/>
+                <a:cs typeface="Tahoma" panose="020B0604030504040204" pitchFamily="34" charset="0"/>
+              </a:rPr>
+              <a:t>- </a:t>
+            </a:r>
+            <a:r>
+              <a:rPr lang="en-US" b="1" dirty="0">
+                <a:solidFill>
+                  <a:schemeClr val="accent5">
+                    <a:lumMod val="75000"/>
+                  </a:schemeClr>
+                </a:solidFill>
+                <a:latin typeface="Tahoma" panose="020B0604030504040204" pitchFamily="34" charset="0"/>
+                <a:ea typeface="Tahoma" panose="020B0604030504040204" pitchFamily="34" charset="0"/>
+                <a:cs typeface="Tahoma" panose="020B0604030504040204" pitchFamily="34" charset="0"/>
+              </a:rPr>
+              <a:t>Gal Goren &amp; DJ Smiley</a:t>
+            </a:r>
+            <a:endParaRPr lang="en-US" b="1" dirty="0" smtClean="0">
+              <a:solidFill>
+                <a:schemeClr val="accent5">
+                  <a:lumMod val="75000"/>
+                </a:schemeClr>
+              </a:solidFill>
+              <a:latin typeface="Tahoma" panose="020B0604030504040204" pitchFamily="34" charset="0"/>
+              <a:ea typeface="Tahoma" panose="020B0604030504040204" pitchFamily="34" charset="0"/>
+              <a:cs typeface="Tahoma" panose="020B0604030504040204" pitchFamily="34" charset="0"/>
+            </a:endParaRPr>
+          </a:p>
+        </p:txBody>
+      </p:sp>
+      <p:graphicFrame>
+        <p:nvGraphicFramePr>
+          <p:cNvPr id="5" name="Table 4"/>
+          <p:cNvGraphicFramePr>
+            <a:graphicFrameLocks noGrp="1"/>
+          </p:cNvGraphicFramePr>
+          <p:nvPr>
+            <p:extLst>
+              <p:ext uri="{D42A27DB-BD31-4B8C-83A1-F6EECF244321}">
+                <p14:modId xmlns:p14="http://schemas.microsoft.com/office/powerpoint/2010/main" val="834673835"/>
+              </p:ext>
+            </p:extLst>
+          </p:nvPr>
+        </p:nvGraphicFramePr>
+        <p:xfrm>
+          <a:off x="251520" y="692696"/>
+          <a:ext cx="5055419" cy="5273754"/>
+        </p:xfrm>
+        <a:graphic>
+          <a:graphicData uri="http://schemas.openxmlformats.org/drawingml/2006/table">
+            <a:tbl>
+              <a:tblPr rtl="1">
+                <a:tableStyleId>{3C2FFA5D-87B4-456A-9821-1D502468CF0F}</a:tableStyleId>
+              </a:tblPr>
+              <a:tblGrid>
+                <a:gridCol w="4410296"/>
+                <a:gridCol w="645123"/>
+              </a:tblGrid>
+              <a:tr h="279422">
+                <a:tc>
+                  <a:txBody>
+                    <a:bodyPr/>
+                    <a:lstStyle/>
+                    <a:p>
+                      <a:pPr algn="l" rtl="0" fontAlgn="b"/>
+                      <a:r>
+                        <a:rPr lang="en-US" sz="1800" b="1" u="none" strike="noStrike" kern="1200" dirty="0">
                           <a:solidFill>
                             <a:srgbClr val="0070C0"/>
                           </a:solidFill>
@@ -14152,7 +15428,987 @@
                           <a:ea typeface="Tahoma" panose="020B0604030504040204" pitchFamily="34" charset="0"/>
                           <a:cs typeface="Tahoma" panose="020B0604030504040204" pitchFamily="34" charset="0"/>
                         </a:rPr>
-                        <a:t>Minaj</a:t>
+                        <a:t>Hey </a:t>
+                      </a:r>
+                      <a:r>
+                        <a:rPr lang="en-US" sz="1800" b="1" u="none" strike="noStrike" kern="1200" dirty="0" err="1">
+                          <a:solidFill>
+                            <a:srgbClr val="0070C0"/>
+                          </a:solidFill>
+                          <a:effectLst/>
+                          <a:latin typeface="Tahoma" panose="020B0604030504040204" pitchFamily="34" charset="0"/>
+                          <a:ea typeface="Tahoma" panose="020B0604030504040204" pitchFamily="34" charset="0"/>
+                          <a:cs typeface="Tahoma" panose="020B0604030504040204" pitchFamily="34" charset="0"/>
+                        </a:rPr>
+                        <a:t>Ya</a:t>
+                      </a:r>
+                      <a:r>
+                        <a:rPr lang="en-US" sz="1800" b="1" u="none" strike="noStrike" kern="1200" dirty="0">
+                          <a:solidFill>
+                            <a:srgbClr val="0070C0"/>
+                          </a:solidFill>
+                          <a:effectLst/>
+                          <a:latin typeface="Tahoma" panose="020B0604030504040204" pitchFamily="34" charset="0"/>
+                          <a:ea typeface="Tahoma" panose="020B0604030504040204" pitchFamily="34" charset="0"/>
+                          <a:cs typeface="Tahoma" panose="020B0604030504040204" pitchFamily="34" charset="0"/>
+                        </a:rPr>
+                        <a:t> - Sean Paul</a:t>
+                      </a:r>
+                    </a:p>
+                  </a:txBody>
+                  <a:tcPr marL="7620" marR="7620" marT="7620" marB="0" anchor="b"/>
+                </a:tc>
+                <a:tc>
+                  <a:txBody>
+                    <a:bodyPr/>
+                    <a:lstStyle/>
+                    <a:p>
+                      <a:pPr algn="l" rtl="0" fontAlgn="b"/>
+                      <a:r>
+                        <a:rPr lang="en-US" sz="1800" b="1" i="0" u="none" strike="noStrike" dirty="0" smtClean="0">
+                          <a:solidFill>
+                            <a:srgbClr val="0070C0"/>
+                          </a:solidFill>
+                          <a:effectLst/>
+                          <a:latin typeface="Tahoma" panose="020B0604030504040204" pitchFamily="34" charset="0"/>
+                          <a:ea typeface="Tahoma" panose="020B0604030504040204" pitchFamily="34" charset="0"/>
+                          <a:cs typeface="Tahoma" panose="020B0604030504040204" pitchFamily="34" charset="0"/>
+                        </a:rPr>
+                        <a:t>1</a:t>
+                      </a:r>
+                      <a:endParaRPr lang="en-US" sz="1800" b="1" i="0" u="none" strike="noStrike" dirty="0">
+                        <a:solidFill>
+                          <a:srgbClr val="0070C0"/>
+                        </a:solidFill>
+                        <a:effectLst/>
+                        <a:latin typeface="Tahoma" panose="020B0604030504040204" pitchFamily="34" charset="0"/>
+                        <a:ea typeface="Tahoma" panose="020B0604030504040204" pitchFamily="34" charset="0"/>
+                        <a:cs typeface="Tahoma" panose="020B0604030504040204" pitchFamily="34" charset="0"/>
+                      </a:endParaRPr>
+                    </a:p>
+                  </a:txBody>
+                  <a:tcPr marL="7620" marR="7620" marT="7620" marB="0" anchor="b"/>
+                </a:tc>
+              </a:tr>
+              <a:tr h="539996">
+                <a:tc>
+                  <a:txBody>
+                    <a:bodyPr/>
+                    <a:lstStyle/>
+                    <a:p>
+                      <a:pPr algn="l" rtl="0" fontAlgn="b"/>
+                      <a:r>
+                        <a:rPr lang="en-US" sz="1800" b="1" u="none" strike="noStrike" kern="1200">
+                          <a:solidFill>
+                            <a:srgbClr val="0070C0"/>
+                          </a:solidFill>
+                          <a:effectLst/>
+                          <a:latin typeface="Tahoma" panose="020B0604030504040204" pitchFamily="34" charset="0"/>
+                          <a:ea typeface="Tahoma" panose="020B0604030504040204" pitchFamily="34" charset="0"/>
+                          <a:cs typeface="Tahoma" panose="020B0604030504040204" pitchFamily="34" charset="0"/>
+                        </a:rPr>
+                        <a:t>Uptown Funk - Mark Ronson Feat Bruno Mars</a:t>
+                      </a:r>
+                    </a:p>
+                  </a:txBody>
+                  <a:tcPr marL="7620" marR="7620" marT="7620" marB="0" anchor="b"/>
+                </a:tc>
+                <a:tc>
+                  <a:txBody>
+                    <a:bodyPr/>
+                    <a:lstStyle/>
+                    <a:p>
+                      <a:pPr algn="l" rtl="0" fontAlgn="b"/>
+                      <a:r>
+                        <a:rPr lang="en-US" sz="1800" b="1" i="0" u="none" strike="noStrike" dirty="0" smtClean="0">
+                          <a:solidFill>
+                            <a:srgbClr val="0070C0"/>
+                          </a:solidFill>
+                          <a:effectLst/>
+                          <a:latin typeface="Tahoma" panose="020B0604030504040204" pitchFamily="34" charset="0"/>
+                          <a:ea typeface="Tahoma" panose="020B0604030504040204" pitchFamily="34" charset="0"/>
+                          <a:cs typeface="Tahoma" panose="020B0604030504040204" pitchFamily="34" charset="0"/>
+                        </a:rPr>
+                        <a:t>2</a:t>
+                      </a:r>
+                      <a:endParaRPr lang="en-US" sz="1800" b="1" i="0" u="none" strike="noStrike" dirty="0">
+                        <a:solidFill>
+                          <a:srgbClr val="0070C0"/>
+                        </a:solidFill>
+                        <a:effectLst/>
+                        <a:latin typeface="Tahoma" panose="020B0604030504040204" pitchFamily="34" charset="0"/>
+                        <a:ea typeface="Tahoma" panose="020B0604030504040204" pitchFamily="34" charset="0"/>
+                        <a:cs typeface="Tahoma" panose="020B0604030504040204" pitchFamily="34" charset="0"/>
+                      </a:endParaRPr>
+                    </a:p>
+                  </a:txBody>
+                  <a:tcPr marL="7620" marR="7620" marT="7620" marB="0" anchor="b"/>
+                </a:tc>
+              </a:tr>
+              <a:tr h="539996">
+                <a:tc>
+                  <a:txBody>
+                    <a:bodyPr/>
+                    <a:lstStyle/>
+                    <a:p>
+                      <a:pPr algn="l" rtl="0" fontAlgn="b"/>
+                      <a:r>
+                        <a:rPr lang="en-US" sz="1800" b="1" u="none" strike="noStrike" kern="1200" dirty="0">
+                          <a:solidFill>
+                            <a:srgbClr val="0070C0"/>
+                          </a:solidFill>
+                          <a:effectLst/>
+                          <a:latin typeface="Tahoma" panose="020B0604030504040204" pitchFamily="34" charset="0"/>
+                          <a:ea typeface="Tahoma" panose="020B0604030504040204" pitchFamily="34" charset="0"/>
+                          <a:cs typeface="Tahoma" panose="020B0604030504040204" pitchFamily="34" charset="0"/>
+                        </a:rPr>
+                        <a:t>Play </a:t>
+                      </a:r>
+                      <a:r>
+                        <a:rPr lang="en-US" sz="1800" b="1" u="none" strike="noStrike" kern="1200" dirty="0" smtClean="0">
+                          <a:solidFill>
+                            <a:srgbClr val="0070C0"/>
+                          </a:solidFill>
+                          <a:effectLst/>
+                          <a:latin typeface="Tahoma" panose="020B0604030504040204" pitchFamily="34" charset="0"/>
+                          <a:ea typeface="Tahoma" panose="020B0604030504040204" pitchFamily="34" charset="0"/>
+                          <a:cs typeface="Tahoma" panose="020B0604030504040204" pitchFamily="34" charset="0"/>
+                        </a:rPr>
+                        <a:t>Hard - </a:t>
+                      </a:r>
+                      <a:r>
+                        <a:rPr lang="en-US" sz="1800" b="1" u="none" strike="noStrike" kern="1200" dirty="0">
+                          <a:solidFill>
+                            <a:srgbClr val="0070C0"/>
+                          </a:solidFill>
+                          <a:effectLst/>
+                          <a:latin typeface="Tahoma" panose="020B0604030504040204" pitchFamily="34" charset="0"/>
+                          <a:ea typeface="Tahoma" panose="020B0604030504040204" pitchFamily="34" charset="0"/>
+                          <a:cs typeface="Tahoma" panose="020B0604030504040204" pitchFamily="34" charset="0"/>
+                        </a:rPr>
+                        <a:t>David Guetta Ft. Ne-</a:t>
+                      </a:r>
+                      <a:r>
+                        <a:rPr lang="en-US" sz="1800" b="1" u="none" strike="noStrike" kern="1200" dirty="0" err="1">
+                          <a:solidFill>
+                            <a:srgbClr val="0070C0"/>
+                          </a:solidFill>
+                          <a:effectLst/>
+                          <a:latin typeface="Tahoma" panose="020B0604030504040204" pitchFamily="34" charset="0"/>
+                          <a:ea typeface="Tahoma" panose="020B0604030504040204" pitchFamily="34" charset="0"/>
+                          <a:cs typeface="Tahoma" panose="020B0604030504040204" pitchFamily="34" charset="0"/>
+                        </a:rPr>
+                        <a:t>Yo</a:t>
+                      </a:r>
+                      <a:r>
+                        <a:rPr lang="en-US" sz="1800" b="1" u="none" strike="noStrike" kern="1200" dirty="0">
+                          <a:solidFill>
+                            <a:srgbClr val="0070C0"/>
+                          </a:solidFill>
+                          <a:effectLst/>
+                          <a:latin typeface="Tahoma" panose="020B0604030504040204" pitchFamily="34" charset="0"/>
+                          <a:ea typeface="Tahoma" panose="020B0604030504040204" pitchFamily="34" charset="0"/>
+                          <a:cs typeface="Tahoma" panose="020B0604030504040204" pitchFamily="34" charset="0"/>
+                        </a:rPr>
+                        <a:t> &amp; Akon</a:t>
+                      </a:r>
+                    </a:p>
+                  </a:txBody>
+                  <a:tcPr marL="7620" marR="7620" marT="7620" marB="0" anchor="b"/>
+                </a:tc>
+                <a:tc>
+                  <a:txBody>
+                    <a:bodyPr/>
+                    <a:lstStyle/>
+                    <a:p>
+                      <a:pPr algn="l" rtl="0" fontAlgn="b"/>
+                      <a:r>
+                        <a:rPr lang="en-US" sz="1800" b="1" i="0" u="none" strike="noStrike" dirty="0" smtClean="0">
+                          <a:solidFill>
+                            <a:srgbClr val="0070C0"/>
+                          </a:solidFill>
+                          <a:effectLst/>
+                          <a:latin typeface="Tahoma" panose="020B0604030504040204" pitchFamily="34" charset="0"/>
+                          <a:ea typeface="Tahoma" panose="020B0604030504040204" pitchFamily="34" charset="0"/>
+                          <a:cs typeface="Tahoma" panose="020B0604030504040204" pitchFamily="34" charset="0"/>
+                        </a:rPr>
+                        <a:t>3</a:t>
+                      </a:r>
+                      <a:endParaRPr lang="en-US" sz="1800" b="1" i="0" u="none" strike="noStrike" dirty="0">
+                        <a:solidFill>
+                          <a:srgbClr val="0070C0"/>
+                        </a:solidFill>
+                        <a:effectLst/>
+                        <a:latin typeface="Tahoma" panose="020B0604030504040204" pitchFamily="34" charset="0"/>
+                        <a:ea typeface="Tahoma" panose="020B0604030504040204" pitchFamily="34" charset="0"/>
+                        <a:cs typeface="Tahoma" panose="020B0604030504040204" pitchFamily="34" charset="0"/>
+                      </a:endParaRPr>
+                    </a:p>
+                  </a:txBody>
+                  <a:tcPr marL="7620" marR="7620" marT="7620" marB="0" anchor="b"/>
+                </a:tc>
+              </a:tr>
+              <a:tr h="550378">
+                <a:tc>
+                  <a:txBody>
+                    <a:bodyPr/>
+                    <a:lstStyle/>
+                    <a:p>
+                      <a:pPr algn="l" rtl="0" fontAlgn="b"/>
+                      <a:r>
+                        <a:rPr lang="en-US" sz="1800" b="1" u="none" strike="noStrike" kern="1200" dirty="0">
+                          <a:solidFill>
+                            <a:srgbClr val="0070C0"/>
+                          </a:solidFill>
+                          <a:effectLst/>
+                          <a:latin typeface="Tahoma" panose="020B0604030504040204" pitchFamily="34" charset="0"/>
+                          <a:ea typeface="Tahoma" panose="020B0604030504040204" pitchFamily="34" charset="0"/>
+                          <a:cs typeface="Tahoma" panose="020B0604030504040204" pitchFamily="34" charset="0"/>
+                        </a:rPr>
+                        <a:t>Shot Me Down </a:t>
+                      </a:r>
+                      <a:r>
+                        <a:rPr lang="en-US" sz="1800" b="1" u="none" strike="noStrike" kern="1200" dirty="0" smtClean="0">
+                          <a:solidFill>
+                            <a:srgbClr val="0070C0"/>
+                          </a:solidFill>
+                          <a:effectLst/>
+                          <a:latin typeface="Tahoma" panose="020B0604030504040204" pitchFamily="34" charset="0"/>
+                          <a:ea typeface="Tahoma" panose="020B0604030504040204" pitchFamily="34" charset="0"/>
+                          <a:cs typeface="Tahoma" panose="020B0604030504040204" pitchFamily="34" charset="0"/>
+                        </a:rPr>
+                        <a:t>- </a:t>
+                      </a:r>
+                      <a:r>
+                        <a:rPr lang="en-US" sz="1800" b="1" u="none" strike="noStrike" kern="1200" dirty="0">
+                          <a:solidFill>
+                            <a:srgbClr val="0070C0"/>
+                          </a:solidFill>
+                          <a:effectLst/>
+                          <a:latin typeface="Tahoma" panose="020B0604030504040204" pitchFamily="34" charset="0"/>
+                          <a:ea typeface="Tahoma" panose="020B0604030504040204" pitchFamily="34" charset="0"/>
+                          <a:cs typeface="Tahoma" panose="020B0604030504040204" pitchFamily="34" charset="0"/>
+                        </a:rPr>
+                        <a:t>David Guetta Feat. Skylar Grey</a:t>
+                      </a:r>
+                    </a:p>
+                  </a:txBody>
+                  <a:tcPr marL="7620" marR="7620" marT="7620" marB="0" anchor="b"/>
+                </a:tc>
+                <a:tc>
+                  <a:txBody>
+                    <a:bodyPr/>
+                    <a:lstStyle/>
+                    <a:p>
+                      <a:pPr algn="l" rtl="0" fontAlgn="b"/>
+                      <a:r>
+                        <a:rPr lang="es-ES" sz="1800" b="1" i="0" u="none" strike="noStrike" dirty="0" smtClean="0">
+                          <a:solidFill>
+                            <a:srgbClr val="0070C0"/>
+                          </a:solidFill>
+                          <a:effectLst/>
+                          <a:latin typeface="Tahoma" panose="020B0604030504040204" pitchFamily="34" charset="0"/>
+                          <a:ea typeface="Tahoma" panose="020B0604030504040204" pitchFamily="34" charset="0"/>
+                          <a:cs typeface="Tahoma" panose="020B0604030504040204" pitchFamily="34" charset="0"/>
+                        </a:rPr>
+                        <a:t>4</a:t>
+                      </a:r>
+                      <a:endParaRPr lang="es-ES" sz="1800" b="1" i="0" u="none" strike="noStrike" dirty="0">
+                        <a:solidFill>
+                          <a:srgbClr val="0070C0"/>
+                        </a:solidFill>
+                        <a:effectLst/>
+                        <a:latin typeface="Tahoma" panose="020B0604030504040204" pitchFamily="34" charset="0"/>
+                        <a:ea typeface="Tahoma" panose="020B0604030504040204" pitchFamily="34" charset="0"/>
+                        <a:cs typeface="Tahoma" panose="020B0604030504040204" pitchFamily="34" charset="0"/>
+                      </a:endParaRPr>
+                    </a:p>
+                  </a:txBody>
+                  <a:tcPr marL="7620" marR="7620" marT="7620" marB="0" anchor="b"/>
+                </a:tc>
+              </a:tr>
+              <a:tr h="550378">
+                <a:tc>
+                  <a:txBody>
+                    <a:bodyPr/>
+                    <a:lstStyle/>
+                    <a:p>
+                      <a:pPr algn="l" rtl="0" fontAlgn="b"/>
+                      <a:r>
+                        <a:rPr lang="en-US" sz="1800" b="1" u="none" strike="noStrike" kern="1200" dirty="0">
+                          <a:solidFill>
+                            <a:srgbClr val="0070C0"/>
+                          </a:solidFill>
+                          <a:effectLst/>
+                          <a:latin typeface="Tahoma" panose="020B0604030504040204" pitchFamily="34" charset="0"/>
+                          <a:ea typeface="Tahoma" panose="020B0604030504040204" pitchFamily="34" charset="0"/>
+                          <a:cs typeface="Tahoma" panose="020B0604030504040204" pitchFamily="34" charset="0"/>
+                        </a:rPr>
+                        <a:t>Bang My Head </a:t>
+                      </a:r>
+                      <a:r>
+                        <a:rPr lang="en-US" sz="1800" b="1" u="none" strike="noStrike" kern="1200" dirty="0" smtClean="0">
+                          <a:solidFill>
+                            <a:srgbClr val="0070C0"/>
+                          </a:solidFill>
+                          <a:effectLst/>
+                          <a:latin typeface="Tahoma" panose="020B0604030504040204" pitchFamily="34" charset="0"/>
+                          <a:ea typeface="Tahoma" panose="020B0604030504040204" pitchFamily="34" charset="0"/>
+                          <a:cs typeface="Tahoma" panose="020B0604030504040204" pitchFamily="34" charset="0"/>
+                        </a:rPr>
+                        <a:t>- </a:t>
+                      </a:r>
+                      <a:r>
+                        <a:rPr lang="en-US" sz="1800" b="1" u="none" strike="noStrike" kern="1200" dirty="0">
+                          <a:solidFill>
+                            <a:srgbClr val="0070C0"/>
+                          </a:solidFill>
+                          <a:effectLst/>
+                          <a:latin typeface="Tahoma" panose="020B0604030504040204" pitchFamily="34" charset="0"/>
+                          <a:ea typeface="Tahoma" panose="020B0604030504040204" pitchFamily="34" charset="0"/>
+                          <a:cs typeface="Tahoma" panose="020B0604030504040204" pitchFamily="34" charset="0"/>
+                        </a:rPr>
+                        <a:t>David Guetta, </a:t>
+                      </a:r>
+                      <a:r>
+                        <a:rPr lang="en-US" sz="1800" b="1" u="none" strike="noStrike" kern="1200" dirty="0" err="1">
+                          <a:solidFill>
+                            <a:srgbClr val="0070C0"/>
+                          </a:solidFill>
+                          <a:effectLst/>
+                          <a:latin typeface="Tahoma" panose="020B0604030504040204" pitchFamily="34" charset="0"/>
+                          <a:ea typeface="Tahoma" panose="020B0604030504040204" pitchFamily="34" charset="0"/>
+                          <a:cs typeface="Tahoma" panose="020B0604030504040204" pitchFamily="34" charset="0"/>
+                        </a:rPr>
+                        <a:t>Sia</a:t>
+                      </a:r>
+                      <a:endParaRPr lang="en-US" sz="1800" b="1" u="none" strike="noStrike" kern="1200" dirty="0">
+                        <a:solidFill>
+                          <a:srgbClr val="0070C0"/>
+                        </a:solidFill>
+                        <a:effectLst/>
+                        <a:latin typeface="Tahoma" panose="020B0604030504040204" pitchFamily="34" charset="0"/>
+                        <a:ea typeface="Tahoma" panose="020B0604030504040204" pitchFamily="34" charset="0"/>
+                        <a:cs typeface="Tahoma" panose="020B0604030504040204" pitchFamily="34" charset="0"/>
+                      </a:endParaRPr>
+                    </a:p>
+                  </a:txBody>
+                  <a:tcPr marL="7620" marR="7620" marT="7620" marB="0" anchor="b"/>
+                </a:tc>
+                <a:tc>
+                  <a:txBody>
+                    <a:bodyPr/>
+                    <a:lstStyle/>
+                    <a:p>
+                      <a:pPr algn="l" rtl="0" fontAlgn="b"/>
+                      <a:r>
+                        <a:rPr lang="en-US" sz="1800" b="1" i="0" u="none" strike="noStrike" dirty="0" smtClean="0">
+                          <a:solidFill>
+                            <a:srgbClr val="0070C0"/>
+                          </a:solidFill>
+                          <a:effectLst/>
+                          <a:latin typeface="Tahoma" panose="020B0604030504040204" pitchFamily="34" charset="0"/>
+                          <a:ea typeface="Tahoma" panose="020B0604030504040204" pitchFamily="34" charset="0"/>
+                          <a:cs typeface="Tahoma" panose="020B0604030504040204" pitchFamily="34" charset="0"/>
+                        </a:rPr>
+                        <a:t>5</a:t>
+                      </a:r>
+                      <a:endParaRPr lang="en-US" sz="1800" b="1" i="0" u="none" strike="noStrike" dirty="0">
+                        <a:solidFill>
+                          <a:srgbClr val="0070C0"/>
+                        </a:solidFill>
+                        <a:effectLst/>
+                        <a:latin typeface="Tahoma" panose="020B0604030504040204" pitchFamily="34" charset="0"/>
+                        <a:ea typeface="Tahoma" panose="020B0604030504040204" pitchFamily="34" charset="0"/>
+                        <a:cs typeface="Tahoma" panose="020B0604030504040204" pitchFamily="34" charset="0"/>
+                      </a:endParaRPr>
+                    </a:p>
+                  </a:txBody>
+                  <a:tcPr marL="7620" marR="7620" marT="7620" marB="0" anchor="b"/>
+                </a:tc>
+              </a:tr>
+              <a:tr h="539996">
+                <a:tc>
+                  <a:txBody>
+                    <a:bodyPr/>
+                    <a:lstStyle/>
+                    <a:p>
+                      <a:pPr algn="l" rtl="0" fontAlgn="b"/>
+                      <a:r>
+                        <a:rPr lang="en-US" sz="1800" b="1" u="none" strike="noStrike" kern="1200" dirty="0">
+                          <a:solidFill>
+                            <a:srgbClr val="0070C0"/>
+                          </a:solidFill>
+                          <a:effectLst/>
+                          <a:latin typeface="Tahoma" panose="020B0604030504040204" pitchFamily="34" charset="0"/>
+                          <a:ea typeface="Tahoma" panose="020B0604030504040204" pitchFamily="34" charset="0"/>
+                          <a:cs typeface="Tahoma" panose="020B0604030504040204" pitchFamily="34" charset="0"/>
+                        </a:rPr>
+                        <a:t>John Legend - All Of Me (</a:t>
+                      </a:r>
+                      <a:r>
+                        <a:rPr lang="en-US" sz="1800" b="1" u="none" strike="noStrike" kern="1200" dirty="0" err="1">
+                          <a:solidFill>
+                            <a:srgbClr val="0070C0"/>
+                          </a:solidFill>
+                          <a:effectLst/>
+                          <a:latin typeface="Tahoma" panose="020B0604030504040204" pitchFamily="34" charset="0"/>
+                          <a:ea typeface="Tahoma" panose="020B0604030504040204" pitchFamily="34" charset="0"/>
+                          <a:cs typeface="Tahoma" panose="020B0604030504040204" pitchFamily="34" charset="0"/>
+                        </a:rPr>
+                        <a:t>Tiesto</a:t>
+                      </a:r>
+                      <a:r>
+                        <a:rPr lang="en-US" sz="1800" b="1" u="none" strike="noStrike" kern="1200" dirty="0">
+                          <a:solidFill>
+                            <a:srgbClr val="0070C0"/>
+                          </a:solidFill>
+                          <a:effectLst/>
+                          <a:latin typeface="Tahoma" panose="020B0604030504040204" pitchFamily="34" charset="0"/>
+                          <a:ea typeface="Tahoma" panose="020B0604030504040204" pitchFamily="34" charset="0"/>
+                          <a:cs typeface="Tahoma" panose="020B0604030504040204" pitchFamily="34" charset="0"/>
+                        </a:rPr>
+                        <a:t> Electro Boost</a:t>
+                      </a:r>
+                      <a:r>
+                        <a:rPr lang="en-US" sz="1800" b="1" u="none" strike="noStrike" kern="1200" dirty="0" smtClean="0">
+                          <a:solidFill>
+                            <a:srgbClr val="0070C0"/>
+                          </a:solidFill>
+                          <a:effectLst/>
+                          <a:latin typeface="Tahoma" panose="020B0604030504040204" pitchFamily="34" charset="0"/>
+                          <a:ea typeface="Tahoma" panose="020B0604030504040204" pitchFamily="34" charset="0"/>
+                          <a:cs typeface="Tahoma" panose="020B0604030504040204" pitchFamily="34" charset="0"/>
+                        </a:rPr>
+                        <a:t>)</a:t>
+                      </a:r>
+                      <a:endParaRPr lang="en-US" sz="1800" b="1" u="none" strike="noStrike" kern="1200" dirty="0">
+                        <a:solidFill>
+                          <a:srgbClr val="0070C0"/>
+                        </a:solidFill>
+                        <a:effectLst/>
+                        <a:latin typeface="Tahoma" panose="020B0604030504040204" pitchFamily="34" charset="0"/>
+                        <a:ea typeface="Tahoma" panose="020B0604030504040204" pitchFamily="34" charset="0"/>
+                        <a:cs typeface="Tahoma" panose="020B0604030504040204" pitchFamily="34" charset="0"/>
+                      </a:endParaRPr>
+                    </a:p>
+                  </a:txBody>
+                  <a:tcPr marL="7620" marR="7620" marT="7620" marB="0" anchor="b"/>
+                </a:tc>
+                <a:tc>
+                  <a:txBody>
+                    <a:bodyPr/>
+                    <a:lstStyle/>
+                    <a:p>
+                      <a:pPr algn="l" rtl="0" fontAlgn="b"/>
+                      <a:r>
+                        <a:rPr lang="en-US" sz="1800" b="1" i="0" u="none" strike="noStrike" dirty="0" smtClean="0">
+                          <a:solidFill>
+                            <a:srgbClr val="0070C0"/>
+                          </a:solidFill>
+                          <a:effectLst/>
+                          <a:latin typeface="Tahoma" panose="020B0604030504040204" pitchFamily="34" charset="0"/>
+                          <a:ea typeface="Tahoma" panose="020B0604030504040204" pitchFamily="34" charset="0"/>
+                          <a:cs typeface="Tahoma" panose="020B0604030504040204" pitchFamily="34" charset="0"/>
+                        </a:rPr>
+                        <a:t>6</a:t>
+                      </a:r>
+                      <a:endParaRPr lang="en-US" sz="1800" b="1" i="0" u="none" strike="noStrike" dirty="0">
+                        <a:solidFill>
+                          <a:srgbClr val="0070C0"/>
+                        </a:solidFill>
+                        <a:effectLst/>
+                        <a:latin typeface="Tahoma" panose="020B0604030504040204" pitchFamily="34" charset="0"/>
+                        <a:ea typeface="Tahoma" panose="020B0604030504040204" pitchFamily="34" charset="0"/>
+                        <a:cs typeface="Tahoma" panose="020B0604030504040204" pitchFamily="34" charset="0"/>
+                      </a:endParaRPr>
+                    </a:p>
+                  </a:txBody>
+                  <a:tcPr marL="7620" marR="7620" marT="7620" marB="0" anchor="b"/>
+                </a:tc>
+              </a:tr>
+              <a:tr h="255010">
+                <a:tc>
+                  <a:txBody>
+                    <a:bodyPr/>
+                    <a:lstStyle/>
+                    <a:p>
+                      <a:pPr algn="l" rtl="0" fontAlgn="b"/>
+                      <a:r>
+                        <a:rPr lang="en-US" sz="1800" b="1" u="none" strike="noStrike" kern="1200" dirty="0" err="1">
+                          <a:solidFill>
+                            <a:srgbClr val="0070C0"/>
+                          </a:solidFill>
+                          <a:effectLst/>
+                          <a:latin typeface="Tahoma" panose="020B0604030504040204" pitchFamily="34" charset="0"/>
+                          <a:ea typeface="Tahoma" panose="020B0604030504040204" pitchFamily="34" charset="0"/>
+                          <a:cs typeface="Tahoma" panose="020B0604030504040204" pitchFamily="34" charset="0"/>
+                        </a:rPr>
+                        <a:t>Ayy</a:t>
+                      </a:r>
+                      <a:r>
+                        <a:rPr lang="en-US" sz="1800" b="1" u="none" strike="noStrike" kern="1200" dirty="0">
+                          <a:solidFill>
+                            <a:srgbClr val="0070C0"/>
+                          </a:solidFill>
+                          <a:effectLst/>
+                          <a:latin typeface="Tahoma" panose="020B0604030504040204" pitchFamily="34" charset="0"/>
+                          <a:ea typeface="Tahoma" panose="020B0604030504040204" pitchFamily="34" charset="0"/>
+                          <a:cs typeface="Tahoma" panose="020B0604030504040204" pitchFamily="34" charset="0"/>
+                        </a:rPr>
+                        <a:t> Ladies </a:t>
+                      </a:r>
+                      <a:r>
+                        <a:rPr lang="en-US" sz="1800" b="1" u="none" strike="noStrike" kern="1200" dirty="0" smtClean="0">
+                          <a:solidFill>
+                            <a:srgbClr val="0070C0"/>
+                          </a:solidFill>
+                          <a:effectLst/>
+                          <a:latin typeface="Tahoma" panose="020B0604030504040204" pitchFamily="34" charset="0"/>
+                          <a:ea typeface="Tahoma" panose="020B0604030504040204" pitchFamily="34" charset="0"/>
+                          <a:cs typeface="Tahoma" panose="020B0604030504040204" pitchFamily="34" charset="0"/>
+                        </a:rPr>
+                        <a:t>- </a:t>
+                      </a:r>
+                      <a:r>
+                        <a:rPr lang="en-US" sz="1800" b="1" u="none" strike="noStrike" kern="1200" dirty="0">
+                          <a:solidFill>
+                            <a:srgbClr val="0070C0"/>
+                          </a:solidFill>
+                          <a:effectLst/>
+                          <a:latin typeface="Tahoma" panose="020B0604030504040204" pitchFamily="34" charset="0"/>
+                          <a:ea typeface="Tahoma" panose="020B0604030504040204" pitchFamily="34" charset="0"/>
+                          <a:cs typeface="Tahoma" panose="020B0604030504040204" pitchFamily="34" charset="0"/>
+                        </a:rPr>
+                        <a:t>Travis Porter</a:t>
+                      </a:r>
+                    </a:p>
+                  </a:txBody>
+                  <a:tcPr marL="7620" marR="7620" marT="7620" marB="0" anchor="b"/>
+                </a:tc>
+                <a:tc>
+                  <a:txBody>
+                    <a:bodyPr/>
+                    <a:lstStyle/>
+                    <a:p>
+                      <a:pPr algn="l" rtl="0" fontAlgn="b"/>
+                      <a:r>
+                        <a:rPr lang="en-US" sz="1800" b="1" i="0" u="none" strike="noStrike" dirty="0" smtClean="0">
+                          <a:solidFill>
+                            <a:srgbClr val="0070C0"/>
+                          </a:solidFill>
+                          <a:effectLst/>
+                          <a:latin typeface="Tahoma" panose="020B0604030504040204" pitchFamily="34" charset="0"/>
+                          <a:ea typeface="Tahoma" panose="020B0604030504040204" pitchFamily="34" charset="0"/>
+                          <a:cs typeface="Tahoma" panose="020B0604030504040204" pitchFamily="34" charset="0"/>
+                        </a:rPr>
+                        <a:t>7</a:t>
+                      </a:r>
+                      <a:endParaRPr lang="en-US" sz="1800" b="1" i="0" u="none" strike="noStrike" dirty="0">
+                        <a:solidFill>
+                          <a:srgbClr val="0070C0"/>
+                        </a:solidFill>
+                        <a:effectLst/>
+                        <a:latin typeface="Tahoma" panose="020B0604030504040204" pitchFamily="34" charset="0"/>
+                        <a:ea typeface="Tahoma" panose="020B0604030504040204" pitchFamily="34" charset="0"/>
+                        <a:cs typeface="Tahoma" panose="020B0604030504040204" pitchFamily="34" charset="0"/>
+                      </a:endParaRPr>
+                    </a:p>
+                  </a:txBody>
+                  <a:tcPr marL="7620" marR="7620" marT="7620" marB="0" anchor="b"/>
+                </a:tc>
+              </a:tr>
+              <a:tr h="261102">
+                <a:tc>
+                  <a:txBody>
+                    <a:bodyPr/>
+                    <a:lstStyle/>
+                    <a:p>
+                      <a:pPr algn="l" rtl="0" fontAlgn="b"/>
+                      <a:r>
+                        <a:rPr lang="en-US" sz="1800" b="1" u="none" strike="noStrike" kern="1200" dirty="0">
+                          <a:solidFill>
+                            <a:srgbClr val="0070C0"/>
+                          </a:solidFill>
+                          <a:effectLst/>
+                          <a:latin typeface="Tahoma" panose="020B0604030504040204" pitchFamily="34" charset="0"/>
+                          <a:ea typeface="Tahoma" panose="020B0604030504040204" pitchFamily="34" charset="0"/>
+                          <a:cs typeface="Tahoma" panose="020B0604030504040204" pitchFamily="34" charset="0"/>
+                        </a:rPr>
+                        <a:t>Shirt Control </a:t>
+                      </a:r>
+                      <a:r>
+                        <a:rPr lang="en-US" sz="1800" b="1" u="none" strike="noStrike" kern="1200" dirty="0" smtClean="0">
+                          <a:solidFill>
+                            <a:srgbClr val="0070C0"/>
+                          </a:solidFill>
+                          <a:effectLst/>
+                          <a:latin typeface="Tahoma" panose="020B0604030504040204" pitchFamily="34" charset="0"/>
+                          <a:ea typeface="Tahoma" panose="020B0604030504040204" pitchFamily="34" charset="0"/>
+                          <a:cs typeface="Tahoma" panose="020B0604030504040204" pitchFamily="34" charset="0"/>
+                        </a:rPr>
+                        <a:t>- </a:t>
+                      </a:r>
+                      <a:r>
+                        <a:rPr lang="en-US" sz="1800" b="1" u="none" strike="noStrike" kern="1200" dirty="0">
+                          <a:solidFill>
+                            <a:srgbClr val="0070C0"/>
+                          </a:solidFill>
+                          <a:effectLst/>
+                          <a:latin typeface="Tahoma" panose="020B0604030504040204" pitchFamily="34" charset="0"/>
+                          <a:ea typeface="Tahoma" panose="020B0604030504040204" pitchFamily="34" charset="0"/>
+                          <a:cs typeface="Tahoma" panose="020B0604030504040204" pitchFamily="34" charset="0"/>
+                        </a:rPr>
+                        <a:t>T Pain VS </a:t>
+                      </a:r>
+                      <a:r>
+                        <a:rPr lang="en-US" sz="1800" b="1" u="none" strike="noStrike" kern="1200" dirty="0" err="1">
+                          <a:solidFill>
+                            <a:srgbClr val="0070C0"/>
+                          </a:solidFill>
+                          <a:effectLst/>
+                          <a:latin typeface="Tahoma" panose="020B0604030504040204" pitchFamily="34" charset="0"/>
+                          <a:ea typeface="Tahoma" panose="020B0604030504040204" pitchFamily="34" charset="0"/>
+                          <a:cs typeface="Tahoma" panose="020B0604030504040204" pitchFamily="34" charset="0"/>
+                        </a:rPr>
+                        <a:t>Mr</a:t>
+                      </a:r>
+                      <a:r>
+                        <a:rPr lang="en-US" sz="1800" b="1" u="none" strike="noStrike" kern="1200" dirty="0">
+                          <a:solidFill>
+                            <a:srgbClr val="0070C0"/>
+                          </a:solidFill>
+                          <a:effectLst/>
+                          <a:latin typeface="Tahoma" panose="020B0604030504040204" pitchFamily="34" charset="0"/>
+                          <a:ea typeface="Tahoma" panose="020B0604030504040204" pitchFamily="34" charset="0"/>
+                          <a:cs typeface="Tahoma" panose="020B0604030504040204" pitchFamily="34" charset="0"/>
+                        </a:rPr>
+                        <a:t> </a:t>
+                      </a:r>
+                      <a:r>
+                        <a:rPr lang="en-US" sz="1800" b="1" u="none" strike="noStrike" kern="1200" dirty="0" err="1" smtClean="0">
+                          <a:solidFill>
+                            <a:srgbClr val="0070C0"/>
+                          </a:solidFill>
+                          <a:effectLst/>
+                          <a:latin typeface="Tahoma" panose="020B0604030504040204" pitchFamily="34" charset="0"/>
+                          <a:ea typeface="Tahoma" panose="020B0604030504040204" pitchFamily="34" charset="0"/>
+                          <a:cs typeface="Tahoma" panose="020B0604030504040204" pitchFamily="34" charset="0"/>
+                        </a:rPr>
+                        <a:t>Carmack</a:t>
+                      </a:r>
+                      <a:endParaRPr lang="en-US" sz="1800" b="1" u="none" strike="noStrike" kern="1200" dirty="0" smtClean="0">
+                        <a:solidFill>
+                          <a:srgbClr val="0070C0"/>
+                        </a:solidFill>
+                        <a:effectLst/>
+                        <a:latin typeface="Tahoma" panose="020B0604030504040204" pitchFamily="34" charset="0"/>
+                        <a:ea typeface="Tahoma" panose="020B0604030504040204" pitchFamily="34" charset="0"/>
+                        <a:cs typeface="Tahoma" panose="020B0604030504040204" pitchFamily="34" charset="0"/>
+                      </a:endParaRPr>
+                    </a:p>
+                  </a:txBody>
+                  <a:tcPr marL="7620" marR="7620" marT="7620" marB="0" anchor="b"/>
+                </a:tc>
+                <a:tc>
+                  <a:txBody>
+                    <a:bodyPr/>
+                    <a:lstStyle/>
+                    <a:p>
+                      <a:pPr algn="l" rtl="0" fontAlgn="b"/>
+                      <a:r>
+                        <a:rPr lang="en-US" sz="1800" b="1" i="0" u="none" strike="noStrike" dirty="0" smtClean="0">
+                          <a:solidFill>
+                            <a:srgbClr val="0070C0"/>
+                          </a:solidFill>
+                          <a:effectLst/>
+                          <a:latin typeface="Tahoma" panose="020B0604030504040204" pitchFamily="34" charset="0"/>
+                          <a:ea typeface="Tahoma" panose="020B0604030504040204" pitchFamily="34" charset="0"/>
+                          <a:cs typeface="Tahoma" panose="020B0604030504040204" pitchFamily="34" charset="0"/>
+                        </a:rPr>
+                        <a:t>8</a:t>
+                      </a:r>
+                      <a:endParaRPr lang="en-US" sz="1800" b="1" i="0" u="none" strike="noStrike" dirty="0">
+                        <a:solidFill>
+                          <a:srgbClr val="0070C0"/>
+                        </a:solidFill>
+                        <a:effectLst/>
+                        <a:latin typeface="Tahoma" panose="020B0604030504040204" pitchFamily="34" charset="0"/>
+                        <a:ea typeface="Tahoma" panose="020B0604030504040204" pitchFamily="34" charset="0"/>
+                        <a:cs typeface="Tahoma" panose="020B0604030504040204" pitchFamily="34" charset="0"/>
+                      </a:endParaRPr>
+                    </a:p>
+                  </a:txBody>
+                  <a:tcPr marL="7620" marR="7620" marT="7620" marB="0" anchor="b"/>
+                </a:tc>
+              </a:tr>
+              <a:tr h="539996">
+                <a:tc>
+                  <a:txBody>
+                    <a:bodyPr/>
+                    <a:lstStyle/>
+                    <a:p>
+                      <a:pPr algn="l" rtl="0" fontAlgn="b"/>
+                      <a:r>
+                        <a:rPr lang="en-US" sz="1800" b="1" u="none" strike="noStrike" kern="1200" dirty="0" err="1">
+                          <a:solidFill>
+                            <a:srgbClr val="0070C0"/>
+                          </a:solidFill>
+                          <a:effectLst/>
+                          <a:latin typeface="Tahoma" panose="020B0604030504040204" pitchFamily="34" charset="0"/>
+                          <a:ea typeface="Tahoma" panose="020B0604030504040204" pitchFamily="34" charset="0"/>
+                          <a:cs typeface="Tahoma" panose="020B0604030504040204" pitchFamily="34" charset="0"/>
+                        </a:rPr>
+                        <a:t>Im</a:t>
+                      </a:r>
+                      <a:r>
+                        <a:rPr lang="en-US" sz="1800" b="1" u="none" strike="noStrike" kern="1200" dirty="0">
+                          <a:solidFill>
+                            <a:srgbClr val="0070C0"/>
+                          </a:solidFill>
+                          <a:effectLst/>
+                          <a:latin typeface="Tahoma" panose="020B0604030504040204" pitchFamily="34" charset="0"/>
+                          <a:ea typeface="Tahoma" panose="020B0604030504040204" pitchFamily="34" charset="0"/>
+                          <a:cs typeface="Tahoma" panose="020B0604030504040204" pitchFamily="34" charset="0"/>
+                        </a:rPr>
+                        <a:t> Into You </a:t>
+                      </a:r>
+                      <a:r>
+                        <a:rPr lang="en-US" sz="1800" b="1" u="none" strike="noStrike" kern="1200" dirty="0" smtClean="0">
+                          <a:solidFill>
+                            <a:srgbClr val="0070C0"/>
+                          </a:solidFill>
+                          <a:effectLst/>
+                          <a:latin typeface="Tahoma" panose="020B0604030504040204" pitchFamily="34" charset="0"/>
+                          <a:ea typeface="Tahoma" panose="020B0604030504040204" pitchFamily="34" charset="0"/>
+                          <a:cs typeface="Tahoma" panose="020B0604030504040204" pitchFamily="34" charset="0"/>
+                        </a:rPr>
+                        <a:t>- </a:t>
+                      </a:r>
+                      <a:r>
+                        <a:rPr lang="en-US" sz="1800" b="1" u="none" strike="noStrike" kern="1200" dirty="0">
+                          <a:solidFill>
+                            <a:srgbClr val="0070C0"/>
+                          </a:solidFill>
+                          <a:effectLst/>
+                          <a:latin typeface="Tahoma" panose="020B0604030504040204" pitchFamily="34" charset="0"/>
+                          <a:ea typeface="Tahoma" panose="020B0604030504040204" pitchFamily="34" charset="0"/>
+                          <a:cs typeface="Tahoma" panose="020B0604030504040204" pitchFamily="34" charset="0"/>
+                        </a:rPr>
+                        <a:t>Jennifer Lopez F Lil' Wayne</a:t>
+                      </a:r>
+                    </a:p>
+                  </a:txBody>
+                  <a:tcPr marL="7620" marR="7620" marT="7620" marB="0" anchor="b"/>
+                </a:tc>
+                <a:tc>
+                  <a:txBody>
+                    <a:bodyPr/>
+                    <a:lstStyle/>
+                    <a:p>
+                      <a:pPr algn="l" rtl="0" fontAlgn="b"/>
+                      <a:r>
+                        <a:rPr lang="en-US" sz="1800" b="1" i="0" u="none" strike="noStrike" dirty="0" smtClean="0">
+                          <a:solidFill>
+                            <a:srgbClr val="0070C0"/>
+                          </a:solidFill>
+                          <a:effectLst/>
+                          <a:latin typeface="Tahoma" panose="020B0604030504040204" pitchFamily="34" charset="0"/>
+                          <a:ea typeface="Tahoma" panose="020B0604030504040204" pitchFamily="34" charset="0"/>
+                          <a:cs typeface="Tahoma" panose="020B0604030504040204" pitchFamily="34" charset="0"/>
+                        </a:rPr>
+                        <a:t>9</a:t>
+                      </a:r>
+                      <a:endParaRPr lang="en-US" sz="1800" b="1" i="0" u="none" strike="noStrike" dirty="0">
+                        <a:solidFill>
+                          <a:srgbClr val="0070C0"/>
+                        </a:solidFill>
+                        <a:effectLst/>
+                        <a:latin typeface="Tahoma" panose="020B0604030504040204" pitchFamily="34" charset="0"/>
+                        <a:ea typeface="Tahoma" panose="020B0604030504040204" pitchFamily="34" charset="0"/>
+                        <a:cs typeface="Tahoma" panose="020B0604030504040204" pitchFamily="34" charset="0"/>
+                      </a:endParaRPr>
+                    </a:p>
+                  </a:txBody>
+                  <a:tcPr marL="7620" marR="7620" marT="7620" marB="0" anchor="b"/>
+                </a:tc>
+              </a:tr>
+              <a:tr h="539996">
+                <a:tc>
+                  <a:txBody>
+                    <a:bodyPr/>
+                    <a:lstStyle/>
+                    <a:p>
+                      <a:pPr algn="l" rtl="0" fontAlgn="b"/>
+                      <a:r>
+                        <a:rPr lang="en-US" sz="1800" b="1" u="none" strike="noStrike" kern="1200" dirty="0">
+                          <a:solidFill>
+                            <a:srgbClr val="0070C0"/>
+                          </a:solidFill>
+                          <a:effectLst/>
+                          <a:latin typeface="Tahoma" panose="020B0604030504040204" pitchFamily="34" charset="0"/>
+                          <a:ea typeface="Tahoma" panose="020B0604030504040204" pitchFamily="34" charset="0"/>
+                          <a:cs typeface="Tahoma" panose="020B0604030504040204" pitchFamily="34" charset="0"/>
+                        </a:rPr>
+                        <a:t>Birthday' </a:t>
+                      </a:r>
+                      <a:r>
+                        <a:rPr lang="en-US" sz="1800" b="1" u="none" strike="noStrike" kern="1200" dirty="0" smtClean="0">
+                          <a:solidFill>
+                            <a:srgbClr val="0070C0"/>
+                          </a:solidFill>
+                          <a:effectLst/>
+                          <a:latin typeface="Tahoma" panose="020B0604030504040204" pitchFamily="34" charset="0"/>
+                          <a:ea typeface="Tahoma" panose="020B0604030504040204" pitchFamily="34" charset="0"/>
+                          <a:cs typeface="Tahoma" panose="020B0604030504040204" pitchFamily="34" charset="0"/>
+                        </a:rPr>
+                        <a:t>- </a:t>
+                      </a:r>
+                      <a:r>
+                        <a:rPr lang="en-US" sz="1800" b="1" u="none" strike="noStrike" kern="1200" dirty="0" err="1">
+                          <a:solidFill>
+                            <a:srgbClr val="0070C0"/>
+                          </a:solidFill>
+                          <a:effectLst/>
+                          <a:latin typeface="Tahoma" panose="020B0604030504040204" pitchFamily="34" charset="0"/>
+                          <a:ea typeface="Tahoma" panose="020B0604030504040204" pitchFamily="34" charset="0"/>
+                          <a:cs typeface="Tahoma" panose="020B0604030504040204" pitchFamily="34" charset="0"/>
+                        </a:rPr>
+                        <a:t>Will.I.Am</a:t>
+                      </a:r>
+                      <a:r>
+                        <a:rPr lang="en-US" sz="1800" b="1" u="none" strike="noStrike" kern="1200" dirty="0">
+                          <a:solidFill>
+                            <a:srgbClr val="0070C0"/>
+                          </a:solidFill>
+                          <a:effectLst/>
+                          <a:latin typeface="Tahoma" panose="020B0604030504040204" pitchFamily="34" charset="0"/>
+                          <a:ea typeface="Tahoma" panose="020B0604030504040204" pitchFamily="34" charset="0"/>
+                          <a:cs typeface="Tahoma" panose="020B0604030504040204" pitchFamily="34" charset="0"/>
+                        </a:rPr>
+                        <a:t> Feat. Cody Wise</a:t>
+                      </a:r>
+                    </a:p>
+                  </a:txBody>
+                  <a:tcPr marL="7620" marR="7620" marT="7620" marB="0" anchor="b"/>
+                </a:tc>
+                <a:tc>
+                  <a:txBody>
+                    <a:bodyPr/>
+                    <a:lstStyle/>
+                    <a:p>
+                      <a:pPr algn="l" rtl="0" fontAlgn="b"/>
+                      <a:r>
+                        <a:rPr lang="en-US" sz="1800" b="1" i="0" u="none" strike="noStrike" dirty="0" smtClean="0">
+                          <a:solidFill>
+                            <a:srgbClr val="0070C0"/>
+                          </a:solidFill>
+                          <a:effectLst/>
+                          <a:latin typeface="Tahoma" panose="020B0604030504040204" pitchFamily="34" charset="0"/>
+                          <a:ea typeface="Tahoma" panose="020B0604030504040204" pitchFamily="34" charset="0"/>
+                          <a:cs typeface="Tahoma" panose="020B0604030504040204" pitchFamily="34" charset="0"/>
+                        </a:rPr>
+                        <a:t>10</a:t>
+                      </a:r>
+                      <a:endParaRPr lang="en-US" sz="1800" b="1" i="0" u="none" strike="noStrike" dirty="0">
+                        <a:solidFill>
+                          <a:srgbClr val="0070C0"/>
+                        </a:solidFill>
+                        <a:effectLst/>
+                        <a:latin typeface="Tahoma" panose="020B0604030504040204" pitchFamily="34" charset="0"/>
+                        <a:ea typeface="Tahoma" panose="020B0604030504040204" pitchFamily="34" charset="0"/>
+                        <a:cs typeface="Tahoma" panose="020B0604030504040204" pitchFamily="34" charset="0"/>
+                      </a:endParaRPr>
+                    </a:p>
+                  </a:txBody>
+                  <a:tcPr marL="7620" marR="7620" marT="7620" marB="0" anchor="b"/>
+                </a:tc>
+              </a:tr>
+              <a:tr h="539996">
+                <a:tc>
+                  <a:txBody>
+                    <a:bodyPr/>
+                    <a:lstStyle/>
+                    <a:p>
+                      <a:pPr algn="l" rtl="0" fontAlgn="b"/>
+                      <a:r>
+                        <a:rPr lang="en-US" sz="1800" b="1" u="none" strike="noStrike" kern="1200" dirty="0">
+                          <a:solidFill>
+                            <a:srgbClr val="0070C0"/>
+                          </a:solidFill>
+                          <a:effectLst/>
+                          <a:latin typeface="Tahoma" panose="020B0604030504040204" pitchFamily="34" charset="0"/>
+                          <a:ea typeface="Tahoma" panose="020B0604030504040204" pitchFamily="34" charset="0"/>
+                          <a:cs typeface="Tahoma" panose="020B0604030504040204" pitchFamily="34" charset="0"/>
+                        </a:rPr>
+                        <a:t>Twerk It Like Miley </a:t>
+                      </a:r>
+                      <a:r>
+                        <a:rPr lang="en-US" sz="1800" b="1" u="none" strike="noStrike" kern="1200" dirty="0" smtClean="0">
+                          <a:solidFill>
+                            <a:srgbClr val="0070C0"/>
+                          </a:solidFill>
+                          <a:effectLst/>
+                          <a:latin typeface="Tahoma" panose="020B0604030504040204" pitchFamily="34" charset="0"/>
+                          <a:ea typeface="Tahoma" panose="020B0604030504040204" pitchFamily="34" charset="0"/>
+                          <a:cs typeface="Tahoma" panose="020B0604030504040204" pitchFamily="34" charset="0"/>
+                        </a:rPr>
+                        <a:t>- </a:t>
+                      </a:r>
+                      <a:r>
+                        <a:rPr lang="en-US" sz="1800" b="1" u="none" strike="noStrike" kern="1200" dirty="0">
+                          <a:solidFill>
+                            <a:srgbClr val="0070C0"/>
+                          </a:solidFill>
+                          <a:effectLst/>
+                          <a:latin typeface="Tahoma" panose="020B0604030504040204" pitchFamily="34" charset="0"/>
+                          <a:ea typeface="Tahoma" panose="020B0604030504040204" pitchFamily="34" charset="0"/>
+                          <a:cs typeface="Tahoma" panose="020B0604030504040204" pitchFamily="34" charset="0"/>
+                        </a:rPr>
+                        <a:t>Brandon Beal ft. </a:t>
+                      </a:r>
+                      <a:r>
+                        <a:rPr lang="en-US" sz="1800" b="1" u="none" strike="noStrike" kern="1200" dirty="0" smtClean="0">
+                          <a:solidFill>
+                            <a:srgbClr val="0070C0"/>
+                          </a:solidFill>
+                          <a:effectLst/>
+                          <a:latin typeface="Tahoma" panose="020B0604030504040204" pitchFamily="34" charset="0"/>
+                          <a:ea typeface="Tahoma" panose="020B0604030504040204" pitchFamily="34" charset="0"/>
+                          <a:cs typeface="Tahoma" panose="020B0604030504040204" pitchFamily="34" charset="0"/>
+                        </a:rPr>
+                        <a:t>Christopher</a:t>
+                      </a:r>
+                      <a:endParaRPr lang="en-US" sz="1800" b="1" u="none" strike="noStrike" kern="1200" dirty="0">
+                        <a:solidFill>
+                          <a:srgbClr val="0070C0"/>
+                        </a:solidFill>
+                        <a:effectLst/>
+                        <a:latin typeface="Tahoma" panose="020B0604030504040204" pitchFamily="34" charset="0"/>
+                        <a:ea typeface="Tahoma" panose="020B0604030504040204" pitchFamily="34" charset="0"/>
+                        <a:cs typeface="Tahoma" panose="020B0604030504040204" pitchFamily="34" charset="0"/>
+                      </a:endParaRPr>
+                    </a:p>
+                  </a:txBody>
+                  <a:tcPr marL="7620" marR="7620" marT="7620" marB="0" anchor="b"/>
+                </a:tc>
+                <a:tc>
+                  <a:txBody>
+                    <a:bodyPr/>
+                    <a:lstStyle/>
+                    <a:p>
+                      <a:pPr algn="l" rtl="0" fontAlgn="b"/>
+                      <a:r>
+                        <a:rPr lang="en-US" sz="1800" b="1" i="0" u="none" strike="noStrike" dirty="0" smtClean="0">
+                          <a:solidFill>
+                            <a:srgbClr val="0070C0"/>
+                          </a:solidFill>
+                          <a:effectLst/>
+                          <a:latin typeface="Tahoma" panose="020B0604030504040204" pitchFamily="34" charset="0"/>
+                          <a:ea typeface="Tahoma" panose="020B0604030504040204" pitchFamily="34" charset="0"/>
+                          <a:cs typeface="Tahoma" panose="020B0604030504040204" pitchFamily="34" charset="0"/>
+                        </a:rPr>
+                        <a:t>11</a:t>
                       </a:r>
                       <a:endParaRPr lang="en-US" sz="1800" b="1" i="0" u="none" strike="noStrike" dirty="0">
                         <a:solidFill>
@@ -14173,16 +16429,19 @@
         </a:graphic>
       </p:graphicFrame>
     </p:spTree>
+    <p:custDataLst>
+      <p:tags r:id="rId1"/>
+    </p:custDataLst>
     <p:extLst>
       <p:ext uri="{BB962C8B-B14F-4D97-AF65-F5344CB8AC3E}">
-        <p14:creationId xmlns:p14="http://schemas.microsoft.com/office/powerpoint/2010/main" val="2377408959"/>
+        <p14:creationId xmlns:p14="http://schemas.microsoft.com/office/powerpoint/2010/main" val="1305007372"/>
       </p:ext>
     </p:extLst>
   </p:cSld>
   <p:clrMapOvr>
     <a:masterClrMapping/>
   </p:clrMapOvr>
-  <p:transition spd="slow"/>
+  <p:transition spd="slow" advTm="17828"/>
   <p:timing>
     <p:tnLst>
       <p:par>
@@ -14371,7 +16630,7 @@
 </p:sld>
 </file>
 
-<file path=ppt/slides/slide11.xml><?xml version="1.0" encoding="utf-8"?>
+<file path=ppt/slides/slide12.xml><?xml version="1.0" encoding="utf-8"?>
 <p:sld xmlns:a="http://schemas.openxmlformats.org/drawingml/2006/main" xmlns:r="http://schemas.openxmlformats.org/officeDocument/2006/relationships" xmlns:p="http://schemas.openxmlformats.org/presentationml/2006/main">
   <p:cSld>
     <p:spTree>
@@ -14630,7 +16889,7 @@
               <a:buNone/>
             </a:pPr>
             <a:r>
-              <a:rPr lang="en-US" altLang="en-US" sz="2800" b="1" dirty="0">
+              <a:rPr lang="en-US" altLang="en-US" sz="2800" b="1" dirty="0" smtClean="0">
                 <a:solidFill>
                   <a:srgbClr val="FFFFFF"/>
                 </a:solidFill>
@@ -14638,8 +16897,16 @@
                 <a:ea typeface="Tahoma" panose="020B0604030504040204" pitchFamily="34" charset="0"/>
                 <a:cs typeface="Tahoma" panose="020B0604030504040204" pitchFamily="34" charset="0"/>
               </a:rPr>
-              <a:t>Main Difficulties</a:t>
+              <a:t>Results</a:t>
             </a:r>
+            <a:endParaRPr lang="en-US" altLang="en-US" sz="2800" b="1" dirty="0">
+              <a:solidFill>
+                <a:srgbClr val="FFFFFF"/>
+              </a:solidFill>
+              <a:latin typeface="Tahoma" panose="020B0604030504040204" pitchFamily="34" charset="0"/>
+              <a:ea typeface="Tahoma" panose="020B0604030504040204" pitchFamily="34" charset="0"/>
+              <a:cs typeface="Tahoma" panose="020B0604030504040204" pitchFamily="34" charset="0"/>
+            </a:endParaRPr>
           </a:p>
         </p:txBody>
       </p:sp>
@@ -14844,347 +17111,1330 @@
       </p:pic>
       <p:sp>
         <p:nvSpPr>
-          <p:cNvPr id="20491" name="TextBox 29"/>
-          <p:cNvSpPr txBox="1">
-            <a:spLocks noChangeArrowheads="1"/>
-          </p:cNvSpPr>
+          <p:cNvPr id="3" name="Right Arrow 2"/>
+          <p:cNvSpPr/>
           <p:nvPr/>
         </p:nvSpPr>
-        <p:spPr bwMode="auto">
+        <p:spPr>
           <a:xfrm>
-            <a:off x="160518" y="1124744"/>
-            <a:ext cx="8461195" cy="3650230"/>
+            <a:off x="5436096" y="3133158"/>
+            <a:ext cx="1315020" cy="720080"/>
+          </a:xfrm>
+          <a:prstGeom prst="rightArrow">
+            <a:avLst/>
+          </a:prstGeom>
+        </p:spPr>
+        <p:style>
+          <a:lnRef idx="2">
+            <a:schemeClr val="accent1">
+              <a:shade val="50000"/>
+            </a:schemeClr>
+          </a:lnRef>
+          <a:fillRef idx="1">
+            <a:schemeClr val="accent1"/>
+          </a:fillRef>
+          <a:effectRef idx="0">
+            <a:schemeClr val="accent1"/>
+          </a:effectRef>
+          <a:fontRef idx="minor">
+            <a:schemeClr val="lt1"/>
+          </a:fontRef>
+        </p:style>
+        <p:txBody>
+          <a:bodyPr rtlCol="1" anchor="ctr"/>
+          <a:lstStyle/>
+          <a:p>
+            <a:pPr algn="ctr"/>
+            <a:endParaRPr lang="he-IL"/>
+          </a:p>
+        </p:txBody>
+      </p:sp>
+      <p:sp>
+        <p:nvSpPr>
+          <p:cNvPr id="4" name="TextBox 3"/>
+          <p:cNvSpPr txBox="1"/>
+          <p:nvPr/>
+        </p:nvSpPr>
+        <p:spPr>
+          <a:xfrm>
+            <a:off x="6826436" y="2982225"/>
+            <a:ext cx="2089961" cy="1200329"/>
           </a:xfrm>
           <a:prstGeom prst="rect">
             <a:avLst/>
           </a:prstGeom>
-          <a:noFill/>
-          <a:ln>
-            <a:noFill/>
-          </a:ln>
-          <a:extLst>
-            <a:ext uri="{909E8E84-426E-40DD-AFC4-6F175D3DCCD1}">
-              <a14:hiddenFill xmlns:a14="http://schemas.microsoft.com/office/drawing/2010/main">
-                <a:solidFill>
-                  <a:srgbClr val="FFFFFF"/>
-                </a:solidFill>
-              </a14:hiddenFill>
-            </a:ext>
-            <a:ext uri="{91240B29-F687-4F45-9708-019B960494DF}">
-              <a14:hiddenLine xmlns:a14="http://schemas.microsoft.com/office/drawing/2010/main" w="9525">
-                <a:solidFill>
-                  <a:srgbClr val="000000"/>
-                </a:solidFill>
-                <a:miter lim="800000"/>
-                <a:headEnd/>
-                <a:tailEnd/>
-              </a14:hiddenLine>
-            </a:ext>
-          </a:extLst>
+          <a:gradFill>
+            <a:gsLst>
+              <a:gs pos="0">
+                <a:schemeClr val="accent1">
+                  <a:lumMod val="5000"/>
+                  <a:lumOff val="95000"/>
+                </a:schemeClr>
+              </a:gs>
+              <a:gs pos="74000">
+                <a:schemeClr val="accent1">
+                  <a:lumMod val="45000"/>
+                  <a:lumOff val="55000"/>
+                </a:schemeClr>
+              </a:gs>
+              <a:gs pos="83000">
+                <a:schemeClr val="accent1">
+                  <a:lumMod val="45000"/>
+                  <a:lumOff val="55000"/>
+                </a:schemeClr>
+              </a:gs>
+              <a:gs pos="100000">
+                <a:schemeClr val="accent1">
+                  <a:lumMod val="30000"/>
+                  <a:lumOff val="70000"/>
+                </a:schemeClr>
+              </a:gs>
+            </a:gsLst>
+            <a:lin ang="5400000" scaled="1"/>
+          </a:gradFill>
         </p:spPr>
         <p:txBody>
-          <a:bodyPr wrap="square">
+          <a:bodyPr wrap="square" rtlCol="1">
             <a:spAutoFit/>
           </a:bodyPr>
-          <a:lstStyle>
-            <a:lvl1pPr marL="287338" indent="-287338" algn="l" rtl="0" eaLnBrk="0" hangingPunct="0">
-              <a:defRPr>
-                <a:solidFill>
-                  <a:schemeClr val="tx1"/>
-                </a:solidFill>
-                <a:latin typeface="Calibri" panose="020F0502020204030204" pitchFamily="34" charset="0"/>
-                <a:cs typeface="Arial" panose="020B0604020202020204" pitchFamily="34" charset="0"/>
-              </a:defRPr>
-            </a:lvl1pPr>
-            <a:lvl2pPr marL="742950" indent="-285750" algn="l" rtl="0" eaLnBrk="0" hangingPunct="0">
-              <a:defRPr>
-                <a:solidFill>
-                  <a:schemeClr val="tx1"/>
-                </a:solidFill>
-                <a:latin typeface="Calibri" panose="020F0502020204030204" pitchFamily="34" charset="0"/>
-                <a:cs typeface="Arial" panose="020B0604020202020204" pitchFamily="34" charset="0"/>
-              </a:defRPr>
-            </a:lvl2pPr>
-            <a:lvl3pPr marL="1143000" indent="-228600" algn="l" rtl="0" eaLnBrk="0" hangingPunct="0">
-              <a:defRPr>
-                <a:solidFill>
-                  <a:schemeClr val="tx1"/>
-                </a:solidFill>
-                <a:latin typeface="Calibri" panose="020F0502020204030204" pitchFamily="34" charset="0"/>
-                <a:cs typeface="Arial" panose="020B0604020202020204" pitchFamily="34" charset="0"/>
-              </a:defRPr>
-            </a:lvl3pPr>
-            <a:lvl4pPr marL="1600200" indent="-228600" algn="l" rtl="0" eaLnBrk="0" hangingPunct="0">
-              <a:defRPr>
-                <a:solidFill>
-                  <a:schemeClr val="tx1"/>
-                </a:solidFill>
-                <a:latin typeface="Calibri" panose="020F0502020204030204" pitchFamily="34" charset="0"/>
-                <a:cs typeface="Arial" panose="020B0604020202020204" pitchFamily="34" charset="0"/>
-              </a:defRPr>
-            </a:lvl4pPr>
-            <a:lvl5pPr marL="2057400" indent="-228600" algn="l" rtl="0" eaLnBrk="0" hangingPunct="0">
-              <a:defRPr>
-                <a:solidFill>
-                  <a:schemeClr val="tx1"/>
-                </a:solidFill>
-                <a:latin typeface="Calibri" panose="020F0502020204030204" pitchFamily="34" charset="0"/>
-                <a:cs typeface="Arial" panose="020B0604020202020204" pitchFamily="34" charset="0"/>
-              </a:defRPr>
-            </a:lvl5pPr>
-            <a:lvl6pPr marL="2514600" indent="-228600" algn="l" rtl="0" eaLnBrk="0" fontAlgn="base" hangingPunct="0">
-              <a:spcBef>
-                <a:spcPct val="0"/>
-              </a:spcBef>
-              <a:spcAft>
-                <a:spcPct val="0"/>
-              </a:spcAft>
-              <a:defRPr>
-                <a:solidFill>
-                  <a:schemeClr val="tx1"/>
-                </a:solidFill>
-                <a:latin typeface="Calibri" panose="020F0502020204030204" pitchFamily="34" charset="0"/>
-                <a:cs typeface="Arial" panose="020B0604020202020204" pitchFamily="34" charset="0"/>
-              </a:defRPr>
-            </a:lvl6pPr>
-            <a:lvl7pPr marL="2971800" indent="-228600" algn="l" rtl="0" eaLnBrk="0" fontAlgn="base" hangingPunct="0">
-              <a:spcBef>
-                <a:spcPct val="0"/>
-              </a:spcBef>
-              <a:spcAft>
-                <a:spcPct val="0"/>
-              </a:spcAft>
-              <a:defRPr>
-                <a:solidFill>
-                  <a:schemeClr val="tx1"/>
-                </a:solidFill>
-                <a:latin typeface="Calibri" panose="020F0502020204030204" pitchFamily="34" charset="0"/>
-                <a:cs typeface="Arial" panose="020B0604020202020204" pitchFamily="34" charset="0"/>
-              </a:defRPr>
-            </a:lvl7pPr>
-            <a:lvl8pPr marL="3429000" indent="-228600" algn="l" rtl="0" eaLnBrk="0" fontAlgn="base" hangingPunct="0">
-              <a:spcBef>
-                <a:spcPct val="0"/>
-              </a:spcBef>
-              <a:spcAft>
-                <a:spcPct val="0"/>
-              </a:spcAft>
-              <a:defRPr>
-                <a:solidFill>
-                  <a:schemeClr val="tx1"/>
-                </a:solidFill>
-                <a:latin typeface="Calibri" panose="020F0502020204030204" pitchFamily="34" charset="0"/>
-                <a:cs typeface="Arial" panose="020B0604020202020204" pitchFamily="34" charset="0"/>
-              </a:defRPr>
-            </a:lvl8pPr>
-            <a:lvl9pPr marL="3886200" indent="-228600" algn="l" rtl="0" eaLnBrk="0" fontAlgn="base" hangingPunct="0">
-              <a:spcBef>
-                <a:spcPct val="0"/>
-              </a:spcBef>
-              <a:spcAft>
-                <a:spcPct val="0"/>
-              </a:spcAft>
-              <a:defRPr>
-                <a:solidFill>
-                  <a:schemeClr val="tx1"/>
-                </a:solidFill>
-                <a:latin typeface="Calibri" panose="020F0502020204030204" pitchFamily="34" charset="0"/>
-                <a:cs typeface="Arial" panose="020B0604020202020204" pitchFamily="34" charset="0"/>
-              </a:defRPr>
-            </a:lvl9pPr>
-          </a:lstStyle>
-          <a:p>
-            <a:pPr>
-              <a:lnSpc>
-                <a:spcPct val="90000"/>
-              </a:lnSpc>
-              <a:spcBef>
-                <a:spcPts val="2400"/>
-              </a:spcBef>
-              <a:buClr>
-                <a:srgbClr val="E5BA05"/>
-              </a:buClr>
-              <a:buSzPct val="100000"/>
-              <a:buFont typeface="Wingdings 2" panose="05020102010507070707" pitchFamily="18" charset="2"/>
-              <a:buChar char=""/>
-            </a:pPr>
+          <a:lstStyle/>
+          <a:p>
+            <a:pPr algn="ctr" rtl="0"/>
             <a:r>
-              <a:rPr lang="en-US" altLang="he-IL" sz="2400" dirty="0" smtClean="0">
-                <a:solidFill>
-                  <a:srgbClr val="595959"/>
+              <a:rPr lang="en-US" b="1" dirty="0" err="1">
+                <a:solidFill>
+                  <a:schemeClr val="accent5">
+                    <a:lumMod val="75000"/>
+                  </a:schemeClr>
                 </a:solidFill>
                 <a:latin typeface="Tahoma" panose="020B0604030504040204" pitchFamily="34" charset="0"/>
                 <a:ea typeface="Tahoma" panose="020B0604030504040204" pitchFamily="34" charset="0"/>
                 <a:cs typeface="Tahoma" panose="020B0604030504040204" pitchFamily="34" charset="0"/>
               </a:rPr>
-              <a:t>Very </a:t>
+              <a:t>Hachi</a:t>
             </a:r>
             <a:r>
-              <a:rPr lang="en-US" altLang="he-IL" sz="2400" dirty="0">
-                <a:solidFill>
-                  <a:srgbClr val="595959"/>
+              <a:rPr lang="en-US" b="1" dirty="0">
+                <a:solidFill>
+                  <a:schemeClr val="accent5">
+                    <a:lumMod val="75000"/>
+                  </a:schemeClr>
                 </a:solidFill>
                 <a:latin typeface="Tahoma" panose="020B0604030504040204" pitchFamily="34" charset="0"/>
                 <a:ea typeface="Tahoma" panose="020B0604030504040204" pitchFamily="34" charset="0"/>
                 <a:cs typeface="Tahoma" panose="020B0604030504040204" pitchFamily="34" charset="0"/>
               </a:rPr>
-              <a:t>large music collection – </a:t>
+              <a:t> Israeli Remix </a:t>
             </a:r>
             <a:r>
-              <a:rPr lang="en-US" altLang="he-IL" sz="2400" dirty="0" smtClean="0">
-                <a:solidFill>
-                  <a:srgbClr val="595959"/>
+              <a:rPr lang="en-US" b="1" dirty="0" smtClean="0">
+                <a:solidFill>
+                  <a:schemeClr val="accent5">
+                    <a:lumMod val="75000"/>
+                  </a:schemeClr>
                 </a:solidFill>
                 <a:latin typeface="Tahoma" panose="020B0604030504040204" pitchFamily="34" charset="0"/>
                 <a:ea typeface="Tahoma" panose="020B0604030504040204" pitchFamily="34" charset="0"/>
                 <a:cs typeface="Tahoma" panose="020B0604030504040204" pitchFamily="34" charset="0"/>
               </a:rPr>
-              <a:t>contains some irrelevant songs</a:t>
+              <a:t>- </a:t>
             </a:r>
-            <a:endParaRPr lang="en-US" altLang="he-IL" sz="2400" dirty="0">
+            <a:r>
+              <a:rPr lang="en-US" b="1" dirty="0">
+                <a:solidFill>
+                  <a:schemeClr val="accent5">
+                    <a:lumMod val="75000"/>
+                  </a:schemeClr>
+                </a:solidFill>
+                <a:latin typeface="Tahoma" panose="020B0604030504040204" pitchFamily="34" charset="0"/>
+                <a:ea typeface="Tahoma" panose="020B0604030504040204" pitchFamily="34" charset="0"/>
+                <a:cs typeface="Tahoma" panose="020B0604030504040204" pitchFamily="34" charset="0"/>
+              </a:rPr>
+              <a:t>Gal Goren &amp; DJ Smiley</a:t>
+            </a:r>
+            <a:endParaRPr lang="en-US" b="1" dirty="0" smtClean="0">
               <a:solidFill>
-                <a:srgbClr val="595959"/>
+                <a:schemeClr val="accent5">
+                  <a:lumMod val="75000"/>
+                </a:schemeClr>
               </a:solidFill>
               <a:latin typeface="Tahoma" panose="020B0604030504040204" pitchFamily="34" charset="0"/>
               <a:ea typeface="Tahoma" panose="020B0604030504040204" pitchFamily="34" charset="0"/>
               <a:cs typeface="Tahoma" panose="020B0604030504040204" pitchFamily="34" charset="0"/>
             </a:endParaRPr>
           </a:p>
-          <a:p>
-            <a:pPr>
-              <a:lnSpc>
-                <a:spcPct val="90000"/>
-              </a:lnSpc>
-              <a:spcBef>
-                <a:spcPts val="2400"/>
-              </a:spcBef>
-              <a:buClr>
-                <a:srgbClr val="E5BA05"/>
-              </a:buClr>
-              <a:buSzPct val="100000"/>
-              <a:buFont typeface="Wingdings 2" panose="05020102010507070707" pitchFamily="18" charset="2"/>
-              <a:buChar char=""/>
-            </a:pPr>
-            <a:r>
-              <a:rPr lang="en-US" altLang="he-IL" sz="2400" dirty="0">
-                <a:solidFill>
-                  <a:srgbClr val="595959"/>
-                </a:solidFill>
-                <a:latin typeface="Tahoma" panose="020B0604030504040204" pitchFamily="34" charset="0"/>
-                <a:ea typeface="Tahoma" panose="020B0604030504040204" pitchFamily="34" charset="0"/>
-                <a:cs typeface="Tahoma" panose="020B0604030504040204" pitchFamily="34" charset="0"/>
-              </a:rPr>
-              <a:t>Testing the algorithm</a:t>
-            </a:r>
-          </a:p>
-          <a:p>
-            <a:pPr>
-              <a:lnSpc>
-                <a:spcPct val="90000"/>
-              </a:lnSpc>
-              <a:spcBef>
-                <a:spcPts val="2400"/>
-              </a:spcBef>
-              <a:buClr>
-                <a:srgbClr val="E5BA05"/>
-              </a:buClr>
-              <a:buSzPct val="100000"/>
-              <a:buFont typeface="Wingdings 2" panose="05020102010507070707" pitchFamily="18" charset="2"/>
-              <a:buChar char=""/>
-            </a:pPr>
-            <a:r>
-              <a:rPr lang="en-US" altLang="he-IL" sz="2400" dirty="0">
-                <a:solidFill>
-                  <a:srgbClr val="595959"/>
-                </a:solidFill>
-                <a:latin typeface="Tahoma" panose="020B0604030504040204" pitchFamily="34" charset="0"/>
-                <a:ea typeface="Tahoma" panose="020B0604030504040204" pitchFamily="34" charset="0"/>
-                <a:cs typeface="Tahoma" panose="020B0604030504040204" pitchFamily="34" charset="0"/>
-              </a:rPr>
-              <a:t>Songs with missing </a:t>
-            </a:r>
-            <a:r>
-              <a:rPr lang="en-US" altLang="he-IL" sz="2400" dirty="0" smtClean="0">
-                <a:solidFill>
-                  <a:srgbClr val="595959"/>
-                </a:solidFill>
-                <a:latin typeface="Tahoma" panose="020B0604030504040204" pitchFamily="34" charset="0"/>
-                <a:ea typeface="Tahoma" panose="020B0604030504040204" pitchFamily="34" charset="0"/>
-                <a:cs typeface="Tahoma" panose="020B0604030504040204" pitchFamily="34" charset="0"/>
-              </a:rPr>
-              <a:t>attributes</a:t>
-            </a:r>
-          </a:p>
-          <a:p>
-            <a:pPr>
-              <a:lnSpc>
-                <a:spcPct val="90000"/>
-              </a:lnSpc>
-              <a:spcBef>
-                <a:spcPts val="2400"/>
-              </a:spcBef>
-              <a:buClr>
-                <a:srgbClr val="E5BA05"/>
-              </a:buClr>
-              <a:buSzPct val="100000"/>
-              <a:buFont typeface="Wingdings 2" panose="05020102010507070707" pitchFamily="18" charset="2"/>
-              <a:buChar char=""/>
-            </a:pPr>
-            <a:r>
-              <a:rPr lang="en-US" altLang="he-IL" sz="2400" dirty="0" smtClean="0">
-                <a:solidFill>
-                  <a:srgbClr val="595959"/>
-                </a:solidFill>
-                <a:latin typeface="Tahoma" panose="020B0604030504040204" pitchFamily="34" charset="0"/>
-                <a:ea typeface="Tahoma" panose="020B0604030504040204" pitchFamily="34" charset="0"/>
-                <a:cs typeface="Tahoma" panose="020B0604030504040204" pitchFamily="34" charset="0"/>
-              </a:rPr>
-              <a:t>Comparing the algorithm to another recommendation algorithms (that aren’t content based)</a:t>
-            </a:r>
-            <a:endParaRPr lang="en-US" altLang="he-IL" sz="2400" dirty="0">
-              <a:solidFill>
-                <a:srgbClr val="595959"/>
-              </a:solidFill>
-              <a:latin typeface="Tahoma" panose="020B0604030504040204" pitchFamily="34" charset="0"/>
-              <a:ea typeface="Tahoma" panose="020B0604030504040204" pitchFamily="34" charset="0"/>
-              <a:cs typeface="Tahoma" panose="020B0604030504040204" pitchFamily="34" charset="0"/>
-            </a:endParaRPr>
-          </a:p>
-          <a:p>
-            <a:pPr marL="0" indent="0">
-              <a:lnSpc>
-                <a:spcPct val="90000"/>
-              </a:lnSpc>
-              <a:spcBef>
-                <a:spcPts val="2400"/>
-              </a:spcBef>
-              <a:buClr>
-                <a:srgbClr val="E5BA05"/>
-              </a:buClr>
-              <a:buSzPct val="100000"/>
-            </a:pPr>
-            <a:endParaRPr lang="en-US" altLang="he-IL" sz="2400" dirty="0">
-              <a:solidFill>
-                <a:srgbClr val="595959"/>
-              </a:solidFill>
-              <a:latin typeface="Tahoma" panose="020B0604030504040204" pitchFamily="34" charset="0"/>
-              <a:ea typeface="Tahoma" panose="020B0604030504040204" pitchFamily="34" charset="0"/>
-              <a:cs typeface="Tahoma" panose="020B0604030504040204" pitchFamily="34" charset="0"/>
-            </a:endParaRPr>
-          </a:p>
         </p:txBody>
       </p:sp>
+      <p:graphicFrame>
+        <p:nvGraphicFramePr>
+          <p:cNvPr id="5" name="Table 4"/>
+          <p:cNvGraphicFramePr>
+            <a:graphicFrameLocks noGrp="1"/>
+          </p:cNvGraphicFramePr>
+          <p:nvPr>
+            <p:extLst>
+              <p:ext uri="{D42A27DB-BD31-4B8C-83A1-F6EECF244321}">
+                <p14:modId xmlns:p14="http://schemas.microsoft.com/office/powerpoint/2010/main" val="2965347912"/>
+              </p:ext>
+            </p:extLst>
+          </p:nvPr>
+        </p:nvGraphicFramePr>
+        <p:xfrm>
+          <a:off x="251520" y="692696"/>
+          <a:ext cx="5055419" cy="5830014"/>
+        </p:xfrm>
+        <a:graphic>
+          <a:graphicData uri="http://schemas.openxmlformats.org/drawingml/2006/table">
+            <a:tbl>
+              <a:tblPr rtl="1">
+                <a:tableStyleId>{3C2FFA5D-87B4-456A-9821-1D502468CF0F}</a:tableStyleId>
+              </a:tblPr>
+              <a:tblGrid>
+                <a:gridCol w="4410296"/>
+                <a:gridCol w="645123"/>
+              </a:tblGrid>
+              <a:tr h="279422">
+                <a:tc>
+                  <a:txBody>
+                    <a:bodyPr/>
+                    <a:lstStyle/>
+                    <a:p>
+                      <a:pPr algn="l" rtl="0" fontAlgn="b"/>
+                      <a:r>
+                        <a:rPr lang="en-US" sz="1800" b="1" u="none" strike="noStrike" kern="1200" dirty="0">
+                          <a:solidFill>
+                            <a:srgbClr val="0070C0"/>
+                          </a:solidFill>
+                          <a:effectLst/>
+                          <a:latin typeface="Tahoma" panose="020B0604030504040204" pitchFamily="34" charset="0"/>
+                          <a:ea typeface="Tahoma" panose="020B0604030504040204" pitchFamily="34" charset="0"/>
+                          <a:cs typeface="Tahoma" panose="020B0604030504040204" pitchFamily="34" charset="0"/>
+                        </a:rPr>
+                        <a:t>Hey </a:t>
+                      </a:r>
+                      <a:r>
+                        <a:rPr lang="en-US" sz="1800" b="1" u="none" strike="noStrike" kern="1200" dirty="0" err="1">
+                          <a:solidFill>
+                            <a:srgbClr val="0070C0"/>
+                          </a:solidFill>
+                          <a:effectLst/>
+                          <a:latin typeface="Tahoma" panose="020B0604030504040204" pitchFamily="34" charset="0"/>
+                          <a:ea typeface="Tahoma" panose="020B0604030504040204" pitchFamily="34" charset="0"/>
+                          <a:cs typeface="Tahoma" panose="020B0604030504040204" pitchFamily="34" charset="0"/>
+                        </a:rPr>
+                        <a:t>Ya</a:t>
+                      </a:r>
+                      <a:r>
+                        <a:rPr lang="en-US" sz="1800" b="1" u="none" strike="noStrike" kern="1200" dirty="0">
+                          <a:solidFill>
+                            <a:srgbClr val="0070C0"/>
+                          </a:solidFill>
+                          <a:effectLst/>
+                          <a:latin typeface="Tahoma" panose="020B0604030504040204" pitchFamily="34" charset="0"/>
+                          <a:ea typeface="Tahoma" panose="020B0604030504040204" pitchFamily="34" charset="0"/>
+                          <a:cs typeface="Tahoma" panose="020B0604030504040204" pitchFamily="34" charset="0"/>
+                        </a:rPr>
+                        <a:t> - Sean Paul</a:t>
+                      </a:r>
+                    </a:p>
+                  </a:txBody>
+                  <a:tcPr marL="7620" marR="7620" marT="7620" marB="0" anchor="b"/>
+                </a:tc>
+                <a:tc>
+                  <a:txBody>
+                    <a:bodyPr/>
+                    <a:lstStyle/>
+                    <a:p>
+                      <a:pPr algn="l" rtl="0" fontAlgn="b"/>
+                      <a:r>
+                        <a:rPr lang="en-US" sz="1800" b="1" i="0" u="none" strike="noStrike" dirty="0" smtClean="0">
+                          <a:solidFill>
+                            <a:srgbClr val="0070C0"/>
+                          </a:solidFill>
+                          <a:effectLst/>
+                          <a:latin typeface="Tahoma" panose="020B0604030504040204" pitchFamily="34" charset="0"/>
+                          <a:ea typeface="Tahoma" panose="020B0604030504040204" pitchFamily="34" charset="0"/>
+                          <a:cs typeface="Tahoma" panose="020B0604030504040204" pitchFamily="34" charset="0"/>
+                        </a:rPr>
+                        <a:t>1</a:t>
+                      </a:r>
+                      <a:endParaRPr lang="en-US" sz="1800" b="1" i="0" u="none" strike="noStrike" dirty="0">
+                        <a:solidFill>
+                          <a:srgbClr val="0070C0"/>
+                        </a:solidFill>
+                        <a:effectLst/>
+                        <a:latin typeface="Tahoma" panose="020B0604030504040204" pitchFamily="34" charset="0"/>
+                        <a:ea typeface="Tahoma" panose="020B0604030504040204" pitchFamily="34" charset="0"/>
+                        <a:cs typeface="Tahoma" panose="020B0604030504040204" pitchFamily="34" charset="0"/>
+                      </a:endParaRPr>
+                    </a:p>
+                  </a:txBody>
+                  <a:tcPr marL="7620" marR="7620" marT="7620" marB="0" anchor="b"/>
+                </a:tc>
+              </a:tr>
+              <a:tr h="539996">
+                <a:tc>
+                  <a:txBody>
+                    <a:bodyPr/>
+                    <a:lstStyle/>
+                    <a:p>
+                      <a:pPr algn="l" rtl="0" fontAlgn="b"/>
+                      <a:r>
+                        <a:rPr lang="en-US" sz="1800" b="1" u="none" strike="noStrike" kern="1200">
+                          <a:solidFill>
+                            <a:srgbClr val="0070C0"/>
+                          </a:solidFill>
+                          <a:effectLst/>
+                          <a:latin typeface="Tahoma" panose="020B0604030504040204" pitchFamily="34" charset="0"/>
+                          <a:ea typeface="Tahoma" panose="020B0604030504040204" pitchFamily="34" charset="0"/>
+                          <a:cs typeface="Tahoma" panose="020B0604030504040204" pitchFamily="34" charset="0"/>
+                        </a:rPr>
+                        <a:t>Uptown Funk - Mark Ronson Feat Bruno Mars</a:t>
+                      </a:r>
+                    </a:p>
+                  </a:txBody>
+                  <a:tcPr marL="7620" marR="7620" marT="7620" marB="0" anchor="b"/>
+                </a:tc>
+                <a:tc>
+                  <a:txBody>
+                    <a:bodyPr/>
+                    <a:lstStyle/>
+                    <a:p>
+                      <a:pPr algn="l" rtl="0" fontAlgn="b"/>
+                      <a:r>
+                        <a:rPr lang="en-US" sz="1800" b="1" i="0" u="none" strike="noStrike" dirty="0" smtClean="0">
+                          <a:solidFill>
+                            <a:srgbClr val="0070C0"/>
+                          </a:solidFill>
+                          <a:effectLst/>
+                          <a:latin typeface="Tahoma" panose="020B0604030504040204" pitchFamily="34" charset="0"/>
+                          <a:ea typeface="Tahoma" panose="020B0604030504040204" pitchFamily="34" charset="0"/>
+                          <a:cs typeface="Tahoma" panose="020B0604030504040204" pitchFamily="34" charset="0"/>
+                        </a:rPr>
+                        <a:t>2</a:t>
+                      </a:r>
+                      <a:endParaRPr lang="en-US" sz="1800" b="1" i="0" u="none" strike="noStrike" dirty="0">
+                        <a:solidFill>
+                          <a:srgbClr val="0070C0"/>
+                        </a:solidFill>
+                        <a:effectLst/>
+                        <a:latin typeface="Tahoma" panose="020B0604030504040204" pitchFamily="34" charset="0"/>
+                        <a:ea typeface="Tahoma" panose="020B0604030504040204" pitchFamily="34" charset="0"/>
+                        <a:cs typeface="Tahoma" panose="020B0604030504040204" pitchFamily="34" charset="0"/>
+                      </a:endParaRPr>
+                    </a:p>
+                  </a:txBody>
+                  <a:tcPr marL="7620" marR="7620" marT="7620" marB="0" anchor="b"/>
+                </a:tc>
+              </a:tr>
+              <a:tr h="539996">
+                <a:tc>
+                  <a:txBody>
+                    <a:bodyPr/>
+                    <a:lstStyle/>
+                    <a:p>
+                      <a:pPr algn="l" rtl="0" fontAlgn="b"/>
+                      <a:r>
+                        <a:rPr lang="en-US" sz="1800" b="1" u="none" strike="noStrike" kern="1200" dirty="0">
+                          <a:solidFill>
+                            <a:srgbClr val="0070C0"/>
+                          </a:solidFill>
+                          <a:effectLst/>
+                          <a:latin typeface="Tahoma" panose="020B0604030504040204" pitchFamily="34" charset="0"/>
+                          <a:ea typeface="Tahoma" panose="020B0604030504040204" pitchFamily="34" charset="0"/>
+                          <a:cs typeface="Tahoma" panose="020B0604030504040204" pitchFamily="34" charset="0"/>
+                        </a:rPr>
+                        <a:t>Play </a:t>
+                      </a:r>
+                      <a:r>
+                        <a:rPr lang="en-US" sz="1800" b="1" u="none" strike="noStrike" kern="1200" dirty="0" smtClean="0">
+                          <a:solidFill>
+                            <a:srgbClr val="0070C0"/>
+                          </a:solidFill>
+                          <a:effectLst/>
+                          <a:latin typeface="Tahoma" panose="020B0604030504040204" pitchFamily="34" charset="0"/>
+                          <a:ea typeface="Tahoma" panose="020B0604030504040204" pitchFamily="34" charset="0"/>
+                          <a:cs typeface="Tahoma" panose="020B0604030504040204" pitchFamily="34" charset="0"/>
+                        </a:rPr>
+                        <a:t>Hard - </a:t>
+                      </a:r>
+                      <a:r>
+                        <a:rPr lang="en-US" sz="1800" b="1" u="none" strike="noStrike" kern="1200" dirty="0">
+                          <a:solidFill>
+                            <a:srgbClr val="0070C0"/>
+                          </a:solidFill>
+                          <a:effectLst/>
+                          <a:latin typeface="Tahoma" panose="020B0604030504040204" pitchFamily="34" charset="0"/>
+                          <a:ea typeface="Tahoma" panose="020B0604030504040204" pitchFamily="34" charset="0"/>
+                          <a:cs typeface="Tahoma" panose="020B0604030504040204" pitchFamily="34" charset="0"/>
+                        </a:rPr>
+                        <a:t>David Guetta Ft. Ne-</a:t>
+                      </a:r>
+                      <a:r>
+                        <a:rPr lang="en-US" sz="1800" b="1" u="none" strike="noStrike" kern="1200" dirty="0" err="1">
+                          <a:solidFill>
+                            <a:srgbClr val="0070C0"/>
+                          </a:solidFill>
+                          <a:effectLst/>
+                          <a:latin typeface="Tahoma" panose="020B0604030504040204" pitchFamily="34" charset="0"/>
+                          <a:ea typeface="Tahoma" panose="020B0604030504040204" pitchFamily="34" charset="0"/>
+                          <a:cs typeface="Tahoma" panose="020B0604030504040204" pitchFamily="34" charset="0"/>
+                        </a:rPr>
+                        <a:t>Yo</a:t>
+                      </a:r>
+                      <a:r>
+                        <a:rPr lang="en-US" sz="1800" b="1" u="none" strike="noStrike" kern="1200" dirty="0">
+                          <a:solidFill>
+                            <a:srgbClr val="0070C0"/>
+                          </a:solidFill>
+                          <a:effectLst/>
+                          <a:latin typeface="Tahoma" panose="020B0604030504040204" pitchFamily="34" charset="0"/>
+                          <a:ea typeface="Tahoma" panose="020B0604030504040204" pitchFamily="34" charset="0"/>
+                          <a:cs typeface="Tahoma" panose="020B0604030504040204" pitchFamily="34" charset="0"/>
+                        </a:rPr>
+                        <a:t> &amp; Akon</a:t>
+                      </a:r>
+                    </a:p>
+                  </a:txBody>
+                  <a:tcPr marL="7620" marR="7620" marT="7620" marB="0" anchor="b"/>
+                </a:tc>
+                <a:tc>
+                  <a:txBody>
+                    <a:bodyPr/>
+                    <a:lstStyle/>
+                    <a:p>
+                      <a:pPr algn="l" rtl="0" fontAlgn="b"/>
+                      <a:r>
+                        <a:rPr lang="en-US" sz="1800" b="1" i="0" u="none" strike="noStrike" dirty="0" smtClean="0">
+                          <a:solidFill>
+                            <a:srgbClr val="0070C0"/>
+                          </a:solidFill>
+                          <a:effectLst/>
+                          <a:latin typeface="Tahoma" panose="020B0604030504040204" pitchFamily="34" charset="0"/>
+                          <a:ea typeface="Tahoma" panose="020B0604030504040204" pitchFamily="34" charset="0"/>
+                          <a:cs typeface="Tahoma" panose="020B0604030504040204" pitchFamily="34" charset="0"/>
+                        </a:rPr>
+                        <a:t>3</a:t>
+                      </a:r>
+                      <a:endParaRPr lang="en-US" sz="1800" b="1" i="0" u="none" strike="noStrike" dirty="0">
+                        <a:solidFill>
+                          <a:srgbClr val="0070C0"/>
+                        </a:solidFill>
+                        <a:effectLst/>
+                        <a:latin typeface="Tahoma" panose="020B0604030504040204" pitchFamily="34" charset="0"/>
+                        <a:ea typeface="Tahoma" panose="020B0604030504040204" pitchFamily="34" charset="0"/>
+                        <a:cs typeface="Tahoma" panose="020B0604030504040204" pitchFamily="34" charset="0"/>
+                      </a:endParaRPr>
+                    </a:p>
+                  </a:txBody>
+                  <a:tcPr marL="7620" marR="7620" marT="7620" marB="0" anchor="b"/>
+                </a:tc>
+              </a:tr>
+              <a:tr h="550378">
+                <a:tc>
+                  <a:txBody>
+                    <a:bodyPr/>
+                    <a:lstStyle/>
+                    <a:p>
+                      <a:pPr algn="l" rtl="0" fontAlgn="b"/>
+                      <a:r>
+                        <a:rPr lang="en-US" sz="1800" b="1" u="none" strike="noStrike" kern="1200" dirty="0">
+                          <a:solidFill>
+                            <a:srgbClr val="0070C0"/>
+                          </a:solidFill>
+                          <a:effectLst/>
+                          <a:latin typeface="Tahoma" panose="020B0604030504040204" pitchFamily="34" charset="0"/>
+                          <a:ea typeface="Tahoma" panose="020B0604030504040204" pitchFamily="34" charset="0"/>
+                          <a:cs typeface="Tahoma" panose="020B0604030504040204" pitchFamily="34" charset="0"/>
+                        </a:rPr>
+                        <a:t>Shot Me Down </a:t>
+                      </a:r>
+                      <a:r>
+                        <a:rPr lang="en-US" sz="1800" b="1" u="none" strike="noStrike" kern="1200" dirty="0" smtClean="0">
+                          <a:solidFill>
+                            <a:srgbClr val="0070C0"/>
+                          </a:solidFill>
+                          <a:effectLst/>
+                          <a:latin typeface="Tahoma" panose="020B0604030504040204" pitchFamily="34" charset="0"/>
+                          <a:ea typeface="Tahoma" panose="020B0604030504040204" pitchFamily="34" charset="0"/>
+                          <a:cs typeface="Tahoma" panose="020B0604030504040204" pitchFamily="34" charset="0"/>
+                        </a:rPr>
+                        <a:t>- </a:t>
+                      </a:r>
+                      <a:r>
+                        <a:rPr lang="en-US" sz="1800" b="1" u="none" strike="noStrike" kern="1200" dirty="0">
+                          <a:solidFill>
+                            <a:srgbClr val="0070C0"/>
+                          </a:solidFill>
+                          <a:effectLst/>
+                          <a:latin typeface="Tahoma" panose="020B0604030504040204" pitchFamily="34" charset="0"/>
+                          <a:ea typeface="Tahoma" panose="020B0604030504040204" pitchFamily="34" charset="0"/>
+                          <a:cs typeface="Tahoma" panose="020B0604030504040204" pitchFamily="34" charset="0"/>
+                        </a:rPr>
+                        <a:t>David Guetta Feat. Skylar Grey</a:t>
+                      </a:r>
+                    </a:p>
+                  </a:txBody>
+                  <a:tcPr marL="7620" marR="7620" marT="7620" marB="0" anchor="b"/>
+                </a:tc>
+                <a:tc>
+                  <a:txBody>
+                    <a:bodyPr/>
+                    <a:lstStyle/>
+                    <a:p>
+                      <a:pPr algn="l" rtl="0" fontAlgn="b"/>
+                      <a:r>
+                        <a:rPr lang="es-ES" sz="1800" b="1" i="0" u="none" strike="noStrike" dirty="0" smtClean="0">
+                          <a:solidFill>
+                            <a:srgbClr val="0070C0"/>
+                          </a:solidFill>
+                          <a:effectLst/>
+                          <a:latin typeface="Tahoma" panose="020B0604030504040204" pitchFamily="34" charset="0"/>
+                          <a:ea typeface="Tahoma" panose="020B0604030504040204" pitchFamily="34" charset="0"/>
+                          <a:cs typeface="Tahoma" panose="020B0604030504040204" pitchFamily="34" charset="0"/>
+                        </a:rPr>
+                        <a:t>4</a:t>
+                      </a:r>
+                      <a:endParaRPr lang="es-ES" sz="1800" b="1" i="0" u="none" strike="noStrike" dirty="0">
+                        <a:solidFill>
+                          <a:srgbClr val="0070C0"/>
+                        </a:solidFill>
+                        <a:effectLst/>
+                        <a:latin typeface="Tahoma" panose="020B0604030504040204" pitchFamily="34" charset="0"/>
+                        <a:ea typeface="Tahoma" panose="020B0604030504040204" pitchFamily="34" charset="0"/>
+                        <a:cs typeface="Tahoma" panose="020B0604030504040204" pitchFamily="34" charset="0"/>
+                      </a:endParaRPr>
+                    </a:p>
+                  </a:txBody>
+                  <a:tcPr marL="7620" marR="7620" marT="7620" marB="0" anchor="b"/>
+                </a:tc>
+              </a:tr>
+              <a:tr h="550378">
+                <a:tc>
+                  <a:txBody>
+                    <a:bodyPr/>
+                    <a:lstStyle/>
+                    <a:p>
+                      <a:pPr algn="l" rtl="0" fontAlgn="b"/>
+                      <a:r>
+                        <a:rPr lang="en-US" sz="1800" b="1" u="none" strike="noStrike" kern="1200" dirty="0">
+                          <a:solidFill>
+                            <a:srgbClr val="0070C0"/>
+                          </a:solidFill>
+                          <a:effectLst/>
+                          <a:latin typeface="Tahoma" panose="020B0604030504040204" pitchFamily="34" charset="0"/>
+                          <a:ea typeface="Tahoma" panose="020B0604030504040204" pitchFamily="34" charset="0"/>
+                          <a:cs typeface="Tahoma" panose="020B0604030504040204" pitchFamily="34" charset="0"/>
+                        </a:rPr>
+                        <a:t>Bang My Head </a:t>
+                      </a:r>
+                      <a:r>
+                        <a:rPr lang="en-US" sz="1800" b="1" u="none" strike="noStrike" kern="1200" dirty="0" smtClean="0">
+                          <a:solidFill>
+                            <a:srgbClr val="0070C0"/>
+                          </a:solidFill>
+                          <a:effectLst/>
+                          <a:latin typeface="Tahoma" panose="020B0604030504040204" pitchFamily="34" charset="0"/>
+                          <a:ea typeface="Tahoma" panose="020B0604030504040204" pitchFamily="34" charset="0"/>
+                          <a:cs typeface="Tahoma" panose="020B0604030504040204" pitchFamily="34" charset="0"/>
+                        </a:rPr>
+                        <a:t>- </a:t>
+                      </a:r>
+                      <a:r>
+                        <a:rPr lang="en-US" sz="1800" b="1" u="none" strike="noStrike" kern="1200" dirty="0">
+                          <a:solidFill>
+                            <a:srgbClr val="0070C0"/>
+                          </a:solidFill>
+                          <a:effectLst/>
+                          <a:latin typeface="Tahoma" panose="020B0604030504040204" pitchFamily="34" charset="0"/>
+                          <a:ea typeface="Tahoma" panose="020B0604030504040204" pitchFamily="34" charset="0"/>
+                          <a:cs typeface="Tahoma" panose="020B0604030504040204" pitchFamily="34" charset="0"/>
+                        </a:rPr>
+                        <a:t>David Guetta, </a:t>
+                      </a:r>
+                      <a:r>
+                        <a:rPr lang="en-US" sz="1800" b="1" u="none" strike="noStrike" kern="1200" dirty="0" err="1">
+                          <a:solidFill>
+                            <a:srgbClr val="0070C0"/>
+                          </a:solidFill>
+                          <a:effectLst/>
+                          <a:latin typeface="Tahoma" panose="020B0604030504040204" pitchFamily="34" charset="0"/>
+                          <a:ea typeface="Tahoma" panose="020B0604030504040204" pitchFamily="34" charset="0"/>
+                          <a:cs typeface="Tahoma" panose="020B0604030504040204" pitchFamily="34" charset="0"/>
+                        </a:rPr>
+                        <a:t>Sia</a:t>
+                      </a:r>
+                      <a:endParaRPr lang="en-US" sz="1800" b="1" u="none" strike="noStrike" kern="1200" dirty="0">
+                        <a:solidFill>
+                          <a:srgbClr val="0070C0"/>
+                        </a:solidFill>
+                        <a:effectLst/>
+                        <a:latin typeface="Tahoma" panose="020B0604030504040204" pitchFamily="34" charset="0"/>
+                        <a:ea typeface="Tahoma" panose="020B0604030504040204" pitchFamily="34" charset="0"/>
+                        <a:cs typeface="Tahoma" panose="020B0604030504040204" pitchFamily="34" charset="0"/>
+                      </a:endParaRPr>
+                    </a:p>
+                  </a:txBody>
+                  <a:tcPr marL="7620" marR="7620" marT="7620" marB="0" anchor="b"/>
+                </a:tc>
+                <a:tc>
+                  <a:txBody>
+                    <a:bodyPr/>
+                    <a:lstStyle/>
+                    <a:p>
+                      <a:pPr algn="l" rtl="0" fontAlgn="b"/>
+                      <a:r>
+                        <a:rPr lang="en-US" sz="1800" b="1" i="0" u="none" strike="noStrike" dirty="0" smtClean="0">
+                          <a:solidFill>
+                            <a:srgbClr val="0070C0"/>
+                          </a:solidFill>
+                          <a:effectLst/>
+                          <a:latin typeface="Tahoma" panose="020B0604030504040204" pitchFamily="34" charset="0"/>
+                          <a:ea typeface="Tahoma" panose="020B0604030504040204" pitchFamily="34" charset="0"/>
+                          <a:cs typeface="Tahoma" panose="020B0604030504040204" pitchFamily="34" charset="0"/>
+                        </a:rPr>
+                        <a:t>5</a:t>
+                      </a:r>
+                      <a:endParaRPr lang="en-US" sz="1800" b="1" i="0" u="none" strike="noStrike" dirty="0">
+                        <a:solidFill>
+                          <a:srgbClr val="0070C0"/>
+                        </a:solidFill>
+                        <a:effectLst/>
+                        <a:latin typeface="Tahoma" panose="020B0604030504040204" pitchFamily="34" charset="0"/>
+                        <a:ea typeface="Tahoma" panose="020B0604030504040204" pitchFamily="34" charset="0"/>
+                        <a:cs typeface="Tahoma" panose="020B0604030504040204" pitchFamily="34" charset="0"/>
+                      </a:endParaRPr>
+                    </a:p>
+                  </a:txBody>
+                  <a:tcPr marL="7620" marR="7620" marT="7620" marB="0" anchor="b"/>
+                </a:tc>
+              </a:tr>
+              <a:tr h="539996">
+                <a:tc>
+                  <a:txBody>
+                    <a:bodyPr/>
+                    <a:lstStyle/>
+                    <a:p>
+                      <a:pPr algn="l" rtl="0" fontAlgn="b"/>
+                      <a:r>
+                        <a:rPr lang="en-US" sz="1800" b="1" u="none" strike="noStrike" kern="1200" dirty="0">
+                          <a:solidFill>
+                            <a:srgbClr val="0070C0"/>
+                          </a:solidFill>
+                          <a:effectLst/>
+                          <a:latin typeface="Tahoma" panose="020B0604030504040204" pitchFamily="34" charset="0"/>
+                          <a:ea typeface="Tahoma" panose="020B0604030504040204" pitchFamily="34" charset="0"/>
+                          <a:cs typeface="Tahoma" panose="020B0604030504040204" pitchFamily="34" charset="0"/>
+                        </a:rPr>
+                        <a:t>John Legend - All Of Me (</a:t>
+                      </a:r>
+                      <a:r>
+                        <a:rPr lang="en-US" sz="1800" b="1" u="none" strike="noStrike" kern="1200" dirty="0" err="1">
+                          <a:solidFill>
+                            <a:srgbClr val="0070C0"/>
+                          </a:solidFill>
+                          <a:effectLst/>
+                          <a:latin typeface="Tahoma" panose="020B0604030504040204" pitchFamily="34" charset="0"/>
+                          <a:ea typeface="Tahoma" panose="020B0604030504040204" pitchFamily="34" charset="0"/>
+                          <a:cs typeface="Tahoma" panose="020B0604030504040204" pitchFamily="34" charset="0"/>
+                        </a:rPr>
+                        <a:t>Tiesto</a:t>
+                      </a:r>
+                      <a:r>
+                        <a:rPr lang="en-US" sz="1800" b="1" u="none" strike="noStrike" kern="1200" dirty="0">
+                          <a:solidFill>
+                            <a:srgbClr val="0070C0"/>
+                          </a:solidFill>
+                          <a:effectLst/>
+                          <a:latin typeface="Tahoma" panose="020B0604030504040204" pitchFamily="34" charset="0"/>
+                          <a:ea typeface="Tahoma" panose="020B0604030504040204" pitchFamily="34" charset="0"/>
+                          <a:cs typeface="Tahoma" panose="020B0604030504040204" pitchFamily="34" charset="0"/>
+                        </a:rPr>
+                        <a:t> Electro Boost</a:t>
+                      </a:r>
+                      <a:r>
+                        <a:rPr lang="en-US" sz="1800" b="1" u="none" strike="noStrike" kern="1200" dirty="0" smtClean="0">
+                          <a:solidFill>
+                            <a:srgbClr val="0070C0"/>
+                          </a:solidFill>
+                          <a:effectLst/>
+                          <a:latin typeface="Tahoma" panose="020B0604030504040204" pitchFamily="34" charset="0"/>
+                          <a:ea typeface="Tahoma" panose="020B0604030504040204" pitchFamily="34" charset="0"/>
+                          <a:cs typeface="Tahoma" panose="020B0604030504040204" pitchFamily="34" charset="0"/>
+                        </a:rPr>
+                        <a:t>)</a:t>
+                      </a:r>
+                      <a:endParaRPr lang="en-US" sz="1800" b="1" u="none" strike="noStrike" kern="1200" dirty="0">
+                        <a:solidFill>
+                          <a:srgbClr val="0070C0"/>
+                        </a:solidFill>
+                        <a:effectLst/>
+                        <a:latin typeface="Tahoma" panose="020B0604030504040204" pitchFamily="34" charset="0"/>
+                        <a:ea typeface="Tahoma" panose="020B0604030504040204" pitchFamily="34" charset="0"/>
+                        <a:cs typeface="Tahoma" panose="020B0604030504040204" pitchFamily="34" charset="0"/>
+                      </a:endParaRPr>
+                    </a:p>
+                  </a:txBody>
+                  <a:tcPr marL="7620" marR="7620" marT="7620" marB="0" anchor="b"/>
+                </a:tc>
+                <a:tc>
+                  <a:txBody>
+                    <a:bodyPr/>
+                    <a:lstStyle/>
+                    <a:p>
+                      <a:pPr algn="l" rtl="0" fontAlgn="b"/>
+                      <a:r>
+                        <a:rPr lang="en-US" sz="1800" b="1" i="0" u="none" strike="noStrike" dirty="0" smtClean="0">
+                          <a:solidFill>
+                            <a:srgbClr val="0070C0"/>
+                          </a:solidFill>
+                          <a:effectLst/>
+                          <a:latin typeface="Tahoma" panose="020B0604030504040204" pitchFamily="34" charset="0"/>
+                          <a:ea typeface="Tahoma" panose="020B0604030504040204" pitchFamily="34" charset="0"/>
+                          <a:cs typeface="Tahoma" panose="020B0604030504040204" pitchFamily="34" charset="0"/>
+                        </a:rPr>
+                        <a:t>6</a:t>
+                      </a:r>
+                      <a:endParaRPr lang="en-US" sz="1800" b="1" i="0" u="none" strike="noStrike" dirty="0">
+                        <a:solidFill>
+                          <a:srgbClr val="0070C0"/>
+                        </a:solidFill>
+                        <a:effectLst/>
+                        <a:latin typeface="Tahoma" panose="020B0604030504040204" pitchFamily="34" charset="0"/>
+                        <a:ea typeface="Tahoma" panose="020B0604030504040204" pitchFamily="34" charset="0"/>
+                        <a:cs typeface="Tahoma" panose="020B0604030504040204" pitchFamily="34" charset="0"/>
+                      </a:endParaRPr>
+                    </a:p>
+                  </a:txBody>
+                  <a:tcPr marL="7620" marR="7620" marT="7620" marB="0" anchor="b"/>
+                </a:tc>
+              </a:tr>
+              <a:tr h="255010">
+                <a:tc>
+                  <a:txBody>
+                    <a:bodyPr/>
+                    <a:lstStyle/>
+                    <a:p>
+                      <a:pPr algn="l" rtl="0" fontAlgn="b"/>
+                      <a:r>
+                        <a:rPr lang="en-US" sz="1800" b="1" u="none" strike="noStrike" kern="1200" dirty="0" err="1">
+                          <a:solidFill>
+                            <a:srgbClr val="0070C0"/>
+                          </a:solidFill>
+                          <a:effectLst/>
+                          <a:latin typeface="Tahoma" panose="020B0604030504040204" pitchFamily="34" charset="0"/>
+                          <a:ea typeface="Tahoma" panose="020B0604030504040204" pitchFamily="34" charset="0"/>
+                          <a:cs typeface="Tahoma" panose="020B0604030504040204" pitchFamily="34" charset="0"/>
+                        </a:rPr>
+                        <a:t>Ayy</a:t>
+                      </a:r>
+                      <a:r>
+                        <a:rPr lang="en-US" sz="1800" b="1" u="none" strike="noStrike" kern="1200" dirty="0">
+                          <a:solidFill>
+                            <a:srgbClr val="0070C0"/>
+                          </a:solidFill>
+                          <a:effectLst/>
+                          <a:latin typeface="Tahoma" panose="020B0604030504040204" pitchFamily="34" charset="0"/>
+                          <a:ea typeface="Tahoma" panose="020B0604030504040204" pitchFamily="34" charset="0"/>
+                          <a:cs typeface="Tahoma" panose="020B0604030504040204" pitchFamily="34" charset="0"/>
+                        </a:rPr>
+                        <a:t> Ladies </a:t>
+                      </a:r>
+                      <a:r>
+                        <a:rPr lang="en-US" sz="1800" b="1" u="none" strike="noStrike" kern="1200" dirty="0" smtClean="0">
+                          <a:solidFill>
+                            <a:srgbClr val="0070C0"/>
+                          </a:solidFill>
+                          <a:effectLst/>
+                          <a:latin typeface="Tahoma" panose="020B0604030504040204" pitchFamily="34" charset="0"/>
+                          <a:ea typeface="Tahoma" panose="020B0604030504040204" pitchFamily="34" charset="0"/>
+                          <a:cs typeface="Tahoma" panose="020B0604030504040204" pitchFamily="34" charset="0"/>
+                        </a:rPr>
+                        <a:t>- </a:t>
+                      </a:r>
+                      <a:r>
+                        <a:rPr lang="en-US" sz="1800" b="1" u="none" strike="noStrike" kern="1200" dirty="0">
+                          <a:solidFill>
+                            <a:srgbClr val="0070C0"/>
+                          </a:solidFill>
+                          <a:effectLst/>
+                          <a:latin typeface="Tahoma" panose="020B0604030504040204" pitchFamily="34" charset="0"/>
+                          <a:ea typeface="Tahoma" panose="020B0604030504040204" pitchFamily="34" charset="0"/>
+                          <a:cs typeface="Tahoma" panose="020B0604030504040204" pitchFamily="34" charset="0"/>
+                        </a:rPr>
+                        <a:t>Travis Porter</a:t>
+                      </a:r>
+                    </a:p>
+                  </a:txBody>
+                  <a:tcPr marL="7620" marR="7620" marT="7620" marB="0" anchor="b"/>
+                </a:tc>
+                <a:tc>
+                  <a:txBody>
+                    <a:bodyPr/>
+                    <a:lstStyle/>
+                    <a:p>
+                      <a:pPr algn="l" rtl="0" fontAlgn="b"/>
+                      <a:r>
+                        <a:rPr lang="en-US" sz="1800" b="1" i="0" u="none" strike="noStrike" dirty="0" smtClean="0">
+                          <a:solidFill>
+                            <a:srgbClr val="0070C0"/>
+                          </a:solidFill>
+                          <a:effectLst/>
+                          <a:latin typeface="Tahoma" panose="020B0604030504040204" pitchFamily="34" charset="0"/>
+                          <a:ea typeface="Tahoma" panose="020B0604030504040204" pitchFamily="34" charset="0"/>
+                          <a:cs typeface="Tahoma" panose="020B0604030504040204" pitchFamily="34" charset="0"/>
+                        </a:rPr>
+                        <a:t>7</a:t>
+                      </a:r>
+                      <a:endParaRPr lang="en-US" sz="1800" b="1" i="0" u="none" strike="noStrike" dirty="0">
+                        <a:solidFill>
+                          <a:srgbClr val="0070C0"/>
+                        </a:solidFill>
+                        <a:effectLst/>
+                        <a:latin typeface="Tahoma" panose="020B0604030504040204" pitchFamily="34" charset="0"/>
+                        <a:ea typeface="Tahoma" panose="020B0604030504040204" pitchFamily="34" charset="0"/>
+                        <a:cs typeface="Tahoma" panose="020B0604030504040204" pitchFamily="34" charset="0"/>
+                      </a:endParaRPr>
+                    </a:p>
+                  </a:txBody>
+                  <a:tcPr marL="7620" marR="7620" marT="7620" marB="0" anchor="b"/>
+                </a:tc>
+              </a:tr>
+              <a:tr h="261102">
+                <a:tc>
+                  <a:txBody>
+                    <a:bodyPr/>
+                    <a:lstStyle/>
+                    <a:p>
+                      <a:pPr algn="l" rtl="0" fontAlgn="b"/>
+                      <a:r>
+                        <a:rPr lang="en-US" sz="1800" b="1" u="none" strike="noStrike" kern="1200" dirty="0">
+                          <a:solidFill>
+                            <a:srgbClr val="0070C0"/>
+                          </a:solidFill>
+                          <a:effectLst/>
+                          <a:latin typeface="Tahoma" panose="020B0604030504040204" pitchFamily="34" charset="0"/>
+                          <a:ea typeface="Tahoma" panose="020B0604030504040204" pitchFamily="34" charset="0"/>
+                          <a:cs typeface="Tahoma" panose="020B0604030504040204" pitchFamily="34" charset="0"/>
+                        </a:rPr>
+                        <a:t>Shirt Control </a:t>
+                      </a:r>
+                      <a:r>
+                        <a:rPr lang="en-US" sz="1800" b="1" u="none" strike="noStrike" kern="1200" dirty="0" smtClean="0">
+                          <a:solidFill>
+                            <a:srgbClr val="0070C0"/>
+                          </a:solidFill>
+                          <a:effectLst/>
+                          <a:latin typeface="Tahoma" panose="020B0604030504040204" pitchFamily="34" charset="0"/>
+                          <a:ea typeface="Tahoma" panose="020B0604030504040204" pitchFamily="34" charset="0"/>
+                          <a:cs typeface="Tahoma" panose="020B0604030504040204" pitchFamily="34" charset="0"/>
+                        </a:rPr>
+                        <a:t>- </a:t>
+                      </a:r>
+                      <a:r>
+                        <a:rPr lang="en-US" sz="1800" b="1" u="none" strike="noStrike" kern="1200" dirty="0">
+                          <a:solidFill>
+                            <a:srgbClr val="0070C0"/>
+                          </a:solidFill>
+                          <a:effectLst/>
+                          <a:latin typeface="Tahoma" panose="020B0604030504040204" pitchFamily="34" charset="0"/>
+                          <a:ea typeface="Tahoma" panose="020B0604030504040204" pitchFamily="34" charset="0"/>
+                          <a:cs typeface="Tahoma" panose="020B0604030504040204" pitchFamily="34" charset="0"/>
+                        </a:rPr>
+                        <a:t>T Pain VS </a:t>
+                      </a:r>
+                      <a:r>
+                        <a:rPr lang="en-US" sz="1800" b="1" u="none" strike="noStrike" kern="1200" dirty="0" err="1">
+                          <a:solidFill>
+                            <a:srgbClr val="0070C0"/>
+                          </a:solidFill>
+                          <a:effectLst/>
+                          <a:latin typeface="Tahoma" panose="020B0604030504040204" pitchFamily="34" charset="0"/>
+                          <a:ea typeface="Tahoma" panose="020B0604030504040204" pitchFamily="34" charset="0"/>
+                          <a:cs typeface="Tahoma" panose="020B0604030504040204" pitchFamily="34" charset="0"/>
+                        </a:rPr>
+                        <a:t>Mr</a:t>
+                      </a:r>
+                      <a:r>
+                        <a:rPr lang="en-US" sz="1800" b="1" u="none" strike="noStrike" kern="1200" dirty="0">
+                          <a:solidFill>
+                            <a:srgbClr val="0070C0"/>
+                          </a:solidFill>
+                          <a:effectLst/>
+                          <a:latin typeface="Tahoma" panose="020B0604030504040204" pitchFamily="34" charset="0"/>
+                          <a:ea typeface="Tahoma" panose="020B0604030504040204" pitchFamily="34" charset="0"/>
+                          <a:cs typeface="Tahoma" panose="020B0604030504040204" pitchFamily="34" charset="0"/>
+                        </a:rPr>
+                        <a:t> </a:t>
+                      </a:r>
+                      <a:r>
+                        <a:rPr lang="en-US" sz="1800" b="1" u="none" strike="noStrike" kern="1200" dirty="0" err="1" smtClean="0">
+                          <a:solidFill>
+                            <a:srgbClr val="0070C0"/>
+                          </a:solidFill>
+                          <a:effectLst/>
+                          <a:latin typeface="Tahoma" panose="020B0604030504040204" pitchFamily="34" charset="0"/>
+                          <a:ea typeface="Tahoma" panose="020B0604030504040204" pitchFamily="34" charset="0"/>
+                          <a:cs typeface="Tahoma" panose="020B0604030504040204" pitchFamily="34" charset="0"/>
+                        </a:rPr>
+                        <a:t>Carmack</a:t>
+                      </a:r>
+                      <a:endParaRPr lang="en-US" sz="1800" b="1" u="none" strike="noStrike" kern="1200" dirty="0" smtClean="0">
+                        <a:solidFill>
+                          <a:srgbClr val="0070C0"/>
+                        </a:solidFill>
+                        <a:effectLst/>
+                        <a:latin typeface="Tahoma" panose="020B0604030504040204" pitchFamily="34" charset="0"/>
+                        <a:ea typeface="Tahoma" panose="020B0604030504040204" pitchFamily="34" charset="0"/>
+                        <a:cs typeface="Tahoma" panose="020B0604030504040204" pitchFamily="34" charset="0"/>
+                      </a:endParaRPr>
+                    </a:p>
+                  </a:txBody>
+                  <a:tcPr marL="7620" marR="7620" marT="7620" marB="0" anchor="b"/>
+                </a:tc>
+                <a:tc>
+                  <a:txBody>
+                    <a:bodyPr/>
+                    <a:lstStyle/>
+                    <a:p>
+                      <a:pPr algn="l" rtl="0" fontAlgn="b"/>
+                      <a:r>
+                        <a:rPr lang="en-US" sz="1800" b="1" i="0" u="none" strike="noStrike" dirty="0" smtClean="0">
+                          <a:solidFill>
+                            <a:srgbClr val="0070C0"/>
+                          </a:solidFill>
+                          <a:effectLst/>
+                          <a:latin typeface="Tahoma" panose="020B0604030504040204" pitchFamily="34" charset="0"/>
+                          <a:ea typeface="Tahoma" panose="020B0604030504040204" pitchFamily="34" charset="0"/>
+                          <a:cs typeface="Tahoma" panose="020B0604030504040204" pitchFamily="34" charset="0"/>
+                        </a:rPr>
+                        <a:t>8</a:t>
+                      </a:r>
+                      <a:endParaRPr lang="en-US" sz="1800" b="1" i="0" u="none" strike="noStrike" dirty="0">
+                        <a:solidFill>
+                          <a:srgbClr val="0070C0"/>
+                        </a:solidFill>
+                        <a:effectLst/>
+                        <a:latin typeface="Tahoma" panose="020B0604030504040204" pitchFamily="34" charset="0"/>
+                        <a:ea typeface="Tahoma" panose="020B0604030504040204" pitchFamily="34" charset="0"/>
+                        <a:cs typeface="Tahoma" panose="020B0604030504040204" pitchFamily="34" charset="0"/>
+                      </a:endParaRPr>
+                    </a:p>
+                  </a:txBody>
+                  <a:tcPr marL="7620" marR="7620" marT="7620" marB="0" anchor="b"/>
+                </a:tc>
+              </a:tr>
+              <a:tr h="539996">
+                <a:tc>
+                  <a:txBody>
+                    <a:bodyPr/>
+                    <a:lstStyle/>
+                    <a:p>
+                      <a:pPr algn="l" rtl="0" fontAlgn="b"/>
+                      <a:r>
+                        <a:rPr lang="en-US" sz="1800" b="1" u="none" strike="noStrike" kern="1200" dirty="0" err="1">
+                          <a:solidFill>
+                            <a:srgbClr val="0070C0"/>
+                          </a:solidFill>
+                          <a:effectLst/>
+                          <a:latin typeface="Tahoma" panose="020B0604030504040204" pitchFamily="34" charset="0"/>
+                          <a:ea typeface="Tahoma" panose="020B0604030504040204" pitchFamily="34" charset="0"/>
+                          <a:cs typeface="Tahoma" panose="020B0604030504040204" pitchFamily="34" charset="0"/>
+                        </a:rPr>
+                        <a:t>Im</a:t>
+                      </a:r>
+                      <a:r>
+                        <a:rPr lang="en-US" sz="1800" b="1" u="none" strike="noStrike" kern="1200" dirty="0">
+                          <a:solidFill>
+                            <a:srgbClr val="0070C0"/>
+                          </a:solidFill>
+                          <a:effectLst/>
+                          <a:latin typeface="Tahoma" panose="020B0604030504040204" pitchFamily="34" charset="0"/>
+                          <a:ea typeface="Tahoma" panose="020B0604030504040204" pitchFamily="34" charset="0"/>
+                          <a:cs typeface="Tahoma" panose="020B0604030504040204" pitchFamily="34" charset="0"/>
+                        </a:rPr>
+                        <a:t> Into You </a:t>
+                      </a:r>
+                      <a:r>
+                        <a:rPr lang="en-US" sz="1800" b="1" u="none" strike="noStrike" kern="1200" dirty="0" smtClean="0">
+                          <a:solidFill>
+                            <a:srgbClr val="0070C0"/>
+                          </a:solidFill>
+                          <a:effectLst/>
+                          <a:latin typeface="Tahoma" panose="020B0604030504040204" pitchFamily="34" charset="0"/>
+                          <a:ea typeface="Tahoma" panose="020B0604030504040204" pitchFamily="34" charset="0"/>
+                          <a:cs typeface="Tahoma" panose="020B0604030504040204" pitchFamily="34" charset="0"/>
+                        </a:rPr>
+                        <a:t>- </a:t>
+                      </a:r>
+                      <a:r>
+                        <a:rPr lang="en-US" sz="1800" b="1" u="none" strike="noStrike" kern="1200" dirty="0">
+                          <a:solidFill>
+                            <a:srgbClr val="0070C0"/>
+                          </a:solidFill>
+                          <a:effectLst/>
+                          <a:latin typeface="Tahoma" panose="020B0604030504040204" pitchFamily="34" charset="0"/>
+                          <a:ea typeface="Tahoma" panose="020B0604030504040204" pitchFamily="34" charset="0"/>
+                          <a:cs typeface="Tahoma" panose="020B0604030504040204" pitchFamily="34" charset="0"/>
+                        </a:rPr>
+                        <a:t>Jennifer Lopez F Lil' Wayne</a:t>
+                      </a:r>
+                    </a:p>
+                  </a:txBody>
+                  <a:tcPr marL="7620" marR="7620" marT="7620" marB="0" anchor="b"/>
+                </a:tc>
+                <a:tc>
+                  <a:txBody>
+                    <a:bodyPr/>
+                    <a:lstStyle/>
+                    <a:p>
+                      <a:pPr algn="l" rtl="0" fontAlgn="b"/>
+                      <a:r>
+                        <a:rPr lang="en-US" sz="1800" b="1" i="0" u="none" strike="noStrike" dirty="0" smtClean="0">
+                          <a:solidFill>
+                            <a:srgbClr val="0070C0"/>
+                          </a:solidFill>
+                          <a:effectLst/>
+                          <a:latin typeface="Tahoma" panose="020B0604030504040204" pitchFamily="34" charset="0"/>
+                          <a:ea typeface="Tahoma" panose="020B0604030504040204" pitchFamily="34" charset="0"/>
+                          <a:cs typeface="Tahoma" panose="020B0604030504040204" pitchFamily="34" charset="0"/>
+                        </a:rPr>
+                        <a:t>9</a:t>
+                      </a:r>
+                      <a:endParaRPr lang="en-US" sz="1800" b="1" i="0" u="none" strike="noStrike" dirty="0">
+                        <a:solidFill>
+                          <a:srgbClr val="0070C0"/>
+                        </a:solidFill>
+                        <a:effectLst/>
+                        <a:latin typeface="Tahoma" panose="020B0604030504040204" pitchFamily="34" charset="0"/>
+                        <a:ea typeface="Tahoma" panose="020B0604030504040204" pitchFamily="34" charset="0"/>
+                        <a:cs typeface="Tahoma" panose="020B0604030504040204" pitchFamily="34" charset="0"/>
+                      </a:endParaRPr>
+                    </a:p>
+                  </a:txBody>
+                  <a:tcPr marL="7620" marR="7620" marT="7620" marB="0" anchor="b"/>
+                </a:tc>
+              </a:tr>
+              <a:tr h="539996">
+                <a:tc>
+                  <a:txBody>
+                    <a:bodyPr/>
+                    <a:lstStyle/>
+                    <a:p>
+                      <a:pPr algn="l" rtl="0" fontAlgn="b"/>
+                      <a:r>
+                        <a:rPr lang="en-US" sz="1800" b="1" u="none" strike="noStrike" kern="1200" dirty="0">
+                          <a:solidFill>
+                            <a:srgbClr val="0070C0"/>
+                          </a:solidFill>
+                          <a:effectLst/>
+                          <a:latin typeface="Tahoma" panose="020B0604030504040204" pitchFamily="34" charset="0"/>
+                          <a:ea typeface="Tahoma" panose="020B0604030504040204" pitchFamily="34" charset="0"/>
+                          <a:cs typeface="Tahoma" panose="020B0604030504040204" pitchFamily="34" charset="0"/>
+                        </a:rPr>
+                        <a:t>Birthday' </a:t>
+                      </a:r>
+                      <a:r>
+                        <a:rPr lang="en-US" sz="1800" b="1" u="none" strike="noStrike" kern="1200" dirty="0" smtClean="0">
+                          <a:solidFill>
+                            <a:srgbClr val="0070C0"/>
+                          </a:solidFill>
+                          <a:effectLst/>
+                          <a:latin typeface="Tahoma" panose="020B0604030504040204" pitchFamily="34" charset="0"/>
+                          <a:ea typeface="Tahoma" panose="020B0604030504040204" pitchFamily="34" charset="0"/>
+                          <a:cs typeface="Tahoma" panose="020B0604030504040204" pitchFamily="34" charset="0"/>
+                        </a:rPr>
+                        <a:t>- </a:t>
+                      </a:r>
+                      <a:r>
+                        <a:rPr lang="en-US" sz="1800" b="1" u="none" strike="noStrike" kern="1200" dirty="0" err="1">
+                          <a:solidFill>
+                            <a:srgbClr val="0070C0"/>
+                          </a:solidFill>
+                          <a:effectLst/>
+                          <a:latin typeface="Tahoma" panose="020B0604030504040204" pitchFamily="34" charset="0"/>
+                          <a:ea typeface="Tahoma" panose="020B0604030504040204" pitchFamily="34" charset="0"/>
+                          <a:cs typeface="Tahoma" panose="020B0604030504040204" pitchFamily="34" charset="0"/>
+                        </a:rPr>
+                        <a:t>Will.I.Am</a:t>
+                      </a:r>
+                      <a:r>
+                        <a:rPr lang="en-US" sz="1800" b="1" u="none" strike="noStrike" kern="1200" dirty="0">
+                          <a:solidFill>
+                            <a:srgbClr val="0070C0"/>
+                          </a:solidFill>
+                          <a:effectLst/>
+                          <a:latin typeface="Tahoma" panose="020B0604030504040204" pitchFamily="34" charset="0"/>
+                          <a:ea typeface="Tahoma" panose="020B0604030504040204" pitchFamily="34" charset="0"/>
+                          <a:cs typeface="Tahoma" panose="020B0604030504040204" pitchFamily="34" charset="0"/>
+                        </a:rPr>
+                        <a:t> Feat. Cody Wise</a:t>
+                      </a:r>
+                    </a:p>
+                  </a:txBody>
+                  <a:tcPr marL="7620" marR="7620" marT="7620" marB="0" anchor="b"/>
+                </a:tc>
+                <a:tc>
+                  <a:txBody>
+                    <a:bodyPr/>
+                    <a:lstStyle/>
+                    <a:p>
+                      <a:pPr algn="l" rtl="0" fontAlgn="b"/>
+                      <a:r>
+                        <a:rPr lang="en-US" sz="1800" b="1" i="0" u="none" strike="noStrike" dirty="0" smtClean="0">
+                          <a:solidFill>
+                            <a:srgbClr val="0070C0"/>
+                          </a:solidFill>
+                          <a:effectLst/>
+                          <a:latin typeface="Tahoma" panose="020B0604030504040204" pitchFamily="34" charset="0"/>
+                          <a:ea typeface="Tahoma" panose="020B0604030504040204" pitchFamily="34" charset="0"/>
+                          <a:cs typeface="Tahoma" panose="020B0604030504040204" pitchFamily="34" charset="0"/>
+                        </a:rPr>
+                        <a:t>10</a:t>
+                      </a:r>
+                      <a:endParaRPr lang="en-US" sz="1800" b="1" i="0" u="none" strike="noStrike" dirty="0">
+                        <a:solidFill>
+                          <a:srgbClr val="0070C0"/>
+                        </a:solidFill>
+                        <a:effectLst/>
+                        <a:latin typeface="Tahoma" panose="020B0604030504040204" pitchFamily="34" charset="0"/>
+                        <a:ea typeface="Tahoma" panose="020B0604030504040204" pitchFamily="34" charset="0"/>
+                        <a:cs typeface="Tahoma" panose="020B0604030504040204" pitchFamily="34" charset="0"/>
+                      </a:endParaRPr>
+                    </a:p>
+                  </a:txBody>
+                  <a:tcPr marL="7620" marR="7620" marT="7620" marB="0" anchor="b"/>
+                </a:tc>
+              </a:tr>
+              <a:tr h="539996">
+                <a:tc>
+                  <a:txBody>
+                    <a:bodyPr/>
+                    <a:lstStyle/>
+                    <a:p>
+                      <a:pPr algn="l" rtl="0" fontAlgn="b"/>
+                      <a:r>
+                        <a:rPr lang="en-US" sz="1800" b="1" u="none" strike="noStrike" kern="1200" dirty="0">
+                          <a:solidFill>
+                            <a:srgbClr val="0070C0"/>
+                          </a:solidFill>
+                          <a:effectLst/>
+                          <a:latin typeface="Tahoma" panose="020B0604030504040204" pitchFamily="34" charset="0"/>
+                          <a:ea typeface="Tahoma" panose="020B0604030504040204" pitchFamily="34" charset="0"/>
+                          <a:cs typeface="Tahoma" panose="020B0604030504040204" pitchFamily="34" charset="0"/>
+                        </a:rPr>
+                        <a:t>Twerk It Like Miley </a:t>
+                      </a:r>
+                      <a:r>
+                        <a:rPr lang="en-US" sz="1800" b="1" u="none" strike="noStrike" kern="1200" dirty="0" smtClean="0">
+                          <a:solidFill>
+                            <a:srgbClr val="0070C0"/>
+                          </a:solidFill>
+                          <a:effectLst/>
+                          <a:latin typeface="Tahoma" panose="020B0604030504040204" pitchFamily="34" charset="0"/>
+                          <a:ea typeface="Tahoma" panose="020B0604030504040204" pitchFamily="34" charset="0"/>
+                          <a:cs typeface="Tahoma" panose="020B0604030504040204" pitchFamily="34" charset="0"/>
+                        </a:rPr>
+                        <a:t>- </a:t>
+                      </a:r>
+                      <a:r>
+                        <a:rPr lang="en-US" sz="1800" b="1" u="none" strike="noStrike" kern="1200" dirty="0">
+                          <a:solidFill>
+                            <a:srgbClr val="0070C0"/>
+                          </a:solidFill>
+                          <a:effectLst/>
+                          <a:latin typeface="Tahoma" panose="020B0604030504040204" pitchFamily="34" charset="0"/>
+                          <a:ea typeface="Tahoma" panose="020B0604030504040204" pitchFamily="34" charset="0"/>
+                          <a:cs typeface="Tahoma" panose="020B0604030504040204" pitchFamily="34" charset="0"/>
+                        </a:rPr>
+                        <a:t>Brandon Beal ft. </a:t>
+                      </a:r>
+                      <a:r>
+                        <a:rPr lang="en-US" sz="1800" b="1" u="none" strike="noStrike" kern="1200" dirty="0" smtClean="0">
+                          <a:solidFill>
+                            <a:srgbClr val="0070C0"/>
+                          </a:solidFill>
+                          <a:effectLst/>
+                          <a:latin typeface="Tahoma" panose="020B0604030504040204" pitchFamily="34" charset="0"/>
+                          <a:ea typeface="Tahoma" panose="020B0604030504040204" pitchFamily="34" charset="0"/>
+                          <a:cs typeface="Tahoma" panose="020B0604030504040204" pitchFamily="34" charset="0"/>
+                        </a:rPr>
+                        <a:t>Christopher</a:t>
+                      </a:r>
+                      <a:endParaRPr lang="en-US" sz="1800" b="1" u="none" strike="noStrike" kern="1200" dirty="0">
+                        <a:solidFill>
+                          <a:srgbClr val="0070C0"/>
+                        </a:solidFill>
+                        <a:effectLst/>
+                        <a:latin typeface="Tahoma" panose="020B0604030504040204" pitchFamily="34" charset="0"/>
+                        <a:ea typeface="Tahoma" panose="020B0604030504040204" pitchFamily="34" charset="0"/>
+                        <a:cs typeface="Tahoma" panose="020B0604030504040204" pitchFamily="34" charset="0"/>
+                      </a:endParaRPr>
+                    </a:p>
+                  </a:txBody>
+                  <a:tcPr marL="7620" marR="7620" marT="7620" marB="0" anchor="b"/>
+                </a:tc>
+                <a:tc>
+                  <a:txBody>
+                    <a:bodyPr/>
+                    <a:lstStyle/>
+                    <a:p>
+                      <a:pPr algn="l" rtl="0" fontAlgn="b"/>
+                      <a:r>
+                        <a:rPr lang="en-US" sz="1800" b="1" i="0" u="none" strike="noStrike" dirty="0" smtClean="0">
+                          <a:solidFill>
+                            <a:srgbClr val="0070C0"/>
+                          </a:solidFill>
+                          <a:effectLst/>
+                          <a:latin typeface="Tahoma" panose="020B0604030504040204" pitchFamily="34" charset="0"/>
+                          <a:ea typeface="Tahoma" panose="020B0604030504040204" pitchFamily="34" charset="0"/>
+                          <a:cs typeface="Tahoma" panose="020B0604030504040204" pitchFamily="34" charset="0"/>
+                        </a:rPr>
+                        <a:t>11</a:t>
+                      </a:r>
+                      <a:endParaRPr lang="en-US" sz="1800" b="1" i="0" u="none" strike="noStrike" dirty="0">
+                        <a:solidFill>
+                          <a:srgbClr val="0070C0"/>
+                        </a:solidFill>
+                        <a:effectLst/>
+                        <a:latin typeface="Tahoma" panose="020B0604030504040204" pitchFamily="34" charset="0"/>
+                        <a:ea typeface="Tahoma" panose="020B0604030504040204" pitchFamily="34" charset="0"/>
+                        <a:cs typeface="Tahoma" panose="020B0604030504040204" pitchFamily="34" charset="0"/>
+                      </a:endParaRPr>
+                    </a:p>
+                  </a:txBody>
+                  <a:tcPr marL="7620" marR="7620" marT="7620" marB="0" anchor="b"/>
+                </a:tc>
+              </a:tr>
+              <a:tr h="539996">
+                <a:tc>
+                  <a:txBody>
+                    <a:bodyPr/>
+                    <a:lstStyle/>
+                    <a:p>
+                      <a:pPr algn="l" rtl="0" fontAlgn="b"/>
+                      <a:r>
+                        <a:rPr lang="en-US" sz="1800" b="1" u="none" strike="noStrike" kern="1200" dirty="0" err="1" smtClean="0">
+                          <a:solidFill>
+                            <a:schemeClr val="accent5">
+                              <a:lumMod val="75000"/>
+                            </a:schemeClr>
+                          </a:solidFill>
+                          <a:effectLst/>
+                          <a:latin typeface="Tahoma" panose="020B0604030504040204" pitchFamily="34" charset="0"/>
+                          <a:ea typeface="Tahoma" panose="020B0604030504040204" pitchFamily="34" charset="0"/>
+                          <a:cs typeface="Tahoma" panose="020B0604030504040204" pitchFamily="34" charset="0"/>
+                        </a:rPr>
+                        <a:t>Gyal</a:t>
+                      </a:r>
+                      <a:r>
+                        <a:rPr lang="en-US" sz="1800" b="1" u="none" strike="noStrike" kern="1200" dirty="0" smtClean="0">
+                          <a:solidFill>
+                            <a:schemeClr val="accent5">
+                              <a:lumMod val="75000"/>
+                            </a:schemeClr>
+                          </a:solidFill>
+                          <a:effectLst/>
+                          <a:latin typeface="Tahoma" panose="020B0604030504040204" pitchFamily="34" charset="0"/>
+                          <a:ea typeface="Tahoma" panose="020B0604030504040204" pitchFamily="34" charset="0"/>
+                          <a:cs typeface="Tahoma" panose="020B0604030504040204" pitchFamily="34" charset="0"/>
+                        </a:rPr>
+                        <a:t> You A Party Animal - </a:t>
+                      </a:r>
+                      <a:r>
+                        <a:rPr lang="en-US" sz="1800" b="1" u="none" strike="noStrike" kern="1200" dirty="0" err="1" smtClean="0">
+                          <a:solidFill>
+                            <a:schemeClr val="accent5">
+                              <a:lumMod val="75000"/>
+                            </a:schemeClr>
+                          </a:solidFill>
+                          <a:effectLst/>
+                          <a:latin typeface="Tahoma" panose="020B0604030504040204" pitchFamily="34" charset="0"/>
+                          <a:ea typeface="Tahoma" panose="020B0604030504040204" pitchFamily="34" charset="0"/>
+                          <a:cs typeface="Tahoma" panose="020B0604030504040204" pitchFamily="34" charset="0"/>
+                        </a:rPr>
+                        <a:t>Charly</a:t>
+                      </a:r>
+                      <a:r>
+                        <a:rPr lang="en-US" sz="1800" b="1" u="none" strike="noStrike" kern="1200" dirty="0" smtClean="0">
+                          <a:solidFill>
+                            <a:schemeClr val="accent5">
+                              <a:lumMod val="75000"/>
+                            </a:schemeClr>
+                          </a:solidFill>
+                          <a:effectLst/>
+                          <a:latin typeface="Tahoma" panose="020B0604030504040204" pitchFamily="34" charset="0"/>
+                          <a:ea typeface="Tahoma" panose="020B0604030504040204" pitchFamily="34" charset="0"/>
+                          <a:cs typeface="Tahoma" panose="020B0604030504040204" pitchFamily="34" charset="0"/>
+                        </a:rPr>
+                        <a:t> Black</a:t>
+                      </a:r>
+                      <a:endParaRPr lang="en-US" sz="1800" b="1" u="none" strike="noStrike" kern="1200" dirty="0">
+                        <a:solidFill>
+                          <a:schemeClr val="accent5">
+                            <a:lumMod val="75000"/>
+                          </a:schemeClr>
+                        </a:solidFill>
+                        <a:effectLst/>
+                        <a:latin typeface="Tahoma" panose="020B0604030504040204" pitchFamily="34" charset="0"/>
+                        <a:ea typeface="Tahoma" panose="020B0604030504040204" pitchFamily="34" charset="0"/>
+                        <a:cs typeface="Tahoma" panose="020B0604030504040204" pitchFamily="34" charset="0"/>
+                      </a:endParaRPr>
+                    </a:p>
+                  </a:txBody>
+                  <a:tcPr marL="7620" marR="7620" marT="7620" marB="0" anchor="b"/>
+                </a:tc>
+                <a:tc>
+                  <a:txBody>
+                    <a:bodyPr/>
+                    <a:lstStyle/>
+                    <a:p>
+                      <a:pPr algn="l" rtl="0" fontAlgn="b"/>
+                      <a:r>
+                        <a:rPr lang="en-US" sz="1800" b="1" i="0" u="none" strike="noStrike" dirty="0" smtClean="0">
+                          <a:solidFill>
+                            <a:schemeClr val="accent5">
+                              <a:lumMod val="75000"/>
+                            </a:schemeClr>
+                          </a:solidFill>
+                          <a:effectLst/>
+                          <a:latin typeface="Tahoma" panose="020B0604030504040204" pitchFamily="34" charset="0"/>
+                          <a:ea typeface="Tahoma" panose="020B0604030504040204" pitchFamily="34" charset="0"/>
+                          <a:cs typeface="Tahoma" panose="020B0604030504040204" pitchFamily="34" charset="0"/>
+                        </a:rPr>
+                        <a:t>12</a:t>
+                      </a:r>
+                      <a:endParaRPr lang="en-US" sz="1800" b="1" i="0" u="none" strike="noStrike" dirty="0">
+                        <a:solidFill>
+                          <a:schemeClr val="accent5">
+                            <a:lumMod val="75000"/>
+                          </a:schemeClr>
+                        </a:solidFill>
+                        <a:effectLst/>
+                        <a:latin typeface="Tahoma" panose="020B0604030504040204" pitchFamily="34" charset="0"/>
+                        <a:ea typeface="Tahoma" panose="020B0604030504040204" pitchFamily="34" charset="0"/>
+                        <a:cs typeface="Tahoma" panose="020B0604030504040204" pitchFamily="34" charset="0"/>
+                      </a:endParaRPr>
+                    </a:p>
+                  </a:txBody>
+                  <a:tcPr marL="7620" marR="7620" marT="7620" marB="0" anchor="b"/>
+                </a:tc>
+              </a:tr>
+            </a:tbl>
+          </a:graphicData>
+        </a:graphic>
+      </p:graphicFrame>
     </p:spTree>
     <p:extLst>
       <p:ext uri="{BB962C8B-B14F-4D97-AF65-F5344CB8AC3E}">
-        <p14:creationId xmlns:p14="http://schemas.microsoft.com/office/powerpoint/2010/main" val="197574597"/>
+        <p14:creationId xmlns:p14="http://schemas.microsoft.com/office/powerpoint/2010/main" val="3192134905"/>
       </p:ext>
     </p:extLst>
   </p:cSld>
   <p:clrMapOvr>
     <a:masterClrMapping/>
   </p:clrMapOvr>
-  <p:transition spd="slow"/>
+  <p:transition spd="slow" advTm="16224"/>
   <p:timing>
     <p:tnLst>
       <p:par>
@@ -15195,7 +18445,7 @@
 </p:sld>
 </file>
 
-<file path=ppt/slides/slide12.xml><?xml version="1.0" encoding="utf-8"?>
+<file path=ppt/slides/slide13.xml><?xml version="1.0" encoding="utf-8"?>
 <p:sld xmlns:a="http://schemas.openxmlformats.org/drawingml/2006/main" xmlns:r="http://schemas.openxmlformats.org/officeDocument/2006/relationships" xmlns:p="http://schemas.openxmlformats.org/presentationml/2006/main">
   <p:cSld>
     <p:spTree>
@@ -15462,7 +18712,7 @@
                 <a:ea typeface="Tahoma" panose="020B0604030504040204" pitchFamily="34" charset="0"/>
                 <a:cs typeface="Tahoma" panose="020B0604030504040204" pitchFamily="34" charset="0"/>
               </a:rPr>
-              <a:t>Future tasks</a:t>
+              <a:t>Main Difficulties</a:t>
             </a:r>
           </a:p>
         </p:txBody>
@@ -15676,7 +18926,7 @@
         </p:nvSpPr>
         <p:spPr bwMode="auto">
           <a:xfrm>
-            <a:off x="144463" y="997184"/>
+            <a:off x="160518" y="1124744"/>
             <a:ext cx="8461195" cy="3650230"/>
           </a:xfrm>
           <a:prstGeom prst="rect">
@@ -15841,6 +19091,830 @@
                 <a:ea typeface="Tahoma" panose="020B0604030504040204" pitchFamily="34" charset="0"/>
                 <a:cs typeface="Tahoma" panose="020B0604030504040204" pitchFamily="34" charset="0"/>
               </a:rPr>
+              <a:t>Very </a:t>
+            </a:r>
+            <a:r>
+              <a:rPr lang="en-US" altLang="he-IL" sz="2400" dirty="0">
+                <a:solidFill>
+                  <a:srgbClr val="595959"/>
+                </a:solidFill>
+                <a:latin typeface="Tahoma" panose="020B0604030504040204" pitchFamily="34" charset="0"/>
+                <a:ea typeface="Tahoma" panose="020B0604030504040204" pitchFamily="34" charset="0"/>
+                <a:cs typeface="Tahoma" panose="020B0604030504040204" pitchFamily="34" charset="0"/>
+              </a:rPr>
+              <a:t>large music collection – </a:t>
+            </a:r>
+            <a:r>
+              <a:rPr lang="en-US" altLang="he-IL" sz="2400" dirty="0" smtClean="0">
+                <a:solidFill>
+                  <a:srgbClr val="595959"/>
+                </a:solidFill>
+                <a:latin typeface="Tahoma" panose="020B0604030504040204" pitchFamily="34" charset="0"/>
+                <a:ea typeface="Tahoma" panose="020B0604030504040204" pitchFamily="34" charset="0"/>
+                <a:cs typeface="Tahoma" panose="020B0604030504040204" pitchFamily="34" charset="0"/>
+              </a:rPr>
+              <a:t>contains some irrelevant songs</a:t>
+            </a:r>
+            <a:endParaRPr lang="en-US" altLang="he-IL" sz="2400" dirty="0">
+              <a:solidFill>
+                <a:srgbClr val="595959"/>
+              </a:solidFill>
+              <a:latin typeface="Tahoma" panose="020B0604030504040204" pitchFamily="34" charset="0"/>
+              <a:ea typeface="Tahoma" panose="020B0604030504040204" pitchFamily="34" charset="0"/>
+              <a:cs typeface="Tahoma" panose="020B0604030504040204" pitchFamily="34" charset="0"/>
+            </a:endParaRPr>
+          </a:p>
+          <a:p>
+            <a:pPr>
+              <a:lnSpc>
+                <a:spcPct val="90000"/>
+              </a:lnSpc>
+              <a:spcBef>
+                <a:spcPts val="2400"/>
+              </a:spcBef>
+              <a:buClr>
+                <a:srgbClr val="E5BA05"/>
+              </a:buClr>
+              <a:buSzPct val="100000"/>
+              <a:buFont typeface="Wingdings 2" panose="05020102010507070707" pitchFamily="18" charset="2"/>
+              <a:buChar char=""/>
+            </a:pPr>
+            <a:r>
+              <a:rPr lang="en-US" altLang="he-IL" sz="2400" dirty="0">
+                <a:solidFill>
+                  <a:srgbClr val="595959"/>
+                </a:solidFill>
+                <a:latin typeface="Tahoma" panose="020B0604030504040204" pitchFamily="34" charset="0"/>
+                <a:ea typeface="Tahoma" panose="020B0604030504040204" pitchFamily="34" charset="0"/>
+                <a:cs typeface="Tahoma" panose="020B0604030504040204" pitchFamily="34" charset="0"/>
+              </a:rPr>
+              <a:t>Testing the algorithm</a:t>
+            </a:r>
+          </a:p>
+          <a:p>
+            <a:pPr>
+              <a:lnSpc>
+                <a:spcPct val="90000"/>
+              </a:lnSpc>
+              <a:spcBef>
+                <a:spcPts val="2400"/>
+              </a:spcBef>
+              <a:buClr>
+                <a:srgbClr val="E5BA05"/>
+              </a:buClr>
+              <a:buSzPct val="100000"/>
+              <a:buFont typeface="Wingdings 2" panose="05020102010507070707" pitchFamily="18" charset="2"/>
+              <a:buChar char=""/>
+            </a:pPr>
+            <a:r>
+              <a:rPr lang="en-US" altLang="he-IL" sz="2400" dirty="0">
+                <a:solidFill>
+                  <a:srgbClr val="595959"/>
+                </a:solidFill>
+                <a:latin typeface="Tahoma" panose="020B0604030504040204" pitchFamily="34" charset="0"/>
+                <a:ea typeface="Tahoma" panose="020B0604030504040204" pitchFamily="34" charset="0"/>
+                <a:cs typeface="Tahoma" panose="020B0604030504040204" pitchFamily="34" charset="0"/>
+              </a:rPr>
+              <a:t>Songs with missing </a:t>
+            </a:r>
+            <a:r>
+              <a:rPr lang="en-US" altLang="he-IL" sz="2400" dirty="0" smtClean="0">
+                <a:solidFill>
+                  <a:srgbClr val="595959"/>
+                </a:solidFill>
+                <a:latin typeface="Tahoma" panose="020B0604030504040204" pitchFamily="34" charset="0"/>
+                <a:ea typeface="Tahoma" panose="020B0604030504040204" pitchFamily="34" charset="0"/>
+                <a:cs typeface="Tahoma" panose="020B0604030504040204" pitchFamily="34" charset="0"/>
+              </a:rPr>
+              <a:t>attributes</a:t>
+            </a:r>
+          </a:p>
+          <a:p>
+            <a:pPr>
+              <a:lnSpc>
+                <a:spcPct val="90000"/>
+              </a:lnSpc>
+              <a:spcBef>
+                <a:spcPts val="2400"/>
+              </a:spcBef>
+              <a:buClr>
+                <a:srgbClr val="E5BA05"/>
+              </a:buClr>
+              <a:buSzPct val="100000"/>
+              <a:buFont typeface="Wingdings 2" panose="05020102010507070707" pitchFamily="18" charset="2"/>
+              <a:buChar char=""/>
+            </a:pPr>
+            <a:r>
+              <a:rPr lang="en-US" altLang="he-IL" sz="2400" dirty="0" smtClean="0">
+                <a:solidFill>
+                  <a:srgbClr val="595959"/>
+                </a:solidFill>
+                <a:latin typeface="Tahoma" panose="020B0604030504040204" pitchFamily="34" charset="0"/>
+                <a:ea typeface="Tahoma" panose="020B0604030504040204" pitchFamily="34" charset="0"/>
+                <a:cs typeface="Tahoma" panose="020B0604030504040204" pitchFamily="34" charset="0"/>
+              </a:rPr>
+              <a:t>Comparing the algorithm to another recommendation algorithms (that aren’t content based)</a:t>
+            </a:r>
+            <a:endParaRPr lang="en-US" altLang="he-IL" sz="2400" dirty="0">
+              <a:solidFill>
+                <a:srgbClr val="595959"/>
+              </a:solidFill>
+              <a:latin typeface="Tahoma" panose="020B0604030504040204" pitchFamily="34" charset="0"/>
+              <a:ea typeface="Tahoma" panose="020B0604030504040204" pitchFamily="34" charset="0"/>
+              <a:cs typeface="Tahoma" panose="020B0604030504040204" pitchFamily="34" charset="0"/>
+            </a:endParaRPr>
+          </a:p>
+          <a:p>
+            <a:pPr marL="0" indent="0">
+              <a:lnSpc>
+                <a:spcPct val="90000"/>
+              </a:lnSpc>
+              <a:spcBef>
+                <a:spcPts val="2400"/>
+              </a:spcBef>
+              <a:buClr>
+                <a:srgbClr val="E5BA05"/>
+              </a:buClr>
+              <a:buSzPct val="100000"/>
+            </a:pPr>
+            <a:endParaRPr lang="en-US" altLang="he-IL" sz="2400" dirty="0">
+              <a:solidFill>
+                <a:srgbClr val="595959"/>
+              </a:solidFill>
+              <a:latin typeface="Tahoma" panose="020B0604030504040204" pitchFamily="34" charset="0"/>
+              <a:ea typeface="Tahoma" panose="020B0604030504040204" pitchFamily="34" charset="0"/>
+              <a:cs typeface="Tahoma" panose="020B0604030504040204" pitchFamily="34" charset="0"/>
+            </a:endParaRPr>
+          </a:p>
+        </p:txBody>
+      </p:sp>
+    </p:spTree>
+    <p:extLst>
+      <p:ext uri="{BB962C8B-B14F-4D97-AF65-F5344CB8AC3E}">
+        <p14:creationId xmlns:p14="http://schemas.microsoft.com/office/powerpoint/2010/main" val="197574597"/>
+      </p:ext>
+    </p:extLst>
+  </p:cSld>
+  <p:clrMapOvr>
+    <a:masterClrMapping/>
+  </p:clrMapOvr>
+  <p:transition spd="slow" advTm="93594"/>
+  <p:timing>
+    <p:tnLst>
+      <p:par>
+        <p:cTn id="1" dur="indefinite" restart="never" nodeType="tmRoot"/>
+      </p:par>
+    </p:tnLst>
+  </p:timing>
+</p:sld>
+</file>
+
+<file path=ppt/slides/slide14.xml><?xml version="1.0" encoding="utf-8"?>
+<p:sld xmlns:a="http://schemas.openxmlformats.org/drawingml/2006/main" xmlns:r="http://schemas.openxmlformats.org/officeDocument/2006/relationships" xmlns:p="http://schemas.openxmlformats.org/presentationml/2006/main">
+  <p:cSld>
+    <p:spTree>
+      <p:nvGrpSpPr>
+        <p:cNvPr id="1" name=""/>
+        <p:cNvGrpSpPr/>
+        <p:nvPr/>
+      </p:nvGrpSpPr>
+      <p:grpSpPr>
+        <a:xfrm>
+          <a:off x="0" y="0"/>
+          <a:ext cx="0" cy="0"/>
+          <a:chOff x="0" y="0"/>
+          <a:chExt cx="0" cy="0"/>
+        </a:xfrm>
+      </p:grpSpPr>
+      <p:sp>
+        <p:nvSpPr>
+          <p:cNvPr id="74" name="Rectangle 73"/>
+          <p:cNvSpPr/>
+          <p:nvPr/>
+        </p:nvSpPr>
+        <p:spPr>
+          <a:xfrm>
+            <a:off x="0" y="0"/>
+            <a:ext cx="8718550" cy="620713"/>
+          </a:xfrm>
+          <a:prstGeom prst="rect">
+            <a:avLst/>
+          </a:prstGeom>
+          <a:solidFill>
+            <a:srgbClr val="DDB405"/>
+          </a:solidFill>
+          <a:ln>
+            <a:noFill/>
+          </a:ln>
+        </p:spPr>
+        <p:style>
+          <a:lnRef idx="2">
+            <a:schemeClr val="accent1">
+              <a:shade val="50000"/>
+            </a:schemeClr>
+          </a:lnRef>
+          <a:fillRef idx="1">
+            <a:schemeClr val="accent1"/>
+          </a:fillRef>
+          <a:effectRef idx="0">
+            <a:schemeClr val="accent1"/>
+          </a:effectRef>
+          <a:fontRef idx="minor">
+            <a:schemeClr val="lt1"/>
+          </a:fontRef>
+        </p:style>
+        <p:txBody>
+          <a:bodyPr anchor="ctr"/>
+          <a:lstStyle/>
+          <a:p>
+            <a:pPr algn="ctr" rtl="0" fontAlgn="auto">
+              <a:spcBef>
+                <a:spcPts val="0"/>
+              </a:spcBef>
+              <a:spcAft>
+                <a:spcPts val="0"/>
+              </a:spcAft>
+              <a:defRPr/>
+            </a:pPr>
+            <a:endParaRPr lang="en-US">
+              <a:solidFill>
+                <a:prstClr val="white"/>
+              </a:solidFill>
+            </a:endParaRPr>
+          </a:p>
+        </p:txBody>
+      </p:sp>
+      <p:sp>
+        <p:nvSpPr>
+          <p:cNvPr id="20485" name="TextBox 36"/>
+          <p:cNvSpPr txBox="1">
+            <a:spLocks noChangeArrowheads="1"/>
+          </p:cNvSpPr>
+          <p:nvPr/>
+        </p:nvSpPr>
+        <p:spPr bwMode="auto">
+          <a:xfrm>
+            <a:off x="116479" y="-1"/>
+            <a:ext cx="7754938" cy="523220"/>
+          </a:xfrm>
+          <a:prstGeom prst="rect">
+            <a:avLst/>
+          </a:prstGeom>
+          <a:noFill/>
+          <a:ln>
+            <a:noFill/>
+          </a:ln>
+          <a:extLst>
+            <a:ext uri="{909E8E84-426E-40DD-AFC4-6F175D3DCCD1}">
+              <a14:hiddenFill xmlns:a14="http://schemas.microsoft.com/office/drawing/2010/main">
+                <a:solidFill>
+                  <a:srgbClr val="FFFFFF"/>
+                </a:solidFill>
+              </a14:hiddenFill>
+            </a:ext>
+            <a:ext uri="{91240B29-F687-4F45-9708-019B960494DF}">
+              <a14:hiddenLine xmlns:a14="http://schemas.microsoft.com/office/drawing/2010/main" w="9525">
+                <a:solidFill>
+                  <a:srgbClr val="000000"/>
+                </a:solidFill>
+                <a:miter lim="800000"/>
+                <a:headEnd/>
+                <a:tailEnd/>
+              </a14:hiddenLine>
+            </a:ext>
+          </a:extLst>
+        </p:spPr>
+        <p:txBody>
+          <a:bodyPr>
+            <a:spAutoFit/>
+          </a:bodyPr>
+          <a:lstStyle>
+            <a:lvl1pPr algn="l" rtl="0" eaLnBrk="0" hangingPunct="0">
+              <a:spcBef>
+                <a:spcPct val="20000"/>
+              </a:spcBef>
+              <a:buFont typeface="Arial" panose="020B0604020202020204" pitchFamily="34" charset="0"/>
+              <a:buChar char="•"/>
+              <a:defRPr sz="3200">
+                <a:solidFill>
+                  <a:schemeClr val="tx1"/>
+                </a:solidFill>
+                <a:latin typeface="Calibri" panose="020F0502020204030204" pitchFamily="34" charset="0"/>
+              </a:defRPr>
+            </a:lvl1pPr>
+            <a:lvl2pPr marL="742950" indent="-285750" algn="l" rtl="0" eaLnBrk="0" hangingPunct="0">
+              <a:spcBef>
+                <a:spcPct val="20000"/>
+              </a:spcBef>
+              <a:buFont typeface="Arial" panose="020B0604020202020204" pitchFamily="34" charset="0"/>
+              <a:buChar char="–"/>
+              <a:defRPr sz="2800">
+                <a:solidFill>
+                  <a:schemeClr val="tx1"/>
+                </a:solidFill>
+                <a:latin typeface="Calibri" panose="020F0502020204030204" pitchFamily="34" charset="0"/>
+              </a:defRPr>
+            </a:lvl2pPr>
+            <a:lvl3pPr marL="1143000" indent="-228600" algn="l" rtl="0" eaLnBrk="0" hangingPunct="0">
+              <a:spcBef>
+                <a:spcPct val="20000"/>
+              </a:spcBef>
+              <a:buFont typeface="Arial" panose="020B0604020202020204" pitchFamily="34" charset="0"/>
+              <a:buChar char="•"/>
+              <a:defRPr sz="2400">
+                <a:solidFill>
+                  <a:schemeClr val="tx1"/>
+                </a:solidFill>
+                <a:latin typeface="Calibri" panose="020F0502020204030204" pitchFamily="34" charset="0"/>
+              </a:defRPr>
+            </a:lvl3pPr>
+            <a:lvl4pPr marL="1600200" indent="-228600" algn="l" rtl="0" eaLnBrk="0" hangingPunct="0">
+              <a:spcBef>
+                <a:spcPct val="20000"/>
+              </a:spcBef>
+              <a:buFont typeface="Arial" panose="020B0604020202020204" pitchFamily="34" charset="0"/>
+              <a:buChar char="–"/>
+              <a:defRPr sz="2000">
+                <a:solidFill>
+                  <a:schemeClr val="tx1"/>
+                </a:solidFill>
+                <a:latin typeface="Calibri" panose="020F0502020204030204" pitchFamily="34" charset="0"/>
+              </a:defRPr>
+            </a:lvl4pPr>
+            <a:lvl5pPr marL="2057400" indent="-228600" algn="l" rtl="0" eaLnBrk="0" hangingPunct="0">
+              <a:spcBef>
+                <a:spcPct val="20000"/>
+              </a:spcBef>
+              <a:buFont typeface="Arial" panose="020B0604020202020204" pitchFamily="34" charset="0"/>
+              <a:buChar char="»"/>
+              <a:defRPr sz="2000">
+                <a:solidFill>
+                  <a:schemeClr val="tx1"/>
+                </a:solidFill>
+                <a:latin typeface="Calibri" panose="020F0502020204030204" pitchFamily="34" charset="0"/>
+              </a:defRPr>
+            </a:lvl5pPr>
+            <a:lvl6pPr marL="2514600" indent="-228600" algn="l" rtl="0" eaLnBrk="0" fontAlgn="base" hangingPunct="0">
+              <a:spcBef>
+                <a:spcPct val="20000"/>
+              </a:spcBef>
+              <a:spcAft>
+                <a:spcPct val="0"/>
+              </a:spcAft>
+              <a:buFont typeface="Arial" panose="020B0604020202020204" pitchFamily="34" charset="0"/>
+              <a:buChar char="»"/>
+              <a:defRPr sz="2000">
+                <a:solidFill>
+                  <a:schemeClr val="tx1"/>
+                </a:solidFill>
+                <a:latin typeface="Calibri" panose="020F0502020204030204" pitchFamily="34" charset="0"/>
+              </a:defRPr>
+            </a:lvl6pPr>
+            <a:lvl7pPr marL="2971800" indent="-228600" algn="l" rtl="0" eaLnBrk="0" fontAlgn="base" hangingPunct="0">
+              <a:spcBef>
+                <a:spcPct val="20000"/>
+              </a:spcBef>
+              <a:spcAft>
+                <a:spcPct val="0"/>
+              </a:spcAft>
+              <a:buFont typeface="Arial" panose="020B0604020202020204" pitchFamily="34" charset="0"/>
+              <a:buChar char="»"/>
+              <a:defRPr sz="2000">
+                <a:solidFill>
+                  <a:schemeClr val="tx1"/>
+                </a:solidFill>
+                <a:latin typeface="Calibri" panose="020F0502020204030204" pitchFamily="34" charset="0"/>
+              </a:defRPr>
+            </a:lvl7pPr>
+            <a:lvl8pPr marL="3429000" indent="-228600" algn="l" rtl="0" eaLnBrk="0" fontAlgn="base" hangingPunct="0">
+              <a:spcBef>
+                <a:spcPct val="20000"/>
+              </a:spcBef>
+              <a:spcAft>
+                <a:spcPct val="0"/>
+              </a:spcAft>
+              <a:buFont typeface="Arial" panose="020B0604020202020204" pitchFamily="34" charset="0"/>
+              <a:buChar char="»"/>
+              <a:defRPr sz="2000">
+                <a:solidFill>
+                  <a:schemeClr val="tx1"/>
+                </a:solidFill>
+                <a:latin typeface="Calibri" panose="020F0502020204030204" pitchFamily="34" charset="0"/>
+              </a:defRPr>
+            </a:lvl8pPr>
+            <a:lvl9pPr marL="3886200" indent="-228600" algn="l" rtl="0" eaLnBrk="0" fontAlgn="base" hangingPunct="0">
+              <a:spcBef>
+                <a:spcPct val="20000"/>
+              </a:spcBef>
+              <a:spcAft>
+                <a:spcPct val="0"/>
+              </a:spcAft>
+              <a:buFont typeface="Arial" panose="020B0604020202020204" pitchFamily="34" charset="0"/>
+              <a:buChar char="»"/>
+              <a:defRPr sz="2000">
+                <a:solidFill>
+                  <a:schemeClr val="tx1"/>
+                </a:solidFill>
+                <a:latin typeface="Calibri" panose="020F0502020204030204" pitchFamily="34" charset="0"/>
+              </a:defRPr>
+            </a:lvl9pPr>
+          </a:lstStyle>
+          <a:p>
+            <a:pPr eaLnBrk="1" hangingPunct="1">
+              <a:spcBef>
+                <a:spcPct val="0"/>
+              </a:spcBef>
+              <a:buFontTx/>
+              <a:buNone/>
+            </a:pPr>
+            <a:r>
+              <a:rPr lang="en-US" altLang="en-US" sz="2800" b="1" dirty="0">
+                <a:solidFill>
+                  <a:srgbClr val="FFFFFF"/>
+                </a:solidFill>
+                <a:latin typeface="Tahoma" panose="020B0604030504040204" pitchFamily="34" charset="0"/>
+                <a:ea typeface="Tahoma" panose="020B0604030504040204" pitchFamily="34" charset="0"/>
+                <a:cs typeface="Tahoma" panose="020B0604030504040204" pitchFamily="34" charset="0"/>
+              </a:rPr>
+              <a:t>Future tasks</a:t>
+            </a:r>
+          </a:p>
+        </p:txBody>
+      </p:sp>
+      <p:cxnSp>
+        <p:nvCxnSpPr>
+          <p:cNvPr id="20" name="Straight Connector 19"/>
+          <p:cNvCxnSpPr/>
+          <p:nvPr/>
+        </p:nvCxnSpPr>
+        <p:spPr>
+          <a:xfrm>
+            <a:off x="2644775" y="6672263"/>
+            <a:ext cx="5976938" cy="0"/>
+          </a:xfrm>
+          <a:prstGeom prst="line">
+            <a:avLst/>
+          </a:prstGeom>
+          <a:ln w="12700">
+            <a:solidFill>
+              <a:schemeClr val="bg1"/>
+            </a:solidFill>
+          </a:ln>
+        </p:spPr>
+        <p:style>
+          <a:lnRef idx="1">
+            <a:schemeClr val="accent1"/>
+          </a:lnRef>
+          <a:fillRef idx="0">
+            <a:schemeClr val="accent1"/>
+          </a:fillRef>
+          <a:effectRef idx="0">
+            <a:schemeClr val="accent1"/>
+          </a:effectRef>
+          <a:fontRef idx="minor">
+            <a:schemeClr val="tx1"/>
+          </a:fontRef>
+        </p:style>
+      </p:cxnSp>
+      <p:cxnSp>
+        <p:nvCxnSpPr>
+          <p:cNvPr id="21" name="Straight Connector 20"/>
+          <p:cNvCxnSpPr/>
+          <p:nvPr/>
+        </p:nvCxnSpPr>
+        <p:spPr>
+          <a:xfrm>
+            <a:off x="144463" y="6672263"/>
+            <a:ext cx="8855075" cy="0"/>
+          </a:xfrm>
+          <a:prstGeom prst="line">
+            <a:avLst/>
+          </a:prstGeom>
+          <a:ln w="12700">
+            <a:solidFill>
+              <a:schemeClr val="bg1">
+                <a:lumMod val="85000"/>
+              </a:schemeClr>
+            </a:solidFill>
+          </a:ln>
+        </p:spPr>
+        <p:style>
+          <a:lnRef idx="1">
+            <a:schemeClr val="accent1"/>
+          </a:lnRef>
+          <a:fillRef idx="0">
+            <a:schemeClr val="accent1"/>
+          </a:fillRef>
+          <a:effectRef idx="0">
+            <a:schemeClr val="accent1"/>
+          </a:effectRef>
+          <a:fontRef idx="minor">
+            <a:schemeClr val="tx1"/>
+          </a:fontRef>
+        </p:style>
+      </p:cxnSp>
+      <p:sp>
+        <p:nvSpPr>
+          <p:cNvPr id="51" name="Oval 50"/>
+          <p:cNvSpPr>
+            <a:spLocks noChangeAspect="1"/>
+          </p:cNvSpPr>
+          <p:nvPr/>
+        </p:nvSpPr>
+        <p:spPr>
+          <a:xfrm>
+            <a:off x="8678862" y="6495121"/>
+            <a:ext cx="286679" cy="286679"/>
+          </a:xfrm>
+          <a:prstGeom prst="ellipse">
+            <a:avLst/>
+          </a:prstGeom>
+          <a:solidFill>
+            <a:srgbClr val="DDB405"/>
+          </a:solidFill>
+          <a:ln w="28575">
+            <a:solidFill>
+              <a:schemeClr val="bg1"/>
+            </a:solidFill>
+          </a:ln>
+        </p:spPr>
+        <p:style>
+          <a:lnRef idx="2">
+            <a:schemeClr val="accent1">
+              <a:shade val="50000"/>
+            </a:schemeClr>
+          </a:lnRef>
+          <a:fillRef idx="1">
+            <a:schemeClr val="accent1"/>
+          </a:fillRef>
+          <a:effectRef idx="0">
+            <a:schemeClr val="accent1"/>
+          </a:effectRef>
+          <a:fontRef idx="minor">
+            <a:schemeClr val="lt1"/>
+          </a:fontRef>
+        </p:style>
+        <p:txBody>
+          <a:bodyPr lIns="0" rIns="0" anchor="ctr"/>
+          <a:lstStyle/>
+          <a:p>
+            <a:pPr algn="ctr" rtl="0" fontAlgn="auto">
+              <a:spcBef>
+                <a:spcPts val="0"/>
+              </a:spcBef>
+              <a:spcAft>
+                <a:spcPts val="0"/>
+              </a:spcAft>
+              <a:defRPr/>
+            </a:pPr>
+            <a:r>
+              <a:rPr lang="en-US" sz="800" b="1" dirty="0">
+                <a:solidFill>
+                  <a:prstClr val="white"/>
+                </a:solidFill>
+                <a:latin typeface="Arial" pitchFamily="34" charset="0"/>
+              </a:rPr>
+              <a:t>4</a:t>
+            </a:r>
+            <a:endParaRPr lang="en-US" sz="800" b="1" dirty="0">
+              <a:solidFill>
+                <a:prstClr val="white"/>
+              </a:solidFill>
+              <a:latin typeface="Arial" pitchFamily="34" charset="0"/>
+              <a:cs typeface="Arial" pitchFamily="34" charset="0"/>
+            </a:endParaRPr>
+          </a:p>
+        </p:txBody>
+      </p:sp>
+      <p:pic>
+        <p:nvPicPr>
+          <p:cNvPr id="20490" name="Picture 2" descr="D:\Clients\Ben Gurion University\Presentation.Template\Images\Briefcase.png"/>
+          <p:cNvPicPr>
+            <a:picLocks noChangeAspect="1" noChangeArrowheads="1"/>
+          </p:cNvPicPr>
+          <p:nvPr/>
+        </p:nvPicPr>
+        <p:blipFill>
+          <a:blip r:embed="rId3">
+            <a:extLst>
+              <a:ext uri="{28A0092B-C50C-407E-A947-70E740481C1C}">
+                <a14:useLocalDpi xmlns:a14="http://schemas.microsoft.com/office/drawing/2010/main" val="0"/>
+              </a:ext>
+            </a:extLst>
+          </a:blip>
+          <a:srcRect/>
+          <a:stretch>
+            <a:fillRect/>
+          </a:stretch>
+        </p:blipFill>
+        <p:spPr bwMode="auto">
+          <a:xfrm>
+            <a:off x="1979613" y="979488"/>
+            <a:ext cx="542925" cy="433387"/>
+          </a:xfrm>
+          <a:prstGeom prst="rect">
+            <a:avLst/>
+          </a:prstGeom>
+          <a:noFill/>
+          <a:ln>
+            <a:noFill/>
+          </a:ln>
+          <a:extLst>
+            <a:ext uri="{909E8E84-426E-40DD-AFC4-6F175D3DCCD1}">
+              <a14:hiddenFill xmlns:a14="http://schemas.microsoft.com/office/drawing/2010/main">
+                <a:solidFill>
+                  <a:srgbClr val="FFFFFF"/>
+                </a:solidFill>
+              </a14:hiddenFill>
+            </a:ext>
+            <a:ext uri="{91240B29-F687-4F45-9708-019B960494DF}">
+              <a14:hiddenLine xmlns:a14="http://schemas.microsoft.com/office/drawing/2010/main" w="9525">
+                <a:solidFill>
+                  <a:srgbClr val="000000"/>
+                </a:solidFill>
+                <a:miter lim="800000"/>
+                <a:headEnd/>
+                <a:tailEnd/>
+              </a14:hiddenLine>
+            </a:ext>
+          </a:extLst>
+        </p:spPr>
+      </p:pic>
+      <p:sp>
+        <p:nvSpPr>
+          <p:cNvPr id="20491" name="TextBox 29"/>
+          <p:cNvSpPr txBox="1">
+            <a:spLocks noChangeArrowheads="1"/>
+          </p:cNvSpPr>
+          <p:nvPr/>
+        </p:nvSpPr>
+        <p:spPr bwMode="auto">
+          <a:xfrm>
+            <a:off x="144463" y="997184"/>
+            <a:ext cx="8461195" cy="3650230"/>
+          </a:xfrm>
+          <a:prstGeom prst="rect">
+            <a:avLst/>
+          </a:prstGeom>
+          <a:noFill/>
+          <a:ln>
+            <a:noFill/>
+          </a:ln>
+          <a:extLst>
+            <a:ext uri="{909E8E84-426E-40DD-AFC4-6F175D3DCCD1}">
+              <a14:hiddenFill xmlns:a14="http://schemas.microsoft.com/office/drawing/2010/main">
+                <a:solidFill>
+                  <a:srgbClr val="FFFFFF"/>
+                </a:solidFill>
+              </a14:hiddenFill>
+            </a:ext>
+            <a:ext uri="{91240B29-F687-4F45-9708-019B960494DF}">
+              <a14:hiddenLine xmlns:a14="http://schemas.microsoft.com/office/drawing/2010/main" w="9525">
+                <a:solidFill>
+                  <a:srgbClr val="000000"/>
+                </a:solidFill>
+                <a:miter lim="800000"/>
+                <a:headEnd/>
+                <a:tailEnd/>
+              </a14:hiddenLine>
+            </a:ext>
+          </a:extLst>
+        </p:spPr>
+        <p:txBody>
+          <a:bodyPr wrap="square">
+            <a:spAutoFit/>
+          </a:bodyPr>
+          <a:lstStyle>
+            <a:lvl1pPr marL="287338" indent="-287338" algn="l" rtl="0" eaLnBrk="0" hangingPunct="0">
+              <a:defRPr>
+                <a:solidFill>
+                  <a:schemeClr val="tx1"/>
+                </a:solidFill>
+                <a:latin typeface="Calibri" panose="020F0502020204030204" pitchFamily="34" charset="0"/>
+                <a:cs typeface="Arial" panose="020B0604020202020204" pitchFamily="34" charset="0"/>
+              </a:defRPr>
+            </a:lvl1pPr>
+            <a:lvl2pPr marL="742950" indent="-285750" algn="l" rtl="0" eaLnBrk="0" hangingPunct="0">
+              <a:defRPr>
+                <a:solidFill>
+                  <a:schemeClr val="tx1"/>
+                </a:solidFill>
+                <a:latin typeface="Calibri" panose="020F0502020204030204" pitchFamily="34" charset="0"/>
+                <a:cs typeface="Arial" panose="020B0604020202020204" pitchFamily="34" charset="0"/>
+              </a:defRPr>
+            </a:lvl2pPr>
+            <a:lvl3pPr marL="1143000" indent="-228600" algn="l" rtl="0" eaLnBrk="0" hangingPunct="0">
+              <a:defRPr>
+                <a:solidFill>
+                  <a:schemeClr val="tx1"/>
+                </a:solidFill>
+                <a:latin typeface="Calibri" panose="020F0502020204030204" pitchFamily="34" charset="0"/>
+                <a:cs typeface="Arial" panose="020B0604020202020204" pitchFamily="34" charset="0"/>
+              </a:defRPr>
+            </a:lvl3pPr>
+            <a:lvl4pPr marL="1600200" indent="-228600" algn="l" rtl="0" eaLnBrk="0" hangingPunct="0">
+              <a:defRPr>
+                <a:solidFill>
+                  <a:schemeClr val="tx1"/>
+                </a:solidFill>
+                <a:latin typeface="Calibri" panose="020F0502020204030204" pitchFamily="34" charset="0"/>
+                <a:cs typeface="Arial" panose="020B0604020202020204" pitchFamily="34" charset="0"/>
+              </a:defRPr>
+            </a:lvl4pPr>
+            <a:lvl5pPr marL="2057400" indent="-228600" algn="l" rtl="0" eaLnBrk="0" hangingPunct="0">
+              <a:defRPr>
+                <a:solidFill>
+                  <a:schemeClr val="tx1"/>
+                </a:solidFill>
+                <a:latin typeface="Calibri" panose="020F0502020204030204" pitchFamily="34" charset="0"/>
+                <a:cs typeface="Arial" panose="020B0604020202020204" pitchFamily="34" charset="0"/>
+              </a:defRPr>
+            </a:lvl5pPr>
+            <a:lvl6pPr marL="2514600" indent="-228600" algn="l" rtl="0" eaLnBrk="0" fontAlgn="base" hangingPunct="0">
+              <a:spcBef>
+                <a:spcPct val="0"/>
+              </a:spcBef>
+              <a:spcAft>
+                <a:spcPct val="0"/>
+              </a:spcAft>
+              <a:defRPr>
+                <a:solidFill>
+                  <a:schemeClr val="tx1"/>
+                </a:solidFill>
+                <a:latin typeface="Calibri" panose="020F0502020204030204" pitchFamily="34" charset="0"/>
+                <a:cs typeface="Arial" panose="020B0604020202020204" pitchFamily="34" charset="0"/>
+              </a:defRPr>
+            </a:lvl6pPr>
+            <a:lvl7pPr marL="2971800" indent="-228600" algn="l" rtl="0" eaLnBrk="0" fontAlgn="base" hangingPunct="0">
+              <a:spcBef>
+                <a:spcPct val="0"/>
+              </a:spcBef>
+              <a:spcAft>
+                <a:spcPct val="0"/>
+              </a:spcAft>
+              <a:defRPr>
+                <a:solidFill>
+                  <a:schemeClr val="tx1"/>
+                </a:solidFill>
+                <a:latin typeface="Calibri" panose="020F0502020204030204" pitchFamily="34" charset="0"/>
+                <a:cs typeface="Arial" panose="020B0604020202020204" pitchFamily="34" charset="0"/>
+              </a:defRPr>
+            </a:lvl7pPr>
+            <a:lvl8pPr marL="3429000" indent="-228600" algn="l" rtl="0" eaLnBrk="0" fontAlgn="base" hangingPunct="0">
+              <a:spcBef>
+                <a:spcPct val="0"/>
+              </a:spcBef>
+              <a:spcAft>
+                <a:spcPct val="0"/>
+              </a:spcAft>
+              <a:defRPr>
+                <a:solidFill>
+                  <a:schemeClr val="tx1"/>
+                </a:solidFill>
+                <a:latin typeface="Calibri" panose="020F0502020204030204" pitchFamily="34" charset="0"/>
+                <a:cs typeface="Arial" panose="020B0604020202020204" pitchFamily="34" charset="0"/>
+              </a:defRPr>
+            </a:lvl8pPr>
+            <a:lvl9pPr marL="3886200" indent="-228600" algn="l" rtl="0" eaLnBrk="0" fontAlgn="base" hangingPunct="0">
+              <a:spcBef>
+                <a:spcPct val="0"/>
+              </a:spcBef>
+              <a:spcAft>
+                <a:spcPct val="0"/>
+              </a:spcAft>
+              <a:defRPr>
+                <a:solidFill>
+                  <a:schemeClr val="tx1"/>
+                </a:solidFill>
+                <a:latin typeface="Calibri" panose="020F0502020204030204" pitchFamily="34" charset="0"/>
+                <a:cs typeface="Arial" panose="020B0604020202020204" pitchFamily="34" charset="0"/>
+              </a:defRPr>
+            </a:lvl9pPr>
+          </a:lstStyle>
+          <a:p>
+            <a:pPr>
+              <a:lnSpc>
+                <a:spcPct val="90000"/>
+              </a:lnSpc>
+              <a:spcBef>
+                <a:spcPts val="2400"/>
+              </a:spcBef>
+              <a:buClr>
+                <a:srgbClr val="E5BA05"/>
+              </a:buClr>
+              <a:buSzPct val="100000"/>
+              <a:buFont typeface="Wingdings 2" panose="05020102010507070707" pitchFamily="18" charset="2"/>
+              <a:buChar char=""/>
+            </a:pPr>
+            <a:r>
+              <a:rPr lang="en-US" altLang="he-IL" sz="2400" dirty="0" smtClean="0">
+                <a:solidFill>
+                  <a:srgbClr val="595959"/>
+                </a:solidFill>
+                <a:latin typeface="Tahoma" panose="020B0604030504040204" pitchFamily="34" charset="0"/>
+                <a:ea typeface="Tahoma" panose="020B0604030504040204" pitchFamily="34" charset="0"/>
+                <a:cs typeface="Tahoma" panose="020B0604030504040204" pitchFamily="34" charset="0"/>
+              </a:rPr>
               <a:t>Recommendation </a:t>
             </a:r>
             <a:r>
@@ -16022,7 +20096,7 @@
   <p:clrMapOvr>
     <a:masterClrMapping/>
   </p:clrMapOvr>
-  <p:transition spd="slow"/>
+  <p:transition spd="slow" advTm="41850"/>
   <p:timing>
     <p:tnLst>
       <p:par>
@@ -16033,7 +20107,7 @@
 </p:sld>
 </file>
 
-<file path=ppt/slides/slide13.xml><?xml version="1.0" encoding="utf-8"?>
+<file path=ppt/slides/slide15.xml><?xml version="1.0" encoding="utf-8"?>
 <p:sld xmlns:a="http://schemas.openxmlformats.org/drawingml/2006/main" xmlns:r="http://schemas.openxmlformats.org/officeDocument/2006/relationships" xmlns:p="http://schemas.openxmlformats.org/presentationml/2006/main">
   <p:cSld>
     <p:spTree>
@@ -16474,6 +20548,14 @@
   <p:clrMapOvr>
     <a:masterClrMapping/>
   </p:clrMapOvr>
+  <mc:AlternateContent xmlns:mc="http://schemas.openxmlformats.org/markup-compatibility/2006">
+    <mc:Choice xmlns:p14="http://schemas.microsoft.com/office/powerpoint/2010/main" Requires="p14">
+      <p:transition spd="slow" p14:dur="2000" advTm="5503"/>
+    </mc:Choice>
+    <mc:Fallback>
+      <p:transition spd="slow" advTm="5503"/>
+    </mc:Fallback>
+  </mc:AlternateContent>
   <p:timing>
     <p:tnLst>
       <p:par>
@@ -17315,7 +21397,7 @@
   <p:clrMapOvr>
     <a:masterClrMapping/>
   </p:clrMapOvr>
-  <p:transition spd="slow"/>
+  <p:transition spd="slow" advTm="33582"/>
   <p:timing>
     <p:tnLst>
       <p:par>
@@ -18144,7 +22226,7 @@
   <p:clrMapOvr>
     <a:masterClrMapping/>
   </p:clrMapOvr>
-  <p:transition spd="slow"/>
+  <p:transition spd="slow" advTm="15662"/>
   <p:timing>
     <p:tnLst>
       <p:par>
@@ -19058,7 +23140,7 @@
   <p:clrMapOvr>
     <a:masterClrMapping/>
   </p:clrMapOvr>
-  <p:transition spd="slow"/>
+  <p:transition spd="slow" advTm="64134"/>
   <p:timing>
     <p:tnLst>
       <p:par>
@@ -20874,7 +24956,7 @@
           <p:nvPr/>
         </p:nvPicPr>
         <p:blipFill>
-          <a:blip r:embed="rId3">
+          <a:blip r:embed="rId4">
             <a:extLst>
               <a:ext uri="{28A0092B-C50C-407E-A947-70E740481C1C}">
                 <a14:useLocalDpi xmlns:a14="http://schemas.microsoft.com/office/drawing/2010/main" val="0"/>
@@ -21223,7 +25305,7 @@
           <p:nvPr/>
         </p:nvPicPr>
         <p:blipFill>
-          <a:blip r:embed="rId4">
+          <a:blip r:embed="rId5">
             <a:extLst>
               <a:ext uri="{28A0092B-C50C-407E-A947-70E740481C1C}">
                 <a14:useLocalDpi xmlns:a14="http://schemas.microsoft.com/office/drawing/2010/main" val="0"/>
@@ -21293,7 +25375,7 @@
           <p:nvPr/>
         </p:nvPicPr>
         <p:blipFill>
-          <a:blip r:embed="rId5" cstate="print">
+          <a:blip r:embed="rId6" cstate="print">
             <a:extLst>
               <a:ext uri="{28A0092B-C50C-407E-A947-70E740481C1C}">
                 <a14:useLocalDpi xmlns:a14="http://schemas.microsoft.com/office/drawing/2010/main" val="0"/>
@@ -21315,6 +25397,9 @@
         </p:spPr>
       </p:pic>
     </p:spTree>
+    <p:custDataLst>
+      <p:tags r:id="rId1"/>
+    </p:custDataLst>
     <p:extLst>
       <p:ext uri="{BB962C8B-B14F-4D97-AF65-F5344CB8AC3E}">
         <p14:creationId xmlns:p14="http://schemas.microsoft.com/office/powerpoint/2010/main" val="815874854"/>
@@ -21324,7 +25409,7 @@
   <p:clrMapOvr>
     <a:masterClrMapping/>
   </p:clrMapOvr>
-  <p:transition spd="slow"/>
+  <p:transition spd="slow" advTm="73980"/>
   <p:timing>
     <p:tnLst>
       <p:par>
@@ -24247,7 +28332,7 @@
           <p:nvPr/>
         </p:nvPicPr>
         <p:blipFill>
-          <a:blip r:embed="rId3">
+          <a:blip r:embed="rId4">
             <a:extLst>
               <a:ext uri="{28A0092B-C50C-407E-A947-70E740481C1C}">
                 <a14:useLocalDpi xmlns:a14="http://schemas.microsoft.com/office/drawing/2010/main" val="0"/>
@@ -24723,6 +28808,9 @@
         </p:txBody>
       </p:sp>
     </p:spTree>
+    <p:custDataLst>
+      <p:tags r:id="rId1"/>
+    </p:custDataLst>
     <p:extLst>
       <p:ext uri="{BB962C8B-B14F-4D97-AF65-F5344CB8AC3E}">
         <p14:creationId xmlns:p14="http://schemas.microsoft.com/office/powerpoint/2010/main" val="1407831077"/>
@@ -24732,7 +28820,7 @@
   <p:clrMapOvr>
     <a:masterClrMapping/>
   </p:clrMapOvr>
-  <p:transition spd="slow"/>
+  <p:transition spd="slow" advTm="122938"/>
   <p:timing>
     <p:tnLst>
       <p:par>
@@ -25990,7 +30078,7 @@
   <p:clrMapOvr>
     <a:masterClrMapping/>
   </p:clrMapOvr>
-  <p:transition spd="slow"/>
+  <p:transition spd="slow" advTm="84781"/>
   <p:timing>
     <p:tnLst>
       <p:par>
@@ -26435,7 +30523,7 @@
           <p:nvPr/>
         </p:nvPicPr>
         <p:blipFill>
-          <a:blip r:embed="rId3">
+          <a:blip r:embed="rId4">
             <a:extLst>
               <a:ext uri="{28A0092B-C50C-407E-A947-70E740481C1C}">
                 <a14:useLocalDpi xmlns:a14="http://schemas.microsoft.com/office/drawing/2010/main" val="0"/>
@@ -26488,7 +30576,7 @@
         </p:nvSpPr>
         <p:spPr>
           <a:xfrm>
-            <a:off x="5258470" y="2802786"/>
+            <a:off x="5220072" y="2852936"/>
             <a:ext cx="1315020" cy="720080"/>
           </a:xfrm>
           <a:prstGeom prst="rightArrow">
@@ -26609,14 +30697,14 @@
           <p:nvPr>
             <p:extLst>
               <p:ext uri="{D42A27DB-BD31-4B8C-83A1-F6EECF244321}">
-                <p14:modId xmlns:p14="http://schemas.microsoft.com/office/powerpoint/2010/main" val="2221441804"/>
+                <p14:modId xmlns:p14="http://schemas.microsoft.com/office/powerpoint/2010/main" val="2615465052"/>
               </p:ext>
             </p:extLst>
           </p:nvPr>
         </p:nvGraphicFramePr>
         <p:xfrm>
-          <a:off x="628551" y="2570009"/>
-          <a:ext cx="4032448" cy="1472560"/>
+          <a:off x="628550" y="2348969"/>
+          <a:ext cx="3943450" cy="1668780"/>
         </p:xfrm>
         <a:graphic>
           <a:graphicData uri="http://schemas.openxmlformats.org/drawingml/2006/table">
@@ -26625,7 +30713,8 @@
                 <a:tableStyleId>{3C2FFA5D-87B4-456A-9821-1D502468CF0F}</a:tableStyleId>
               </a:tblPr>
               <a:tblGrid>
-                <a:gridCol w="4032448"/>
+                <a:gridCol w="3366984"/>
+                <a:gridCol w="576466"/>
               </a:tblGrid>
               <a:tr h="360040">
                 <a:tc>
@@ -26743,6 +30832,37 @@
                   </a:txBody>
                   <a:tcPr marL="7620" marR="7620" marT="7620" marB="0" anchor="b"/>
                 </a:tc>
+                <a:tc>
+                  <a:txBody>
+                    <a:bodyPr/>
+                    <a:lstStyle/>
+                    <a:p>
+                      <a:pPr algn="l" rtl="0" fontAlgn="b"/>
+                      <a:r>
+                        <a:rPr lang="fr-FR" sz="1800" b="1" i="0" u="none" strike="noStrike" dirty="0" smtClean="0">
+                          <a:solidFill>
+                            <a:srgbClr val="0070C0"/>
+                          </a:solidFill>
+                          <a:effectLst/>
+                          <a:latin typeface="Tahoma" panose="020B0604030504040204" pitchFamily="34" charset="0"/>
+                          <a:ea typeface="Tahoma" panose="020B0604030504040204" pitchFamily="34" charset="0"/>
+                          <a:cs typeface="Tahoma" panose="020B0604030504040204" pitchFamily="34" charset="0"/>
+                        </a:rPr>
+                        <a:t>1</a:t>
+                      </a:r>
+                      <a:endParaRPr lang="fr-FR" sz="1800" b="1" i="0" u="none" strike="noStrike" dirty="0">
+                        <a:solidFill>
+                          <a:srgbClr val="0070C0"/>
+                        </a:solidFill>
+                        <a:effectLst/>
+                        <a:latin typeface="Tahoma" panose="020B0604030504040204" pitchFamily="34" charset="0"/>
+                        <a:ea typeface="Tahoma" panose="020B0604030504040204" pitchFamily="34" charset="0"/>
+                        <a:cs typeface="Tahoma" panose="020B0604030504040204" pitchFamily="34" charset="0"/>
+                      </a:endParaRPr>
+                    </a:p>
+                  </a:txBody>
+                  <a:tcPr marL="7620" marR="7620" marT="7620" marB="0" anchor="b"/>
+                </a:tc>
               </a:tr>
               <a:tr h="360040">
                 <a:tc>
@@ -26798,6 +30918,37 @@
                           <a:cs typeface="Tahoma" panose="020B0604030504040204" pitchFamily="34" charset="0"/>
                         </a:rPr>
                         <a:t>B.o.B</a:t>
+                      </a:r>
+                      <a:endParaRPr lang="en-US" sz="1800" b="1" i="0" u="none" strike="noStrike" dirty="0">
+                        <a:solidFill>
+                          <a:srgbClr val="0070C0"/>
+                        </a:solidFill>
+                        <a:effectLst/>
+                        <a:latin typeface="Tahoma" panose="020B0604030504040204" pitchFamily="34" charset="0"/>
+                        <a:ea typeface="Tahoma" panose="020B0604030504040204" pitchFamily="34" charset="0"/>
+                        <a:cs typeface="Tahoma" panose="020B0604030504040204" pitchFamily="34" charset="0"/>
+                      </a:endParaRPr>
+                    </a:p>
+                  </a:txBody>
+                  <a:tcPr marL="7620" marR="7620" marT="7620" marB="0" anchor="b"/>
+                </a:tc>
+                <a:tc>
+                  <a:txBody>
+                    <a:bodyPr/>
+                    <a:lstStyle/>
+                    <a:p>
+                      <a:pPr algn="l" rtl="0" fontAlgn="b"/>
+                      <a:r>
+                        <a:rPr lang="en-US" sz="1800" b="1" i="0" u="none" strike="noStrike" dirty="0" smtClean="0">
+                          <a:solidFill>
+                            <a:srgbClr val="0070C0"/>
+                          </a:solidFill>
+                          <a:effectLst/>
+                          <a:latin typeface="Tahoma" panose="020B0604030504040204" pitchFamily="34" charset="0"/>
+                          <a:ea typeface="Tahoma" panose="020B0604030504040204" pitchFamily="34" charset="0"/>
+                          <a:cs typeface="Tahoma" panose="020B0604030504040204" pitchFamily="34" charset="0"/>
+                        </a:rPr>
+                        <a:t>2</a:t>
                       </a:r>
                       <a:endParaRPr lang="en-US" sz="1800" b="1" i="0" u="none" strike="noStrike" dirty="0">
                         <a:solidFill>
@@ -26869,12 +31020,46 @@
                   </a:txBody>
                   <a:tcPr marL="7620" marR="7620" marT="7620" marB="0" anchor="b"/>
                 </a:tc>
+                <a:tc>
+                  <a:txBody>
+                    <a:bodyPr/>
+                    <a:lstStyle/>
+                    <a:p>
+                      <a:pPr algn="l" rtl="0" fontAlgn="b"/>
+                      <a:r>
+                        <a:rPr lang="en-US" sz="1800" b="1" i="0" u="none" strike="noStrike" dirty="0" smtClean="0">
+                          <a:solidFill>
+                            <a:srgbClr val="0070C0"/>
+                          </a:solidFill>
+                          <a:effectLst/>
+                          <a:latin typeface="Tahoma" panose="020B0604030504040204" pitchFamily="34" charset="0"/>
+                          <a:ea typeface="Tahoma" panose="020B0604030504040204" pitchFamily="34" charset="0"/>
+                          <a:cs typeface="Tahoma" panose="020B0604030504040204" pitchFamily="34" charset="0"/>
+                        </a:rPr>
+                        <a:t>3</a:t>
+                      </a:r>
+                      <a:endParaRPr lang="en-US" sz="1800" b="1" i="0" u="none" strike="noStrike" dirty="0">
+                        <a:solidFill>
+                          <a:srgbClr val="0070C0"/>
+                        </a:solidFill>
+                        <a:effectLst/>
+                        <a:latin typeface="Tahoma" panose="020B0604030504040204" pitchFamily="34" charset="0"/>
+                        <a:ea typeface="Tahoma" panose="020B0604030504040204" pitchFamily="34" charset="0"/>
+                        <a:cs typeface="Tahoma" panose="020B0604030504040204" pitchFamily="34" charset="0"/>
+                      </a:endParaRPr>
+                    </a:p>
+                  </a:txBody>
+                  <a:tcPr marL="7620" marR="7620" marT="7620" marB="0" anchor="b"/>
+                </a:tc>
               </a:tr>
             </a:tbl>
           </a:graphicData>
         </a:graphic>
       </p:graphicFrame>
     </p:spTree>
+    <p:custDataLst>
+      <p:tags r:id="rId1"/>
+    </p:custDataLst>
     <p:extLst>
       <p:ext uri="{BB962C8B-B14F-4D97-AF65-F5344CB8AC3E}">
         <p14:creationId xmlns:p14="http://schemas.microsoft.com/office/powerpoint/2010/main" val="685198620"/>
@@ -26884,7 +31069,7 @@
   <p:clrMapOvr>
     <a:masterClrMapping/>
   </p:clrMapOvr>
-  <p:transition spd="slow"/>
+  <p:transition spd="slow" advTm="14523"/>
   <p:timing>
     <p:tnLst>
       <p:par>
@@ -26951,7 +31136,7 @@
                             </p:stCondLst>
                             <p:childTnLst>
                               <p:par>
-                                <p:cTn id="9" presetID="10" presetClass="entr" presetSubtype="0" fill="hold" grpId="0" nodeType="clickEffect">
+                                <p:cTn id="9" presetID="1" presetClass="entr" presetSubtype="0" fill="hold" grpId="0" nodeType="clickEffect">
                                   <p:stCondLst>
                                     <p:cond delay="0"/>
                                   </p:stCondLst>
@@ -26959,6 +31144,51 @@
                                     <p:set>
                                       <p:cBhvr>
                                         <p:cTn id="10" dur="1" fill="hold">
+                                          <p:stCondLst>
+                                            <p:cond delay="0"/>
+                                          </p:stCondLst>
+                                        </p:cTn>
+                                        <p:tgtEl>
+                                          <p:spTgt spid="3"/>
+                                        </p:tgtEl>
+                                        <p:attrNameLst>
+                                          <p:attrName>style.visibility</p:attrName>
+                                        </p:attrNameLst>
+                                      </p:cBhvr>
+                                      <p:to>
+                                        <p:strVal val="visible"/>
+                                      </p:to>
+                                    </p:set>
+                                  </p:childTnLst>
+                                </p:cTn>
+                              </p:par>
+                            </p:childTnLst>
+                          </p:cTn>
+                        </p:par>
+                      </p:childTnLst>
+                    </p:cTn>
+                  </p:par>
+                  <p:par>
+                    <p:cTn id="11" fill="hold">
+                      <p:stCondLst>
+                        <p:cond delay="indefinite"/>
+                      </p:stCondLst>
+                      <p:childTnLst>
+                        <p:par>
+                          <p:cTn id="12" fill="hold">
+                            <p:stCondLst>
+                              <p:cond delay="0"/>
+                            </p:stCondLst>
+                            <p:childTnLst>
+                              <p:par>
+                                <p:cTn id="13" presetID="10" presetClass="entr" presetSubtype="0" fill="hold" grpId="0" nodeType="clickEffect">
+                                  <p:stCondLst>
+                                    <p:cond delay="0"/>
+                                  </p:stCondLst>
+                                  <p:childTnLst>
+                                    <p:set>
+                                      <p:cBhvr>
+                                        <p:cTn id="14" dur="1" fill="hold">
                                           <p:stCondLst>
                                             <p:cond delay="0"/>
                                           </p:stCondLst>
@@ -26976,7 +31206,7 @@
                                     </p:set>
                                     <p:animEffect transition="in" filter="fade">
                                       <p:cBhvr>
-                                        <p:cTn id="11" dur="500"/>
+                                        <p:cTn id="15" dur="500"/>
                                         <p:tgtEl>
                                           <p:spTgt spid="4"/>
                                         </p:tgtEl>
@@ -27013,10 +31243,35 @@
       </p:par>
     </p:tnLst>
     <p:bldLst>
+      <p:bldP spid="3" grpId="0" animBg="1"/>
       <p:bldP spid="4" grpId="0" animBg="1"/>
     </p:bldLst>
   </p:timing>
 </p:sld>
+</file>
+
+<file path=ppt/tags/tag1.xml><?xml version="1.0" encoding="utf-8"?>
+<p:tagLst xmlns:a="http://schemas.openxmlformats.org/drawingml/2006/main" xmlns:r="http://schemas.openxmlformats.org/officeDocument/2006/relationships" xmlns:p="http://schemas.openxmlformats.org/presentationml/2006/main">
+  <p:tag name="TIMING" val="|1.2|27.6|30.3"/>
+</p:tagLst>
+</file>
+
+<file path=ppt/tags/tag2.xml><?xml version="1.0" encoding="utf-8"?>
+<p:tagLst xmlns:a="http://schemas.openxmlformats.org/drawingml/2006/main" xmlns:r="http://schemas.openxmlformats.org/officeDocument/2006/relationships" xmlns:p="http://schemas.openxmlformats.org/presentationml/2006/main">
+  <p:tag name="TIMING" val="|2.1|29.8|11.1|4.2|5.1|8.4|28.7"/>
+</p:tagLst>
+</file>
+
+<file path=ppt/tags/tag3.xml><?xml version="1.0" encoding="utf-8"?>
+<p:tagLst xmlns:a="http://schemas.openxmlformats.org/drawingml/2006/main" xmlns:r="http://schemas.openxmlformats.org/officeDocument/2006/relationships" xmlns:p="http://schemas.openxmlformats.org/presentationml/2006/main">
+  <p:tag name="TIMING" val="|0.8|8.7|0.6"/>
+</p:tagLst>
+</file>
+
+<file path=ppt/tags/tag4.xml><?xml version="1.0" encoding="utf-8"?>
+<p:tagLst xmlns:a="http://schemas.openxmlformats.org/drawingml/2006/main" xmlns:r="http://schemas.openxmlformats.org/officeDocument/2006/relationships" xmlns:p="http://schemas.openxmlformats.org/presentationml/2006/main">
+  <p:tag name="TIMING" val="|0.7|8.8|0.4"/>
+</p:tagLst>
 </file>
 
 <file path=ppt/theme/theme1.xml><?xml version="1.0" encoding="utf-8"?>

--- a/Report/Presentation.pptx
+++ b/Report/Presentation.pptx
@@ -6,7 +6,7 @@
     <p:sldMasterId id="2147483673" r:id="rId2"/>
   </p:sldMasterIdLst>
   <p:notesMasterIdLst>
-    <p:notesMasterId r:id="rId18"/>
+    <p:notesMasterId r:id="rId17"/>
   </p:notesMasterIdLst>
   <p:sldIdLst>
     <p:sldId id="256" r:id="rId3"/>
@@ -14,16 +14,15 @@
     <p:sldId id="407" r:id="rId5"/>
     <p:sldId id="409" r:id="rId6"/>
     <p:sldId id="388" r:id="rId7"/>
-    <p:sldId id="401" r:id="rId8"/>
-    <p:sldId id="408" r:id="rId9"/>
-    <p:sldId id="410" r:id="rId10"/>
-    <p:sldId id="414" r:id="rId11"/>
-    <p:sldId id="415" r:id="rId12"/>
-    <p:sldId id="416" r:id="rId13"/>
-    <p:sldId id="417" r:id="rId14"/>
-    <p:sldId id="404" r:id="rId15"/>
-    <p:sldId id="405" r:id="rId16"/>
-    <p:sldId id="319" r:id="rId17"/>
+    <p:sldId id="408" r:id="rId8"/>
+    <p:sldId id="410" r:id="rId9"/>
+    <p:sldId id="414" r:id="rId10"/>
+    <p:sldId id="415" r:id="rId11"/>
+    <p:sldId id="416" r:id="rId12"/>
+    <p:sldId id="417" r:id="rId13"/>
+    <p:sldId id="404" r:id="rId14"/>
+    <p:sldId id="405" r:id="rId15"/>
+    <p:sldId id="319" r:id="rId16"/>
   </p:sldIdLst>
   <p:sldSz cx="9144000" cy="6858000" type="screen4x3"/>
   <p:notesSz cx="6858000" cy="9144000"/>
@@ -970,7 +969,7 @@
     </p:spTree>
     <p:extLst>
       <p:ext uri="{BB962C8B-B14F-4D97-AF65-F5344CB8AC3E}">
-        <p14:creationId xmlns:p14="http://schemas.microsoft.com/office/powerpoint/2010/main" val="3996841593"/>
+        <p14:creationId xmlns:p14="http://schemas.microsoft.com/office/powerpoint/2010/main" val="1679499485"/>
       </p:ext>
     </p:extLst>
   </p:cSld>
@@ -1254,7 +1253,7 @@
     </p:spTree>
     <p:extLst>
       <p:ext uri="{BB962C8B-B14F-4D97-AF65-F5344CB8AC3E}">
-        <p14:creationId xmlns:p14="http://schemas.microsoft.com/office/powerpoint/2010/main" val="1679499485"/>
+        <p14:creationId xmlns:p14="http://schemas.microsoft.com/office/powerpoint/2010/main" val="642056096"/>
       </p:ext>
     </p:extLst>
   </p:cSld>
@@ -1538,7 +1537,7 @@
     </p:spTree>
     <p:extLst>
       <p:ext uri="{BB962C8B-B14F-4D97-AF65-F5344CB8AC3E}">
-        <p14:creationId xmlns:p14="http://schemas.microsoft.com/office/powerpoint/2010/main" val="642056096"/>
+        <p14:creationId xmlns:p14="http://schemas.microsoft.com/office/powerpoint/2010/main" val="4197263872"/>
       </p:ext>
     </p:extLst>
   </p:cSld>
@@ -1822,7 +1821,7 @@
     </p:spTree>
     <p:extLst>
       <p:ext uri="{BB962C8B-B14F-4D97-AF65-F5344CB8AC3E}">
-        <p14:creationId xmlns:p14="http://schemas.microsoft.com/office/powerpoint/2010/main" val="4197263872"/>
+        <p14:creationId xmlns:p14="http://schemas.microsoft.com/office/powerpoint/2010/main" val="2610704459"/>
       </p:ext>
     </p:extLst>
   </p:cSld>
@@ -1833,290 +1832,6 @@
 </file>
 
 <file path=ppt/notesSlides/notesSlide14.xml><?xml version="1.0" encoding="utf-8"?>
-<p:notes xmlns:a="http://schemas.openxmlformats.org/drawingml/2006/main" xmlns:r="http://schemas.openxmlformats.org/officeDocument/2006/relationships" xmlns:p="http://schemas.openxmlformats.org/presentationml/2006/main">
-  <p:cSld>
-    <p:spTree>
-      <p:nvGrpSpPr>
-        <p:cNvPr id="1" name=""/>
-        <p:cNvGrpSpPr/>
-        <p:nvPr/>
-      </p:nvGrpSpPr>
-      <p:grpSpPr>
-        <a:xfrm>
-          <a:off x="0" y="0"/>
-          <a:ext cx="0" cy="0"/>
-          <a:chOff x="0" y="0"/>
-          <a:chExt cx="0" cy="0"/>
-        </a:xfrm>
-      </p:grpSpPr>
-      <p:sp>
-        <p:nvSpPr>
-          <p:cNvPr id="40962" name="Slide Image Placeholder 1"/>
-          <p:cNvSpPr>
-            <a:spLocks noGrp="1" noRot="1" noChangeAspect="1" noTextEdit="1"/>
-          </p:cNvSpPr>
-          <p:nvPr>
-            <p:ph type="sldImg"/>
-          </p:nvPr>
-        </p:nvSpPr>
-        <p:spPr bwMode="auto">
-          <a:noFill/>
-          <a:ln>
-            <a:solidFill>
-              <a:srgbClr val="000000"/>
-            </a:solidFill>
-            <a:miter lim="800000"/>
-            <a:headEnd/>
-            <a:tailEnd/>
-          </a:ln>
-          <a:extLst>
-            <a:ext uri="{909E8E84-426E-40DD-AFC4-6F175D3DCCD1}">
-              <a14:hiddenFill xmlns:a14="http://schemas.microsoft.com/office/drawing/2010/main">
-                <a:solidFill>
-                  <a:srgbClr val="FFFFFF"/>
-                </a:solidFill>
-              </a14:hiddenFill>
-            </a:ext>
-          </a:extLst>
-        </p:spPr>
-      </p:sp>
-      <p:sp>
-        <p:nvSpPr>
-          <p:cNvPr id="40963" name="Notes Placeholder 2"/>
-          <p:cNvSpPr>
-            <a:spLocks noGrp="1"/>
-          </p:cNvSpPr>
-          <p:nvPr>
-            <p:ph type="body" idx="1"/>
-          </p:nvPr>
-        </p:nvSpPr>
-        <p:spPr bwMode="auto">
-          <a:noFill/>
-          <a:extLst>
-            <a:ext uri="{909E8E84-426E-40DD-AFC4-6F175D3DCCD1}">
-              <a14:hiddenFill xmlns:a14="http://schemas.microsoft.com/office/drawing/2010/main">
-                <a:solidFill>
-                  <a:srgbClr val="FFFFFF"/>
-                </a:solidFill>
-              </a14:hiddenFill>
-            </a:ext>
-            <a:ext uri="{91240B29-F687-4F45-9708-019B960494DF}">
-              <a14:hiddenLine xmlns:a14="http://schemas.microsoft.com/office/drawing/2010/main" w="9525">
-                <a:solidFill>
-                  <a:srgbClr val="000000"/>
-                </a:solidFill>
-                <a:miter lim="800000"/>
-                <a:headEnd/>
-                <a:tailEnd/>
-              </a14:hiddenLine>
-            </a:ext>
-          </a:extLst>
-        </p:spPr>
-        <p:txBody>
-          <a:bodyPr wrap="square" numCol="1" anchor="t" anchorCtr="0" compatLnSpc="1">
-            <a:prstTxWarp prst="textNoShape">
-              <a:avLst/>
-            </a:prstTxWarp>
-          </a:bodyPr>
-          <a:lstStyle/>
-          <a:p>
-            <a:pPr eaLnBrk="1" hangingPunct="1">
-              <a:spcBef>
-                <a:spcPct val="0"/>
-              </a:spcBef>
-            </a:pPr>
-            <a:endParaRPr lang="en-US" altLang="en-US" dirty="0"/>
-          </a:p>
-        </p:txBody>
-      </p:sp>
-      <p:sp>
-        <p:nvSpPr>
-          <p:cNvPr id="40964" name="Slide Number Placeholder 3"/>
-          <p:cNvSpPr>
-            <a:spLocks noGrp="1"/>
-          </p:cNvSpPr>
-          <p:nvPr>
-            <p:ph type="sldNum" sz="quarter" idx="5"/>
-          </p:nvPr>
-        </p:nvSpPr>
-        <p:spPr bwMode="auto">
-          <a:noFill/>
-          <a:extLst>
-            <a:ext uri="{909E8E84-426E-40DD-AFC4-6F175D3DCCD1}">
-              <a14:hiddenFill xmlns:a14="http://schemas.microsoft.com/office/drawing/2010/main">
-                <a:solidFill>
-                  <a:srgbClr val="FFFFFF"/>
-                </a:solidFill>
-              </a14:hiddenFill>
-            </a:ext>
-            <a:ext uri="{91240B29-F687-4F45-9708-019B960494DF}">
-              <a14:hiddenLine xmlns:a14="http://schemas.microsoft.com/office/drawing/2010/main" w="9525">
-                <a:solidFill>
-                  <a:srgbClr val="000000"/>
-                </a:solidFill>
-                <a:miter lim="800000"/>
-                <a:headEnd/>
-                <a:tailEnd/>
-              </a14:hiddenLine>
-            </a:ext>
-          </a:extLst>
-        </p:spPr>
-        <p:txBody>
-          <a:bodyPr/>
-          <a:lstStyle>
-            <a:lvl1pPr algn="l" rtl="0" eaLnBrk="0" hangingPunct="0">
-              <a:spcBef>
-                <a:spcPct val="30000"/>
-              </a:spcBef>
-              <a:defRPr sz="1200">
-                <a:solidFill>
-                  <a:schemeClr val="tx1"/>
-                </a:solidFill>
-                <a:latin typeface="Calibri" panose="020F0502020204030204" pitchFamily="34" charset="0"/>
-              </a:defRPr>
-            </a:lvl1pPr>
-            <a:lvl2pPr marL="755650" indent="-290513" algn="l" rtl="0" eaLnBrk="0" hangingPunct="0">
-              <a:spcBef>
-                <a:spcPct val="30000"/>
-              </a:spcBef>
-              <a:defRPr sz="1200">
-                <a:solidFill>
-                  <a:schemeClr val="tx1"/>
-                </a:solidFill>
-                <a:latin typeface="Calibri" panose="020F0502020204030204" pitchFamily="34" charset="0"/>
-              </a:defRPr>
-            </a:lvl2pPr>
-            <a:lvl3pPr marL="1163638" indent="-231775" algn="l" rtl="0" eaLnBrk="0" hangingPunct="0">
-              <a:spcBef>
-                <a:spcPct val="30000"/>
-              </a:spcBef>
-              <a:defRPr sz="1200">
-                <a:solidFill>
-                  <a:schemeClr val="tx1"/>
-                </a:solidFill>
-                <a:latin typeface="Calibri" panose="020F0502020204030204" pitchFamily="34" charset="0"/>
-              </a:defRPr>
-            </a:lvl3pPr>
-            <a:lvl4pPr marL="1630363" indent="-231775" algn="l" rtl="0" eaLnBrk="0" hangingPunct="0">
-              <a:spcBef>
-                <a:spcPct val="30000"/>
-              </a:spcBef>
-              <a:defRPr sz="1200">
-                <a:solidFill>
-                  <a:schemeClr val="tx1"/>
-                </a:solidFill>
-                <a:latin typeface="Calibri" panose="020F0502020204030204" pitchFamily="34" charset="0"/>
-              </a:defRPr>
-            </a:lvl4pPr>
-            <a:lvl5pPr marL="2095500" indent="-231775" algn="l" rtl="0" eaLnBrk="0" hangingPunct="0">
-              <a:spcBef>
-                <a:spcPct val="30000"/>
-              </a:spcBef>
-              <a:defRPr sz="1200">
-                <a:solidFill>
-                  <a:schemeClr val="tx1"/>
-                </a:solidFill>
-                <a:latin typeface="Calibri" panose="020F0502020204030204" pitchFamily="34" charset="0"/>
-              </a:defRPr>
-            </a:lvl5pPr>
-            <a:lvl6pPr marL="2552700" indent="-231775" algn="l" rtl="0" eaLnBrk="0" fontAlgn="base" hangingPunct="0">
-              <a:spcBef>
-                <a:spcPct val="30000"/>
-              </a:spcBef>
-              <a:spcAft>
-                <a:spcPct val="0"/>
-              </a:spcAft>
-              <a:defRPr sz="1200">
-                <a:solidFill>
-                  <a:schemeClr val="tx1"/>
-                </a:solidFill>
-                <a:latin typeface="Calibri" panose="020F0502020204030204" pitchFamily="34" charset="0"/>
-              </a:defRPr>
-            </a:lvl6pPr>
-            <a:lvl7pPr marL="3009900" indent="-231775" algn="l" rtl="0" eaLnBrk="0" fontAlgn="base" hangingPunct="0">
-              <a:spcBef>
-                <a:spcPct val="30000"/>
-              </a:spcBef>
-              <a:spcAft>
-                <a:spcPct val="0"/>
-              </a:spcAft>
-              <a:defRPr sz="1200">
-                <a:solidFill>
-                  <a:schemeClr val="tx1"/>
-                </a:solidFill>
-                <a:latin typeface="Calibri" panose="020F0502020204030204" pitchFamily="34" charset="0"/>
-              </a:defRPr>
-            </a:lvl7pPr>
-            <a:lvl8pPr marL="3467100" indent="-231775" algn="l" rtl="0" eaLnBrk="0" fontAlgn="base" hangingPunct="0">
-              <a:spcBef>
-                <a:spcPct val="30000"/>
-              </a:spcBef>
-              <a:spcAft>
-                <a:spcPct val="0"/>
-              </a:spcAft>
-              <a:defRPr sz="1200">
-                <a:solidFill>
-                  <a:schemeClr val="tx1"/>
-                </a:solidFill>
-                <a:latin typeface="Calibri" panose="020F0502020204030204" pitchFamily="34" charset="0"/>
-              </a:defRPr>
-            </a:lvl8pPr>
-            <a:lvl9pPr marL="3924300" indent="-231775" algn="l" rtl="0" eaLnBrk="0" fontAlgn="base" hangingPunct="0">
-              <a:spcBef>
-                <a:spcPct val="30000"/>
-              </a:spcBef>
-              <a:spcAft>
-                <a:spcPct val="0"/>
-              </a:spcAft>
-              <a:defRPr sz="1200">
-                <a:solidFill>
-                  <a:schemeClr val="tx1"/>
-                </a:solidFill>
-                <a:latin typeface="Calibri" panose="020F0502020204030204" pitchFamily="34" charset="0"/>
-              </a:defRPr>
-            </a:lvl9pPr>
-          </a:lstStyle>
-          <a:p>
-            <a:pPr algn="r" eaLnBrk="1" hangingPunct="1">
-              <a:spcBef>
-                <a:spcPct val="0"/>
-              </a:spcBef>
-            </a:pPr>
-            <a:fld id="{A9B0EC19-4D11-4F5D-A414-66FAA80E5D6E}" type="slidenum">
-              <a:rPr lang="en-US" altLang="en-US">
-                <a:solidFill>
-                  <a:srgbClr val="000000"/>
-                </a:solidFill>
-              </a:rPr>
-              <a:pPr algn="r" eaLnBrk="1" hangingPunct="1">
-                <a:spcBef>
-                  <a:spcPct val="0"/>
-                </a:spcBef>
-              </a:pPr>
-              <a:t>14</a:t>
-            </a:fld>
-            <a:endParaRPr lang="en-US" altLang="en-US">
-              <a:solidFill>
-                <a:srgbClr val="000000"/>
-              </a:solidFill>
-            </a:endParaRPr>
-          </a:p>
-        </p:txBody>
-      </p:sp>
-    </p:spTree>
-    <p:extLst>
-      <p:ext uri="{BB962C8B-B14F-4D97-AF65-F5344CB8AC3E}">
-        <p14:creationId xmlns:p14="http://schemas.microsoft.com/office/powerpoint/2010/main" val="2610704459"/>
-      </p:ext>
-    </p:extLst>
-  </p:cSld>
-  <p:clrMapOvr>
-    <a:masterClrMapping/>
-  </p:clrMapOvr>
-</p:notes>
-</file>
-
-<file path=ppt/notesSlides/notesSlide15.xml><?xml version="1.0" encoding="utf-8"?>
 <p:notes xmlns:a="http://schemas.openxmlformats.org/drawingml/2006/main" xmlns:r="http://schemas.openxmlformats.org/officeDocument/2006/relationships" xmlns:p="http://schemas.openxmlformats.org/presentationml/2006/main">
   <p:cSld>
     <p:spTree>
@@ -2373,7 +2088,7 @@
                   <a:spcPct val="0"/>
                 </a:spcBef>
               </a:pPr>
-              <a:t>15</a:t>
+              <a:t>14</a:t>
             </a:fld>
             <a:endParaRPr lang="en-US" altLang="en-US"/>
           </a:p>
@@ -3802,7 +3517,7 @@
     </p:spTree>
     <p:extLst>
       <p:ext uri="{BB962C8B-B14F-4D97-AF65-F5344CB8AC3E}">
-        <p14:creationId xmlns:p14="http://schemas.microsoft.com/office/powerpoint/2010/main" val="1052031015"/>
+        <p14:creationId xmlns:p14="http://schemas.microsoft.com/office/powerpoint/2010/main" val="3426014169"/>
       </p:ext>
     </p:extLst>
   </p:cSld>
@@ -4086,7 +3801,7 @@
     </p:spTree>
     <p:extLst>
       <p:ext uri="{BB962C8B-B14F-4D97-AF65-F5344CB8AC3E}">
-        <p14:creationId xmlns:p14="http://schemas.microsoft.com/office/powerpoint/2010/main" val="3426014169"/>
+        <p14:creationId xmlns:p14="http://schemas.microsoft.com/office/powerpoint/2010/main" val="1324225799"/>
       </p:ext>
     </p:extLst>
   </p:cSld>
@@ -4370,7 +4085,7 @@
     </p:spTree>
     <p:extLst>
       <p:ext uri="{BB962C8B-B14F-4D97-AF65-F5344CB8AC3E}">
-        <p14:creationId xmlns:p14="http://schemas.microsoft.com/office/powerpoint/2010/main" val="1324225799"/>
+        <p14:creationId xmlns:p14="http://schemas.microsoft.com/office/powerpoint/2010/main" val="1828259669"/>
       </p:ext>
     </p:extLst>
   </p:cSld>
@@ -4654,7 +4369,7 @@
     </p:spTree>
     <p:extLst>
       <p:ext uri="{BB962C8B-B14F-4D97-AF65-F5344CB8AC3E}">
-        <p14:creationId xmlns:p14="http://schemas.microsoft.com/office/powerpoint/2010/main" val="1828259669"/>
+        <p14:creationId xmlns:p14="http://schemas.microsoft.com/office/powerpoint/2010/main" val="3996841593"/>
       </p:ext>
     </p:extLst>
   </p:cSld>
@@ -13650,11 +13365,11 @@
   <p:clrMapOvr>
     <a:masterClrMapping/>
   </p:clrMapOvr>
-  <mc:AlternateContent xmlns:mc="http://schemas.openxmlformats.org/markup-compatibility/2006">
-    <mc:Choice xmlns:p14="http://schemas.microsoft.com/office/powerpoint/2010/main" Requires="p14">
+  <mc:AlternateContent xmlns:mc="http://schemas.openxmlformats.org/markup-compatibility/2006" xmlns:p14="http://schemas.microsoft.com/office/powerpoint/2010/main">
+    <mc:Choice Requires="p14">
       <p:transition spd="slow" p14:dur="2000" advTm="600"/>
     </mc:Choice>
-    <mc:Fallback>
+    <mc:Fallback xmlns="">
       <p:transition spd="slow" advTm="600"/>
     </mc:Fallback>
   </mc:AlternateContent>
@@ -13669,1086 +13384,6 @@
 </file>
 
 <file path=ppt/slides/slide10.xml><?xml version="1.0" encoding="utf-8"?>
-<p:sld xmlns:a="http://schemas.openxmlformats.org/drawingml/2006/main" xmlns:r="http://schemas.openxmlformats.org/officeDocument/2006/relationships" xmlns:p="http://schemas.openxmlformats.org/presentationml/2006/main">
-  <p:cSld>
-    <p:spTree>
-      <p:nvGrpSpPr>
-        <p:cNvPr id="1" name=""/>
-        <p:cNvGrpSpPr/>
-        <p:nvPr/>
-      </p:nvGrpSpPr>
-      <p:grpSpPr>
-        <a:xfrm>
-          <a:off x="0" y="0"/>
-          <a:ext cx="0" cy="0"/>
-          <a:chOff x="0" y="0"/>
-          <a:chExt cx="0" cy="0"/>
-        </a:xfrm>
-      </p:grpSpPr>
-      <p:sp>
-        <p:nvSpPr>
-          <p:cNvPr id="74" name="Rectangle 73"/>
-          <p:cNvSpPr/>
-          <p:nvPr/>
-        </p:nvSpPr>
-        <p:spPr>
-          <a:xfrm>
-            <a:off x="0" y="0"/>
-            <a:ext cx="8718550" cy="620713"/>
-          </a:xfrm>
-          <a:prstGeom prst="rect">
-            <a:avLst/>
-          </a:prstGeom>
-          <a:solidFill>
-            <a:srgbClr val="DDB405"/>
-          </a:solidFill>
-          <a:ln>
-            <a:noFill/>
-          </a:ln>
-        </p:spPr>
-        <p:style>
-          <a:lnRef idx="2">
-            <a:schemeClr val="accent1">
-              <a:shade val="50000"/>
-            </a:schemeClr>
-          </a:lnRef>
-          <a:fillRef idx="1">
-            <a:schemeClr val="accent1"/>
-          </a:fillRef>
-          <a:effectRef idx="0">
-            <a:schemeClr val="accent1"/>
-          </a:effectRef>
-          <a:fontRef idx="minor">
-            <a:schemeClr val="lt1"/>
-          </a:fontRef>
-        </p:style>
-        <p:txBody>
-          <a:bodyPr anchor="ctr"/>
-          <a:lstStyle/>
-          <a:p>
-            <a:pPr algn="ctr" rtl="0" fontAlgn="auto">
-              <a:spcBef>
-                <a:spcPts val="0"/>
-              </a:spcBef>
-              <a:spcAft>
-                <a:spcPts val="0"/>
-              </a:spcAft>
-              <a:defRPr/>
-            </a:pPr>
-            <a:endParaRPr lang="en-US">
-              <a:solidFill>
-                <a:prstClr val="white"/>
-              </a:solidFill>
-            </a:endParaRPr>
-          </a:p>
-        </p:txBody>
-      </p:sp>
-      <p:sp>
-        <p:nvSpPr>
-          <p:cNvPr id="20485" name="TextBox 36"/>
-          <p:cNvSpPr txBox="1">
-            <a:spLocks noChangeArrowheads="1"/>
-          </p:cNvSpPr>
-          <p:nvPr/>
-        </p:nvSpPr>
-        <p:spPr bwMode="auto">
-          <a:xfrm>
-            <a:off x="116479" y="-1"/>
-            <a:ext cx="7754938" cy="523220"/>
-          </a:xfrm>
-          <a:prstGeom prst="rect">
-            <a:avLst/>
-          </a:prstGeom>
-          <a:noFill/>
-          <a:ln>
-            <a:noFill/>
-          </a:ln>
-          <a:extLst>
-            <a:ext uri="{909E8E84-426E-40DD-AFC4-6F175D3DCCD1}">
-              <a14:hiddenFill xmlns:a14="http://schemas.microsoft.com/office/drawing/2010/main">
-                <a:solidFill>
-                  <a:srgbClr val="FFFFFF"/>
-                </a:solidFill>
-              </a14:hiddenFill>
-            </a:ext>
-            <a:ext uri="{91240B29-F687-4F45-9708-019B960494DF}">
-              <a14:hiddenLine xmlns:a14="http://schemas.microsoft.com/office/drawing/2010/main" w="9525">
-                <a:solidFill>
-                  <a:srgbClr val="000000"/>
-                </a:solidFill>
-                <a:miter lim="800000"/>
-                <a:headEnd/>
-                <a:tailEnd/>
-              </a14:hiddenLine>
-            </a:ext>
-          </a:extLst>
-        </p:spPr>
-        <p:txBody>
-          <a:bodyPr>
-            <a:spAutoFit/>
-          </a:bodyPr>
-          <a:lstStyle>
-            <a:lvl1pPr algn="l" rtl="0" eaLnBrk="0" hangingPunct="0">
-              <a:spcBef>
-                <a:spcPct val="20000"/>
-              </a:spcBef>
-              <a:buFont typeface="Arial" panose="020B0604020202020204" pitchFamily="34" charset="0"/>
-              <a:buChar char="•"/>
-              <a:defRPr sz="3200">
-                <a:solidFill>
-                  <a:schemeClr val="tx1"/>
-                </a:solidFill>
-                <a:latin typeface="Calibri" panose="020F0502020204030204" pitchFamily="34" charset="0"/>
-              </a:defRPr>
-            </a:lvl1pPr>
-            <a:lvl2pPr marL="742950" indent="-285750" algn="l" rtl="0" eaLnBrk="0" hangingPunct="0">
-              <a:spcBef>
-                <a:spcPct val="20000"/>
-              </a:spcBef>
-              <a:buFont typeface="Arial" panose="020B0604020202020204" pitchFamily="34" charset="0"/>
-              <a:buChar char="–"/>
-              <a:defRPr sz="2800">
-                <a:solidFill>
-                  <a:schemeClr val="tx1"/>
-                </a:solidFill>
-                <a:latin typeface="Calibri" panose="020F0502020204030204" pitchFamily="34" charset="0"/>
-              </a:defRPr>
-            </a:lvl2pPr>
-            <a:lvl3pPr marL="1143000" indent="-228600" algn="l" rtl="0" eaLnBrk="0" hangingPunct="0">
-              <a:spcBef>
-                <a:spcPct val="20000"/>
-              </a:spcBef>
-              <a:buFont typeface="Arial" panose="020B0604020202020204" pitchFamily="34" charset="0"/>
-              <a:buChar char="•"/>
-              <a:defRPr sz="2400">
-                <a:solidFill>
-                  <a:schemeClr val="tx1"/>
-                </a:solidFill>
-                <a:latin typeface="Calibri" panose="020F0502020204030204" pitchFamily="34" charset="0"/>
-              </a:defRPr>
-            </a:lvl3pPr>
-            <a:lvl4pPr marL="1600200" indent="-228600" algn="l" rtl="0" eaLnBrk="0" hangingPunct="0">
-              <a:spcBef>
-                <a:spcPct val="20000"/>
-              </a:spcBef>
-              <a:buFont typeface="Arial" panose="020B0604020202020204" pitchFamily="34" charset="0"/>
-              <a:buChar char="–"/>
-              <a:defRPr sz="2000">
-                <a:solidFill>
-                  <a:schemeClr val="tx1"/>
-                </a:solidFill>
-                <a:latin typeface="Calibri" panose="020F0502020204030204" pitchFamily="34" charset="0"/>
-              </a:defRPr>
-            </a:lvl4pPr>
-            <a:lvl5pPr marL="2057400" indent="-228600" algn="l" rtl="0" eaLnBrk="0" hangingPunct="0">
-              <a:spcBef>
-                <a:spcPct val="20000"/>
-              </a:spcBef>
-              <a:buFont typeface="Arial" panose="020B0604020202020204" pitchFamily="34" charset="0"/>
-              <a:buChar char="»"/>
-              <a:defRPr sz="2000">
-                <a:solidFill>
-                  <a:schemeClr val="tx1"/>
-                </a:solidFill>
-                <a:latin typeface="Calibri" panose="020F0502020204030204" pitchFamily="34" charset="0"/>
-              </a:defRPr>
-            </a:lvl5pPr>
-            <a:lvl6pPr marL="2514600" indent="-228600" algn="l" rtl="0" eaLnBrk="0" fontAlgn="base" hangingPunct="0">
-              <a:spcBef>
-                <a:spcPct val="20000"/>
-              </a:spcBef>
-              <a:spcAft>
-                <a:spcPct val="0"/>
-              </a:spcAft>
-              <a:buFont typeface="Arial" panose="020B0604020202020204" pitchFamily="34" charset="0"/>
-              <a:buChar char="»"/>
-              <a:defRPr sz="2000">
-                <a:solidFill>
-                  <a:schemeClr val="tx1"/>
-                </a:solidFill>
-                <a:latin typeface="Calibri" panose="020F0502020204030204" pitchFamily="34" charset="0"/>
-              </a:defRPr>
-            </a:lvl6pPr>
-            <a:lvl7pPr marL="2971800" indent="-228600" algn="l" rtl="0" eaLnBrk="0" fontAlgn="base" hangingPunct="0">
-              <a:spcBef>
-                <a:spcPct val="20000"/>
-              </a:spcBef>
-              <a:spcAft>
-                <a:spcPct val="0"/>
-              </a:spcAft>
-              <a:buFont typeface="Arial" panose="020B0604020202020204" pitchFamily="34" charset="0"/>
-              <a:buChar char="»"/>
-              <a:defRPr sz="2000">
-                <a:solidFill>
-                  <a:schemeClr val="tx1"/>
-                </a:solidFill>
-                <a:latin typeface="Calibri" panose="020F0502020204030204" pitchFamily="34" charset="0"/>
-              </a:defRPr>
-            </a:lvl7pPr>
-            <a:lvl8pPr marL="3429000" indent="-228600" algn="l" rtl="0" eaLnBrk="0" fontAlgn="base" hangingPunct="0">
-              <a:spcBef>
-                <a:spcPct val="20000"/>
-              </a:spcBef>
-              <a:spcAft>
-                <a:spcPct val="0"/>
-              </a:spcAft>
-              <a:buFont typeface="Arial" panose="020B0604020202020204" pitchFamily="34" charset="0"/>
-              <a:buChar char="»"/>
-              <a:defRPr sz="2000">
-                <a:solidFill>
-                  <a:schemeClr val="tx1"/>
-                </a:solidFill>
-                <a:latin typeface="Calibri" panose="020F0502020204030204" pitchFamily="34" charset="0"/>
-              </a:defRPr>
-            </a:lvl8pPr>
-            <a:lvl9pPr marL="3886200" indent="-228600" algn="l" rtl="0" eaLnBrk="0" fontAlgn="base" hangingPunct="0">
-              <a:spcBef>
-                <a:spcPct val="20000"/>
-              </a:spcBef>
-              <a:spcAft>
-                <a:spcPct val="0"/>
-              </a:spcAft>
-              <a:buFont typeface="Arial" panose="020B0604020202020204" pitchFamily="34" charset="0"/>
-              <a:buChar char="»"/>
-              <a:defRPr sz="2000">
-                <a:solidFill>
-                  <a:schemeClr val="tx1"/>
-                </a:solidFill>
-                <a:latin typeface="Calibri" panose="020F0502020204030204" pitchFamily="34" charset="0"/>
-              </a:defRPr>
-            </a:lvl9pPr>
-          </a:lstStyle>
-          <a:p>
-            <a:pPr eaLnBrk="1" hangingPunct="1">
-              <a:spcBef>
-                <a:spcPct val="0"/>
-              </a:spcBef>
-              <a:buFontTx/>
-              <a:buNone/>
-            </a:pPr>
-            <a:r>
-              <a:rPr lang="en-US" altLang="en-US" sz="2800" b="1" dirty="0" smtClean="0">
-                <a:solidFill>
-                  <a:srgbClr val="FFFFFF"/>
-                </a:solidFill>
-                <a:latin typeface="Tahoma" panose="020B0604030504040204" pitchFamily="34" charset="0"/>
-                <a:ea typeface="Tahoma" panose="020B0604030504040204" pitchFamily="34" charset="0"/>
-                <a:cs typeface="Tahoma" panose="020B0604030504040204" pitchFamily="34" charset="0"/>
-              </a:rPr>
-              <a:t>Results</a:t>
-            </a:r>
-            <a:endParaRPr lang="en-US" altLang="en-US" sz="2800" b="1" dirty="0">
-              <a:solidFill>
-                <a:srgbClr val="FFFFFF"/>
-              </a:solidFill>
-              <a:latin typeface="Tahoma" panose="020B0604030504040204" pitchFamily="34" charset="0"/>
-              <a:ea typeface="Tahoma" panose="020B0604030504040204" pitchFamily="34" charset="0"/>
-              <a:cs typeface="Tahoma" panose="020B0604030504040204" pitchFamily="34" charset="0"/>
-            </a:endParaRPr>
-          </a:p>
-        </p:txBody>
-      </p:sp>
-      <p:cxnSp>
-        <p:nvCxnSpPr>
-          <p:cNvPr id="20" name="Straight Connector 19"/>
-          <p:cNvCxnSpPr/>
-          <p:nvPr/>
-        </p:nvCxnSpPr>
-        <p:spPr>
-          <a:xfrm>
-            <a:off x="2644775" y="6672263"/>
-            <a:ext cx="5976938" cy="0"/>
-          </a:xfrm>
-          <a:prstGeom prst="line">
-            <a:avLst/>
-          </a:prstGeom>
-          <a:ln w="12700">
-            <a:solidFill>
-              <a:schemeClr val="bg1"/>
-            </a:solidFill>
-          </a:ln>
-        </p:spPr>
-        <p:style>
-          <a:lnRef idx="1">
-            <a:schemeClr val="accent1"/>
-          </a:lnRef>
-          <a:fillRef idx="0">
-            <a:schemeClr val="accent1"/>
-          </a:fillRef>
-          <a:effectRef idx="0">
-            <a:schemeClr val="accent1"/>
-          </a:effectRef>
-          <a:fontRef idx="minor">
-            <a:schemeClr val="tx1"/>
-          </a:fontRef>
-        </p:style>
-      </p:cxnSp>
-      <p:cxnSp>
-        <p:nvCxnSpPr>
-          <p:cNvPr id="21" name="Straight Connector 20"/>
-          <p:cNvCxnSpPr/>
-          <p:nvPr/>
-        </p:nvCxnSpPr>
-        <p:spPr>
-          <a:xfrm>
-            <a:off x="144463" y="6672263"/>
-            <a:ext cx="8855075" cy="0"/>
-          </a:xfrm>
-          <a:prstGeom prst="line">
-            <a:avLst/>
-          </a:prstGeom>
-          <a:ln w="12700">
-            <a:solidFill>
-              <a:schemeClr val="bg1">
-                <a:lumMod val="85000"/>
-              </a:schemeClr>
-            </a:solidFill>
-          </a:ln>
-        </p:spPr>
-        <p:style>
-          <a:lnRef idx="1">
-            <a:schemeClr val="accent1"/>
-          </a:lnRef>
-          <a:fillRef idx="0">
-            <a:schemeClr val="accent1"/>
-          </a:fillRef>
-          <a:effectRef idx="0">
-            <a:schemeClr val="accent1"/>
-          </a:effectRef>
-          <a:fontRef idx="minor">
-            <a:schemeClr val="tx1"/>
-          </a:fontRef>
-        </p:style>
-      </p:cxnSp>
-      <p:sp>
-        <p:nvSpPr>
-          <p:cNvPr id="51" name="Oval 50"/>
-          <p:cNvSpPr>
-            <a:spLocks noChangeAspect="1"/>
-          </p:cNvSpPr>
-          <p:nvPr/>
-        </p:nvSpPr>
-        <p:spPr>
-          <a:xfrm>
-            <a:off x="8678862" y="6495121"/>
-            <a:ext cx="286679" cy="286679"/>
-          </a:xfrm>
-          <a:prstGeom prst="ellipse">
-            <a:avLst/>
-          </a:prstGeom>
-          <a:solidFill>
-            <a:srgbClr val="DDB405"/>
-          </a:solidFill>
-          <a:ln w="28575">
-            <a:solidFill>
-              <a:schemeClr val="bg1"/>
-            </a:solidFill>
-          </a:ln>
-        </p:spPr>
-        <p:style>
-          <a:lnRef idx="2">
-            <a:schemeClr val="accent1">
-              <a:shade val="50000"/>
-            </a:schemeClr>
-          </a:lnRef>
-          <a:fillRef idx="1">
-            <a:schemeClr val="accent1"/>
-          </a:fillRef>
-          <a:effectRef idx="0">
-            <a:schemeClr val="accent1"/>
-          </a:effectRef>
-          <a:fontRef idx="minor">
-            <a:schemeClr val="lt1"/>
-          </a:fontRef>
-        </p:style>
-        <p:txBody>
-          <a:bodyPr lIns="0" rIns="0" anchor="ctr"/>
-          <a:lstStyle/>
-          <a:p>
-            <a:pPr algn="ctr" rtl="0" fontAlgn="auto">
-              <a:spcBef>
-                <a:spcPts val="0"/>
-              </a:spcBef>
-              <a:spcAft>
-                <a:spcPts val="0"/>
-              </a:spcAft>
-              <a:defRPr/>
-            </a:pPr>
-            <a:r>
-              <a:rPr lang="en-US" sz="800" b="1" dirty="0">
-                <a:solidFill>
-                  <a:prstClr val="white"/>
-                </a:solidFill>
-                <a:latin typeface="Arial" pitchFamily="34" charset="0"/>
-              </a:rPr>
-              <a:t>4</a:t>
-            </a:r>
-            <a:endParaRPr lang="en-US" sz="800" b="1" dirty="0">
-              <a:solidFill>
-                <a:prstClr val="white"/>
-              </a:solidFill>
-              <a:latin typeface="Arial" pitchFamily="34" charset="0"/>
-              <a:cs typeface="Arial" pitchFamily="34" charset="0"/>
-            </a:endParaRPr>
-          </a:p>
-        </p:txBody>
-      </p:sp>
-      <p:pic>
-        <p:nvPicPr>
-          <p:cNvPr id="20490" name="Picture 2" descr="D:\Clients\Ben Gurion University\Presentation.Template\Images\Briefcase.png"/>
-          <p:cNvPicPr>
-            <a:picLocks noChangeAspect="1" noChangeArrowheads="1"/>
-          </p:cNvPicPr>
-          <p:nvPr/>
-        </p:nvPicPr>
-        <p:blipFill>
-          <a:blip r:embed="rId3">
-            <a:extLst>
-              <a:ext uri="{28A0092B-C50C-407E-A947-70E740481C1C}">
-                <a14:useLocalDpi xmlns:a14="http://schemas.microsoft.com/office/drawing/2010/main" val="0"/>
-              </a:ext>
-            </a:extLst>
-          </a:blip>
-          <a:srcRect/>
-          <a:stretch>
-            <a:fillRect/>
-          </a:stretch>
-        </p:blipFill>
-        <p:spPr bwMode="auto">
-          <a:xfrm>
-            <a:off x="1979613" y="979488"/>
-            <a:ext cx="542925" cy="433387"/>
-          </a:xfrm>
-          <a:prstGeom prst="rect">
-            <a:avLst/>
-          </a:prstGeom>
-          <a:noFill/>
-          <a:ln>
-            <a:noFill/>
-          </a:ln>
-          <a:extLst>
-            <a:ext uri="{909E8E84-426E-40DD-AFC4-6F175D3DCCD1}">
-              <a14:hiddenFill xmlns:a14="http://schemas.microsoft.com/office/drawing/2010/main">
-                <a:solidFill>
-                  <a:srgbClr val="FFFFFF"/>
-                </a:solidFill>
-              </a14:hiddenFill>
-            </a:ext>
-            <a:ext uri="{91240B29-F687-4F45-9708-019B960494DF}">
-              <a14:hiddenLine xmlns:a14="http://schemas.microsoft.com/office/drawing/2010/main" w="9525">
-                <a:solidFill>
-                  <a:srgbClr val="000000"/>
-                </a:solidFill>
-                <a:miter lim="800000"/>
-                <a:headEnd/>
-                <a:tailEnd/>
-              </a14:hiddenLine>
-            </a:ext>
-          </a:extLst>
-        </p:spPr>
-      </p:pic>
-      <p:sp>
-        <p:nvSpPr>
-          <p:cNvPr id="3" name="Right Arrow 2"/>
-          <p:cNvSpPr/>
-          <p:nvPr/>
-        </p:nvSpPr>
-        <p:spPr>
-          <a:xfrm>
-            <a:off x="5220072" y="2852936"/>
-            <a:ext cx="1315020" cy="720080"/>
-          </a:xfrm>
-          <a:prstGeom prst="rightArrow">
-            <a:avLst/>
-          </a:prstGeom>
-        </p:spPr>
-        <p:style>
-          <a:lnRef idx="2">
-            <a:schemeClr val="accent1">
-              <a:shade val="50000"/>
-            </a:schemeClr>
-          </a:lnRef>
-          <a:fillRef idx="1">
-            <a:schemeClr val="accent1"/>
-          </a:fillRef>
-          <a:effectRef idx="0">
-            <a:schemeClr val="accent1"/>
-          </a:effectRef>
-          <a:fontRef idx="minor">
-            <a:schemeClr val="lt1"/>
-          </a:fontRef>
-        </p:style>
-        <p:txBody>
-          <a:bodyPr rtlCol="1" anchor="ctr"/>
-          <a:lstStyle/>
-          <a:p>
-            <a:pPr algn="ctr"/>
-            <a:endParaRPr lang="he-IL"/>
-          </a:p>
-        </p:txBody>
-      </p:sp>
-      <p:sp>
-        <p:nvSpPr>
-          <p:cNvPr id="4" name="TextBox 3"/>
-          <p:cNvSpPr txBox="1"/>
-          <p:nvPr/>
-        </p:nvSpPr>
-        <p:spPr>
-          <a:xfrm>
-            <a:off x="6732240" y="2721694"/>
-            <a:ext cx="2089961" cy="923330"/>
-          </a:xfrm>
-          <a:prstGeom prst="rect">
-            <a:avLst/>
-          </a:prstGeom>
-          <a:gradFill>
-            <a:gsLst>
-              <a:gs pos="0">
-                <a:schemeClr val="accent1">
-                  <a:lumMod val="5000"/>
-                  <a:lumOff val="95000"/>
-                </a:schemeClr>
-              </a:gs>
-              <a:gs pos="74000">
-                <a:schemeClr val="accent1">
-                  <a:lumMod val="45000"/>
-                  <a:lumOff val="55000"/>
-                </a:schemeClr>
-              </a:gs>
-              <a:gs pos="83000">
-                <a:schemeClr val="accent1">
-                  <a:lumMod val="45000"/>
-                  <a:lumOff val="55000"/>
-                </a:schemeClr>
-              </a:gs>
-              <a:gs pos="100000">
-                <a:schemeClr val="accent1">
-                  <a:lumMod val="30000"/>
-                  <a:lumOff val="70000"/>
-                </a:schemeClr>
-              </a:gs>
-            </a:gsLst>
-            <a:lin ang="5400000" scaled="1"/>
-          </a:gradFill>
-        </p:spPr>
-        <p:txBody>
-          <a:bodyPr wrap="square" rtlCol="1">
-            <a:spAutoFit/>
-          </a:bodyPr>
-          <a:lstStyle/>
-          <a:p>
-            <a:pPr algn="ctr" rtl="0"/>
-            <a:r>
-              <a:rPr lang="en-US" b="1" dirty="0">
-                <a:solidFill>
-                  <a:schemeClr val="accent5">
-                    <a:lumMod val="75000"/>
-                  </a:schemeClr>
-                </a:solidFill>
-                <a:latin typeface="Tahoma" panose="020B0604030504040204" pitchFamily="34" charset="0"/>
-                <a:ea typeface="Tahoma" panose="020B0604030504040204" pitchFamily="34" charset="0"/>
-                <a:cs typeface="Tahoma" panose="020B0604030504040204" pitchFamily="34" charset="0"/>
-              </a:rPr>
-              <a:t>Fancy - Iggy Azalea </a:t>
-            </a:r>
-            <a:r>
-              <a:rPr lang="en-US" b="1" dirty="0" smtClean="0">
-                <a:solidFill>
-                  <a:schemeClr val="accent5">
-                    <a:lumMod val="75000"/>
-                  </a:schemeClr>
-                </a:solidFill>
-                <a:latin typeface="Tahoma" panose="020B0604030504040204" pitchFamily="34" charset="0"/>
-                <a:ea typeface="Tahoma" panose="020B0604030504040204" pitchFamily="34" charset="0"/>
-                <a:cs typeface="Tahoma" panose="020B0604030504040204" pitchFamily="34" charset="0"/>
-              </a:rPr>
-              <a:t>Feat. Charli XCX</a:t>
-            </a:r>
-          </a:p>
-        </p:txBody>
-      </p:sp>
-      <p:graphicFrame>
-        <p:nvGraphicFramePr>
-          <p:cNvPr id="11" name="Table 10"/>
-          <p:cNvGraphicFramePr>
-            <a:graphicFrameLocks noGrp="1"/>
-          </p:cNvGraphicFramePr>
-          <p:nvPr>
-            <p:extLst>
-              <p:ext uri="{D42A27DB-BD31-4B8C-83A1-F6EECF244321}">
-                <p14:modId xmlns:p14="http://schemas.microsoft.com/office/powerpoint/2010/main" val="1448195351"/>
-              </p:ext>
-            </p:extLst>
-          </p:nvPr>
-        </p:nvGraphicFramePr>
-        <p:xfrm>
-          <a:off x="628550" y="2348969"/>
-          <a:ext cx="3943450" cy="2225040"/>
-        </p:xfrm>
-        <a:graphic>
-          <a:graphicData uri="http://schemas.openxmlformats.org/drawingml/2006/table">
-            <a:tbl>
-              <a:tblPr rtl="1">
-                <a:tableStyleId>{3C2FFA5D-87B4-456A-9821-1D502468CF0F}</a:tableStyleId>
-              </a:tblPr>
-              <a:tblGrid>
-                <a:gridCol w="3366984"/>
-                <a:gridCol w="576466"/>
-              </a:tblGrid>
-              <a:tr h="360040">
-                <a:tc>
-                  <a:txBody>
-                    <a:bodyPr/>
-                    <a:lstStyle/>
-                    <a:p>
-                      <a:pPr algn="l" rtl="0" fontAlgn="b"/>
-                      <a:r>
-                        <a:rPr lang="fr-FR" sz="1800" b="1" u="none" strike="noStrike" dirty="0" err="1">
-                          <a:solidFill>
-                            <a:srgbClr val="0070C0"/>
-                          </a:solidFill>
-                          <a:effectLst/>
-                          <a:latin typeface="Tahoma" panose="020B0604030504040204" pitchFamily="34" charset="0"/>
-                          <a:ea typeface="Tahoma" panose="020B0604030504040204" pitchFamily="34" charset="0"/>
-                          <a:cs typeface="Tahoma" panose="020B0604030504040204" pitchFamily="34" charset="0"/>
-                        </a:rPr>
-                        <a:t>Billionaire</a:t>
-                      </a:r>
-                      <a:r>
-                        <a:rPr lang="fr-FR" sz="1800" b="1" u="none" strike="noStrike" dirty="0">
-                          <a:solidFill>
-                            <a:srgbClr val="0070C0"/>
-                          </a:solidFill>
-                          <a:effectLst/>
-                          <a:latin typeface="Tahoma" panose="020B0604030504040204" pitchFamily="34" charset="0"/>
-                          <a:ea typeface="Tahoma" panose="020B0604030504040204" pitchFamily="34" charset="0"/>
-                          <a:cs typeface="Tahoma" panose="020B0604030504040204" pitchFamily="34" charset="0"/>
-                        </a:rPr>
-                        <a:t> - </a:t>
-                      </a:r>
-                      <a:r>
-                        <a:rPr lang="fr-FR" sz="1800" b="1" u="none" strike="noStrike" dirty="0" err="1">
-                          <a:solidFill>
-                            <a:srgbClr val="0070C0"/>
-                          </a:solidFill>
-                          <a:effectLst/>
-                          <a:latin typeface="Tahoma" panose="020B0604030504040204" pitchFamily="34" charset="0"/>
-                          <a:ea typeface="Tahoma" panose="020B0604030504040204" pitchFamily="34" charset="0"/>
-                          <a:cs typeface="Tahoma" panose="020B0604030504040204" pitchFamily="34" charset="0"/>
-                        </a:rPr>
-                        <a:t>Travie</a:t>
-                      </a:r>
-                      <a:r>
-                        <a:rPr lang="fr-FR" sz="1800" b="1" u="none" strike="noStrike" dirty="0">
-                          <a:solidFill>
-                            <a:srgbClr val="0070C0"/>
-                          </a:solidFill>
-                          <a:effectLst/>
-                          <a:latin typeface="Tahoma" panose="020B0604030504040204" pitchFamily="34" charset="0"/>
-                          <a:ea typeface="Tahoma" panose="020B0604030504040204" pitchFamily="34" charset="0"/>
-                          <a:cs typeface="Tahoma" panose="020B0604030504040204" pitchFamily="34" charset="0"/>
-                        </a:rPr>
-                        <a:t> </a:t>
-                      </a:r>
-                      <a:r>
-                        <a:rPr lang="fr-FR" sz="1800" b="1" u="none" strike="noStrike" dirty="0" err="1">
-                          <a:solidFill>
-                            <a:srgbClr val="0070C0"/>
-                          </a:solidFill>
-                          <a:effectLst/>
-                          <a:latin typeface="Tahoma" panose="020B0604030504040204" pitchFamily="34" charset="0"/>
-                          <a:ea typeface="Tahoma" panose="020B0604030504040204" pitchFamily="34" charset="0"/>
-                          <a:cs typeface="Tahoma" panose="020B0604030504040204" pitchFamily="34" charset="0"/>
-                        </a:rPr>
-                        <a:t>McCoy</a:t>
-                      </a:r>
-                      <a:r>
-                        <a:rPr lang="fr-FR" sz="1800" b="1" u="none" strike="noStrike" dirty="0">
-                          <a:solidFill>
-                            <a:srgbClr val="0070C0"/>
-                          </a:solidFill>
-                          <a:effectLst/>
-                          <a:latin typeface="Tahoma" panose="020B0604030504040204" pitchFamily="34" charset="0"/>
-                          <a:ea typeface="Tahoma" panose="020B0604030504040204" pitchFamily="34" charset="0"/>
-                          <a:cs typeface="Tahoma" panose="020B0604030504040204" pitchFamily="34" charset="0"/>
-                        </a:rPr>
-                        <a:t> </a:t>
-                      </a:r>
-                      <a:r>
-                        <a:rPr lang="fr-FR" sz="1800" b="1" u="none" strike="noStrike" dirty="0" err="1">
-                          <a:solidFill>
-                            <a:srgbClr val="0070C0"/>
-                          </a:solidFill>
-                          <a:effectLst/>
-                          <a:latin typeface="Tahoma" panose="020B0604030504040204" pitchFamily="34" charset="0"/>
-                          <a:ea typeface="Tahoma" panose="020B0604030504040204" pitchFamily="34" charset="0"/>
-                          <a:cs typeface="Tahoma" panose="020B0604030504040204" pitchFamily="34" charset="0"/>
-                        </a:rPr>
-                        <a:t>feat</a:t>
-                      </a:r>
-                      <a:r>
-                        <a:rPr lang="fr-FR" sz="1800" b="1" u="none" strike="noStrike" dirty="0">
-                          <a:solidFill>
-                            <a:srgbClr val="0070C0"/>
-                          </a:solidFill>
-                          <a:effectLst/>
-                          <a:latin typeface="Tahoma" panose="020B0604030504040204" pitchFamily="34" charset="0"/>
-                          <a:ea typeface="Tahoma" panose="020B0604030504040204" pitchFamily="34" charset="0"/>
-                          <a:cs typeface="Tahoma" panose="020B0604030504040204" pitchFamily="34" charset="0"/>
-                        </a:rPr>
-                        <a:t>. Bruno Mars</a:t>
-                      </a:r>
-                      <a:endParaRPr lang="fr-FR" sz="1800" b="1" i="0" u="none" strike="noStrike" dirty="0">
-                        <a:solidFill>
-                          <a:srgbClr val="0070C0"/>
-                        </a:solidFill>
-                        <a:effectLst/>
-                        <a:latin typeface="Tahoma" panose="020B0604030504040204" pitchFamily="34" charset="0"/>
-                        <a:ea typeface="Tahoma" panose="020B0604030504040204" pitchFamily="34" charset="0"/>
-                        <a:cs typeface="Tahoma" panose="020B0604030504040204" pitchFamily="34" charset="0"/>
-                      </a:endParaRPr>
-                    </a:p>
-                  </a:txBody>
-                  <a:tcPr marL="7620" marR="7620" marT="7620" marB="0" anchor="b"/>
-                </a:tc>
-                <a:tc>
-                  <a:txBody>
-                    <a:bodyPr/>
-                    <a:lstStyle/>
-                    <a:p>
-                      <a:pPr algn="l" rtl="0" fontAlgn="b"/>
-                      <a:r>
-                        <a:rPr lang="fr-FR" sz="1800" b="1" i="0" u="none" strike="noStrike" dirty="0" smtClean="0">
-                          <a:solidFill>
-                            <a:srgbClr val="0070C0"/>
-                          </a:solidFill>
-                          <a:effectLst/>
-                          <a:latin typeface="Tahoma" panose="020B0604030504040204" pitchFamily="34" charset="0"/>
-                          <a:ea typeface="Tahoma" panose="020B0604030504040204" pitchFamily="34" charset="0"/>
-                          <a:cs typeface="Tahoma" panose="020B0604030504040204" pitchFamily="34" charset="0"/>
-                        </a:rPr>
-                        <a:t>1</a:t>
-                      </a:r>
-                      <a:endParaRPr lang="fr-FR" sz="1800" b="1" i="0" u="none" strike="noStrike" dirty="0">
-                        <a:solidFill>
-                          <a:srgbClr val="0070C0"/>
-                        </a:solidFill>
-                        <a:effectLst/>
-                        <a:latin typeface="Tahoma" panose="020B0604030504040204" pitchFamily="34" charset="0"/>
-                        <a:ea typeface="Tahoma" panose="020B0604030504040204" pitchFamily="34" charset="0"/>
-                        <a:cs typeface="Tahoma" panose="020B0604030504040204" pitchFamily="34" charset="0"/>
-                      </a:endParaRPr>
-                    </a:p>
-                  </a:txBody>
-                  <a:tcPr marL="7620" marR="7620" marT="7620" marB="0" anchor="b"/>
-                </a:tc>
-              </a:tr>
-              <a:tr h="360040">
-                <a:tc>
-                  <a:txBody>
-                    <a:bodyPr/>
-                    <a:lstStyle/>
-                    <a:p>
-                      <a:pPr algn="l" rtl="0" fontAlgn="b"/>
-                      <a:r>
-                        <a:rPr lang="en-US" sz="1800" b="1" u="none" strike="noStrike" dirty="0">
-                          <a:solidFill>
-                            <a:srgbClr val="0070C0"/>
-                          </a:solidFill>
-                          <a:effectLst/>
-                          <a:latin typeface="Tahoma" panose="020B0604030504040204" pitchFamily="34" charset="0"/>
-                          <a:ea typeface="Tahoma" panose="020B0604030504040204" pitchFamily="34" charset="0"/>
-                          <a:cs typeface="Tahoma" panose="020B0604030504040204" pitchFamily="34" charset="0"/>
-                        </a:rPr>
-                        <a:t>Price Tag </a:t>
-                      </a:r>
-                      <a:r>
-                        <a:rPr lang="en-US" sz="1800" b="1" u="none" strike="noStrike" dirty="0" smtClean="0">
-                          <a:solidFill>
-                            <a:srgbClr val="0070C0"/>
-                          </a:solidFill>
-                          <a:effectLst/>
-                          <a:latin typeface="Tahoma" panose="020B0604030504040204" pitchFamily="34" charset="0"/>
-                          <a:ea typeface="Tahoma" panose="020B0604030504040204" pitchFamily="34" charset="0"/>
-                          <a:cs typeface="Tahoma" panose="020B0604030504040204" pitchFamily="34" charset="0"/>
-                        </a:rPr>
-                        <a:t>- </a:t>
-                      </a:r>
-                      <a:r>
-                        <a:rPr lang="en-US" sz="1800" b="1" u="none" strike="noStrike" dirty="0">
-                          <a:solidFill>
-                            <a:srgbClr val="0070C0"/>
-                          </a:solidFill>
-                          <a:effectLst/>
-                          <a:latin typeface="Tahoma" panose="020B0604030504040204" pitchFamily="34" charset="0"/>
-                          <a:ea typeface="Tahoma" panose="020B0604030504040204" pitchFamily="34" charset="0"/>
-                          <a:cs typeface="Tahoma" panose="020B0604030504040204" pitchFamily="34" charset="0"/>
-                        </a:rPr>
-                        <a:t>Jessie J Feat. </a:t>
-                      </a:r>
-                      <a:r>
-                        <a:rPr lang="en-US" sz="1800" b="1" u="none" strike="noStrike" dirty="0" err="1">
-                          <a:solidFill>
-                            <a:srgbClr val="0070C0"/>
-                          </a:solidFill>
-                          <a:effectLst/>
-                          <a:latin typeface="Tahoma" panose="020B0604030504040204" pitchFamily="34" charset="0"/>
-                          <a:ea typeface="Tahoma" panose="020B0604030504040204" pitchFamily="34" charset="0"/>
-                          <a:cs typeface="Tahoma" panose="020B0604030504040204" pitchFamily="34" charset="0"/>
-                        </a:rPr>
-                        <a:t>B.o.B</a:t>
-                      </a:r>
-                      <a:endParaRPr lang="en-US" sz="1800" b="1" i="0" u="none" strike="noStrike" dirty="0">
-                        <a:solidFill>
-                          <a:srgbClr val="0070C0"/>
-                        </a:solidFill>
-                        <a:effectLst/>
-                        <a:latin typeface="Tahoma" panose="020B0604030504040204" pitchFamily="34" charset="0"/>
-                        <a:ea typeface="Tahoma" panose="020B0604030504040204" pitchFamily="34" charset="0"/>
-                        <a:cs typeface="Tahoma" panose="020B0604030504040204" pitchFamily="34" charset="0"/>
-                      </a:endParaRPr>
-                    </a:p>
-                  </a:txBody>
-                  <a:tcPr marL="7620" marR="7620" marT="7620" marB="0" anchor="b"/>
-                </a:tc>
-                <a:tc>
-                  <a:txBody>
-                    <a:bodyPr/>
-                    <a:lstStyle/>
-                    <a:p>
-                      <a:pPr algn="l" rtl="0" fontAlgn="b"/>
-                      <a:r>
-                        <a:rPr lang="en-US" sz="1800" b="1" i="0" u="none" strike="noStrike" dirty="0" smtClean="0">
-                          <a:solidFill>
-                            <a:srgbClr val="0070C0"/>
-                          </a:solidFill>
-                          <a:effectLst/>
-                          <a:latin typeface="Tahoma" panose="020B0604030504040204" pitchFamily="34" charset="0"/>
-                          <a:ea typeface="Tahoma" panose="020B0604030504040204" pitchFamily="34" charset="0"/>
-                          <a:cs typeface="Tahoma" panose="020B0604030504040204" pitchFamily="34" charset="0"/>
-                        </a:rPr>
-                        <a:t>2</a:t>
-                      </a:r>
-                      <a:endParaRPr lang="en-US" sz="1800" b="1" i="0" u="none" strike="noStrike" dirty="0">
-                        <a:solidFill>
-                          <a:srgbClr val="0070C0"/>
-                        </a:solidFill>
-                        <a:effectLst/>
-                        <a:latin typeface="Tahoma" panose="020B0604030504040204" pitchFamily="34" charset="0"/>
-                        <a:ea typeface="Tahoma" panose="020B0604030504040204" pitchFamily="34" charset="0"/>
-                        <a:cs typeface="Tahoma" panose="020B0604030504040204" pitchFamily="34" charset="0"/>
-                      </a:endParaRPr>
-                    </a:p>
-                  </a:txBody>
-                  <a:tcPr marL="7620" marR="7620" marT="7620" marB="0" anchor="b"/>
-                </a:tc>
-              </a:tr>
-              <a:tr h="290622">
-                <a:tc>
-                  <a:txBody>
-                    <a:bodyPr/>
-                    <a:lstStyle/>
-                    <a:p>
-                      <a:pPr algn="l" rtl="0" fontAlgn="b"/>
-                      <a:r>
-                        <a:rPr lang="en-US" sz="1800" b="1" u="none" strike="noStrike" dirty="0">
-                          <a:solidFill>
-                            <a:srgbClr val="0070C0"/>
-                          </a:solidFill>
-                          <a:effectLst/>
-                          <a:latin typeface="Tahoma" panose="020B0604030504040204" pitchFamily="34" charset="0"/>
-                          <a:ea typeface="Tahoma" panose="020B0604030504040204" pitchFamily="34" charset="0"/>
-                          <a:cs typeface="Tahoma" panose="020B0604030504040204" pitchFamily="34" charset="0"/>
-                        </a:rPr>
-                        <a:t>Baby Boy - </a:t>
-                      </a:r>
-                      <a:r>
-                        <a:rPr lang="en-US" sz="1800" b="1" u="none" strike="noStrike" dirty="0" err="1">
-                          <a:solidFill>
-                            <a:srgbClr val="0070C0"/>
-                          </a:solidFill>
-                          <a:effectLst/>
-                          <a:latin typeface="Tahoma" panose="020B0604030504040204" pitchFamily="34" charset="0"/>
-                          <a:ea typeface="Tahoma" panose="020B0604030504040204" pitchFamily="34" charset="0"/>
-                          <a:cs typeface="Tahoma" panose="020B0604030504040204" pitchFamily="34" charset="0"/>
-                        </a:rPr>
-                        <a:t>Beyonce</a:t>
-                      </a:r>
-                      <a:r>
-                        <a:rPr lang="en-US" sz="1800" b="1" u="none" strike="noStrike" dirty="0">
-                          <a:solidFill>
-                            <a:srgbClr val="0070C0"/>
-                          </a:solidFill>
-                          <a:effectLst/>
-                          <a:latin typeface="Tahoma" panose="020B0604030504040204" pitchFamily="34" charset="0"/>
-                          <a:ea typeface="Tahoma" panose="020B0604030504040204" pitchFamily="34" charset="0"/>
-                          <a:cs typeface="Tahoma" panose="020B0604030504040204" pitchFamily="34" charset="0"/>
-                        </a:rPr>
-                        <a:t> Feat. Sean </a:t>
-                      </a:r>
-                      <a:r>
-                        <a:rPr lang="en-US" sz="1800" b="1" u="none" strike="noStrike" dirty="0" smtClean="0">
-                          <a:solidFill>
-                            <a:srgbClr val="0070C0"/>
-                          </a:solidFill>
-                          <a:effectLst/>
-                          <a:latin typeface="Tahoma" panose="020B0604030504040204" pitchFamily="34" charset="0"/>
-                          <a:ea typeface="Tahoma" panose="020B0604030504040204" pitchFamily="34" charset="0"/>
-                          <a:cs typeface="Tahoma" panose="020B0604030504040204" pitchFamily="34" charset="0"/>
-                        </a:rPr>
-                        <a:t>Paul</a:t>
-                      </a:r>
-                    </a:p>
-                  </a:txBody>
-                  <a:tcPr marL="7620" marR="7620" marT="7620" marB="0" anchor="b"/>
-                </a:tc>
-                <a:tc>
-                  <a:txBody>
-                    <a:bodyPr/>
-                    <a:lstStyle/>
-                    <a:p>
-                      <a:pPr algn="l" rtl="0" fontAlgn="b"/>
-                      <a:r>
-                        <a:rPr lang="en-US" sz="1800" b="1" i="0" u="none" strike="noStrike" dirty="0" smtClean="0">
-                          <a:solidFill>
-                            <a:srgbClr val="0070C0"/>
-                          </a:solidFill>
-                          <a:effectLst/>
-                          <a:latin typeface="Tahoma" panose="020B0604030504040204" pitchFamily="34" charset="0"/>
-                          <a:ea typeface="Tahoma" panose="020B0604030504040204" pitchFamily="34" charset="0"/>
-                          <a:cs typeface="Tahoma" panose="020B0604030504040204" pitchFamily="34" charset="0"/>
-                        </a:rPr>
-                        <a:t>3</a:t>
-                      </a:r>
-                      <a:endParaRPr lang="en-US" sz="1800" b="1" i="0" u="none" strike="noStrike" dirty="0">
-                        <a:solidFill>
-                          <a:srgbClr val="0070C0"/>
-                        </a:solidFill>
-                        <a:effectLst/>
-                        <a:latin typeface="Tahoma" panose="020B0604030504040204" pitchFamily="34" charset="0"/>
-                        <a:ea typeface="Tahoma" panose="020B0604030504040204" pitchFamily="34" charset="0"/>
-                        <a:cs typeface="Tahoma" panose="020B0604030504040204" pitchFamily="34" charset="0"/>
-                      </a:endParaRPr>
-                    </a:p>
-                  </a:txBody>
-                  <a:tcPr marL="7620" marR="7620" marT="7620" marB="0" anchor="b"/>
-                </a:tc>
-              </a:tr>
-              <a:tr h="290622">
-                <a:tc>
-                  <a:txBody>
-                    <a:bodyPr/>
-                    <a:lstStyle/>
-                    <a:p>
-                      <a:pPr marL="0" marR="0" indent="0" algn="l" defTabSz="914400" rtl="0" eaLnBrk="1" fontAlgn="b" latinLnBrk="0" hangingPunct="1">
-                        <a:lnSpc>
-                          <a:spcPct val="100000"/>
-                        </a:lnSpc>
-                        <a:spcBef>
-                          <a:spcPts val="0"/>
-                        </a:spcBef>
-                        <a:spcAft>
-                          <a:spcPts val="0"/>
-                        </a:spcAft>
-                        <a:buClrTx/>
-                        <a:buSzTx/>
-                        <a:buFontTx/>
-                        <a:buNone/>
-                        <a:tabLst/>
-                        <a:defRPr/>
-                      </a:pPr>
-                      <a:r>
-                        <a:rPr lang="en-US" b="1" dirty="0" err="1" smtClean="0">
-                          <a:solidFill>
-                            <a:schemeClr val="accent5">
-                              <a:lumMod val="75000"/>
-                            </a:schemeClr>
-                          </a:solidFill>
-                          <a:latin typeface="Tahoma" panose="020B0604030504040204" pitchFamily="34" charset="0"/>
-                          <a:ea typeface="Tahoma" panose="020B0604030504040204" pitchFamily="34" charset="0"/>
-                          <a:cs typeface="Tahoma" panose="020B0604030504040204" pitchFamily="34" charset="0"/>
-                        </a:rPr>
-                        <a:t>Beyonce</a:t>
-                      </a:r>
-                      <a:r>
-                        <a:rPr lang="en-US" b="1" dirty="0" smtClean="0">
-                          <a:solidFill>
-                            <a:schemeClr val="accent5">
-                              <a:lumMod val="75000"/>
-                            </a:schemeClr>
-                          </a:solidFill>
-                          <a:latin typeface="Tahoma" panose="020B0604030504040204" pitchFamily="34" charset="0"/>
-                          <a:ea typeface="Tahoma" panose="020B0604030504040204" pitchFamily="34" charset="0"/>
-                          <a:cs typeface="Tahoma" panose="020B0604030504040204" pitchFamily="34" charset="0"/>
-                        </a:rPr>
-                        <a:t> Knowles ft. Jay-Z - Crazy In Love</a:t>
-                      </a:r>
-                    </a:p>
-                  </a:txBody>
-                  <a:tcPr marL="7620" marR="7620" marT="7620" marB="0" anchor="b"/>
-                </a:tc>
-                <a:tc>
-                  <a:txBody>
-                    <a:bodyPr/>
-                    <a:lstStyle/>
-                    <a:p>
-                      <a:pPr algn="l" rtl="0" fontAlgn="b"/>
-                      <a:r>
-                        <a:rPr lang="en-US" sz="1800" b="1" i="0" u="none" strike="noStrike" dirty="0" smtClean="0">
-                          <a:solidFill>
-                            <a:schemeClr val="accent5">
-                              <a:lumMod val="75000"/>
-                            </a:schemeClr>
-                          </a:solidFill>
-                          <a:effectLst/>
-                          <a:latin typeface="Tahoma" panose="020B0604030504040204" pitchFamily="34" charset="0"/>
-                          <a:ea typeface="Tahoma" panose="020B0604030504040204" pitchFamily="34" charset="0"/>
-                          <a:cs typeface="Tahoma" panose="020B0604030504040204" pitchFamily="34" charset="0"/>
-                        </a:rPr>
-                        <a:t>4</a:t>
-                      </a:r>
-                      <a:endParaRPr lang="en-US" sz="1800" b="1" i="0" u="none" strike="noStrike" dirty="0">
-                        <a:solidFill>
-                          <a:schemeClr val="accent5">
-                            <a:lumMod val="75000"/>
-                          </a:schemeClr>
-                        </a:solidFill>
-                        <a:effectLst/>
-                        <a:latin typeface="Tahoma" panose="020B0604030504040204" pitchFamily="34" charset="0"/>
-                        <a:ea typeface="Tahoma" panose="020B0604030504040204" pitchFamily="34" charset="0"/>
-                        <a:cs typeface="Tahoma" panose="020B0604030504040204" pitchFamily="34" charset="0"/>
-                      </a:endParaRPr>
-                    </a:p>
-                  </a:txBody>
-                  <a:tcPr marL="7620" marR="7620" marT="7620" marB="0" anchor="b"/>
-                </a:tc>
-              </a:tr>
-            </a:tbl>
-          </a:graphicData>
-        </a:graphic>
-      </p:graphicFrame>
-    </p:spTree>
-    <p:extLst>
-      <p:ext uri="{BB962C8B-B14F-4D97-AF65-F5344CB8AC3E}">
-        <p14:creationId xmlns:p14="http://schemas.microsoft.com/office/powerpoint/2010/main" val="1557508939"/>
-      </p:ext>
-    </p:extLst>
-  </p:cSld>
-  <p:clrMapOvr>
-    <a:masterClrMapping/>
-  </p:clrMapOvr>
-  <p:transition spd="slow" advTm="7958"/>
-  <p:timing>
-    <p:tnLst>
-      <p:par>
-        <p:cTn id="1" dur="indefinite" restart="never" nodeType="tmRoot"/>
-      </p:par>
-    </p:tnLst>
-  </p:timing>
-</p:sld>
-</file>
-
-<file path=ppt/slides/slide11.xml><?xml version="1.0" encoding="utf-8"?>
 <p:sld xmlns:a="http://schemas.openxmlformats.org/drawingml/2006/main" xmlns:r="http://schemas.openxmlformats.org/officeDocument/2006/relationships" xmlns:p="http://schemas.openxmlformats.org/presentationml/2006/main">
   <p:cSld>
     <p:spTree>
@@ -16630,7 +15265,7 @@
 </p:sld>
 </file>
 
-<file path=ppt/slides/slide12.xml><?xml version="1.0" encoding="utf-8"?>
+<file path=ppt/slides/slide11.xml><?xml version="1.0" encoding="utf-8"?>
 <p:sld xmlns:a="http://schemas.openxmlformats.org/drawingml/2006/main" xmlns:r="http://schemas.openxmlformats.org/officeDocument/2006/relationships" xmlns:p="http://schemas.openxmlformats.org/presentationml/2006/main">
   <p:cSld>
     <p:spTree>
@@ -18445,7 +17080,7 @@
 </p:sld>
 </file>
 
-<file path=ppt/slides/slide13.xml><?xml version="1.0" encoding="utf-8"?>
+<file path=ppt/slides/slide12.xml><?xml version="1.0" encoding="utf-8"?>
 <p:sld xmlns:a="http://schemas.openxmlformats.org/drawingml/2006/main" xmlns:r="http://schemas.openxmlformats.org/officeDocument/2006/relationships" xmlns:p="http://schemas.openxmlformats.org/presentationml/2006/main">
   <p:cSld>
     <p:spTree>
@@ -19269,7 +17904,7 @@
 </p:sld>
 </file>
 
-<file path=ppt/slides/slide14.xml><?xml version="1.0" encoding="utf-8"?>
+<file path=ppt/slides/slide13.xml><?xml version="1.0" encoding="utf-8"?>
 <p:sld xmlns:a="http://schemas.openxmlformats.org/drawingml/2006/main" xmlns:r="http://schemas.openxmlformats.org/officeDocument/2006/relationships" xmlns:p="http://schemas.openxmlformats.org/presentationml/2006/main">
   <p:cSld>
     <p:spTree>
@@ -20107,7 +18742,7 @@
 </p:sld>
 </file>
 
-<file path=ppt/slides/slide15.xml><?xml version="1.0" encoding="utf-8"?>
+<file path=ppt/slides/slide14.xml><?xml version="1.0" encoding="utf-8"?>
 <p:sld xmlns:a="http://schemas.openxmlformats.org/drawingml/2006/main" xmlns:r="http://schemas.openxmlformats.org/officeDocument/2006/relationships" xmlns:p="http://schemas.openxmlformats.org/presentationml/2006/main">
   <p:cSld>
     <p:spTree>
@@ -20548,11 +19183,11 @@
   <p:clrMapOvr>
     <a:masterClrMapping/>
   </p:clrMapOvr>
-  <mc:AlternateContent xmlns:mc="http://schemas.openxmlformats.org/markup-compatibility/2006">
-    <mc:Choice xmlns:p14="http://schemas.microsoft.com/office/powerpoint/2010/main" Requires="p14">
+  <mc:AlternateContent xmlns:mc="http://schemas.openxmlformats.org/markup-compatibility/2006" xmlns:p14="http://schemas.microsoft.com/office/powerpoint/2010/main">
+    <mc:Choice Requires="p14">
       <p:transition spd="slow" p14:dur="2000" advTm="5503"/>
     </mc:Choice>
-    <mc:Fallback>
+    <mc:Fallback xmlns="">
       <p:transition spd="slow" advTm="5503"/>
     </mc:Fallback>
   </mc:AlternateContent>
@@ -22595,7 +21230,7 @@
                 <a:ea typeface="Tahoma" panose="020B0604030504040204" pitchFamily="34" charset="0"/>
                 <a:cs typeface="Tahoma" panose="020B0604030504040204" pitchFamily="34" charset="0"/>
               </a:rPr>
-              <a:t>Song’s Attributes</a:t>
+              <a:t>The Data Set</a:t>
             </a:r>
             <a:endParaRPr lang="en-US" altLang="en-US" b="1" dirty="0">
               <a:solidFill>
@@ -22817,8 +21452,8 @@
         </p:nvSpPr>
         <p:spPr bwMode="auto">
           <a:xfrm>
-            <a:off x="395536" y="951032"/>
-            <a:ext cx="8430063" cy="3625608"/>
+            <a:off x="382162" y="736600"/>
+            <a:ext cx="8430063" cy="5632311"/>
           </a:xfrm>
           <a:prstGeom prst="rect">
             <a:avLst/>
@@ -22974,7 +21609,7 @@
               <a:buChar char="•"/>
             </a:pPr>
             <a:r>
-              <a:rPr lang="en-US" altLang="he-IL" sz="2400" b="1" dirty="0" smtClean="0">
+              <a:rPr lang="en-US" altLang="he-IL" sz="2000" dirty="0" smtClean="0">
                 <a:solidFill>
                   <a:srgbClr val="595959"/>
                 </a:solidFill>
@@ -22982,7 +21617,40 @@
                 <a:ea typeface="Tahoma" panose="020B0604030504040204" pitchFamily="34" charset="0"/>
                 <a:cs typeface="Tahoma" panose="020B0604030504040204" pitchFamily="34" charset="0"/>
               </a:rPr>
-              <a:t>Title </a:t>
+              <a:t>Taken from “</a:t>
+            </a:r>
+            <a:r>
+              <a:rPr lang="en-US" altLang="he-IL" sz="2000" dirty="0" err="1" smtClean="0">
+                <a:solidFill>
+                  <a:srgbClr val="595959"/>
+                </a:solidFill>
+                <a:latin typeface="Tahoma" panose="020B0604030504040204" pitchFamily="34" charset="0"/>
+                <a:ea typeface="Tahoma" panose="020B0604030504040204" pitchFamily="34" charset="0"/>
+                <a:cs typeface="Tahoma" panose="020B0604030504040204" pitchFamily="34" charset="0"/>
+              </a:rPr>
+              <a:t>T</a:t>
+            </a:r>
+            <a:r>
+              <a:rPr lang="en-US" altLang="he-IL" sz="2000" dirty="0" err="1" smtClean="0">
+                <a:solidFill>
+                  <a:srgbClr val="595959"/>
+                </a:solidFill>
+                <a:latin typeface="Tahoma" panose="020B0604030504040204" pitchFamily="34" charset="0"/>
+                <a:ea typeface="Tahoma" panose="020B0604030504040204" pitchFamily="34" charset="0"/>
+                <a:cs typeface="Tahoma" panose="020B0604030504040204" pitchFamily="34" charset="0"/>
+              </a:rPr>
+              <a:t>raktor</a:t>
+            </a:r>
+            <a:r>
+              <a:rPr lang="en-US" altLang="he-IL" sz="2000" dirty="0" smtClean="0">
+                <a:solidFill>
+                  <a:srgbClr val="595959"/>
+                </a:solidFill>
+                <a:latin typeface="Tahoma" panose="020B0604030504040204" pitchFamily="34" charset="0"/>
+                <a:ea typeface="Tahoma" panose="020B0604030504040204" pitchFamily="34" charset="0"/>
+                <a:cs typeface="Tahoma" panose="020B0604030504040204" pitchFamily="34" charset="0"/>
+              </a:rPr>
+              <a:t>”</a:t>
             </a:r>
           </a:p>
           <a:p>
@@ -23001,7 +21669,7 @@
               <a:buChar char="•"/>
             </a:pPr>
             <a:r>
-              <a:rPr lang="en-US" altLang="he-IL" sz="2400" b="1" dirty="0" smtClean="0">
+              <a:rPr lang="en-US" altLang="he-IL" sz="2000" dirty="0" smtClean="0">
                 <a:solidFill>
                   <a:srgbClr val="595959"/>
                 </a:solidFill>
@@ -23009,8 +21677,16 @@
                 <a:ea typeface="Tahoma" panose="020B0604030504040204" pitchFamily="34" charset="0"/>
                 <a:cs typeface="Tahoma" panose="020B0604030504040204" pitchFamily="34" charset="0"/>
               </a:rPr>
-              <a:t>Artist </a:t>
+              <a:t>Exported to xml file</a:t>
             </a:r>
+            <a:endParaRPr lang="en-US" altLang="he-IL" sz="2000" dirty="0" smtClean="0">
+              <a:solidFill>
+                <a:srgbClr val="595959"/>
+              </a:solidFill>
+              <a:latin typeface="Tahoma" panose="020B0604030504040204" pitchFamily="34" charset="0"/>
+              <a:ea typeface="Tahoma" panose="020B0604030504040204" pitchFamily="34" charset="0"/>
+              <a:cs typeface="Tahoma" panose="020B0604030504040204" pitchFamily="34" charset="0"/>
+            </a:endParaRPr>
           </a:p>
           <a:p>
             <a:pPr marL="800100" lvl="1" indent="-342900">
@@ -23028,7 +21704,7 @@
               <a:buChar char="•"/>
             </a:pPr>
             <a:r>
-              <a:rPr lang="en-US" altLang="he-IL" sz="2400" b="1" dirty="0" smtClean="0">
+              <a:rPr lang="en-US" altLang="he-IL" sz="2000" dirty="0" smtClean="0">
                 <a:solidFill>
                   <a:srgbClr val="595959"/>
                 </a:solidFill>
@@ -23036,7 +21712,7 @@
                 <a:ea typeface="Tahoma" panose="020B0604030504040204" pitchFamily="34" charset="0"/>
                 <a:cs typeface="Tahoma" panose="020B0604030504040204" pitchFamily="34" charset="0"/>
               </a:rPr>
-              <a:t>Play count </a:t>
+              <a:t>Contains about 12,000 songs (items)</a:t>
             </a:r>
           </a:p>
           <a:p>
@@ -23055,7 +21731,7 @@
               <a:buChar char="•"/>
             </a:pPr>
             <a:r>
-              <a:rPr lang="en-US" altLang="he-IL" sz="2400" b="1" dirty="0" smtClean="0">
+              <a:rPr lang="en-US" altLang="he-IL" sz="2000" dirty="0" smtClean="0">
                 <a:solidFill>
                   <a:srgbClr val="595959"/>
                 </a:solidFill>
@@ -23063,11 +21739,11 @@
                 <a:ea typeface="Tahoma" panose="020B0604030504040204" pitchFamily="34" charset="0"/>
                 <a:cs typeface="Tahoma" panose="020B0604030504040204" pitchFamily="34" charset="0"/>
               </a:rPr>
-              <a:t>BPM </a:t>
+              <a:t>Song’s Attributes:</a:t>
             </a:r>
           </a:p>
           <a:p>
-            <a:pPr marL="800100" lvl="1" indent="-342900">
+            <a:pPr marL="1200150" lvl="2" indent="-342900">
               <a:lnSpc>
                 <a:spcPct val="90000"/>
               </a:lnSpc>
@@ -23082,7 +21758,7 @@
               <a:buChar char="•"/>
             </a:pPr>
             <a:r>
-              <a:rPr lang="en-US" altLang="he-IL" sz="2400" b="1" dirty="0" smtClean="0">
+              <a:rPr lang="en-US" altLang="he-IL" sz="2000" dirty="0">
                 <a:solidFill>
                   <a:srgbClr val="595959"/>
                 </a:solidFill>
@@ -23090,11 +21766,11 @@
                 <a:ea typeface="Tahoma" panose="020B0604030504040204" pitchFamily="34" charset="0"/>
                 <a:cs typeface="Tahoma" panose="020B0604030504040204" pitchFamily="34" charset="0"/>
               </a:rPr>
-              <a:t>Genres</a:t>
+              <a:t>Title </a:t>
             </a:r>
           </a:p>
           <a:p>
-            <a:pPr marL="800100" lvl="1" indent="-342900">
+            <a:pPr marL="1200150" lvl="2" indent="-342900">
               <a:lnSpc>
                 <a:spcPct val="90000"/>
               </a:lnSpc>
@@ -23109,7 +21785,115 @@
               <a:buChar char="•"/>
             </a:pPr>
             <a:r>
-              <a:rPr lang="en-US" altLang="he-IL" sz="2400" b="1" dirty="0" smtClean="0">
+              <a:rPr lang="en-US" altLang="he-IL" sz="2000" dirty="0">
+                <a:solidFill>
+                  <a:srgbClr val="595959"/>
+                </a:solidFill>
+                <a:latin typeface="Tahoma" panose="020B0604030504040204" pitchFamily="34" charset="0"/>
+                <a:ea typeface="Tahoma" panose="020B0604030504040204" pitchFamily="34" charset="0"/>
+                <a:cs typeface="Tahoma" panose="020B0604030504040204" pitchFamily="34" charset="0"/>
+              </a:rPr>
+              <a:t>Artist </a:t>
+            </a:r>
+          </a:p>
+          <a:p>
+            <a:pPr marL="1200150" lvl="2" indent="-342900">
+              <a:lnSpc>
+                <a:spcPct val="90000"/>
+              </a:lnSpc>
+              <a:spcBef>
+                <a:spcPts val="2400"/>
+              </a:spcBef>
+              <a:buClr>
+                <a:srgbClr val="E5BA05"/>
+              </a:buClr>
+              <a:buSzPct val="100000"/>
+              <a:buFont typeface="Arial" panose="020B0604020202020204" pitchFamily="34" charset="0"/>
+              <a:buChar char="•"/>
+            </a:pPr>
+            <a:r>
+              <a:rPr lang="en-US" altLang="he-IL" sz="2000" dirty="0">
+                <a:solidFill>
+                  <a:srgbClr val="595959"/>
+                </a:solidFill>
+                <a:latin typeface="Tahoma" panose="020B0604030504040204" pitchFamily="34" charset="0"/>
+                <a:ea typeface="Tahoma" panose="020B0604030504040204" pitchFamily="34" charset="0"/>
+                <a:cs typeface="Tahoma" panose="020B0604030504040204" pitchFamily="34" charset="0"/>
+              </a:rPr>
+              <a:t>Play count </a:t>
+            </a:r>
+          </a:p>
+          <a:p>
+            <a:pPr marL="1200150" lvl="2" indent="-342900">
+              <a:lnSpc>
+                <a:spcPct val="90000"/>
+              </a:lnSpc>
+              <a:spcBef>
+                <a:spcPts val="2400"/>
+              </a:spcBef>
+              <a:buClr>
+                <a:srgbClr val="E5BA05"/>
+              </a:buClr>
+              <a:buSzPct val="100000"/>
+              <a:buFont typeface="Arial" panose="020B0604020202020204" pitchFamily="34" charset="0"/>
+              <a:buChar char="•"/>
+            </a:pPr>
+            <a:r>
+              <a:rPr lang="en-US" altLang="he-IL" sz="2000" dirty="0">
+                <a:solidFill>
+                  <a:srgbClr val="595959"/>
+                </a:solidFill>
+                <a:latin typeface="Tahoma" panose="020B0604030504040204" pitchFamily="34" charset="0"/>
+                <a:ea typeface="Tahoma" panose="020B0604030504040204" pitchFamily="34" charset="0"/>
+                <a:cs typeface="Tahoma" panose="020B0604030504040204" pitchFamily="34" charset="0"/>
+              </a:rPr>
+              <a:t>BPM </a:t>
+            </a:r>
+          </a:p>
+          <a:p>
+            <a:pPr marL="1200150" lvl="2" indent="-342900">
+              <a:lnSpc>
+                <a:spcPct val="90000"/>
+              </a:lnSpc>
+              <a:spcBef>
+                <a:spcPts val="2400"/>
+              </a:spcBef>
+              <a:buClr>
+                <a:srgbClr val="E5BA05"/>
+              </a:buClr>
+              <a:buSzPct val="100000"/>
+              <a:buFont typeface="Arial" panose="020B0604020202020204" pitchFamily="34" charset="0"/>
+              <a:buChar char="•"/>
+            </a:pPr>
+            <a:r>
+              <a:rPr lang="en-US" altLang="he-IL" sz="2000" dirty="0">
+                <a:solidFill>
+                  <a:srgbClr val="595959"/>
+                </a:solidFill>
+                <a:latin typeface="Tahoma" panose="020B0604030504040204" pitchFamily="34" charset="0"/>
+                <a:ea typeface="Tahoma" panose="020B0604030504040204" pitchFamily="34" charset="0"/>
+                <a:cs typeface="Tahoma" panose="020B0604030504040204" pitchFamily="34" charset="0"/>
+              </a:rPr>
+              <a:t>Genres</a:t>
+            </a:r>
+          </a:p>
+          <a:p>
+            <a:pPr marL="1200150" lvl="2" indent="-342900">
+              <a:lnSpc>
+                <a:spcPct val="90000"/>
+              </a:lnSpc>
+              <a:spcBef>
+                <a:spcPts val="2400"/>
+              </a:spcBef>
+              <a:buClr>
+                <a:srgbClr val="E5BA05"/>
+              </a:buClr>
+              <a:buSzPct val="100000"/>
+              <a:buFont typeface="Arial" panose="020B0604020202020204" pitchFamily="34" charset="0"/>
+              <a:buChar char="•"/>
+            </a:pPr>
+            <a:r>
+              <a:rPr lang="en-US" altLang="he-IL" sz="2000" dirty="0" smtClean="0">
                 <a:solidFill>
                   <a:srgbClr val="595959"/>
                 </a:solidFill>
@@ -23119,7 +21903,7 @@
               </a:rPr>
               <a:t>Key</a:t>
             </a:r>
-            <a:endParaRPr lang="en-US" altLang="he-IL" sz="2400" b="1" dirty="0">
+            <a:endParaRPr lang="en-US" altLang="he-IL" sz="2000" dirty="0">
               <a:solidFill>
                 <a:srgbClr val="595959"/>
               </a:solidFill>
@@ -25692,2213 +24476,6 @@
 </file>
 
 <file path=ppt/slides/slide6.xml><?xml version="1.0" encoding="utf-8"?>
-<p:sld xmlns:a="http://schemas.openxmlformats.org/drawingml/2006/main" xmlns:r="http://schemas.openxmlformats.org/officeDocument/2006/relationships" xmlns:p="http://schemas.openxmlformats.org/presentationml/2006/main" show="0">
-  <p:cSld>
-    <p:spTree>
-      <p:nvGrpSpPr>
-        <p:cNvPr id="1" name=""/>
-        <p:cNvGrpSpPr/>
-        <p:nvPr/>
-      </p:nvGrpSpPr>
-      <p:grpSpPr>
-        <a:xfrm>
-          <a:off x="0" y="0"/>
-          <a:ext cx="0" cy="0"/>
-          <a:chOff x="0" y="0"/>
-          <a:chExt cx="0" cy="0"/>
-        </a:xfrm>
-      </p:grpSpPr>
-      <p:sp>
-        <p:nvSpPr>
-          <p:cNvPr id="74" name="Rectangle 73"/>
-          <p:cNvSpPr/>
-          <p:nvPr/>
-        </p:nvSpPr>
-        <p:spPr>
-          <a:xfrm>
-            <a:off x="0" y="0"/>
-            <a:ext cx="8718550" cy="620713"/>
-          </a:xfrm>
-          <a:prstGeom prst="rect">
-            <a:avLst/>
-          </a:prstGeom>
-          <a:solidFill>
-            <a:srgbClr val="DDB405"/>
-          </a:solidFill>
-          <a:ln>
-            <a:noFill/>
-          </a:ln>
-        </p:spPr>
-        <p:style>
-          <a:lnRef idx="2">
-            <a:schemeClr val="accent1">
-              <a:shade val="50000"/>
-            </a:schemeClr>
-          </a:lnRef>
-          <a:fillRef idx="1">
-            <a:schemeClr val="accent1"/>
-          </a:fillRef>
-          <a:effectRef idx="0">
-            <a:schemeClr val="accent1"/>
-          </a:effectRef>
-          <a:fontRef idx="minor">
-            <a:schemeClr val="lt1"/>
-          </a:fontRef>
-        </p:style>
-        <p:txBody>
-          <a:bodyPr anchor="ctr"/>
-          <a:lstStyle/>
-          <a:p>
-            <a:pPr algn="ctr" rtl="0" fontAlgn="auto">
-              <a:spcBef>
-                <a:spcPts val="0"/>
-              </a:spcBef>
-              <a:spcAft>
-                <a:spcPts val="0"/>
-              </a:spcAft>
-              <a:defRPr/>
-            </a:pPr>
-            <a:endParaRPr lang="en-US">
-              <a:solidFill>
-                <a:prstClr val="white"/>
-              </a:solidFill>
-            </a:endParaRPr>
-          </a:p>
-        </p:txBody>
-      </p:sp>
-      <p:sp>
-        <p:nvSpPr>
-          <p:cNvPr id="20485" name="TextBox 36"/>
-          <p:cNvSpPr txBox="1">
-            <a:spLocks noChangeArrowheads="1"/>
-          </p:cNvSpPr>
-          <p:nvPr/>
-        </p:nvSpPr>
-        <p:spPr bwMode="auto">
-          <a:xfrm>
-            <a:off x="116479" y="-1"/>
-            <a:ext cx="7754938" cy="523220"/>
-          </a:xfrm>
-          <a:prstGeom prst="rect">
-            <a:avLst/>
-          </a:prstGeom>
-          <a:noFill/>
-          <a:ln>
-            <a:noFill/>
-          </a:ln>
-          <a:extLst>
-            <a:ext uri="{909E8E84-426E-40DD-AFC4-6F175D3DCCD1}">
-              <a14:hiddenFill xmlns:a14="http://schemas.microsoft.com/office/drawing/2010/main">
-                <a:solidFill>
-                  <a:srgbClr val="FFFFFF"/>
-                </a:solidFill>
-              </a14:hiddenFill>
-            </a:ext>
-            <a:ext uri="{91240B29-F687-4F45-9708-019B960494DF}">
-              <a14:hiddenLine xmlns:a14="http://schemas.microsoft.com/office/drawing/2010/main" w="9525">
-                <a:solidFill>
-                  <a:srgbClr val="000000"/>
-                </a:solidFill>
-                <a:miter lim="800000"/>
-                <a:headEnd/>
-                <a:tailEnd/>
-              </a14:hiddenLine>
-            </a:ext>
-          </a:extLst>
-        </p:spPr>
-        <p:txBody>
-          <a:bodyPr>
-            <a:spAutoFit/>
-          </a:bodyPr>
-          <a:lstStyle>
-            <a:lvl1pPr algn="l" rtl="0" eaLnBrk="0" hangingPunct="0">
-              <a:spcBef>
-                <a:spcPct val="20000"/>
-              </a:spcBef>
-              <a:buFont typeface="Arial" panose="020B0604020202020204" pitchFamily="34" charset="0"/>
-              <a:buChar char="•"/>
-              <a:defRPr sz="3200">
-                <a:solidFill>
-                  <a:schemeClr val="tx1"/>
-                </a:solidFill>
-                <a:latin typeface="Calibri" panose="020F0502020204030204" pitchFamily="34" charset="0"/>
-              </a:defRPr>
-            </a:lvl1pPr>
-            <a:lvl2pPr marL="742950" indent="-285750" algn="l" rtl="0" eaLnBrk="0" hangingPunct="0">
-              <a:spcBef>
-                <a:spcPct val="20000"/>
-              </a:spcBef>
-              <a:buFont typeface="Arial" panose="020B0604020202020204" pitchFamily="34" charset="0"/>
-              <a:buChar char="–"/>
-              <a:defRPr sz="2800">
-                <a:solidFill>
-                  <a:schemeClr val="tx1"/>
-                </a:solidFill>
-                <a:latin typeface="Calibri" panose="020F0502020204030204" pitchFamily="34" charset="0"/>
-              </a:defRPr>
-            </a:lvl2pPr>
-            <a:lvl3pPr marL="1143000" indent="-228600" algn="l" rtl="0" eaLnBrk="0" hangingPunct="0">
-              <a:spcBef>
-                <a:spcPct val="20000"/>
-              </a:spcBef>
-              <a:buFont typeface="Arial" panose="020B0604020202020204" pitchFamily="34" charset="0"/>
-              <a:buChar char="•"/>
-              <a:defRPr sz="2400">
-                <a:solidFill>
-                  <a:schemeClr val="tx1"/>
-                </a:solidFill>
-                <a:latin typeface="Calibri" panose="020F0502020204030204" pitchFamily="34" charset="0"/>
-              </a:defRPr>
-            </a:lvl3pPr>
-            <a:lvl4pPr marL="1600200" indent="-228600" algn="l" rtl="0" eaLnBrk="0" hangingPunct="0">
-              <a:spcBef>
-                <a:spcPct val="20000"/>
-              </a:spcBef>
-              <a:buFont typeface="Arial" panose="020B0604020202020204" pitchFamily="34" charset="0"/>
-              <a:buChar char="–"/>
-              <a:defRPr sz="2000">
-                <a:solidFill>
-                  <a:schemeClr val="tx1"/>
-                </a:solidFill>
-                <a:latin typeface="Calibri" panose="020F0502020204030204" pitchFamily="34" charset="0"/>
-              </a:defRPr>
-            </a:lvl4pPr>
-            <a:lvl5pPr marL="2057400" indent="-228600" algn="l" rtl="0" eaLnBrk="0" hangingPunct="0">
-              <a:spcBef>
-                <a:spcPct val="20000"/>
-              </a:spcBef>
-              <a:buFont typeface="Arial" panose="020B0604020202020204" pitchFamily="34" charset="0"/>
-              <a:buChar char="»"/>
-              <a:defRPr sz="2000">
-                <a:solidFill>
-                  <a:schemeClr val="tx1"/>
-                </a:solidFill>
-                <a:latin typeface="Calibri" panose="020F0502020204030204" pitchFamily="34" charset="0"/>
-              </a:defRPr>
-            </a:lvl5pPr>
-            <a:lvl6pPr marL="2514600" indent="-228600" algn="l" rtl="0" eaLnBrk="0" fontAlgn="base" hangingPunct="0">
-              <a:spcBef>
-                <a:spcPct val="20000"/>
-              </a:spcBef>
-              <a:spcAft>
-                <a:spcPct val="0"/>
-              </a:spcAft>
-              <a:buFont typeface="Arial" panose="020B0604020202020204" pitchFamily="34" charset="0"/>
-              <a:buChar char="»"/>
-              <a:defRPr sz="2000">
-                <a:solidFill>
-                  <a:schemeClr val="tx1"/>
-                </a:solidFill>
-                <a:latin typeface="Calibri" panose="020F0502020204030204" pitchFamily="34" charset="0"/>
-              </a:defRPr>
-            </a:lvl6pPr>
-            <a:lvl7pPr marL="2971800" indent="-228600" algn="l" rtl="0" eaLnBrk="0" fontAlgn="base" hangingPunct="0">
-              <a:spcBef>
-                <a:spcPct val="20000"/>
-              </a:spcBef>
-              <a:spcAft>
-                <a:spcPct val="0"/>
-              </a:spcAft>
-              <a:buFont typeface="Arial" panose="020B0604020202020204" pitchFamily="34" charset="0"/>
-              <a:buChar char="»"/>
-              <a:defRPr sz="2000">
-                <a:solidFill>
-                  <a:schemeClr val="tx1"/>
-                </a:solidFill>
-                <a:latin typeface="Calibri" panose="020F0502020204030204" pitchFamily="34" charset="0"/>
-              </a:defRPr>
-            </a:lvl7pPr>
-            <a:lvl8pPr marL="3429000" indent="-228600" algn="l" rtl="0" eaLnBrk="0" fontAlgn="base" hangingPunct="0">
-              <a:spcBef>
-                <a:spcPct val="20000"/>
-              </a:spcBef>
-              <a:spcAft>
-                <a:spcPct val="0"/>
-              </a:spcAft>
-              <a:buFont typeface="Arial" panose="020B0604020202020204" pitchFamily="34" charset="0"/>
-              <a:buChar char="»"/>
-              <a:defRPr sz="2000">
-                <a:solidFill>
-                  <a:schemeClr val="tx1"/>
-                </a:solidFill>
-                <a:latin typeface="Calibri" panose="020F0502020204030204" pitchFamily="34" charset="0"/>
-              </a:defRPr>
-            </a:lvl8pPr>
-            <a:lvl9pPr marL="3886200" indent="-228600" algn="l" rtl="0" eaLnBrk="0" fontAlgn="base" hangingPunct="0">
-              <a:spcBef>
-                <a:spcPct val="20000"/>
-              </a:spcBef>
-              <a:spcAft>
-                <a:spcPct val="0"/>
-              </a:spcAft>
-              <a:buFont typeface="Arial" panose="020B0604020202020204" pitchFamily="34" charset="0"/>
-              <a:buChar char="»"/>
-              <a:defRPr sz="2000">
-                <a:solidFill>
-                  <a:schemeClr val="tx1"/>
-                </a:solidFill>
-                <a:latin typeface="Calibri" panose="020F0502020204030204" pitchFamily="34" charset="0"/>
-              </a:defRPr>
-            </a:lvl9pPr>
-          </a:lstStyle>
-          <a:p>
-            <a:pPr eaLnBrk="1" hangingPunct="1">
-              <a:spcBef>
-                <a:spcPct val="0"/>
-              </a:spcBef>
-              <a:buFontTx/>
-              <a:buNone/>
-            </a:pPr>
-            <a:r>
-              <a:rPr lang="en-US" altLang="en-US" sz="2800" b="1" dirty="0">
-                <a:solidFill>
-                  <a:srgbClr val="FFFFFF"/>
-                </a:solidFill>
-                <a:latin typeface="Arial" panose="020B0604020202020204" pitchFamily="34" charset="0"/>
-              </a:rPr>
-              <a:t>How it works</a:t>
-            </a:r>
-          </a:p>
-        </p:txBody>
-      </p:sp>
-      <p:grpSp>
-        <p:nvGrpSpPr>
-          <p:cNvPr id="76" name="Group 7"/>
-          <p:cNvGrpSpPr>
-            <a:grpSpLocks noChangeAspect="1"/>
-          </p:cNvGrpSpPr>
-          <p:nvPr/>
-        </p:nvGrpSpPr>
-        <p:grpSpPr bwMode="auto">
-          <a:xfrm>
-            <a:off x="8655230" y="38515"/>
-            <a:ext cx="310312" cy="543657"/>
-            <a:chOff x="4694" y="2761"/>
-            <a:chExt cx="508" cy="890"/>
-          </a:xfrm>
-          <a:solidFill>
-            <a:srgbClr val="DDB405"/>
-          </a:solidFill>
-        </p:grpSpPr>
-        <p:sp>
-          <p:nvSpPr>
-            <p:cNvPr id="77" name="Freeform 8"/>
-            <p:cNvSpPr>
-              <a:spLocks/>
-            </p:cNvSpPr>
-            <p:nvPr/>
-          </p:nvSpPr>
-          <p:spPr bwMode="auto">
-            <a:xfrm>
-              <a:off x="5024" y="3357"/>
-              <a:ext cx="178" cy="294"/>
-            </a:xfrm>
-            <a:custGeom>
-              <a:avLst/>
-              <a:gdLst>
-                <a:gd name="T0" fmla="*/ 178 w 178"/>
-                <a:gd name="T1" fmla="*/ 294 h 294"/>
-                <a:gd name="T2" fmla="*/ 178 w 178"/>
-                <a:gd name="T3" fmla="*/ 294 h 294"/>
-                <a:gd name="T4" fmla="*/ 160 w 178"/>
-                <a:gd name="T5" fmla="*/ 282 h 294"/>
-                <a:gd name="T6" fmla="*/ 144 w 178"/>
-                <a:gd name="T7" fmla="*/ 268 h 294"/>
-                <a:gd name="T8" fmla="*/ 132 w 178"/>
-                <a:gd name="T9" fmla="*/ 254 h 294"/>
-                <a:gd name="T10" fmla="*/ 120 w 178"/>
-                <a:gd name="T11" fmla="*/ 240 h 294"/>
-                <a:gd name="T12" fmla="*/ 112 w 178"/>
-                <a:gd name="T13" fmla="*/ 224 h 294"/>
-                <a:gd name="T14" fmla="*/ 106 w 178"/>
-                <a:gd name="T15" fmla="*/ 208 h 294"/>
-                <a:gd name="T16" fmla="*/ 102 w 178"/>
-                <a:gd name="T17" fmla="*/ 192 h 294"/>
-                <a:gd name="T18" fmla="*/ 100 w 178"/>
-                <a:gd name="T19" fmla="*/ 174 h 294"/>
-                <a:gd name="T20" fmla="*/ 100 w 178"/>
-                <a:gd name="T21" fmla="*/ 158 h 294"/>
-                <a:gd name="T22" fmla="*/ 102 w 178"/>
-                <a:gd name="T23" fmla="*/ 140 h 294"/>
-                <a:gd name="T24" fmla="*/ 106 w 178"/>
-                <a:gd name="T25" fmla="*/ 122 h 294"/>
-                <a:gd name="T26" fmla="*/ 112 w 178"/>
-                <a:gd name="T27" fmla="*/ 104 h 294"/>
-                <a:gd name="T28" fmla="*/ 118 w 178"/>
-                <a:gd name="T29" fmla="*/ 88 h 294"/>
-                <a:gd name="T30" fmla="*/ 126 w 178"/>
-                <a:gd name="T31" fmla="*/ 70 h 294"/>
-                <a:gd name="T32" fmla="*/ 136 w 178"/>
-                <a:gd name="T33" fmla="*/ 54 h 294"/>
-                <a:gd name="T34" fmla="*/ 148 w 178"/>
-                <a:gd name="T35" fmla="*/ 38 h 294"/>
-                <a:gd name="T36" fmla="*/ 76 w 178"/>
-                <a:gd name="T37" fmla="*/ 0 h 294"/>
-                <a:gd name="T38" fmla="*/ 76 w 178"/>
-                <a:gd name="T39" fmla="*/ 0 h 294"/>
-                <a:gd name="T40" fmla="*/ 60 w 178"/>
-                <a:gd name="T41" fmla="*/ 12 h 294"/>
-                <a:gd name="T42" fmla="*/ 46 w 178"/>
-                <a:gd name="T43" fmla="*/ 26 h 294"/>
-                <a:gd name="T44" fmla="*/ 34 w 178"/>
-                <a:gd name="T45" fmla="*/ 44 h 294"/>
-                <a:gd name="T46" fmla="*/ 24 w 178"/>
-                <a:gd name="T47" fmla="*/ 60 h 294"/>
-                <a:gd name="T48" fmla="*/ 16 w 178"/>
-                <a:gd name="T49" fmla="*/ 80 h 294"/>
-                <a:gd name="T50" fmla="*/ 8 w 178"/>
-                <a:gd name="T51" fmla="*/ 98 h 294"/>
-                <a:gd name="T52" fmla="*/ 4 w 178"/>
-                <a:gd name="T53" fmla="*/ 120 h 294"/>
-                <a:gd name="T54" fmla="*/ 0 w 178"/>
-                <a:gd name="T55" fmla="*/ 140 h 294"/>
-                <a:gd name="T56" fmla="*/ 0 w 178"/>
-                <a:gd name="T57" fmla="*/ 160 h 294"/>
-                <a:gd name="T58" fmla="*/ 0 w 178"/>
-                <a:gd name="T59" fmla="*/ 182 h 294"/>
-                <a:gd name="T60" fmla="*/ 2 w 178"/>
-                <a:gd name="T61" fmla="*/ 202 h 294"/>
-                <a:gd name="T62" fmla="*/ 6 w 178"/>
-                <a:gd name="T63" fmla="*/ 222 h 294"/>
-                <a:gd name="T64" fmla="*/ 12 w 178"/>
-                <a:gd name="T65" fmla="*/ 242 h 294"/>
-                <a:gd name="T66" fmla="*/ 20 w 178"/>
-                <a:gd name="T67" fmla="*/ 260 h 294"/>
-                <a:gd name="T68" fmla="*/ 28 w 178"/>
-                <a:gd name="T69" fmla="*/ 278 h 294"/>
-                <a:gd name="T70" fmla="*/ 38 w 178"/>
-                <a:gd name="T71" fmla="*/ 294 h 294"/>
-                <a:gd name="T72" fmla="*/ 178 w 178"/>
-                <a:gd name="T73" fmla="*/ 294 h 294"/>
-              </a:gdLst>
-              <a:ahLst/>
-              <a:cxnLst>
-                <a:cxn ang="0">
-                  <a:pos x="T0" y="T1"/>
-                </a:cxn>
-                <a:cxn ang="0">
-                  <a:pos x="T2" y="T3"/>
-                </a:cxn>
-                <a:cxn ang="0">
-                  <a:pos x="T4" y="T5"/>
-                </a:cxn>
-                <a:cxn ang="0">
-                  <a:pos x="T6" y="T7"/>
-                </a:cxn>
-                <a:cxn ang="0">
-                  <a:pos x="T8" y="T9"/>
-                </a:cxn>
-                <a:cxn ang="0">
-                  <a:pos x="T10" y="T11"/>
-                </a:cxn>
-                <a:cxn ang="0">
-                  <a:pos x="T12" y="T13"/>
-                </a:cxn>
-                <a:cxn ang="0">
-                  <a:pos x="T14" y="T15"/>
-                </a:cxn>
-                <a:cxn ang="0">
-                  <a:pos x="T16" y="T17"/>
-                </a:cxn>
-                <a:cxn ang="0">
-                  <a:pos x="T18" y="T19"/>
-                </a:cxn>
-                <a:cxn ang="0">
-                  <a:pos x="T20" y="T21"/>
-                </a:cxn>
-                <a:cxn ang="0">
-                  <a:pos x="T22" y="T23"/>
-                </a:cxn>
-                <a:cxn ang="0">
-                  <a:pos x="T24" y="T25"/>
-                </a:cxn>
-                <a:cxn ang="0">
-                  <a:pos x="T26" y="T27"/>
-                </a:cxn>
-                <a:cxn ang="0">
-                  <a:pos x="T28" y="T29"/>
-                </a:cxn>
-                <a:cxn ang="0">
-                  <a:pos x="T30" y="T31"/>
-                </a:cxn>
-                <a:cxn ang="0">
-                  <a:pos x="T32" y="T33"/>
-                </a:cxn>
-                <a:cxn ang="0">
-                  <a:pos x="T34" y="T35"/>
-                </a:cxn>
-                <a:cxn ang="0">
-                  <a:pos x="T36" y="T37"/>
-                </a:cxn>
-                <a:cxn ang="0">
-                  <a:pos x="T38" y="T39"/>
-                </a:cxn>
-                <a:cxn ang="0">
-                  <a:pos x="T40" y="T41"/>
-                </a:cxn>
-                <a:cxn ang="0">
-                  <a:pos x="T42" y="T43"/>
-                </a:cxn>
-                <a:cxn ang="0">
-                  <a:pos x="T44" y="T45"/>
-                </a:cxn>
-                <a:cxn ang="0">
-                  <a:pos x="T46" y="T47"/>
-                </a:cxn>
-                <a:cxn ang="0">
-                  <a:pos x="T48" y="T49"/>
-                </a:cxn>
-                <a:cxn ang="0">
-                  <a:pos x="T50" y="T51"/>
-                </a:cxn>
-                <a:cxn ang="0">
-                  <a:pos x="T52" y="T53"/>
-                </a:cxn>
-                <a:cxn ang="0">
-                  <a:pos x="T54" y="T55"/>
-                </a:cxn>
-                <a:cxn ang="0">
-                  <a:pos x="T56" y="T57"/>
-                </a:cxn>
-                <a:cxn ang="0">
-                  <a:pos x="T58" y="T59"/>
-                </a:cxn>
-                <a:cxn ang="0">
-                  <a:pos x="T60" y="T61"/>
-                </a:cxn>
-                <a:cxn ang="0">
-                  <a:pos x="T62" y="T63"/>
-                </a:cxn>
-                <a:cxn ang="0">
-                  <a:pos x="T64" y="T65"/>
-                </a:cxn>
-                <a:cxn ang="0">
-                  <a:pos x="T66" y="T67"/>
-                </a:cxn>
-                <a:cxn ang="0">
-                  <a:pos x="T68" y="T69"/>
-                </a:cxn>
-                <a:cxn ang="0">
-                  <a:pos x="T70" y="T71"/>
-                </a:cxn>
-                <a:cxn ang="0">
-                  <a:pos x="T72" y="T73"/>
-                </a:cxn>
-              </a:cxnLst>
-              <a:rect l="0" t="0" r="r" b="b"/>
-              <a:pathLst>
-                <a:path w="178" h="294">
-                  <a:moveTo>
-                    <a:pt x="178" y="294"/>
-                  </a:moveTo>
-                  <a:lnTo>
-                    <a:pt x="178" y="294"/>
-                  </a:lnTo>
-                  <a:lnTo>
-                    <a:pt x="160" y="282"/>
-                  </a:lnTo>
-                  <a:lnTo>
-                    <a:pt x="144" y="268"/>
-                  </a:lnTo>
-                  <a:lnTo>
-                    <a:pt x="132" y="254"/>
-                  </a:lnTo>
-                  <a:lnTo>
-                    <a:pt x="120" y="240"/>
-                  </a:lnTo>
-                  <a:lnTo>
-                    <a:pt x="112" y="224"/>
-                  </a:lnTo>
-                  <a:lnTo>
-                    <a:pt x="106" y="208"/>
-                  </a:lnTo>
-                  <a:lnTo>
-                    <a:pt x="102" y="192"/>
-                  </a:lnTo>
-                  <a:lnTo>
-                    <a:pt x="100" y="174"/>
-                  </a:lnTo>
-                  <a:lnTo>
-                    <a:pt x="100" y="158"/>
-                  </a:lnTo>
-                  <a:lnTo>
-                    <a:pt x="102" y="140"/>
-                  </a:lnTo>
-                  <a:lnTo>
-                    <a:pt x="106" y="122"/>
-                  </a:lnTo>
-                  <a:lnTo>
-                    <a:pt x="112" y="104"/>
-                  </a:lnTo>
-                  <a:lnTo>
-                    <a:pt x="118" y="88"/>
-                  </a:lnTo>
-                  <a:lnTo>
-                    <a:pt x="126" y="70"/>
-                  </a:lnTo>
-                  <a:lnTo>
-                    <a:pt x="136" y="54"/>
-                  </a:lnTo>
-                  <a:lnTo>
-                    <a:pt x="148" y="38"/>
-                  </a:lnTo>
-                  <a:lnTo>
-                    <a:pt x="76" y="0"/>
-                  </a:lnTo>
-                  <a:lnTo>
-                    <a:pt x="76" y="0"/>
-                  </a:lnTo>
-                  <a:lnTo>
-                    <a:pt x="60" y="12"/>
-                  </a:lnTo>
-                  <a:lnTo>
-                    <a:pt x="46" y="26"/>
-                  </a:lnTo>
-                  <a:lnTo>
-                    <a:pt x="34" y="44"/>
-                  </a:lnTo>
-                  <a:lnTo>
-                    <a:pt x="24" y="60"/>
-                  </a:lnTo>
-                  <a:lnTo>
-                    <a:pt x="16" y="80"/>
-                  </a:lnTo>
-                  <a:lnTo>
-                    <a:pt x="8" y="98"/>
-                  </a:lnTo>
-                  <a:lnTo>
-                    <a:pt x="4" y="120"/>
-                  </a:lnTo>
-                  <a:lnTo>
-                    <a:pt x="0" y="140"/>
-                  </a:lnTo>
-                  <a:lnTo>
-                    <a:pt x="0" y="160"/>
-                  </a:lnTo>
-                  <a:lnTo>
-                    <a:pt x="0" y="182"/>
-                  </a:lnTo>
-                  <a:lnTo>
-                    <a:pt x="2" y="202"/>
-                  </a:lnTo>
-                  <a:lnTo>
-                    <a:pt x="6" y="222"/>
-                  </a:lnTo>
-                  <a:lnTo>
-                    <a:pt x="12" y="242"/>
-                  </a:lnTo>
-                  <a:lnTo>
-                    <a:pt x="20" y="260"/>
-                  </a:lnTo>
-                  <a:lnTo>
-                    <a:pt x="28" y="278"/>
-                  </a:lnTo>
-                  <a:lnTo>
-                    <a:pt x="38" y="294"/>
-                  </a:lnTo>
-                  <a:lnTo>
-                    <a:pt x="178" y="294"/>
-                  </a:lnTo>
-                  <a:close/>
-                </a:path>
-              </a:pathLst>
-            </a:custGeom>
-            <a:grpFill/>
-            <a:ln>
-              <a:noFill/>
-            </a:ln>
-            <a:extLst>
-              <a:ext uri="{91240B29-F687-4F45-9708-019B960494DF}">
-                <a14:hiddenLine xmlns:a14="http://schemas.microsoft.com/office/drawing/2010/main" w="9525">
-                  <a:solidFill>
-                    <a:srgbClr val="000000"/>
-                  </a:solidFill>
-                  <a:round/>
-                  <a:headEnd/>
-                  <a:tailEnd/>
-                </a14:hiddenLine>
-              </a:ext>
-            </a:extLst>
-          </p:spPr>
-          <p:txBody>
-            <a:bodyPr/>
-            <a:lstStyle/>
-            <a:p>
-              <a:pPr algn="l" rtl="0" fontAlgn="auto">
-                <a:spcBef>
-                  <a:spcPts val="0"/>
-                </a:spcBef>
-                <a:spcAft>
-                  <a:spcPts val="0"/>
-                </a:spcAft>
-                <a:defRPr/>
-              </a:pPr>
-              <a:endParaRPr lang="en-US">
-                <a:solidFill>
-                  <a:prstClr val="black"/>
-                </a:solidFill>
-                <a:latin typeface="Calibri"/>
-              </a:endParaRPr>
-            </a:p>
-          </p:txBody>
-        </p:sp>
-        <p:sp>
-          <p:nvSpPr>
-            <p:cNvPr id="78" name="Freeform 9"/>
-            <p:cNvSpPr>
-              <a:spLocks/>
-            </p:cNvSpPr>
-            <p:nvPr/>
-          </p:nvSpPr>
-          <p:spPr bwMode="auto">
-            <a:xfrm>
-              <a:off x="4716" y="2761"/>
-              <a:ext cx="472" cy="890"/>
-            </a:xfrm>
-            <a:custGeom>
-              <a:avLst/>
-              <a:gdLst>
-                <a:gd name="T0" fmla="*/ 304 w 472"/>
-                <a:gd name="T1" fmla="*/ 890 h 890"/>
-                <a:gd name="T2" fmla="*/ 280 w 472"/>
-                <a:gd name="T3" fmla="*/ 802 h 890"/>
-                <a:gd name="T4" fmla="*/ 284 w 472"/>
-                <a:gd name="T5" fmla="*/ 710 h 890"/>
-                <a:gd name="T6" fmla="*/ 302 w 472"/>
-                <a:gd name="T7" fmla="*/ 652 h 890"/>
-                <a:gd name="T8" fmla="*/ 334 w 472"/>
-                <a:gd name="T9" fmla="*/ 602 h 890"/>
-                <a:gd name="T10" fmla="*/ 404 w 472"/>
-                <a:gd name="T11" fmla="*/ 528 h 890"/>
-                <a:gd name="T12" fmla="*/ 454 w 472"/>
-                <a:gd name="T13" fmla="*/ 464 h 890"/>
-                <a:gd name="T14" fmla="*/ 472 w 472"/>
-                <a:gd name="T15" fmla="*/ 406 h 890"/>
-                <a:gd name="T16" fmla="*/ 470 w 472"/>
-                <a:gd name="T17" fmla="*/ 354 h 890"/>
-                <a:gd name="T18" fmla="*/ 444 w 472"/>
-                <a:gd name="T19" fmla="*/ 268 h 890"/>
-                <a:gd name="T20" fmla="*/ 394 w 472"/>
-                <a:gd name="T21" fmla="*/ 186 h 890"/>
-                <a:gd name="T22" fmla="*/ 328 w 472"/>
-                <a:gd name="T23" fmla="*/ 112 h 890"/>
-                <a:gd name="T24" fmla="*/ 254 w 472"/>
-                <a:gd name="T25" fmla="*/ 50 h 890"/>
-                <a:gd name="T26" fmla="*/ 178 w 472"/>
-                <a:gd name="T27" fmla="*/ 0 h 890"/>
-                <a:gd name="T28" fmla="*/ 190 w 472"/>
-                <a:gd name="T29" fmla="*/ 36 h 890"/>
-                <a:gd name="T30" fmla="*/ 184 w 472"/>
-                <a:gd name="T31" fmla="*/ 90 h 890"/>
-                <a:gd name="T32" fmla="*/ 158 w 472"/>
-                <a:gd name="T33" fmla="*/ 146 h 890"/>
-                <a:gd name="T34" fmla="*/ 78 w 472"/>
-                <a:gd name="T35" fmla="*/ 264 h 890"/>
-                <a:gd name="T36" fmla="*/ 18 w 472"/>
-                <a:gd name="T37" fmla="*/ 364 h 890"/>
-                <a:gd name="T38" fmla="*/ 0 w 472"/>
-                <a:gd name="T39" fmla="*/ 424 h 890"/>
-                <a:gd name="T40" fmla="*/ 8 w 472"/>
-                <a:gd name="T41" fmla="*/ 484 h 890"/>
-                <a:gd name="T42" fmla="*/ 48 w 472"/>
-                <a:gd name="T43" fmla="*/ 546 h 890"/>
-                <a:gd name="T44" fmla="*/ 126 w 472"/>
-                <a:gd name="T45" fmla="*/ 606 h 890"/>
-                <a:gd name="T46" fmla="*/ 170 w 472"/>
-                <a:gd name="T47" fmla="*/ 608 h 890"/>
-                <a:gd name="T48" fmla="*/ 204 w 472"/>
-                <a:gd name="T49" fmla="*/ 546 h 890"/>
-                <a:gd name="T50" fmla="*/ 192 w 472"/>
-                <a:gd name="T51" fmla="*/ 520 h 890"/>
-                <a:gd name="T52" fmla="*/ 144 w 472"/>
-                <a:gd name="T53" fmla="*/ 484 h 890"/>
-                <a:gd name="T54" fmla="*/ 118 w 472"/>
-                <a:gd name="T55" fmla="*/ 446 h 890"/>
-                <a:gd name="T56" fmla="*/ 108 w 472"/>
-                <a:gd name="T57" fmla="*/ 408 h 890"/>
-                <a:gd name="T58" fmla="*/ 118 w 472"/>
-                <a:gd name="T59" fmla="*/ 352 h 890"/>
-                <a:gd name="T60" fmla="*/ 160 w 472"/>
-                <a:gd name="T61" fmla="*/ 264 h 890"/>
-                <a:gd name="T62" fmla="*/ 204 w 472"/>
-                <a:gd name="T63" fmla="*/ 170 h 890"/>
-                <a:gd name="T64" fmla="*/ 220 w 472"/>
-                <a:gd name="T65" fmla="*/ 104 h 890"/>
-                <a:gd name="T66" fmla="*/ 218 w 472"/>
-                <a:gd name="T67" fmla="*/ 70 h 890"/>
-                <a:gd name="T68" fmla="*/ 296 w 472"/>
-                <a:gd name="T69" fmla="*/ 172 h 890"/>
-                <a:gd name="T70" fmla="*/ 350 w 472"/>
-                <a:gd name="T71" fmla="*/ 276 h 890"/>
-                <a:gd name="T72" fmla="*/ 366 w 472"/>
-                <a:gd name="T73" fmla="*/ 338 h 890"/>
-                <a:gd name="T74" fmla="*/ 366 w 472"/>
-                <a:gd name="T75" fmla="*/ 376 h 890"/>
-                <a:gd name="T76" fmla="*/ 354 w 472"/>
-                <a:gd name="T77" fmla="*/ 424 h 890"/>
-                <a:gd name="T78" fmla="*/ 328 w 472"/>
-                <a:gd name="T79" fmla="*/ 464 h 890"/>
-                <a:gd name="T80" fmla="*/ 238 w 472"/>
-                <a:gd name="T81" fmla="*/ 556 h 890"/>
-                <a:gd name="T82" fmla="*/ 210 w 472"/>
-                <a:gd name="T83" fmla="*/ 596 h 890"/>
-                <a:gd name="T84" fmla="*/ 188 w 472"/>
-                <a:gd name="T85" fmla="*/ 646 h 890"/>
-                <a:gd name="T86" fmla="*/ 166 w 472"/>
-                <a:gd name="T87" fmla="*/ 766 h 890"/>
-                <a:gd name="T88" fmla="*/ 168 w 472"/>
-                <a:gd name="T89" fmla="*/ 890 h 890"/>
-              </a:gdLst>
-              <a:ahLst/>
-              <a:cxnLst>
-                <a:cxn ang="0">
-                  <a:pos x="T0" y="T1"/>
-                </a:cxn>
-                <a:cxn ang="0">
-                  <a:pos x="T2" y="T3"/>
-                </a:cxn>
-                <a:cxn ang="0">
-                  <a:pos x="T4" y="T5"/>
-                </a:cxn>
-                <a:cxn ang="0">
-                  <a:pos x="T6" y="T7"/>
-                </a:cxn>
-                <a:cxn ang="0">
-                  <a:pos x="T8" y="T9"/>
-                </a:cxn>
-                <a:cxn ang="0">
-                  <a:pos x="T10" y="T11"/>
-                </a:cxn>
-                <a:cxn ang="0">
-                  <a:pos x="T12" y="T13"/>
-                </a:cxn>
-                <a:cxn ang="0">
-                  <a:pos x="T14" y="T15"/>
-                </a:cxn>
-                <a:cxn ang="0">
-                  <a:pos x="T16" y="T17"/>
-                </a:cxn>
-                <a:cxn ang="0">
-                  <a:pos x="T18" y="T19"/>
-                </a:cxn>
-                <a:cxn ang="0">
-                  <a:pos x="T20" y="T21"/>
-                </a:cxn>
-                <a:cxn ang="0">
-                  <a:pos x="T22" y="T23"/>
-                </a:cxn>
-                <a:cxn ang="0">
-                  <a:pos x="T24" y="T25"/>
-                </a:cxn>
-                <a:cxn ang="0">
-                  <a:pos x="T26" y="T27"/>
-                </a:cxn>
-                <a:cxn ang="0">
-                  <a:pos x="T28" y="T29"/>
-                </a:cxn>
-                <a:cxn ang="0">
-                  <a:pos x="T30" y="T31"/>
-                </a:cxn>
-                <a:cxn ang="0">
-                  <a:pos x="T32" y="T33"/>
-                </a:cxn>
-                <a:cxn ang="0">
-                  <a:pos x="T34" y="T35"/>
-                </a:cxn>
-                <a:cxn ang="0">
-                  <a:pos x="T36" y="T37"/>
-                </a:cxn>
-                <a:cxn ang="0">
-                  <a:pos x="T38" y="T39"/>
-                </a:cxn>
-                <a:cxn ang="0">
-                  <a:pos x="T40" y="T41"/>
-                </a:cxn>
-                <a:cxn ang="0">
-                  <a:pos x="T42" y="T43"/>
-                </a:cxn>
-                <a:cxn ang="0">
-                  <a:pos x="T44" y="T45"/>
-                </a:cxn>
-                <a:cxn ang="0">
-                  <a:pos x="T46" y="T47"/>
-                </a:cxn>
-                <a:cxn ang="0">
-                  <a:pos x="T48" y="T49"/>
-                </a:cxn>
-                <a:cxn ang="0">
-                  <a:pos x="T50" y="T51"/>
-                </a:cxn>
-                <a:cxn ang="0">
-                  <a:pos x="T52" y="T53"/>
-                </a:cxn>
-                <a:cxn ang="0">
-                  <a:pos x="T54" y="T55"/>
-                </a:cxn>
-                <a:cxn ang="0">
-                  <a:pos x="T56" y="T57"/>
-                </a:cxn>
-                <a:cxn ang="0">
-                  <a:pos x="T58" y="T59"/>
-                </a:cxn>
-                <a:cxn ang="0">
-                  <a:pos x="T60" y="T61"/>
-                </a:cxn>
-                <a:cxn ang="0">
-                  <a:pos x="T62" y="T63"/>
-                </a:cxn>
-                <a:cxn ang="0">
-                  <a:pos x="T64" y="T65"/>
-                </a:cxn>
-                <a:cxn ang="0">
-                  <a:pos x="T66" y="T67"/>
-                </a:cxn>
-                <a:cxn ang="0">
-                  <a:pos x="T68" y="T69"/>
-                </a:cxn>
-                <a:cxn ang="0">
-                  <a:pos x="T70" y="T71"/>
-                </a:cxn>
-                <a:cxn ang="0">
-                  <a:pos x="T72" y="T73"/>
-                </a:cxn>
-                <a:cxn ang="0">
-                  <a:pos x="T74" y="T75"/>
-                </a:cxn>
-                <a:cxn ang="0">
-                  <a:pos x="T76" y="T77"/>
-                </a:cxn>
-                <a:cxn ang="0">
-                  <a:pos x="T78" y="T79"/>
-                </a:cxn>
-                <a:cxn ang="0">
-                  <a:pos x="T80" y="T81"/>
-                </a:cxn>
-                <a:cxn ang="0">
-                  <a:pos x="T82" y="T83"/>
-                </a:cxn>
-                <a:cxn ang="0">
-                  <a:pos x="T84" y="T85"/>
-                </a:cxn>
-                <a:cxn ang="0">
-                  <a:pos x="T86" y="T87"/>
-                </a:cxn>
-                <a:cxn ang="0">
-                  <a:pos x="T88" y="T89"/>
-                </a:cxn>
-              </a:cxnLst>
-              <a:rect l="0" t="0" r="r" b="b"/>
-              <a:pathLst>
-                <a:path w="472" h="890">
-                  <a:moveTo>
-                    <a:pt x="168" y="890"/>
-                  </a:moveTo>
-                  <a:lnTo>
-                    <a:pt x="304" y="890"/>
-                  </a:lnTo>
-                  <a:lnTo>
-                    <a:pt x="304" y="890"/>
-                  </a:lnTo>
-                  <a:lnTo>
-                    <a:pt x="292" y="862"/>
-                  </a:lnTo>
-                  <a:lnTo>
-                    <a:pt x="284" y="832"/>
-                  </a:lnTo>
-                  <a:lnTo>
-                    <a:pt x="280" y="802"/>
-                  </a:lnTo>
-                  <a:lnTo>
-                    <a:pt x="278" y="770"/>
-                  </a:lnTo>
-                  <a:lnTo>
-                    <a:pt x="280" y="740"/>
-                  </a:lnTo>
-                  <a:lnTo>
-                    <a:pt x="284" y="710"/>
-                  </a:lnTo>
-                  <a:lnTo>
-                    <a:pt x="292" y="680"/>
-                  </a:lnTo>
-                  <a:lnTo>
-                    <a:pt x="302" y="652"/>
-                  </a:lnTo>
-                  <a:lnTo>
-                    <a:pt x="302" y="652"/>
-                  </a:lnTo>
-                  <a:lnTo>
-                    <a:pt x="310" y="634"/>
-                  </a:lnTo>
-                  <a:lnTo>
-                    <a:pt x="322" y="618"/>
-                  </a:lnTo>
-                  <a:lnTo>
-                    <a:pt x="334" y="602"/>
-                  </a:lnTo>
-                  <a:lnTo>
-                    <a:pt x="346" y="586"/>
-                  </a:lnTo>
-                  <a:lnTo>
-                    <a:pt x="376" y="558"/>
-                  </a:lnTo>
-                  <a:lnTo>
-                    <a:pt x="404" y="528"/>
-                  </a:lnTo>
-                  <a:lnTo>
-                    <a:pt x="432" y="496"/>
-                  </a:lnTo>
-                  <a:lnTo>
-                    <a:pt x="442" y="480"/>
-                  </a:lnTo>
-                  <a:lnTo>
-                    <a:pt x="454" y="464"/>
-                  </a:lnTo>
-                  <a:lnTo>
-                    <a:pt x="462" y="446"/>
-                  </a:lnTo>
-                  <a:lnTo>
-                    <a:pt x="468" y="426"/>
-                  </a:lnTo>
-                  <a:lnTo>
-                    <a:pt x="472" y="406"/>
-                  </a:lnTo>
-                  <a:lnTo>
-                    <a:pt x="472" y="384"/>
-                  </a:lnTo>
-                  <a:lnTo>
-                    <a:pt x="472" y="384"/>
-                  </a:lnTo>
-                  <a:lnTo>
-                    <a:pt x="470" y="354"/>
-                  </a:lnTo>
-                  <a:lnTo>
-                    <a:pt x="464" y="326"/>
-                  </a:lnTo>
-                  <a:lnTo>
-                    <a:pt x="456" y="296"/>
-                  </a:lnTo>
-                  <a:lnTo>
-                    <a:pt x="444" y="268"/>
-                  </a:lnTo>
-                  <a:lnTo>
-                    <a:pt x="430" y="240"/>
-                  </a:lnTo>
-                  <a:lnTo>
-                    <a:pt x="412" y="212"/>
-                  </a:lnTo>
-                  <a:lnTo>
-                    <a:pt x="394" y="186"/>
-                  </a:lnTo>
-                  <a:lnTo>
-                    <a:pt x="374" y="160"/>
-                  </a:lnTo>
-                  <a:lnTo>
-                    <a:pt x="352" y="136"/>
-                  </a:lnTo>
-                  <a:lnTo>
-                    <a:pt x="328" y="112"/>
-                  </a:lnTo>
-                  <a:lnTo>
-                    <a:pt x="304" y="90"/>
-                  </a:lnTo>
-                  <a:lnTo>
-                    <a:pt x="280" y="68"/>
-                  </a:lnTo>
-                  <a:lnTo>
-                    <a:pt x="254" y="50"/>
-                  </a:lnTo>
-                  <a:lnTo>
-                    <a:pt x="230" y="32"/>
-                  </a:lnTo>
-                  <a:lnTo>
-                    <a:pt x="204" y="14"/>
-                  </a:lnTo>
-                  <a:lnTo>
-                    <a:pt x="178" y="0"/>
-                  </a:lnTo>
-                  <a:lnTo>
-                    <a:pt x="178" y="0"/>
-                  </a:lnTo>
-                  <a:lnTo>
-                    <a:pt x="186" y="18"/>
-                  </a:lnTo>
-                  <a:lnTo>
-                    <a:pt x="190" y="36"/>
-                  </a:lnTo>
-                  <a:lnTo>
-                    <a:pt x="190" y="54"/>
-                  </a:lnTo>
-                  <a:lnTo>
-                    <a:pt x="188" y="72"/>
-                  </a:lnTo>
-                  <a:lnTo>
-                    <a:pt x="184" y="90"/>
-                  </a:lnTo>
-                  <a:lnTo>
-                    <a:pt x="178" y="108"/>
-                  </a:lnTo>
-                  <a:lnTo>
-                    <a:pt x="168" y="128"/>
-                  </a:lnTo>
-                  <a:lnTo>
-                    <a:pt x="158" y="146"/>
-                  </a:lnTo>
-                  <a:lnTo>
-                    <a:pt x="134" y="184"/>
-                  </a:lnTo>
-                  <a:lnTo>
-                    <a:pt x="106" y="224"/>
-                  </a:lnTo>
-                  <a:lnTo>
-                    <a:pt x="78" y="264"/>
-                  </a:lnTo>
-                  <a:lnTo>
-                    <a:pt x="50" y="302"/>
-                  </a:lnTo>
-                  <a:lnTo>
-                    <a:pt x="26" y="342"/>
-                  </a:lnTo>
-                  <a:lnTo>
-                    <a:pt x="18" y="364"/>
-                  </a:lnTo>
-                  <a:lnTo>
-                    <a:pt x="10" y="384"/>
-                  </a:lnTo>
-                  <a:lnTo>
-                    <a:pt x="4" y="404"/>
-                  </a:lnTo>
-                  <a:lnTo>
-                    <a:pt x="0" y="424"/>
-                  </a:lnTo>
-                  <a:lnTo>
-                    <a:pt x="0" y="444"/>
-                  </a:lnTo>
-                  <a:lnTo>
-                    <a:pt x="2" y="464"/>
-                  </a:lnTo>
-                  <a:lnTo>
-                    <a:pt x="8" y="484"/>
-                  </a:lnTo>
-                  <a:lnTo>
-                    <a:pt x="18" y="504"/>
-                  </a:lnTo>
-                  <a:lnTo>
-                    <a:pt x="30" y="526"/>
-                  </a:lnTo>
-                  <a:lnTo>
-                    <a:pt x="48" y="546"/>
-                  </a:lnTo>
-                  <a:lnTo>
-                    <a:pt x="70" y="566"/>
-                  </a:lnTo>
-                  <a:lnTo>
-                    <a:pt x="96" y="586"/>
-                  </a:lnTo>
-                  <a:lnTo>
-                    <a:pt x="126" y="606"/>
-                  </a:lnTo>
-                  <a:lnTo>
-                    <a:pt x="162" y="626"/>
-                  </a:lnTo>
-                  <a:lnTo>
-                    <a:pt x="162" y="626"/>
-                  </a:lnTo>
-                  <a:lnTo>
-                    <a:pt x="170" y="608"/>
-                  </a:lnTo>
-                  <a:lnTo>
-                    <a:pt x="186" y="574"/>
-                  </a:lnTo>
-                  <a:lnTo>
-                    <a:pt x="186" y="574"/>
-                  </a:lnTo>
-                  <a:lnTo>
-                    <a:pt x="204" y="546"/>
-                  </a:lnTo>
-                  <a:lnTo>
-                    <a:pt x="214" y="530"/>
-                  </a:lnTo>
-                  <a:lnTo>
-                    <a:pt x="214" y="530"/>
-                  </a:lnTo>
-                  <a:lnTo>
-                    <a:pt x="192" y="520"/>
-                  </a:lnTo>
-                  <a:lnTo>
-                    <a:pt x="174" y="508"/>
-                  </a:lnTo>
-                  <a:lnTo>
-                    <a:pt x="158" y="496"/>
-                  </a:lnTo>
-                  <a:lnTo>
-                    <a:pt x="144" y="484"/>
-                  </a:lnTo>
-                  <a:lnTo>
-                    <a:pt x="132" y="472"/>
-                  </a:lnTo>
-                  <a:lnTo>
-                    <a:pt x="124" y="460"/>
-                  </a:lnTo>
-                  <a:lnTo>
-                    <a:pt x="118" y="446"/>
-                  </a:lnTo>
-                  <a:lnTo>
-                    <a:pt x="112" y="434"/>
-                  </a:lnTo>
-                  <a:lnTo>
-                    <a:pt x="110" y="420"/>
-                  </a:lnTo>
-                  <a:lnTo>
-                    <a:pt x="108" y="408"/>
-                  </a:lnTo>
-                  <a:lnTo>
-                    <a:pt x="110" y="394"/>
-                  </a:lnTo>
-                  <a:lnTo>
-                    <a:pt x="112" y="380"/>
-                  </a:lnTo>
-                  <a:lnTo>
-                    <a:pt x="118" y="352"/>
-                  </a:lnTo>
-                  <a:lnTo>
-                    <a:pt x="130" y="324"/>
-                  </a:lnTo>
-                  <a:lnTo>
-                    <a:pt x="144" y="294"/>
-                  </a:lnTo>
-                  <a:lnTo>
-                    <a:pt x="160" y="264"/>
-                  </a:lnTo>
-                  <a:lnTo>
-                    <a:pt x="176" y="232"/>
-                  </a:lnTo>
-                  <a:lnTo>
-                    <a:pt x="192" y="200"/>
-                  </a:lnTo>
-                  <a:lnTo>
-                    <a:pt x="204" y="170"/>
-                  </a:lnTo>
-                  <a:lnTo>
-                    <a:pt x="214" y="136"/>
-                  </a:lnTo>
-                  <a:lnTo>
-                    <a:pt x="218" y="120"/>
-                  </a:lnTo>
-                  <a:lnTo>
-                    <a:pt x="220" y="104"/>
-                  </a:lnTo>
-                  <a:lnTo>
-                    <a:pt x="220" y="88"/>
-                  </a:lnTo>
-                  <a:lnTo>
-                    <a:pt x="218" y="70"/>
-                  </a:lnTo>
-                  <a:lnTo>
-                    <a:pt x="218" y="70"/>
-                  </a:lnTo>
-                  <a:lnTo>
-                    <a:pt x="244" y="100"/>
-                  </a:lnTo>
-                  <a:lnTo>
-                    <a:pt x="270" y="134"/>
-                  </a:lnTo>
-                  <a:lnTo>
-                    <a:pt x="296" y="172"/>
-                  </a:lnTo>
-                  <a:lnTo>
-                    <a:pt x="320" y="212"/>
-                  </a:lnTo>
-                  <a:lnTo>
-                    <a:pt x="340" y="256"/>
-                  </a:lnTo>
-                  <a:lnTo>
-                    <a:pt x="350" y="276"/>
-                  </a:lnTo>
-                  <a:lnTo>
-                    <a:pt x="356" y="298"/>
-                  </a:lnTo>
-                  <a:lnTo>
-                    <a:pt x="362" y="318"/>
-                  </a:lnTo>
-                  <a:lnTo>
-                    <a:pt x="366" y="338"/>
-                  </a:lnTo>
-                  <a:lnTo>
-                    <a:pt x="368" y="358"/>
-                  </a:lnTo>
-                  <a:lnTo>
-                    <a:pt x="366" y="376"/>
-                  </a:lnTo>
-                  <a:lnTo>
-                    <a:pt x="366" y="376"/>
-                  </a:lnTo>
-                  <a:lnTo>
-                    <a:pt x="364" y="392"/>
-                  </a:lnTo>
-                  <a:lnTo>
-                    <a:pt x="360" y="408"/>
-                  </a:lnTo>
-                  <a:lnTo>
-                    <a:pt x="354" y="424"/>
-                  </a:lnTo>
-                  <a:lnTo>
-                    <a:pt x="346" y="438"/>
-                  </a:lnTo>
-                  <a:lnTo>
-                    <a:pt x="338" y="450"/>
-                  </a:lnTo>
-                  <a:lnTo>
-                    <a:pt x="328" y="464"/>
-                  </a:lnTo>
-                  <a:lnTo>
-                    <a:pt x="308" y="488"/>
-                  </a:lnTo>
-                  <a:lnTo>
-                    <a:pt x="262" y="532"/>
-                  </a:lnTo>
-                  <a:lnTo>
-                    <a:pt x="238" y="556"/>
-                  </a:lnTo>
-                  <a:lnTo>
-                    <a:pt x="218" y="582"/>
-                  </a:lnTo>
-                  <a:lnTo>
-                    <a:pt x="218" y="582"/>
-                  </a:lnTo>
-                  <a:lnTo>
-                    <a:pt x="210" y="596"/>
-                  </a:lnTo>
-                  <a:lnTo>
-                    <a:pt x="202" y="612"/>
-                  </a:lnTo>
-                  <a:lnTo>
-                    <a:pt x="194" y="628"/>
-                  </a:lnTo>
-                  <a:lnTo>
-                    <a:pt x="188" y="646"/>
-                  </a:lnTo>
-                  <a:lnTo>
-                    <a:pt x="178" y="684"/>
-                  </a:lnTo>
-                  <a:lnTo>
-                    <a:pt x="170" y="724"/>
-                  </a:lnTo>
-                  <a:lnTo>
-                    <a:pt x="166" y="766"/>
-                  </a:lnTo>
-                  <a:lnTo>
-                    <a:pt x="166" y="808"/>
-                  </a:lnTo>
-                  <a:lnTo>
-                    <a:pt x="166" y="850"/>
-                  </a:lnTo>
-                  <a:lnTo>
-                    <a:pt x="168" y="890"/>
-                  </a:lnTo>
-                  <a:lnTo>
-                    <a:pt x="168" y="890"/>
-                  </a:lnTo>
-                  <a:close/>
-                </a:path>
-              </a:pathLst>
-            </a:custGeom>
-            <a:grpFill/>
-            <a:ln>
-              <a:noFill/>
-            </a:ln>
-            <a:extLst>
-              <a:ext uri="{91240B29-F687-4F45-9708-019B960494DF}">
-                <a14:hiddenLine xmlns:a14="http://schemas.microsoft.com/office/drawing/2010/main" w="9525">
-                  <a:solidFill>
-                    <a:srgbClr val="000000"/>
-                  </a:solidFill>
-                  <a:round/>
-                  <a:headEnd/>
-                  <a:tailEnd/>
-                </a14:hiddenLine>
-              </a:ext>
-            </a:extLst>
-          </p:spPr>
-          <p:txBody>
-            <a:bodyPr/>
-            <a:lstStyle/>
-            <a:p>
-              <a:pPr algn="l" rtl="0" fontAlgn="auto">
-                <a:spcBef>
-                  <a:spcPts val="0"/>
-                </a:spcBef>
-                <a:spcAft>
-                  <a:spcPts val="0"/>
-                </a:spcAft>
-                <a:defRPr/>
-              </a:pPr>
-              <a:endParaRPr lang="en-US">
-                <a:solidFill>
-                  <a:prstClr val="black"/>
-                </a:solidFill>
-                <a:latin typeface="Calibri"/>
-              </a:endParaRPr>
-            </a:p>
-          </p:txBody>
-        </p:sp>
-        <p:sp>
-          <p:nvSpPr>
-            <p:cNvPr id="79" name="Freeform 10"/>
-            <p:cNvSpPr>
-              <a:spLocks/>
-            </p:cNvSpPr>
-            <p:nvPr/>
-          </p:nvSpPr>
-          <p:spPr bwMode="auto">
-            <a:xfrm>
-              <a:off x="4694" y="3339"/>
-              <a:ext cx="174" cy="312"/>
-            </a:xfrm>
-            <a:custGeom>
-              <a:avLst/>
-              <a:gdLst>
-                <a:gd name="T0" fmla="*/ 174 w 174"/>
-                <a:gd name="T1" fmla="*/ 78 h 312"/>
-                <a:gd name="T2" fmla="*/ 174 w 174"/>
-                <a:gd name="T3" fmla="*/ 78 h 312"/>
-                <a:gd name="T4" fmla="*/ 156 w 174"/>
-                <a:gd name="T5" fmla="*/ 68 h 312"/>
-                <a:gd name="T6" fmla="*/ 122 w 174"/>
-                <a:gd name="T7" fmla="*/ 50 h 312"/>
-                <a:gd name="T8" fmla="*/ 122 w 174"/>
-                <a:gd name="T9" fmla="*/ 50 h 312"/>
-                <a:gd name="T10" fmla="*/ 100 w 174"/>
-                <a:gd name="T11" fmla="*/ 34 h 312"/>
-                <a:gd name="T12" fmla="*/ 76 w 174"/>
-                <a:gd name="T13" fmla="*/ 18 h 312"/>
-                <a:gd name="T14" fmla="*/ 52 w 174"/>
-                <a:gd name="T15" fmla="*/ 0 h 312"/>
-                <a:gd name="T16" fmla="*/ 52 w 174"/>
-                <a:gd name="T17" fmla="*/ 0 h 312"/>
-                <a:gd name="T18" fmla="*/ 62 w 174"/>
-                <a:gd name="T19" fmla="*/ 40 h 312"/>
-                <a:gd name="T20" fmla="*/ 68 w 174"/>
-                <a:gd name="T21" fmla="*/ 84 h 312"/>
-                <a:gd name="T22" fmla="*/ 72 w 174"/>
-                <a:gd name="T23" fmla="*/ 126 h 312"/>
-                <a:gd name="T24" fmla="*/ 70 w 174"/>
-                <a:gd name="T25" fmla="*/ 148 h 312"/>
-                <a:gd name="T26" fmla="*/ 70 w 174"/>
-                <a:gd name="T27" fmla="*/ 168 h 312"/>
-                <a:gd name="T28" fmla="*/ 66 w 174"/>
-                <a:gd name="T29" fmla="*/ 188 h 312"/>
-                <a:gd name="T30" fmla="*/ 62 w 174"/>
-                <a:gd name="T31" fmla="*/ 208 h 312"/>
-                <a:gd name="T32" fmla="*/ 56 w 174"/>
-                <a:gd name="T33" fmla="*/ 228 h 312"/>
-                <a:gd name="T34" fmla="*/ 48 w 174"/>
-                <a:gd name="T35" fmla="*/ 246 h 312"/>
-                <a:gd name="T36" fmla="*/ 38 w 174"/>
-                <a:gd name="T37" fmla="*/ 264 h 312"/>
-                <a:gd name="T38" fmla="*/ 28 w 174"/>
-                <a:gd name="T39" fmla="*/ 282 h 312"/>
-                <a:gd name="T40" fmla="*/ 14 w 174"/>
-                <a:gd name="T41" fmla="*/ 296 h 312"/>
-                <a:gd name="T42" fmla="*/ 0 w 174"/>
-                <a:gd name="T43" fmla="*/ 312 h 312"/>
-                <a:gd name="T44" fmla="*/ 160 w 174"/>
-                <a:gd name="T45" fmla="*/ 312 h 312"/>
-                <a:gd name="T46" fmla="*/ 160 w 174"/>
-                <a:gd name="T47" fmla="*/ 312 h 312"/>
-                <a:gd name="T48" fmla="*/ 158 w 174"/>
-                <a:gd name="T49" fmla="*/ 246 h 312"/>
-                <a:gd name="T50" fmla="*/ 160 w 174"/>
-                <a:gd name="T51" fmla="*/ 188 h 312"/>
-                <a:gd name="T52" fmla="*/ 166 w 174"/>
-                <a:gd name="T53" fmla="*/ 134 h 312"/>
-                <a:gd name="T54" fmla="*/ 174 w 174"/>
-                <a:gd name="T55" fmla="*/ 78 h 312"/>
-                <a:gd name="T56" fmla="*/ 174 w 174"/>
-                <a:gd name="T57" fmla="*/ 78 h 312"/>
-              </a:gdLst>
-              <a:ahLst/>
-              <a:cxnLst>
-                <a:cxn ang="0">
-                  <a:pos x="T0" y="T1"/>
-                </a:cxn>
-                <a:cxn ang="0">
-                  <a:pos x="T2" y="T3"/>
-                </a:cxn>
-                <a:cxn ang="0">
-                  <a:pos x="T4" y="T5"/>
-                </a:cxn>
-                <a:cxn ang="0">
-                  <a:pos x="T6" y="T7"/>
-                </a:cxn>
-                <a:cxn ang="0">
-                  <a:pos x="T8" y="T9"/>
-                </a:cxn>
-                <a:cxn ang="0">
-                  <a:pos x="T10" y="T11"/>
-                </a:cxn>
-                <a:cxn ang="0">
-                  <a:pos x="T12" y="T13"/>
-                </a:cxn>
-                <a:cxn ang="0">
-                  <a:pos x="T14" y="T15"/>
-                </a:cxn>
-                <a:cxn ang="0">
-                  <a:pos x="T16" y="T17"/>
-                </a:cxn>
-                <a:cxn ang="0">
-                  <a:pos x="T18" y="T19"/>
-                </a:cxn>
-                <a:cxn ang="0">
-                  <a:pos x="T20" y="T21"/>
-                </a:cxn>
-                <a:cxn ang="0">
-                  <a:pos x="T22" y="T23"/>
-                </a:cxn>
-                <a:cxn ang="0">
-                  <a:pos x="T24" y="T25"/>
-                </a:cxn>
-                <a:cxn ang="0">
-                  <a:pos x="T26" y="T27"/>
-                </a:cxn>
-                <a:cxn ang="0">
-                  <a:pos x="T28" y="T29"/>
-                </a:cxn>
-                <a:cxn ang="0">
-                  <a:pos x="T30" y="T31"/>
-                </a:cxn>
-                <a:cxn ang="0">
-                  <a:pos x="T32" y="T33"/>
-                </a:cxn>
-                <a:cxn ang="0">
-                  <a:pos x="T34" y="T35"/>
-                </a:cxn>
-                <a:cxn ang="0">
-                  <a:pos x="T36" y="T37"/>
-                </a:cxn>
-                <a:cxn ang="0">
-                  <a:pos x="T38" y="T39"/>
-                </a:cxn>
-                <a:cxn ang="0">
-                  <a:pos x="T40" y="T41"/>
-                </a:cxn>
-                <a:cxn ang="0">
-                  <a:pos x="T42" y="T43"/>
-                </a:cxn>
-                <a:cxn ang="0">
-                  <a:pos x="T44" y="T45"/>
-                </a:cxn>
-                <a:cxn ang="0">
-                  <a:pos x="T46" y="T47"/>
-                </a:cxn>
-                <a:cxn ang="0">
-                  <a:pos x="T48" y="T49"/>
-                </a:cxn>
-                <a:cxn ang="0">
-                  <a:pos x="T50" y="T51"/>
-                </a:cxn>
-                <a:cxn ang="0">
-                  <a:pos x="T52" y="T53"/>
-                </a:cxn>
-                <a:cxn ang="0">
-                  <a:pos x="T54" y="T55"/>
-                </a:cxn>
-                <a:cxn ang="0">
-                  <a:pos x="T56" y="T57"/>
-                </a:cxn>
-              </a:cxnLst>
-              <a:rect l="0" t="0" r="r" b="b"/>
-              <a:pathLst>
-                <a:path w="174" h="312">
-                  <a:moveTo>
-                    <a:pt x="174" y="78"/>
-                  </a:moveTo>
-                  <a:lnTo>
-                    <a:pt x="174" y="78"/>
-                  </a:lnTo>
-                  <a:lnTo>
-                    <a:pt x="156" y="68"/>
-                  </a:lnTo>
-                  <a:lnTo>
-                    <a:pt x="122" y="50"/>
-                  </a:lnTo>
-                  <a:lnTo>
-                    <a:pt x="122" y="50"/>
-                  </a:lnTo>
-                  <a:lnTo>
-                    <a:pt x="100" y="34"/>
-                  </a:lnTo>
-                  <a:lnTo>
-                    <a:pt x="76" y="18"/>
-                  </a:lnTo>
-                  <a:lnTo>
-                    <a:pt x="52" y="0"/>
-                  </a:lnTo>
-                  <a:lnTo>
-                    <a:pt x="52" y="0"/>
-                  </a:lnTo>
-                  <a:lnTo>
-                    <a:pt x="62" y="40"/>
-                  </a:lnTo>
-                  <a:lnTo>
-                    <a:pt x="68" y="84"/>
-                  </a:lnTo>
-                  <a:lnTo>
-                    <a:pt x="72" y="126"/>
-                  </a:lnTo>
-                  <a:lnTo>
-                    <a:pt x="70" y="148"/>
-                  </a:lnTo>
-                  <a:lnTo>
-                    <a:pt x="70" y="168"/>
-                  </a:lnTo>
-                  <a:lnTo>
-                    <a:pt x="66" y="188"/>
-                  </a:lnTo>
-                  <a:lnTo>
-                    <a:pt x="62" y="208"/>
-                  </a:lnTo>
-                  <a:lnTo>
-                    <a:pt x="56" y="228"/>
-                  </a:lnTo>
-                  <a:lnTo>
-                    <a:pt x="48" y="246"/>
-                  </a:lnTo>
-                  <a:lnTo>
-                    <a:pt x="38" y="264"/>
-                  </a:lnTo>
-                  <a:lnTo>
-                    <a:pt x="28" y="282"/>
-                  </a:lnTo>
-                  <a:lnTo>
-                    <a:pt x="14" y="296"/>
-                  </a:lnTo>
-                  <a:lnTo>
-                    <a:pt x="0" y="312"/>
-                  </a:lnTo>
-                  <a:lnTo>
-                    <a:pt x="160" y="312"/>
-                  </a:lnTo>
-                  <a:lnTo>
-                    <a:pt x="160" y="312"/>
-                  </a:lnTo>
-                  <a:lnTo>
-                    <a:pt x="158" y="246"/>
-                  </a:lnTo>
-                  <a:lnTo>
-                    <a:pt x="160" y="188"/>
-                  </a:lnTo>
-                  <a:lnTo>
-                    <a:pt x="166" y="134"/>
-                  </a:lnTo>
-                  <a:lnTo>
-                    <a:pt x="174" y="78"/>
-                  </a:lnTo>
-                  <a:lnTo>
-                    <a:pt x="174" y="78"/>
-                  </a:lnTo>
-                  <a:close/>
-                </a:path>
-              </a:pathLst>
-            </a:custGeom>
-            <a:grpFill/>
-            <a:ln>
-              <a:noFill/>
-            </a:ln>
-            <a:extLst>
-              <a:ext uri="{91240B29-F687-4F45-9708-019B960494DF}">
-                <a14:hiddenLine xmlns:a14="http://schemas.microsoft.com/office/drawing/2010/main" w="9525">
-                  <a:solidFill>
-                    <a:srgbClr val="000000"/>
-                  </a:solidFill>
-                  <a:round/>
-                  <a:headEnd/>
-                  <a:tailEnd/>
-                </a14:hiddenLine>
-              </a:ext>
-            </a:extLst>
-          </p:spPr>
-          <p:txBody>
-            <a:bodyPr/>
-            <a:lstStyle/>
-            <a:p>
-              <a:pPr algn="l" rtl="0" fontAlgn="auto">
-                <a:spcBef>
-                  <a:spcPts val="0"/>
-                </a:spcBef>
-                <a:spcAft>
-                  <a:spcPts val="0"/>
-                </a:spcAft>
-                <a:defRPr/>
-              </a:pPr>
-              <a:endParaRPr lang="en-US">
-                <a:solidFill>
-                  <a:prstClr val="black"/>
-                </a:solidFill>
-                <a:latin typeface="Calibri"/>
-              </a:endParaRPr>
-            </a:p>
-          </p:txBody>
-        </p:sp>
-      </p:grpSp>
-      <p:cxnSp>
-        <p:nvCxnSpPr>
-          <p:cNvPr id="20" name="Straight Connector 19"/>
-          <p:cNvCxnSpPr/>
-          <p:nvPr/>
-        </p:nvCxnSpPr>
-        <p:spPr>
-          <a:xfrm>
-            <a:off x="2644775" y="6672263"/>
-            <a:ext cx="5976938" cy="0"/>
-          </a:xfrm>
-          <a:prstGeom prst="line">
-            <a:avLst/>
-          </a:prstGeom>
-          <a:ln w="12700">
-            <a:solidFill>
-              <a:schemeClr val="bg1"/>
-            </a:solidFill>
-          </a:ln>
-        </p:spPr>
-        <p:style>
-          <a:lnRef idx="1">
-            <a:schemeClr val="accent1"/>
-          </a:lnRef>
-          <a:fillRef idx="0">
-            <a:schemeClr val="accent1"/>
-          </a:fillRef>
-          <a:effectRef idx="0">
-            <a:schemeClr val="accent1"/>
-          </a:effectRef>
-          <a:fontRef idx="minor">
-            <a:schemeClr val="tx1"/>
-          </a:fontRef>
-        </p:style>
-      </p:cxnSp>
-      <p:cxnSp>
-        <p:nvCxnSpPr>
-          <p:cNvPr id="21" name="Straight Connector 20"/>
-          <p:cNvCxnSpPr/>
-          <p:nvPr/>
-        </p:nvCxnSpPr>
-        <p:spPr>
-          <a:xfrm>
-            <a:off x="144463" y="6672263"/>
-            <a:ext cx="8855075" cy="0"/>
-          </a:xfrm>
-          <a:prstGeom prst="line">
-            <a:avLst/>
-          </a:prstGeom>
-          <a:ln w="12700">
-            <a:solidFill>
-              <a:schemeClr val="bg1">
-                <a:lumMod val="85000"/>
-              </a:schemeClr>
-            </a:solidFill>
-          </a:ln>
-        </p:spPr>
-        <p:style>
-          <a:lnRef idx="1">
-            <a:schemeClr val="accent1"/>
-          </a:lnRef>
-          <a:fillRef idx="0">
-            <a:schemeClr val="accent1"/>
-          </a:fillRef>
-          <a:effectRef idx="0">
-            <a:schemeClr val="accent1"/>
-          </a:effectRef>
-          <a:fontRef idx="minor">
-            <a:schemeClr val="tx1"/>
-          </a:fontRef>
-        </p:style>
-      </p:cxnSp>
-      <p:sp>
-        <p:nvSpPr>
-          <p:cNvPr id="51" name="Oval 50"/>
-          <p:cNvSpPr>
-            <a:spLocks noChangeAspect="1"/>
-          </p:cNvSpPr>
-          <p:nvPr/>
-        </p:nvSpPr>
-        <p:spPr>
-          <a:xfrm>
-            <a:off x="8678862" y="6495121"/>
-            <a:ext cx="286679" cy="286679"/>
-          </a:xfrm>
-          <a:prstGeom prst="ellipse">
-            <a:avLst/>
-          </a:prstGeom>
-          <a:solidFill>
-            <a:srgbClr val="DDB405"/>
-          </a:solidFill>
-          <a:ln w="28575">
-            <a:solidFill>
-              <a:schemeClr val="bg1"/>
-            </a:solidFill>
-          </a:ln>
-        </p:spPr>
-        <p:style>
-          <a:lnRef idx="2">
-            <a:schemeClr val="accent1">
-              <a:shade val="50000"/>
-            </a:schemeClr>
-          </a:lnRef>
-          <a:fillRef idx="1">
-            <a:schemeClr val="accent1"/>
-          </a:fillRef>
-          <a:effectRef idx="0">
-            <a:schemeClr val="accent1"/>
-          </a:effectRef>
-          <a:fontRef idx="minor">
-            <a:schemeClr val="lt1"/>
-          </a:fontRef>
-        </p:style>
-        <p:txBody>
-          <a:bodyPr lIns="0" rIns="0" anchor="ctr"/>
-          <a:lstStyle/>
-          <a:p>
-            <a:pPr algn="ctr" rtl="0" fontAlgn="auto">
-              <a:spcBef>
-                <a:spcPts val="0"/>
-              </a:spcBef>
-              <a:spcAft>
-                <a:spcPts val="0"/>
-              </a:spcAft>
-              <a:defRPr/>
-            </a:pPr>
-            <a:r>
-              <a:rPr lang="en-US" sz="800" b="1" dirty="0">
-                <a:solidFill>
-                  <a:prstClr val="white"/>
-                </a:solidFill>
-                <a:latin typeface="Arial" pitchFamily="34" charset="0"/>
-              </a:rPr>
-              <a:t>4</a:t>
-            </a:r>
-            <a:endParaRPr lang="en-US" sz="800" b="1" dirty="0">
-              <a:solidFill>
-                <a:prstClr val="white"/>
-              </a:solidFill>
-              <a:latin typeface="Arial" pitchFamily="34" charset="0"/>
-              <a:cs typeface="Arial" pitchFamily="34" charset="0"/>
-            </a:endParaRPr>
-          </a:p>
-        </p:txBody>
-      </p:sp>
-      <p:pic>
-        <p:nvPicPr>
-          <p:cNvPr id="20490" name="Picture 2" descr="D:\Clients\Ben Gurion University\Presentation.Template\Images\Briefcase.png"/>
-          <p:cNvPicPr>
-            <a:picLocks noChangeAspect="1" noChangeArrowheads="1"/>
-          </p:cNvPicPr>
-          <p:nvPr/>
-        </p:nvPicPr>
-        <p:blipFill>
-          <a:blip r:embed="rId3">
-            <a:extLst>
-              <a:ext uri="{28A0092B-C50C-407E-A947-70E740481C1C}">
-                <a14:useLocalDpi xmlns:a14="http://schemas.microsoft.com/office/drawing/2010/main" val="0"/>
-              </a:ext>
-            </a:extLst>
-          </a:blip>
-          <a:srcRect/>
-          <a:stretch>
-            <a:fillRect/>
-          </a:stretch>
-        </p:blipFill>
-        <p:spPr bwMode="auto">
-          <a:xfrm>
-            <a:off x="1979613" y="979488"/>
-            <a:ext cx="542925" cy="433387"/>
-          </a:xfrm>
-          <a:prstGeom prst="rect">
-            <a:avLst/>
-          </a:prstGeom>
-          <a:noFill/>
-          <a:ln>
-            <a:noFill/>
-          </a:ln>
-          <a:extLst>
-            <a:ext uri="{909E8E84-426E-40DD-AFC4-6F175D3DCCD1}">
-              <a14:hiddenFill xmlns:a14="http://schemas.microsoft.com/office/drawing/2010/main">
-                <a:solidFill>
-                  <a:srgbClr val="FFFFFF"/>
-                </a:solidFill>
-              </a14:hiddenFill>
-            </a:ext>
-            <a:ext uri="{91240B29-F687-4F45-9708-019B960494DF}">
-              <a14:hiddenLine xmlns:a14="http://schemas.microsoft.com/office/drawing/2010/main" w="9525">
-                <a:solidFill>
-                  <a:srgbClr val="000000"/>
-                </a:solidFill>
-                <a:miter lim="800000"/>
-                <a:headEnd/>
-                <a:tailEnd/>
-              </a14:hiddenLine>
-            </a:ext>
-          </a:extLst>
-        </p:spPr>
-      </p:pic>
-      <p:sp>
-        <p:nvSpPr>
-          <p:cNvPr id="20491" name="TextBox 29"/>
-          <p:cNvSpPr txBox="1">
-            <a:spLocks noChangeArrowheads="1"/>
-          </p:cNvSpPr>
-          <p:nvPr/>
-        </p:nvSpPr>
-        <p:spPr bwMode="auto">
-          <a:xfrm>
-            <a:off x="160518" y="328358"/>
-            <a:ext cx="9142523" cy="5238357"/>
-          </a:xfrm>
-          <a:prstGeom prst="rect">
-            <a:avLst/>
-          </a:prstGeom>
-          <a:noFill/>
-          <a:ln>
-            <a:noFill/>
-          </a:ln>
-          <a:extLst>
-            <a:ext uri="{909E8E84-426E-40DD-AFC4-6F175D3DCCD1}">
-              <a14:hiddenFill xmlns:a14="http://schemas.microsoft.com/office/drawing/2010/main">
-                <a:solidFill>
-                  <a:srgbClr val="FFFFFF"/>
-                </a:solidFill>
-              </a14:hiddenFill>
-            </a:ext>
-            <a:ext uri="{91240B29-F687-4F45-9708-019B960494DF}">
-              <a14:hiddenLine xmlns:a14="http://schemas.microsoft.com/office/drawing/2010/main" w="9525">
-                <a:solidFill>
-                  <a:srgbClr val="000000"/>
-                </a:solidFill>
-                <a:miter lim="800000"/>
-                <a:headEnd/>
-                <a:tailEnd/>
-              </a14:hiddenLine>
-            </a:ext>
-          </a:extLst>
-        </p:spPr>
-        <p:txBody>
-          <a:bodyPr wrap="square">
-            <a:spAutoFit/>
-          </a:bodyPr>
-          <a:lstStyle>
-            <a:lvl1pPr marL="287338" indent="-287338" algn="l" rtl="0" eaLnBrk="0" hangingPunct="0">
-              <a:defRPr>
-                <a:solidFill>
-                  <a:schemeClr val="tx1"/>
-                </a:solidFill>
-                <a:latin typeface="Calibri" panose="020F0502020204030204" pitchFamily="34" charset="0"/>
-                <a:cs typeface="Arial" panose="020B0604020202020204" pitchFamily="34" charset="0"/>
-              </a:defRPr>
-            </a:lvl1pPr>
-            <a:lvl2pPr marL="742950" indent="-285750" algn="l" rtl="0" eaLnBrk="0" hangingPunct="0">
-              <a:defRPr>
-                <a:solidFill>
-                  <a:schemeClr val="tx1"/>
-                </a:solidFill>
-                <a:latin typeface="Calibri" panose="020F0502020204030204" pitchFamily="34" charset="0"/>
-                <a:cs typeface="Arial" panose="020B0604020202020204" pitchFamily="34" charset="0"/>
-              </a:defRPr>
-            </a:lvl2pPr>
-            <a:lvl3pPr marL="1143000" indent="-228600" algn="l" rtl="0" eaLnBrk="0" hangingPunct="0">
-              <a:defRPr>
-                <a:solidFill>
-                  <a:schemeClr val="tx1"/>
-                </a:solidFill>
-                <a:latin typeface="Calibri" panose="020F0502020204030204" pitchFamily="34" charset="0"/>
-                <a:cs typeface="Arial" panose="020B0604020202020204" pitchFamily="34" charset="0"/>
-              </a:defRPr>
-            </a:lvl3pPr>
-            <a:lvl4pPr marL="1600200" indent="-228600" algn="l" rtl="0" eaLnBrk="0" hangingPunct="0">
-              <a:defRPr>
-                <a:solidFill>
-                  <a:schemeClr val="tx1"/>
-                </a:solidFill>
-                <a:latin typeface="Calibri" panose="020F0502020204030204" pitchFamily="34" charset="0"/>
-                <a:cs typeface="Arial" panose="020B0604020202020204" pitchFamily="34" charset="0"/>
-              </a:defRPr>
-            </a:lvl4pPr>
-            <a:lvl5pPr marL="2057400" indent="-228600" algn="l" rtl="0" eaLnBrk="0" hangingPunct="0">
-              <a:defRPr>
-                <a:solidFill>
-                  <a:schemeClr val="tx1"/>
-                </a:solidFill>
-                <a:latin typeface="Calibri" panose="020F0502020204030204" pitchFamily="34" charset="0"/>
-                <a:cs typeface="Arial" panose="020B0604020202020204" pitchFamily="34" charset="0"/>
-              </a:defRPr>
-            </a:lvl5pPr>
-            <a:lvl6pPr marL="2514600" indent="-228600" algn="l" rtl="0" eaLnBrk="0" fontAlgn="base" hangingPunct="0">
-              <a:spcBef>
-                <a:spcPct val="0"/>
-              </a:spcBef>
-              <a:spcAft>
-                <a:spcPct val="0"/>
-              </a:spcAft>
-              <a:defRPr>
-                <a:solidFill>
-                  <a:schemeClr val="tx1"/>
-                </a:solidFill>
-                <a:latin typeface="Calibri" panose="020F0502020204030204" pitchFamily="34" charset="0"/>
-                <a:cs typeface="Arial" panose="020B0604020202020204" pitchFamily="34" charset="0"/>
-              </a:defRPr>
-            </a:lvl6pPr>
-            <a:lvl7pPr marL="2971800" indent="-228600" algn="l" rtl="0" eaLnBrk="0" fontAlgn="base" hangingPunct="0">
-              <a:spcBef>
-                <a:spcPct val="0"/>
-              </a:spcBef>
-              <a:spcAft>
-                <a:spcPct val="0"/>
-              </a:spcAft>
-              <a:defRPr>
-                <a:solidFill>
-                  <a:schemeClr val="tx1"/>
-                </a:solidFill>
-                <a:latin typeface="Calibri" panose="020F0502020204030204" pitchFamily="34" charset="0"/>
-                <a:cs typeface="Arial" panose="020B0604020202020204" pitchFamily="34" charset="0"/>
-              </a:defRPr>
-            </a:lvl7pPr>
-            <a:lvl8pPr marL="3429000" indent="-228600" algn="l" rtl="0" eaLnBrk="0" fontAlgn="base" hangingPunct="0">
-              <a:spcBef>
-                <a:spcPct val="0"/>
-              </a:spcBef>
-              <a:spcAft>
-                <a:spcPct val="0"/>
-              </a:spcAft>
-              <a:defRPr>
-                <a:solidFill>
-                  <a:schemeClr val="tx1"/>
-                </a:solidFill>
-                <a:latin typeface="Calibri" panose="020F0502020204030204" pitchFamily="34" charset="0"/>
-                <a:cs typeface="Arial" panose="020B0604020202020204" pitchFamily="34" charset="0"/>
-              </a:defRPr>
-            </a:lvl8pPr>
-            <a:lvl9pPr marL="3886200" indent="-228600" algn="l" rtl="0" eaLnBrk="0" fontAlgn="base" hangingPunct="0">
-              <a:spcBef>
-                <a:spcPct val="0"/>
-              </a:spcBef>
-              <a:spcAft>
-                <a:spcPct val="0"/>
-              </a:spcAft>
-              <a:defRPr>
-                <a:solidFill>
-                  <a:schemeClr val="tx1"/>
-                </a:solidFill>
-                <a:latin typeface="Calibri" panose="020F0502020204030204" pitchFamily="34" charset="0"/>
-                <a:cs typeface="Arial" panose="020B0604020202020204" pitchFamily="34" charset="0"/>
-              </a:defRPr>
-            </a:lvl9pPr>
-          </a:lstStyle>
-          <a:p>
-            <a:pPr marL="0" indent="0">
-              <a:lnSpc>
-                <a:spcPct val="90000"/>
-              </a:lnSpc>
-              <a:spcBef>
-                <a:spcPts val="2400"/>
-              </a:spcBef>
-              <a:buClr>
-                <a:srgbClr val="E5BA05"/>
-              </a:buClr>
-              <a:buSzPct val="100000"/>
-            </a:pPr>
-            <a:endParaRPr lang="en-US" altLang="he-IL" sz="2400" b="1" dirty="0">
-              <a:solidFill>
-                <a:srgbClr val="595959"/>
-              </a:solidFill>
-              <a:latin typeface="Arial" panose="020B0604020202020204" pitchFamily="34" charset="0"/>
-            </a:endParaRPr>
-          </a:p>
-          <a:p>
-            <a:pPr>
-              <a:lnSpc>
-                <a:spcPct val="90000"/>
-              </a:lnSpc>
-              <a:spcBef>
-                <a:spcPts val="2400"/>
-              </a:spcBef>
-              <a:buClr>
-                <a:srgbClr val="E5BA05"/>
-              </a:buClr>
-              <a:buSzPct val="100000"/>
-              <a:buFont typeface="Wingdings 2" panose="05020102010507070707" pitchFamily="18" charset="2"/>
-              <a:buChar char=""/>
-            </a:pPr>
-            <a:r>
-              <a:rPr lang="en-US" altLang="he-IL" sz="2400" b="1" dirty="0">
-                <a:solidFill>
-                  <a:srgbClr val="595959"/>
-                </a:solidFill>
-                <a:latin typeface="Arial" panose="020B0604020202020204" pitchFamily="34" charset="0"/>
-              </a:rPr>
-              <a:t>Computes similarity between song to the current playlist</a:t>
-            </a:r>
-          </a:p>
-          <a:p>
-            <a:pPr>
-              <a:lnSpc>
-                <a:spcPct val="90000"/>
-              </a:lnSpc>
-              <a:spcBef>
-                <a:spcPts val="2400"/>
-              </a:spcBef>
-              <a:buClr>
-                <a:srgbClr val="E5BA05"/>
-              </a:buClr>
-              <a:buSzPct val="100000"/>
-              <a:buFont typeface="Wingdings 2" panose="05020102010507070707" pitchFamily="18" charset="2"/>
-              <a:buChar char=""/>
-            </a:pPr>
-            <a:r>
-              <a:rPr lang="en-US" altLang="he-IL" sz="2400" b="1" dirty="0">
-                <a:solidFill>
-                  <a:srgbClr val="595959"/>
-                </a:solidFill>
-                <a:latin typeface="Arial" panose="020B0604020202020204" pitchFamily="34" charset="0"/>
-              </a:rPr>
-              <a:t>Parameters taken into account – BPM, Genre, Key, Artist</a:t>
-            </a:r>
-          </a:p>
-          <a:p>
-            <a:pPr>
-              <a:lnSpc>
-                <a:spcPct val="90000"/>
-              </a:lnSpc>
-              <a:spcBef>
-                <a:spcPts val="2400"/>
-              </a:spcBef>
-              <a:buClr>
-                <a:srgbClr val="E5BA05"/>
-              </a:buClr>
-              <a:buSzPct val="100000"/>
-              <a:buFont typeface="Wingdings 2" panose="05020102010507070707" pitchFamily="18" charset="2"/>
-              <a:buChar char=""/>
-            </a:pPr>
-            <a:r>
-              <a:rPr lang="en-US" altLang="he-IL" sz="2400" b="1" dirty="0">
-                <a:solidFill>
-                  <a:srgbClr val="595959"/>
-                </a:solidFill>
-                <a:latin typeface="Arial" panose="020B0604020202020204" pitchFamily="34" charset="0"/>
-              </a:rPr>
-              <a:t>Total score calculation is based on weights </a:t>
-            </a:r>
-          </a:p>
-          <a:p>
-            <a:pPr>
-              <a:lnSpc>
-                <a:spcPct val="90000"/>
-              </a:lnSpc>
-              <a:spcBef>
-                <a:spcPts val="2400"/>
-              </a:spcBef>
-              <a:buClr>
-                <a:srgbClr val="E5BA05"/>
-              </a:buClr>
-              <a:buSzPct val="100000"/>
-              <a:buFont typeface="Wingdings 2" panose="05020102010507070707" pitchFamily="18" charset="2"/>
-              <a:buChar char=""/>
-            </a:pPr>
-            <a:r>
-              <a:rPr lang="en-US" altLang="he-IL" sz="2400" b="1" dirty="0">
-                <a:solidFill>
-                  <a:srgbClr val="595959"/>
-                </a:solidFill>
-                <a:latin typeface="Arial" panose="020B0604020202020204" pitchFamily="34" charset="0"/>
-              </a:rPr>
-              <a:t>Returns the song with the highest score (=highest similarity to the current playlist)</a:t>
-            </a:r>
-          </a:p>
-          <a:p>
-            <a:pPr>
-              <a:lnSpc>
-                <a:spcPct val="90000"/>
-              </a:lnSpc>
-              <a:spcBef>
-                <a:spcPts val="2400"/>
-              </a:spcBef>
-              <a:buClr>
-                <a:srgbClr val="E5BA05"/>
-              </a:buClr>
-              <a:buSzPct val="100000"/>
-              <a:buFont typeface="Wingdings 2" panose="05020102010507070707" pitchFamily="18" charset="2"/>
-              <a:buChar char=""/>
-            </a:pPr>
-            <a:endParaRPr lang="en-US" altLang="he-IL" sz="2400" b="1" dirty="0">
-              <a:solidFill>
-                <a:srgbClr val="595959"/>
-              </a:solidFill>
-              <a:latin typeface="Arial" panose="020B0604020202020204" pitchFamily="34" charset="0"/>
-            </a:endParaRPr>
-          </a:p>
-          <a:p>
-            <a:pPr marL="0" indent="0">
-              <a:lnSpc>
-                <a:spcPct val="90000"/>
-              </a:lnSpc>
-              <a:spcBef>
-                <a:spcPts val="2400"/>
-              </a:spcBef>
-              <a:buClr>
-                <a:srgbClr val="E5BA05"/>
-              </a:buClr>
-              <a:buSzPct val="100000"/>
-            </a:pPr>
-            <a:endParaRPr lang="en-US" altLang="he-IL" sz="2400" b="1" dirty="0">
-              <a:solidFill>
-                <a:srgbClr val="595959"/>
-              </a:solidFill>
-              <a:latin typeface="Arial" panose="020B0604020202020204" pitchFamily="34" charset="0"/>
-            </a:endParaRPr>
-          </a:p>
-          <a:p>
-            <a:pPr marL="0" indent="0">
-              <a:lnSpc>
-                <a:spcPct val="90000"/>
-              </a:lnSpc>
-              <a:spcBef>
-                <a:spcPts val="2400"/>
-              </a:spcBef>
-              <a:buClr>
-                <a:srgbClr val="E5BA05"/>
-              </a:buClr>
-              <a:buSzPct val="100000"/>
-            </a:pPr>
-            <a:r>
-              <a:rPr lang="en-US" altLang="he-IL" sz="2400" b="1" dirty="0">
-                <a:solidFill>
-                  <a:srgbClr val="595959"/>
-                </a:solidFill>
-                <a:latin typeface="Arial" panose="020B0604020202020204" pitchFamily="34" charset="0"/>
-              </a:rPr>
-              <a:t>		</a:t>
-            </a:r>
-          </a:p>
-        </p:txBody>
-      </p:sp>
-    </p:spTree>
-    <p:extLst>
-      <p:ext uri="{BB962C8B-B14F-4D97-AF65-F5344CB8AC3E}">
-        <p14:creationId xmlns:p14="http://schemas.microsoft.com/office/powerpoint/2010/main" val="1905510989"/>
-      </p:ext>
-    </p:extLst>
-  </p:cSld>
-  <p:clrMapOvr>
-    <a:masterClrMapping/>
-  </p:clrMapOvr>
-  <p:transition spd="slow"/>
-  <p:timing>
-    <p:tnLst>
-      <p:par>
-        <p:cTn id="1" dur="indefinite" restart="never" nodeType="tmRoot"/>
-      </p:par>
-    </p:tnLst>
-  </p:timing>
-</p:sld>
-</file>
-
-<file path=ppt/slides/slide7.xml><?xml version="1.0" encoding="utf-8"?>
 <p:sld xmlns:a="http://schemas.openxmlformats.org/drawingml/2006/main" xmlns:r="http://schemas.openxmlformats.org/officeDocument/2006/relationships" xmlns:p="http://schemas.openxmlformats.org/presentationml/2006/main">
   <p:cSld>
     <p:spTree>
@@ -29281,7 +25858,7 @@
 </p:sld>
 </file>
 
-<file path=ppt/slides/slide8.xml><?xml version="1.0" encoding="utf-8"?>
+<file path=ppt/slides/slide7.xml><?xml version="1.0" encoding="utf-8"?>
 <p:sld xmlns:a="http://schemas.openxmlformats.org/drawingml/2006/main" xmlns:r="http://schemas.openxmlformats.org/officeDocument/2006/relationships" xmlns:p="http://schemas.openxmlformats.org/presentationml/2006/main">
   <p:cSld>
     <p:spTree>
@@ -30089,7 +26666,7 @@
 </p:sld>
 </file>
 
-<file path=ppt/slides/slide9.xml><?xml version="1.0" encoding="utf-8"?>
+<file path=ppt/slides/slide8.xml><?xml version="1.0" encoding="utf-8"?>
 <p:sld xmlns:a="http://schemas.openxmlformats.org/drawingml/2006/main" xmlns:r="http://schemas.openxmlformats.org/officeDocument/2006/relationships" xmlns:p="http://schemas.openxmlformats.org/presentationml/2006/main">
   <p:cSld>
     <p:spTree>
@@ -31246,6 +27823,1086 @@
       <p:bldP spid="3" grpId="0" animBg="1"/>
       <p:bldP spid="4" grpId="0" animBg="1"/>
     </p:bldLst>
+  </p:timing>
+</p:sld>
+</file>
+
+<file path=ppt/slides/slide9.xml><?xml version="1.0" encoding="utf-8"?>
+<p:sld xmlns:a="http://schemas.openxmlformats.org/drawingml/2006/main" xmlns:r="http://schemas.openxmlformats.org/officeDocument/2006/relationships" xmlns:p="http://schemas.openxmlformats.org/presentationml/2006/main">
+  <p:cSld>
+    <p:spTree>
+      <p:nvGrpSpPr>
+        <p:cNvPr id="1" name=""/>
+        <p:cNvGrpSpPr/>
+        <p:nvPr/>
+      </p:nvGrpSpPr>
+      <p:grpSpPr>
+        <a:xfrm>
+          <a:off x="0" y="0"/>
+          <a:ext cx="0" cy="0"/>
+          <a:chOff x="0" y="0"/>
+          <a:chExt cx="0" cy="0"/>
+        </a:xfrm>
+      </p:grpSpPr>
+      <p:sp>
+        <p:nvSpPr>
+          <p:cNvPr id="74" name="Rectangle 73"/>
+          <p:cNvSpPr/>
+          <p:nvPr/>
+        </p:nvSpPr>
+        <p:spPr>
+          <a:xfrm>
+            <a:off x="0" y="0"/>
+            <a:ext cx="8718550" cy="620713"/>
+          </a:xfrm>
+          <a:prstGeom prst="rect">
+            <a:avLst/>
+          </a:prstGeom>
+          <a:solidFill>
+            <a:srgbClr val="DDB405"/>
+          </a:solidFill>
+          <a:ln>
+            <a:noFill/>
+          </a:ln>
+        </p:spPr>
+        <p:style>
+          <a:lnRef idx="2">
+            <a:schemeClr val="accent1">
+              <a:shade val="50000"/>
+            </a:schemeClr>
+          </a:lnRef>
+          <a:fillRef idx="1">
+            <a:schemeClr val="accent1"/>
+          </a:fillRef>
+          <a:effectRef idx="0">
+            <a:schemeClr val="accent1"/>
+          </a:effectRef>
+          <a:fontRef idx="minor">
+            <a:schemeClr val="lt1"/>
+          </a:fontRef>
+        </p:style>
+        <p:txBody>
+          <a:bodyPr anchor="ctr"/>
+          <a:lstStyle/>
+          <a:p>
+            <a:pPr algn="ctr" rtl="0" fontAlgn="auto">
+              <a:spcBef>
+                <a:spcPts val="0"/>
+              </a:spcBef>
+              <a:spcAft>
+                <a:spcPts val="0"/>
+              </a:spcAft>
+              <a:defRPr/>
+            </a:pPr>
+            <a:endParaRPr lang="en-US">
+              <a:solidFill>
+                <a:prstClr val="white"/>
+              </a:solidFill>
+            </a:endParaRPr>
+          </a:p>
+        </p:txBody>
+      </p:sp>
+      <p:sp>
+        <p:nvSpPr>
+          <p:cNvPr id="20485" name="TextBox 36"/>
+          <p:cNvSpPr txBox="1">
+            <a:spLocks noChangeArrowheads="1"/>
+          </p:cNvSpPr>
+          <p:nvPr/>
+        </p:nvSpPr>
+        <p:spPr bwMode="auto">
+          <a:xfrm>
+            <a:off x="116479" y="-1"/>
+            <a:ext cx="7754938" cy="523220"/>
+          </a:xfrm>
+          <a:prstGeom prst="rect">
+            <a:avLst/>
+          </a:prstGeom>
+          <a:noFill/>
+          <a:ln>
+            <a:noFill/>
+          </a:ln>
+          <a:extLst>
+            <a:ext uri="{909E8E84-426E-40DD-AFC4-6F175D3DCCD1}">
+              <a14:hiddenFill xmlns:a14="http://schemas.microsoft.com/office/drawing/2010/main">
+                <a:solidFill>
+                  <a:srgbClr val="FFFFFF"/>
+                </a:solidFill>
+              </a14:hiddenFill>
+            </a:ext>
+            <a:ext uri="{91240B29-F687-4F45-9708-019B960494DF}">
+              <a14:hiddenLine xmlns:a14="http://schemas.microsoft.com/office/drawing/2010/main" w="9525">
+                <a:solidFill>
+                  <a:srgbClr val="000000"/>
+                </a:solidFill>
+                <a:miter lim="800000"/>
+                <a:headEnd/>
+                <a:tailEnd/>
+              </a14:hiddenLine>
+            </a:ext>
+          </a:extLst>
+        </p:spPr>
+        <p:txBody>
+          <a:bodyPr>
+            <a:spAutoFit/>
+          </a:bodyPr>
+          <a:lstStyle>
+            <a:lvl1pPr algn="l" rtl="0" eaLnBrk="0" hangingPunct="0">
+              <a:spcBef>
+                <a:spcPct val="20000"/>
+              </a:spcBef>
+              <a:buFont typeface="Arial" panose="020B0604020202020204" pitchFamily="34" charset="0"/>
+              <a:buChar char="•"/>
+              <a:defRPr sz="3200">
+                <a:solidFill>
+                  <a:schemeClr val="tx1"/>
+                </a:solidFill>
+                <a:latin typeface="Calibri" panose="020F0502020204030204" pitchFamily="34" charset="0"/>
+              </a:defRPr>
+            </a:lvl1pPr>
+            <a:lvl2pPr marL="742950" indent="-285750" algn="l" rtl="0" eaLnBrk="0" hangingPunct="0">
+              <a:spcBef>
+                <a:spcPct val="20000"/>
+              </a:spcBef>
+              <a:buFont typeface="Arial" panose="020B0604020202020204" pitchFamily="34" charset="0"/>
+              <a:buChar char="–"/>
+              <a:defRPr sz="2800">
+                <a:solidFill>
+                  <a:schemeClr val="tx1"/>
+                </a:solidFill>
+                <a:latin typeface="Calibri" panose="020F0502020204030204" pitchFamily="34" charset="0"/>
+              </a:defRPr>
+            </a:lvl2pPr>
+            <a:lvl3pPr marL="1143000" indent="-228600" algn="l" rtl="0" eaLnBrk="0" hangingPunct="0">
+              <a:spcBef>
+                <a:spcPct val="20000"/>
+              </a:spcBef>
+              <a:buFont typeface="Arial" panose="020B0604020202020204" pitchFamily="34" charset="0"/>
+              <a:buChar char="•"/>
+              <a:defRPr sz="2400">
+                <a:solidFill>
+                  <a:schemeClr val="tx1"/>
+                </a:solidFill>
+                <a:latin typeface="Calibri" panose="020F0502020204030204" pitchFamily="34" charset="0"/>
+              </a:defRPr>
+            </a:lvl3pPr>
+            <a:lvl4pPr marL="1600200" indent="-228600" algn="l" rtl="0" eaLnBrk="0" hangingPunct="0">
+              <a:spcBef>
+                <a:spcPct val="20000"/>
+              </a:spcBef>
+              <a:buFont typeface="Arial" panose="020B0604020202020204" pitchFamily="34" charset="0"/>
+              <a:buChar char="–"/>
+              <a:defRPr sz="2000">
+                <a:solidFill>
+                  <a:schemeClr val="tx1"/>
+                </a:solidFill>
+                <a:latin typeface="Calibri" panose="020F0502020204030204" pitchFamily="34" charset="0"/>
+              </a:defRPr>
+            </a:lvl4pPr>
+            <a:lvl5pPr marL="2057400" indent="-228600" algn="l" rtl="0" eaLnBrk="0" hangingPunct="0">
+              <a:spcBef>
+                <a:spcPct val="20000"/>
+              </a:spcBef>
+              <a:buFont typeface="Arial" panose="020B0604020202020204" pitchFamily="34" charset="0"/>
+              <a:buChar char="»"/>
+              <a:defRPr sz="2000">
+                <a:solidFill>
+                  <a:schemeClr val="tx1"/>
+                </a:solidFill>
+                <a:latin typeface="Calibri" panose="020F0502020204030204" pitchFamily="34" charset="0"/>
+              </a:defRPr>
+            </a:lvl5pPr>
+            <a:lvl6pPr marL="2514600" indent="-228600" algn="l" rtl="0" eaLnBrk="0" fontAlgn="base" hangingPunct="0">
+              <a:spcBef>
+                <a:spcPct val="20000"/>
+              </a:spcBef>
+              <a:spcAft>
+                <a:spcPct val="0"/>
+              </a:spcAft>
+              <a:buFont typeface="Arial" panose="020B0604020202020204" pitchFamily="34" charset="0"/>
+              <a:buChar char="»"/>
+              <a:defRPr sz="2000">
+                <a:solidFill>
+                  <a:schemeClr val="tx1"/>
+                </a:solidFill>
+                <a:latin typeface="Calibri" panose="020F0502020204030204" pitchFamily="34" charset="0"/>
+              </a:defRPr>
+            </a:lvl6pPr>
+            <a:lvl7pPr marL="2971800" indent="-228600" algn="l" rtl="0" eaLnBrk="0" fontAlgn="base" hangingPunct="0">
+              <a:spcBef>
+                <a:spcPct val="20000"/>
+              </a:spcBef>
+              <a:spcAft>
+                <a:spcPct val="0"/>
+              </a:spcAft>
+              <a:buFont typeface="Arial" panose="020B0604020202020204" pitchFamily="34" charset="0"/>
+              <a:buChar char="»"/>
+              <a:defRPr sz="2000">
+                <a:solidFill>
+                  <a:schemeClr val="tx1"/>
+                </a:solidFill>
+                <a:latin typeface="Calibri" panose="020F0502020204030204" pitchFamily="34" charset="0"/>
+              </a:defRPr>
+            </a:lvl7pPr>
+            <a:lvl8pPr marL="3429000" indent="-228600" algn="l" rtl="0" eaLnBrk="0" fontAlgn="base" hangingPunct="0">
+              <a:spcBef>
+                <a:spcPct val="20000"/>
+              </a:spcBef>
+              <a:spcAft>
+                <a:spcPct val="0"/>
+              </a:spcAft>
+              <a:buFont typeface="Arial" panose="020B0604020202020204" pitchFamily="34" charset="0"/>
+              <a:buChar char="»"/>
+              <a:defRPr sz="2000">
+                <a:solidFill>
+                  <a:schemeClr val="tx1"/>
+                </a:solidFill>
+                <a:latin typeface="Calibri" panose="020F0502020204030204" pitchFamily="34" charset="0"/>
+              </a:defRPr>
+            </a:lvl8pPr>
+            <a:lvl9pPr marL="3886200" indent="-228600" algn="l" rtl="0" eaLnBrk="0" fontAlgn="base" hangingPunct="0">
+              <a:spcBef>
+                <a:spcPct val="20000"/>
+              </a:spcBef>
+              <a:spcAft>
+                <a:spcPct val="0"/>
+              </a:spcAft>
+              <a:buFont typeface="Arial" panose="020B0604020202020204" pitchFamily="34" charset="0"/>
+              <a:buChar char="»"/>
+              <a:defRPr sz="2000">
+                <a:solidFill>
+                  <a:schemeClr val="tx1"/>
+                </a:solidFill>
+                <a:latin typeface="Calibri" panose="020F0502020204030204" pitchFamily="34" charset="0"/>
+              </a:defRPr>
+            </a:lvl9pPr>
+          </a:lstStyle>
+          <a:p>
+            <a:pPr eaLnBrk="1" hangingPunct="1">
+              <a:spcBef>
+                <a:spcPct val="0"/>
+              </a:spcBef>
+              <a:buFontTx/>
+              <a:buNone/>
+            </a:pPr>
+            <a:r>
+              <a:rPr lang="en-US" altLang="en-US" sz="2800" b="1" dirty="0" smtClean="0">
+                <a:solidFill>
+                  <a:srgbClr val="FFFFFF"/>
+                </a:solidFill>
+                <a:latin typeface="Tahoma" panose="020B0604030504040204" pitchFamily="34" charset="0"/>
+                <a:ea typeface="Tahoma" panose="020B0604030504040204" pitchFamily="34" charset="0"/>
+                <a:cs typeface="Tahoma" panose="020B0604030504040204" pitchFamily="34" charset="0"/>
+              </a:rPr>
+              <a:t>Results</a:t>
+            </a:r>
+            <a:endParaRPr lang="en-US" altLang="en-US" sz="2800" b="1" dirty="0">
+              <a:solidFill>
+                <a:srgbClr val="FFFFFF"/>
+              </a:solidFill>
+              <a:latin typeface="Tahoma" panose="020B0604030504040204" pitchFamily="34" charset="0"/>
+              <a:ea typeface="Tahoma" panose="020B0604030504040204" pitchFamily="34" charset="0"/>
+              <a:cs typeface="Tahoma" panose="020B0604030504040204" pitchFamily="34" charset="0"/>
+            </a:endParaRPr>
+          </a:p>
+        </p:txBody>
+      </p:sp>
+      <p:cxnSp>
+        <p:nvCxnSpPr>
+          <p:cNvPr id="20" name="Straight Connector 19"/>
+          <p:cNvCxnSpPr/>
+          <p:nvPr/>
+        </p:nvCxnSpPr>
+        <p:spPr>
+          <a:xfrm>
+            <a:off x="2644775" y="6672263"/>
+            <a:ext cx="5976938" cy="0"/>
+          </a:xfrm>
+          <a:prstGeom prst="line">
+            <a:avLst/>
+          </a:prstGeom>
+          <a:ln w="12700">
+            <a:solidFill>
+              <a:schemeClr val="bg1"/>
+            </a:solidFill>
+          </a:ln>
+        </p:spPr>
+        <p:style>
+          <a:lnRef idx="1">
+            <a:schemeClr val="accent1"/>
+          </a:lnRef>
+          <a:fillRef idx="0">
+            <a:schemeClr val="accent1"/>
+          </a:fillRef>
+          <a:effectRef idx="0">
+            <a:schemeClr val="accent1"/>
+          </a:effectRef>
+          <a:fontRef idx="minor">
+            <a:schemeClr val="tx1"/>
+          </a:fontRef>
+        </p:style>
+      </p:cxnSp>
+      <p:cxnSp>
+        <p:nvCxnSpPr>
+          <p:cNvPr id="21" name="Straight Connector 20"/>
+          <p:cNvCxnSpPr/>
+          <p:nvPr/>
+        </p:nvCxnSpPr>
+        <p:spPr>
+          <a:xfrm>
+            <a:off x="144463" y="6672263"/>
+            <a:ext cx="8855075" cy="0"/>
+          </a:xfrm>
+          <a:prstGeom prst="line">
+            <a:avLst/>
+          </a:prstGeom>
+          <a:ln w="12700">
+            <a:solidFill>
+              <a:schemeClr val="bg1">
+                <a:lumMod val="85000"/>
+              </a:schemeClr>
+            </a:solidFill>
+          </a:ln>
+        </p:spPr>
+        <p:style>
+          <a:lnRef idx="1">
+            <a:schemeClr val="accent1"/>
+          </a:lnRef>
+          <a:fillRef idx="0">
+            <a:schemeClr val="accent1"/>
+          </a:fillRef>
+          <a:effectRef idx="0">
+            <a:schemeClr val="accent1"/>
+          </a:effectRef>
+          <a:fontRef idx="minor">
+            <a:schemeClr val="tx1"/>
+          </a:fontRef>
+        </p:style>
+      </p:cxnSp>
+      <p:sp>
+        <p:nvSpPr>
+          <p:cNvPr id="51" name="Oval 50"/>
+          <p:cNvSpPr>
+            <a:spLocks noChangeAspect="1"/>
+          </p:cNvSpPr>
+          <p:nvPr/>
+        </p:nvSpPr>
+        <p:spPr>
+          <a:xfrm>
+            <a:off x="8678862" y="6495121"/>
+            <a:ext cx="286679" cy="286679"/>
+          </a:xfrm>
+          <a:prstGeom prst="ellipse">
+            <a:avLst/>
+          </a:prstGeom>
+          <a:solidFill>
+            <a:srgbClr val="DDB405"/>
+          </a:solidFill>
+          <a:ln w="28575">
+            <a:solidFill>
+              <a:schemeClr val="bg1"/>
+            </a:solidFill>
+          </a:ln>
+        </p:spPr>
+        <p:style>
+          <a:lnRef idx="2">
+            <a:schemeClr val="accent1">
+              <a:shade val="50000"/>
+            </a:schemeClr>
+          </a:lnRef>
+          <a:fillRef idx="1">
+            <a:schemeClr val="accent1"/>
+          </a:fillRef>
+          <a:effectRef idx="0">
+            <a:schemeClr val="accent1"/>
+          </a:effectRef>
+          <a:fontRef idx="minor">
+            <a:schemeClr val="lt1"/>
+          </a:fontRef>
+        </p:style>
+        <p:txBody>
+          <a:bodyPr lIns="0" rIns="0" anchor="ctr"/>
+          <a:lstStyle/>
+          <a:p>
+            <a:pPr algn="ctr" rtl="0" fontAlgn="auto">
+              <a:spcBef>
+                <a:spcPts val="0"/>
+              </a:spcBef>
+              <a:spcAft>
+                <a:spcPts val="0"/>
+              </a:spcAft>
+              <a:defRPr/>
+            </a:pPr>
+            <a:r>
+              <a:rPr lang="en-US" sz="800" b="1" dirty="0">
+                <a:solidFill>
+                  <a:prstClr val="white"/>
+                </a:solidFill>
+                <a:latin typeface="Arial" pitchFamily="34" charset="0"/>
+              </a:rPr>
+              <a:t>4</a:t>
+            </a:r>
+            <a:endParaRPr lang="en-US" sz="800" b="1" dirty="0">
+              <a:solidFill>
+                <a:prstClr val="white"/>
+              </a:solidFill>
+              <a:latin typeface="Arial" pitchFamily="34" charset="0"/>
+              <a:cs typeface="Arial" pitchFamily="34" charset="0"/>
+            </a:endParaRPr>
+          </a:p>
+        </p:txBody>
+      </p:sp>
+      <p:pic>
+        <p:nvPicPr>
+          <p:cNvPr id="20490" name="Picture 2" descr="D:\Clients\Ben Gurion University\Presentation.Template\Images\Briefcase.png"/>
+          <p:cNvPicPr>
+            <a:picLocks noChangeAspect="1" noChangeArrowheads="1"/>
+          </p:cNvPicPr>
+          <p:nvPr/>
+        </p:nvPicPr>
+        <p:blipFill>
+          <a:blip r:embed="rId3">
+            <a:extLst>
+              <a:ext uri="{28A0092B-C50C-407E-A947-70E740481C1C}">
+                <a14:useLocalDpi xmlns:a14="http://schemas.microsoft.com/office/drawing/2010/main" val="0"/>
+              </a:ext>
+            </a:extLst>
+          </a:blip>
+          <a:srcRect/>
+          <a:stretch>
+            <a:fillRect/>
+          </a:stretch>
+        </p:blipFill>
+        <p:spPr bwMode="auto">
+          <a:xfrm>
+            <a:off x="1979613" y="979488"/>
+            <a:ext cx="542925" cy="433387"/>
+          </a:xfrm>
+          <a:prstGeom prst="rect">
+            <a:avLst/>
+          </a:prstGeom>
+          <a:noFill/>
+          <a:ln>
+            <a:noFill/>
+          </a:ln>
+          <a:extLst>
+            <a:ext uri="{909E8E84-426E-40DD-AFC4-6F175D3DCCD1}">
+              <a14:hiddenFill xmlns:a14="http://schemas.microsoft.com/office/drawing/2010/main">
+                <a:solidFill>
+                  <a:srgbClr val="FFFFFF"/>
+                </a:solidFill>
+              </a14:hiddenFill>
+            </a:ext>
+            <a:ext uri="{91240B29-F687-4F45-9708-019B960494DF}">
+              <a14:hiddenLine xmlns:a14="http://schemas.microsoft.com/office/drawing/2010/main" w="9525">
+                <a:solidFill>
+                  <a:srgbClr val="000000"/>
+                </a:solidFill>
+                <a:miter lim="800000"/>
+                <a:headEnd/>
+                <a:tailEnd/>
+              </a14:hiddenLine>
+            </a:ext>
+          </a:extLst>
+        </p:spPr>
+      </p:pic>
+      <p:sp>
+        <p:nvSpPr>
+          <p:cNvPr id="3" name="Right Arrow 2"/>
+          <p:cNvSpPr/>
+          <p:nvPr/>
+        </p:nvSpPr>
+        <p:spPr>
+          <a:xfrm>
+            <a:off x="5220072" y="2852936"/>
+            <a:ext cx="1315020" cy="720080"/>
+          </a:xfrm>
+          <a:prstGeom prst="rightArrow">
+            <a:avLst/>
+          </a:prstGeom>
+        </p:spPr>
+        <p:style>
+          <a:lnRef idx="2">
+            <a:schemeClr val="accent1">
+              <a:shade val="50000"/>
+            </a:schemeClr>
+          </a:lnRef>
+          <a:fillRef idx="1">
+            <a:schemeClr val="accent1"/>
+          </a:fillRef>
+          <a:effectRef idx="0">
+            <a:schemeClr val="accent1"/>
+          </a:effectRef>
+          <a:fontRef idx="minor">
+            <a:schemeClr val="lt1"/>
+          </a:fontRef>
+        </p:style>
+        <p:txBody>
+          <a:bodyPr rtlCol="1" anchor="ctr"/>
+          <a:lstStyle/>
+          <a:p>
+            <a:pPr algn="ctr"/>
+            <a:endParaRPr lang="he-IL"/>
+          </a:p>
+        </p:txBody>
+      </p:sp>
+      <p:sp>
+        <p:nvSpPr>
+          <p:cNvPr id="4" name="TextBox 3"/>
+          <p:cNvSpPr txBox="1"/>
+          <p:nvPr/>
+        </p:nvSpPr>
+        <p:spPr>
+          <a:xfrm>
+            <a:off x="6732240" y="2721694"/>
+            <a:ext cx="2089961" cy="923330"/>
+          </a:xfrm>
+          <a:prstGeom prst="rect">
+            <a:avLst/>
+          </a:prstGeom>
+          <a:gradFill>
+            <a:gsLst>
+              <a:gs pos="0">
+                <a:schemeClr val="accent1">
+                  <a:lumMod val="5000"/>
+                  <a:lumOff val="95000"/>
+                </a:schemeClr>
+              </a:gs>
+              <a:gs pos="74000">
+                <a:schemeClr val="accent1">
+                  <a:lumMod val="45000"/>
+                  <a:lumOff val="55000"/>
+                </a:schemeClr>
+              </a:gs>
+              <a:gs pos="83000">
+                <a:schemeClr val="accent1">
+                  <a:lumMod val="45000"/>
+                  <a:lumOff val="55000"/>
+                </a:schemeClr>
+              </a:gs>
+              <a:gs pos="100000">
+                <a:schemeClr val="accent1">
+                  <a:lumMod val="30000"/>
+                  <a:lumOff val="70000"/>
+                </a:schemeClr>
+              </a:gs>
+            </a:gsLst>
+            <a:lin ang="5400000" scaled="1"/>
+          </a:gradFill>
+        </p:spPr>
+        <p:txBody>
+          <a:bodyPr wrap="square" rtlCol="1">
+            <a:spAutoFit/>
+          </a:bodyPr>
+          <a:lstStyle/>
+          <a:p>
+            <a:pPr algn="ctr" rtl="0"/>
+            <a:r>
+              <a:rPr lang="en-US" b="1" dirty="0">
+                <a:solidFill>
+                  <a:schemeClr val="accent5">
+                    <a:lumMod val="75000"/>
+                  </a:schemeClr>
+                </a:solidFill>
+                <a:latin typeface="Tahoma" panose="020B0604030504040204" pitchFamily="34" charset="0"/>
+                <a:ea typeface="Tahoma" panose="020B0604030504040204" pitchFamily="34" charset="0"/>
+                <a:cs typeface="Tahoma" panose="020B0604030504040204" pitchFamily="34" charset="0"/>
+              </a:rPr>
+              <a:t>Fancy - Iggy Azalea </a:t>
+            </a:r>
+            <a:r>
+              <a:rPr lang="en-US" b="1" dirty="0" smtClean="0">
+                <a:solidFill>
+                  <a:schemeClr val="accent5">
+                    <a:lumMod val="75000"/>
+                  </a:schemeClr>
+                </a:solidFill>
+                <a:latin typeface="Tahoma" panose="020B0604030504040204" pitchFamily="34" charset="0"/>
+                <a:ea typeface="Tahoma" panose="020B0604030504040204" pitchFamily="34" charset="0"/>
+                <a:cs typeface="Tahoma" panose="020B0604030504040204" pitchFamily="34" charset="0"/>
+              </a:rPr>
+              <a:t>Feat. Charli XCX</a:t>
+            </a:r>
+          </a:p>
+        </p:txBody>
+      </p:sp>
+      <p:graphicFrame>
+        <p:nvGraphicFramePr>
+          <p:cNvPr id="11" name="Table 10"/>
+          <p:cNvGraphicFramePr>
+            <a:graphicFrameLocks noGrp="1"/>
+          </p:cNvGraphicFramePr>
+          <p:nvPr>
+            <p:extLst>
+              <p:ext uri="{D42A27DB-BD31-4B8C-83A1-F6EECF244321}">
+                <p14:modId xmlns:p14="http://schemas.microsoft.com/office/powerpoint/2010/main" val="1448195351"/>
+              </p:ext>
+            </p:extLst>
+          </p:nvPr>
+        </p:nvGraphicFramePr>
+        <p:xfrm>
+          <a:off x="628550" y="2348969"/>
+          <a:ext cx="3943450" cy="2225040"/>
+        </p:xfrm>
+        <a:graphic>
+          <a:graphicData uri="http://schemas.openxmlformats.org/drawingml/2006/table">
+            <a:tbl>
+              <a:tblPr rtl="1">
+                <a:tableStyleId>{3C2FFA5D-87B4-456A-9821-1D502468CF0F}</a:tableStyleId>
+              </a:tblPr>
+              <a:tblGrid>
+                <a:gridCol w="3366984"/>
+                <a:gridCol w="576466"/>
+              </a:tblGrid>
+              <a:tr h="360040">
+                <a:tc>
+                  <a:txBody>
+                    <a:bodyPr/>
+                    <a:lstStyle/>
+                    <a:p>
+                      <a:pPr algn="l" rtl="0" fontAlgn="b"/>
+                      <a:r>
+                        <a:rPr lang="fr-FR" sz="1800" b="1" u="none" strike="noStrike" dirty="0" err="1">
+                          <a:solidFill>
+                            <a:srgbClr val="0070C0"/>
+                          </a:solidFill>
+                          <a:effectLst/>
+                          <a:latin typeface="Tahoma" panose="020B0604030504040204" pitchFamily="34" charset="0"/>
+                          <a:ea typeface="Tahoma" panose="020B0604030504040204" pitchFamily="34" charset="0"/>
+                          <a:cs typeface="Tahoma" panose="020B0604030504040204" pitchFamily="34" charset="0"/>
+                        </a:rPr>
+                        <a:t>Billionaire</a:t>
+                      </a:r>
+                      <a:r>
+                        <a:rPr lang="fr-FR" sz="1800" b="1" u="none" strike="noStrike" dirty="0">
+                          <a:solidFill>
+                            <a:srgbClr val="0070C0"/>
+                          </a:solidFill>
+                          <a:effectLst/>
+                          <a:latin typeface="Tahoma" panose="020B0604030504040204" pitchFamily="34" charset="0"/>
+                          <a:ea typeface="Tahoma" panose="020B0604030504040204" pitchFamily="34" charset="0"/>
+                          <a:cs typeface="Tahoma" panose="020B0604030504040204" pitchFamily="34" charset="0"/>
+                        </a:rPr>
+                        <a:t> - </a:t>
+                      </a:r>
+                      <a:r>
+                        <a:rPr lang="fr-FR" sz="1800" b="1" u="none" strike="noStrike" dirty="0" err="1">
+                          <a:solidFill>
+                            <a:srgbClr val="0070C0"/>
+                          </a:solidFill>
+                          <a:effectLst/>
+                          <a:latin typeface="Tahoma" panose="020B0604030504040204" pitchFamily="34" charset="0"/>
+                          <a:ea typeface="Tahoma" panose="020B0604030504040204" pitchFamily="34" charset="0"/>
+                          <a:cs typeface="Tahoma" panose="020B0604030504040204" pitchFamily="34" charset="0"/>
+                        </a:rPr>
+                        <a:t>Travie</a:t>
+                      </a:r>
+                      <a:r>
+                        <a:rPr lang="fr-FR" sz="1800" b="1" u="none" strike="noStrike" dirty="0">
+                          <a:solidFill>
+                            <a:srgbClr val="0070C0"/>
+                          </a:solidFill>
+                          <a:effectLst/>
+                          <a:latin typeface="Tahoma" panose="020B0604030504040204" pitchFamily="34" charset="0"/>
+                          <a:ea typeface="Tahoma" panose="020B0604030504040204" pitchFamily="34" charset="0"/>
+                          <a:cs typeface="Tahoma" panose="020B0604030504040204" pitchFamily="34" charset="0"/>
+                        </a:rPr>
+                        <a:t> </a:t>
+                      </a:r>
+                      <a:r>
+                        <a:rPr lang="fr-FR" sz="1800" b="1" u="none" strike="noStrike" dirty="0" err="1">
+                          <a:solidFill>
+                            <a:srgbClr val="0070C0"/>
+                          </a:solidFill>
+                          <a:effectLst/>
+                          <a:latin typeface="Tahoma" panose="020B0604030504040204" pitchFamily="34" charset="0"/>
+                          <a:ea typeface="Tahoma" panose="020B0604030504040204" pitchFamily="34" charset="0"/>
+                          <a:cs typeface="Tahoma" panose="020B0604030504040204" pitchFamily="34" charset="0"/>
+                        </a:rPr>
+                        <a:t>McCoy</a:t>
+                      </a:r>
+                      <a:r>
+                        <a:rPr lang="fr-FR" sz="1800" b="1" u="none" strike="noStrike" dirty="0">
+                          <a:solidFill>
+                            <a:srgbClr val="0070C0"/>
+                          </a:solidFill>
+                          <a:effectLst/>
+                          <a:latin typeface="Tahoma" panose="020B0604030504040204" pitchFamily="34" charset="0"/>
+                          <a:ea typeface="Tahoma" panose="020B0604030504040204" pitchFamily="34" charset="0"/>
+                          <a:cs typeface="Tahoma" panose="020B0604030504040204" pitchFamily="34" charset="0"/>
+                        </a:rPr>
+                        <a:t> </a:t>
+                      </a:r>
+                      <a:r>
+                        <a:rPr lang="fr-FR" sz="1800" b="1" u="none" strike="noStrike" dirty="0" err="1">
+                          <a:solidFill>
+                            <a:srgbClr val="0070C0"/>
+                          </a:solidFill>
+                          <a:effectLst/>
+                          <a:latin typeface="Tahoma" panose="020B0604030504040204" pitchFamily="34" charset="0"/>
+                          <a:ea typeface="Tahoma" panose="020B0604030504040204" pitchFamily="34" charset="0"/>
+                          <a:cs typeface="Tahoma" panose="020B0604030504040204" pitchFamily="34" charset="0"/>
+                        </a:rPr>
+                        <a:t>feat</a:t>
+                      </a:r>
+                      <a:r>
+                        <a:rPr lang="fr-FR" sz="1800" b="1" u="none" strike="noStrike" dirty="0">
+                          <a:solidFill>
+                            <a:srgbClr val="0070C0"/>
+                          </a:solidFill>
+                          <a:effectLst/>
+                          <a:latin typeface="Tahoma" panose="020B0604030504040204" pitchFamily="34" charset="0"/>
+                          <a:ea typeface="Tahoma" panose="020B0604030504040204" pitchFamily="34" charset="0"/>
+                          <a:cs typeface="Tahoma" panose="020B0604030504040204" pitchFamily="34" charset="0"/>
+                        </a:rPr>
+                        <a:t>. Bruno Mars</a:t>
+                      </a:r>
+                      <a:endParaRPr lang="fr-FR" sz="1800" b="1" i="0" u="none" strike="noStrike" dirty="0">
+                        <a:solidFill>
+                          <a:srgbClr val="0070C0"/>
+                        </a:solidFill>
+                        <a:effectLst/>
+                        <a:latin typeface="Tahoma" panose="020B0604030504040204" pitchFamily="34" charset="0"/>
+                        <a:ea typeface="Tahoma" panose="020B0604030504040204" pitchFamily="34" charset="0"/>
+                        <a:cs typeface="Tahoma" panose="020B0604030504040204" pitchFamily="34" charset="0"/>
+                      </a:endParaRPr>
+                    </a:p>
+                  </a:txBody>
+                  <a:tcPr marL="7620" marR="7620" marT="7620" marB="0" anchor="b"/>
+                </a:tc>
+                <a:tc>
+                  <a:txBody>
+                    <a:bodyPr/>
+                    <a:lstStyle/>
+                    <a:p>
+                      <a:pPr algn="l" rtl="0" fontAlgn="b"/>
+                      <a:r>
+                        <a:rPr lang="fr-FR" sz="1800" b="1" i="0" u="none" strike="noStrike" dirty="0" smtClean="0">
+                          <a:solidFill>
+                            <a:srgbClr val="0070C0"/>
+                          </a:solidFill>
+                          <a:effectLst/>
+                          <a:latin typeface="Tahoma" panose="020B0604030504040204" pitchFamily="34" charset="0"/>
+                          <a:ea typeface="Tahoma" panose="020B0604030504040204" pitchFamily="34" charset="0"/>
+                          <a:cs typeface="Tahoma" panose="020B0604030504040204" pitchFamily="34" charset="0"/>
+                        </a:rPr>
+                        <a:t>1</a:t>
+                      </a:r>
+                      <a:endParaRPr lang="fr-FR" sz="1800" b="1" i="0" u="none" strike="noStrike" dirty="0">
+                        <a:solidFill>
+                          <a:srgbClr val="0070C0"/>
+                        </a:solidFill>
+                        <a:effectLst/>
+                        <a:latin typeface="Tahoma" panose="020B0604030504040204" pitchFamily="34" charset="0"/>
+                        <a:ea typeface="Tahoma" panose="020B0604030504040204" pitchFamily="34" charset="0"/>
+                        <a:cs typeface="Tahoma" panose="020B0604030504040204" pitchFamily="34" charset="0"/>
+                      </a:endParaRPr>
+                    </a:p>
+                  </a:txBody>
+                  <a:tcPr marL="7620" marR="7620" marT="7620" marB="0" anchor="b"/>
+                </a:tc>
+              </a:tr>
+              <a:tr h="360040">
+                <a:tc>
+                  <a:txBody>
+                    <a:bodyPr/>
+                    <a:lstStyle/>
+                    <a:p>
+                      <a:pPr algn="l" rtl="0" fontAlgn="b"/>
+                      <a:r>
+                        <a:rPr lang="en-US" sz="1800" b="1" u="none" strike="noStrike" dirty="0">
+                          <a:solidFill>
+                            <a:srgbClr val="0070C0"/>
+                          </a:solidFill>
+                          <a:effectLst/>
+                          <a:latin typeface="Tahoma" panose="020B0604030504040204" pitchFamily="34" charset="0"/>
+                          <a:ea typeface="Tahoma" panose="020B0604030504040204" pitchFamily="34" charset="0"/>
+                          <a:cs typeface="Tahoma" panose="020B0604030504040204" pitchFamily="34" charset="0"/>
+                        </a:rPr>
+                        <a:t>Price Tag </a:t>
+                      </a:r>
+                      <a:r>
+                        <a:rPr lang="en-US" sz="1800" b="1" u="none" strike="noStrike" dirty="0" smtClean="0">
+                          <a:solidFill>
+                            <a:srgbClr val="0070C0"/>
+                          </a:solidFill>
+                          <a:effectLst/>
+                          <a:latin typeface="Tahoma" panose="020B0604030504040204" pitchFamily="34" charset="0"/>
+                          <a:ea typeface="Tahoma" panose="020B0604030504040204" pitchFamily="34" charset="0"/>
+                          <a:cs typeface="Tahoma" panose="020B0604030504040204" pitchFamily="34" charset="0"/>
+                        </a:rPr>
+                        <a:t>- </a:t>
+                      </a:r>
+                      <a:r>
+                        <a:rPr lang="en-US" sz="1800" b="1" u="none" strike="noStrike" dirty="0">
+                          <a:solidFill>
+                            <a:srgbClr val="0070C0"/>
+                          </a:solidFill>
+                          <a:effectLst/>
+                          <a:latin typeface="Tahoma" panose="020B0604030504040204" pitchFamily="34" charset="0"/>
+                          <a:ea typeface="Tahoma" panose="020B0604030504040204" pitchFamily="34" charset="0"/>
+                          <a:cs typeface="Tahoma" panose="020B0604030504040204" pitchFamily="34" charset="0"/>
+                        </a:rPr>
+                        <a:t>Jessie J Feat. </a:t>
+                      </a:r>
+                      <a:r>
+                        <a:rPr lang="en-US" sz="1800" b="1" u="none" strike="noStrike" dirty="0" err="1">
+                          <a:solidFill>
+                            <a:srgbClr val="0070C0"/>
+                          </a:solidFill>
+                          <a:effectLst/>
+                          <a:latin typeface="Tahoma" panose="020B0604030504040204" pitchFamily="34" charset="0"/>
+                          <a:ea typeface="Tahoma" panose="020B0604030504040204" pitchFamily="34" charset="0"/>
+                          <a:cs typeface="Tahoma" panose="020B0604030504040204" pitchFamily="34" charset="0"/>
+                        </a:rPr>
+                        <a:t>B.o.B</a:t>
+                      </a:r>
+                      <a:endParaRPr lang="en-US" sz="1800" b="1" i="0" u="none" strike="noStrike" dirty="0">
+                        <a:solidFill>
+                          <a:srgbClr val="0070C0"/>
+                        </a:solidFill>
+                        <a:effectLst/>
+                        <a:latin typeface="Tahoma" panose="020B0604030504040204" pitchFamily="34" charset="0"/>
+                        <a:ea typeface="Tahoma" panose="020B0604030504040204" pitchFamily="34" charset="0"/>
+                        <a:cs typeface="Tahoma" panose="020B0604030504040204" pitchFamily="34" charset="0"/>
+                      </a:endParaRPr>
+                    </a:p>
+                  </a:txBody>
+                  <a:tcPr marL="7620" marR="7620" marT="7620" marB="0" anchor="b"/>
+                </a:tc>
+                <a:tc>
+                  <a:txBody>
+                    <a:bodyPr/>
+                    <a:lstStyle/>
+                    <a:p>
+                      <a:pPr algn="l" rtl="0" fontAlgn="b"/>
+                      <a:r>
+                        <a:rPr lang="en-US" sz="1800" b="1" i="0" u="none" strike="noStrike" dirty="0" smtClean="0">
+                          <a:solidFill>
+                            <a:srgbClr val="0070C0"/>
+                          </a:solidFill>
+                          <a:effectLst/>
+                          <a:latin typeface="Tahoma" panose="020B0604030504040204" pitchFamily="34" charset="0"/>
+                          <a:ea typeface="Tahoma" panose="020B0604030504040204" pitchFamily="34" charset="0"/>
+                          <a:cs typeface="Tahoma" panose="020B0604030504040204" pitchFamily="34" charset="0"/>
+                        </a:rPr>
+                        <a:t>2</a:t>
+                      </a:r>
+                      <a:endParaRPr lang="en-US" sz="1800" b="1" i="0" u="none" strike="noStrike" dirty="0">
+                        <a:solidFill>
+                          <a:srgbClr val="0070C0"/>
+                        </a:solidFill>
+                        <a:effectLst/>
+                        <a:latin typeface="Tahoma" panose="020B0604030504040204" pitchFamily="34" charset="0"/>
+                        <a:ea typeface="Tahoma" panose="020B0604030504040204" pitchFamily="34" charset="0"/>
+                        <a:cs typeface="Tahoma" panose="020B0604030504040204" pitchFamily="34" charset="0"/>
+                      </a:endParaRPr>
+                    </a:p>
+                  </a:txBody>
+                  <a:tcPr marL="7620" marR="7620" marT="7620" marB="0" anchor="b"/>
+                </a:tc>
+              </a:tr>
+              <a:tr h="290622">
+                <a:tc>
+                  <a:txBody>
+                    <a:bodyPr/>
+                    <a:lstStyle/>
+                    <a:p>
+                      <a:pPr algn="l" rtl="0" fontAlgn="b"/>
+                      <a:r>
+                        <a:rPr lang="en-US" sz="1800" b="1" u="none" strike="noStrike" dirty="0">
+                          <a:solidFill>
+                            <a:srgbClr val="0070C0"/>
+                          </a:solidFill>
+                          <a:effectLst/>
+                          <a:latin typeface="Tahoma" panose="020B0604030504040204" pitchFamily="34" charset="0"/>
+                          <a:ea typeface="Tahoma" panose="020B0604030504040204" pitchFamily="34" charset="0"/>
+                          <a:cs typeface="Tahoma" panose="020B0604030504040204" pitchFamily="34" charset="0"/>
+                        </a:rPr>
+                        <a:t>Baby Boy - </a:t>
+                      </a:r>
+                      <a:r>
+                        <a:rPr lang="en-US" sz="1800" b="1" u="none" strike="noStrike" dirty="0" err="1">
+                          <a:solidFill>
+                            <a:srgbClr val="0070C0"/>
+                          </a:solidFill>
+                          <a:effectLst/>
+                          <a:latin typeface="Tahoma" panose="020B0604030504040204" pitchFamily="34" charset="0"/>
+                          <a:ea typeface="Tahoma" panose="020B0604030504040204" pitchFamily="34" charset="0"/>
+                          <a:cs typeface="Tahoma" panose="020B0604030504040204" pitchFamily="34" charset="0"/>
+                        </a:rPr>
+                        <a:t>Beyonce</a:t>
+                      </a:r>
+                      <a:r>
+                        <a:rPr lang="en-US" sz="1800" b="1" u="none" strike="noStrike" dirty="0">
+                          <a:solidFill>
+                            <a:srgbClr val="0070C0"/>
+                          </a:solidFill>
+                          <a:effectLst/>
+                          <a:latin typeface="Tahoma" panose="020B0604030504040204" pitchFamily="34" charset="0"/>
+                          <a:ea typeface="Tahoma" panose="020B0604030504040204" pitchFamily="34" charset="0"/>
+                          <a:cs typeface="Tahoma" panose="020B0604030504040204" pitchFamily="34" charset="0"/>
+                        </a:rPr>
+                        <a:t> Feat. Sean </a:t>
+                      </a:r>
+                      <a:r>
+                        <a:rPr lang="en-US" sz="1800" b="1" u="none" strike="noStrike" dirty="0" smtClean="0">
+                          <a:solidFill>
+                            <a:srgbClr val="0070C0"/>
+                          </a:solidFill>
+                          <a:effectLst/>
+                          <a:latin typeface="Tahoma" panose="020B0604030504040204" pitchFamily="34" charset="0"/>
+                          <a:ea typeface="Tahoma" panose="020B0604030504040204" pitchFamily="34" charset="0"/>
+                          <a:cs typeface="Tahoma" panose="020B0604030504040204" pitchFamily="34" charset="0"/>
+                        </a:rPr>
+                        <a:t>Paul</a:t>
+                      </a:r>
+                    </a:p>
+                  </a:txBody>
+                  <a:tcPr marL="7620" marR="7620" marT="7620" marB="0" anchor="b"/>
+                </a:tc>
+                <a:tc>
+                  <a:txBody>
+                    <a:bodyPr/>
+                    <a:lstStyle/>
+                    <a:p>
+                      <a:pPr algn="l" rtl="0" fontAlgn="b"/>
+                      <a:r>
+                        <a:rPr lang="en-US" sz="1800" b="1" i="0" u="none" strike="noStrike" dirty="0" smtClean="0">
+                          <a:solidFill>
+                            <a:srgbClr val="0070C0"/>
+                          </a:solidFill>
+                          <a:effectLst/>
+                          <a:latin typeface="Tahoma" panose="020B0604030504040204" pitchFamily="34" charset="0"/>
+                          <a:ea typeface="Tahoma" panose="020B0604030504040204" pitchFamily="34" charset="0"/>
+                          <a:cs typeface="Tahoma" panose="020B0604030504040204" pitchFamily="34" charset="0"/>
+                        </a:rPr>
+                        <a:t>3</a:t>
+                      </a:r>
+                      <a:endParaRPr lang="en-US" sz="1800" b="1" i="0" u="none" strike="noStrike" dirty="0">
+                        <a:solidFill>
+                          <a:srgbClr val="0070C0"/>
+                        </a:solidFill>
+                        <a:effectLst/>
+                        <a:latin typeface="Tahoma" panose="020B0604030504040204" pitchFamily="34" charset="0"/>
+                        <a:ea typeface="Tahoma" panose="020B0604030504040204" pitchFamily="34" charset="0"/>
+                        <a:cs typeface="Tahoma" panose="020B0604030504040204" pitchFamily="34" charset="0"/>
+                      </a:endParaRPr>
+                    </a:p>
+                  </a:txBody>
+                  <a:tcPr marL="7620" marR="7620" marT="7620" marB="0" anchor="b"/>
+                </a:tc>
+              </a:tr>
+              <a:tr h="290622">
+                <a:tc>
+                  <a:txBody>
+                    <a:bodyPr/>
+                    <a:lstStyle/>
+                    <a:p>
+                      <a:pPr marL="0" marR="0" indent="0" algn="l" defTabSz="914400" rtl="0" eaLnBrk="1" fontAlgn="b" latinLnBrk="0" hangingPunct="1">
+                        <a:lnSpc>
+                          <a:spcPct val="100000"/>
+                        </a:lnSpc>
+                        <a:spcBef>
+                          <a:spcPts val="0"/>
+                        </a:spcBef>
+                        <a:spcAft>
+                          <a:spcPts val="0"/>
+                        </a:spcAft>
+                        <a:buClrTx/>
+                        <a:buSzTx/>
+                        <a:buFontTx/>
+                        <a:buNone/>
+                        <a:tabLst/>
+                        <a:defRPr/>
+                      </a:pPr>
+                      <a:r>
+                        <a:rPr lang="en-US" b="1" dirty="0" err="1" smtClean="0">
+                          <a:solidFill>
+                            <a:schemeClr val="accent5">
+                              <a:lumMod val="75000"/>
+                            </a:schemeClr>
+                          </a:solidFill>
+                          <a:latin typeface="Tahoma" panose="020B0604030504040204" pitchFamily="34" charset="0"/>
+                          <a:ea typeface="Tahoma" panose="020B0604030504040204" pitchFamily="34" charset="0"/>
+                          <a:cs typeface="Tahoma" panose="020B0604030504040204" pitchFamily="34" charset="0"/>
+                        </a:rPr>
+                        <a:t>Beyonce</a:t>
+                      </a:r>
+                      <a:r>
+                        <a:rPr lang="en-US" b="1" dirty="0" smtClean="0">
+                          <a:solidFill>
+                            <a:schemeClr val="accent5">
+                              <a:lumMod val="75000"/>
+                            </a:schemeClr>
+                          </a:solidFill>
+                          <a:latin typeface="Tahoma" panose="020B0604030504040204" pitchFamily="34" charset="0"/>
+                          <a:ea typeface="Tahoma" panose="020B0604030504040204" pitchFamily="34" charset="0"/>
+                          <a:cs typeface="Tahoma" panose="020B0604030504040204" pitchFamily="34" charset="0"/>
+                        </a:rPr>
+                        <a:t> Knowles ft. Jay-Z - Crazy In Love</a:t>
+                      </a:r>
+                    </a:p>
+                  </a:txBody>
+                  <a:tcPr marL="7620" marR="7620" marT="7620" marB="0" anchor="b"/>
+                </a:tc>
+                <a:tc>
+                  <a:txBody>
+                    <a:bodyPr/>
+                    <a:lstStyle/>
+                    <a:p>
+                      <a:pPr algn="l" rtl="0" fontAlgn="b"/>
+                      <a:r>
+                        <a:rPr lang="en-US" sz="1800" b="1" i="0" u="none" strike="noStrike" dirty="0" smtClean="0">
+                          <a:solidFill>
+                            <a:schemeClr val="accent5">
+                              <a:lumMod val="75000"/>
+                            </a:schemeClr>
+                          </a:solidFill>
+                          <a:effectLst/>
+                          <a:latin typeface="Tahoma" panose="020B0604030504040204" pitchFamily="34" charset="0"/>
+                          <a:ea typeface="Tahoma" panose="020B0604030504040204" pitchFamily="34" charset="0"/>
+                          <a:cs typeface="Tahoma" panose="020B0604030504040204" pitchFamily="34" charset="0"/>
+                        </a:rPr>
+                        <a:t>4</a:t>
+                      </a:r>
+                      <a:endParaRPr lang="en-US" sz="1800" b="1" i="0" u="none" strike="noStrike" dirty="0">
+                        <a:solidFill>
+                          <a:schemeClr val="accent5">
+                            <a:lumMod val="75000"/>
+                          </a:schemeClr>
+                        </a:solidFill>
+                        <a:effectLst/>
+                        <a:latin typeface="Tahoma" panose="020B0604030504040204" pitchFamily="34" charset="0"/>
+                        <a:ea typeface="Tahoma" panose="020B0604030504040204" pitchFamily="34" charset="0"/>
+                        <a:cs typeface="Tahoma" panose="020B0604030504040204" pitchFamily="34" charset="0"/>
+                      </a:endParaRPr>
+                    </a:p>
+                  </a:txBody>
+                  <a:tcPr marL="7620" marR="7620" marT="7620" marB="0" anchor="b"/>
+                </a:tc>
+              </a:tr>
+            </a:tbl>
+          </a:graphicData>
+        </a:graphic>
+      </p:graphicFrame>
+    </p:spTree>
+    <p:extLst>
+      <p:ext uri="{BB962C8B-B14F-4D97-AF65-F5344CB8AC3E}">
+        <p14:creationId xmlns:p14="http://schemas.microsoft.com/office/powerpoint/2010/main" val="1557508939"/>
+      </p:ext>
+    </p:extLst>
+  </p:cSld>
+  <p:clrMapOvr>
+    <a:masterClrMapping/>
+  </p:clrMapOvr>
+  <p:transition spd="slow" advTm="7958"/>
+  <p:timing>
+    <p:tnLst>
+      <p:par>
+        <p:cTn id="1" dur="indefinite" restart="never" nodeType="tmRoot"/>
+      </p:par>
+    </p:tnLst>
   </p:timing>
 </p:sld>
 </file>
